--- a/Documentation/AseoMatic.pptx
+++ b/Documentation/AseoMatic.pptx
@@ -313,7 +313,7 @@
       </p15:notesGuideLst>
     </p:ext>
     <p:ext uri="http://customooxmlschemas.google.com/">
-      <go:slidesCustomData xmlns:go="http://customooxmlschemas.google.com/" xmlns:p15="http://schemas.microsoft.com/office/powerpoint/2012/main" xmlns:p14="http://schemas.microsoft.com/office/powerpoint/2010/main" xmlns:com="http://schemas.openxmlformats.org/drawingml/2006/compatibility" xmlns:pvml="urn:schemas-microsoft-com:office:powerpoint" xmlns:v="urn:schemas-microsoft-com:vml" xmlns:o="urn:schemas-microsoft-com:office:office" xmlns:dgm="http://schemas.openxmlformats.org/drawingml/2006/diagram" xmlns:c="http://schemas.openxmlformats.org/drawingml/2006/chart" xmlns:mv="urn:schemas-microsoft-com:mac:vml" xmlns:mc="http://schemas.openxmlformats.org/markup-compatibility/2006" xmlns="" r:id="rId46" roundtripDataSignature="AMtx7mhjJmz1Vlyn02yKCHItcX+SGp0+8Q=="/>
+      <go:slidesCustomData xmlns="" xmlns:mc="http://schemas.openxmlformats.org/markup-compatibility/2006" xmlns:mv="urn:schemas-microsoft-com:mac:vml" xmlns:c="http://schemas.openxmlformats.org/drawingml/2006/chart" xmlns:dgm="http://schemas.openxmlformats.org/drawingml/2006/diagram" xmlns:o="urn:schemas-microsoft-com:office:office" xmlns:v="urn:schemas-microsoft-com:vml" xmlns:pvml="urn:schemas-microsoft-com:office:powerpoint" xmlns:com="http://schemas.openxmlformats.org/drawingml/2006/compatibility" xmlns:p14="http://schemas.microsoft.com/office/powerpoint/2010/main" xmlns:p15="http://schemas.microsoft.com/office/powerpoint/2012/main" xmlns:go="http://customooxmlschemas.google.com/" r:id="rId46" roundtripDataSignature="AMtx7mhjJmz1Vlyn02yKCHItcX+SGp0+8Q=="/>
     </p:ext>
   </p:extLst>
 </p:presentation>
@@ -12710,7 +12710,7 @@
       </p:sp>
       <p:pic>
         <p:nvPicPr>
-          <p:cNvPr id="3" name="Imagen 2"/>
+          <p:cNvPr id="2" name="Imagen 1"/>
           <p:cNvPicPr>
             <a:picLocks noChangeAspect="1"/>
           </p:cNvPicPr>
@@ -12730,8 +12730,8 @@
         </p:blipFill>
         <p:spPr>
           <a:xfrm>
-            <a:off x="0" y="2510736"/>
-            <a:ext cx="9144000" cy="4051850"/>
+            <a:off x="-5742" y="1993215"/>
+            <a:ext cx="9144000" cy="4746932"/>
           </a:xfrm>
           <a:prstGeom prst="rect">
             <a:avLst/>

--- a/Documentation/AseoMatic.pptx
+++ b/Documentation/AseoMatic.pptx
@@ -5,7 +5,7 @@
     <p:sldMasterId id="2147483648" r:id="rId1"/>
   </p:sldMasterIdLst>
   <p:notesMasterIdLst>
-    <p:notesMasterId r:id="rId45"/>
+    <p:notesMasterId r:id="rId44"/>
   </p:notesMasterIdLst>
   <p:sldIdLst>
     <p:sldId id="256" r:id="rId2"/>
@@ -29,28 +29,27 @@
     <p:sldId id="347" r:id="rId20"/>
     <p:sldId id="322" r:id="rId21"/>
     <p:sldId id="323" r:id="rId22"/>
-    <p:sldId id="324" r:id="rId23"/>
-    <p:sldId id="325" r:id="rId24"/>
-    <p:sldId id="326" r:id="rId25"/>
-    <p:sldId id="327" r:id="rId26"/>
-    <p:sldId id="328" r:id="rId27"/>
-    <p:sldId id="329" r:id="rId28"/>
-    <p:sldId id="330" r:id="rId29"/>
-    <p:sldId id="331" r:id="rId30"/>
-    <p:sldId id="332" r:id="rId31"/>
-    <p:sldId id="333" r:id="rId32"/>
-    <p:sldId id="334" r:id="rId33"/>
-    <p:sldId id="335" r:id="rId34"/>
-    <p:sldId id="336" r:id="rId35"/>
-    <p:sldId id="337" r:id="rId36"/>
-    <p:sldId id="338" r:id="rId37"/>
-    <p:sldId id="339" r:id="rId38"/>
-    <p:sldId id="340" r:id="rId39"/>
-    <p:sldId id="341" r:id="rId40"/>
-    <p:sldId id="342" r:id="rId41"/>
-    <p:sldId id="343" r:id="rId42"/>
-    <p:sldId id="287" r:id="rId43"/>
-    <p:sldId id="288" r:id="rId44"/>
+    <p:sldId id="325" r:id="rId23"/>
+    <p:sldId id="326" r:id="rId24"/>
+    <p:sldId id="327" r:id="rId25"/>
+    <p:sldId id="328" r:id="rId26"/>
+    <p:sldId id="329" r:id="rId27"/>
+    <p:sldId id="330" r:id="rId28"/>
+    <p:sldId id="331" r:id="rId29"/>
+    <p:sldId id="332" r:id="rId30"/>
+    <p:sldId id="333" r:id="rId31"/>
+    <p:sldId id="334" r:id="rId32"/>
+    <p:sldId id="335" r:id="rId33"/>
+    <p:sldId id="336" r:id="rId34"/>
+    <p:sldId id="337" r:id="rId35"/>
+    <p:sldId id="338" r:id="rId36"/>
+    <p:sldId id="339" r:id="rId37"/>
+    <p:sldId id="340" r:id="rId38"/>
+    <p:sldId id="341" r:id="rId39"/>
+    <p:sldId id="342" r:id="rId40"/>
+    <p:sldId id="343" r:id="rId41"/>
+    <p:sldId id="287" r:id="rId42"/>
+    <p:sldId id="288" r:id="rId43"/>
   </p:sldIdLst>
   <p:sldSz cx="9144000" cy="6858000" type="screen4x3"/>
   <p:notesSz cx="6858000" cy="9144000"/>
@@ -313,7 +312,7 @@
       </p15:notesGuideLst>
     </p:ext>
     <p:ext uri="http://customooxmlschemas.google.com/">
-      <go:slidesCustomData xmlns="" xmlns:mc="http://schemas.openxmlformats.org/markup-compatibility/2006" xmlns:mv="urn:schemas-microsoft-com:mac:vml" xmlns:c="http://schemas.openxmlformats.org/drawingml/2006/chart" xmlns:dgm="http://schemas.openxmlformats.org/drawingml/2006/diagram" xmlns:o="urn:schemas-microsoft-com:office:office" xmlns:v="urn:schemas-microsoft-com:vml" xmlns:pvml="urn:schemas-microsoft-com:office:powerpoint" xmlns:com="http://schemas.openxmlformats.org/drawingml/2006/compatibility" xmlns:p14="http://schemas.microsoft.com/office/powerpoint/2010/main" xmlns:p15="http://schemas.microsoft.com/office/powerpoint/2012/main" xmlns:go="http://customooxmlschemas.google.com/" r:id="rId46" roundtripDataSignature="AMtx7mhjJmz1Vlyn02yKCHItcX+SGp0+8Q=="/>
+      <go:slidesCustomData xmlns:go="http://customooxmlschemas.google.com/" xmlns:p15="http://schemas.microsoft.com/office/powerpoint/2012/main" xmlns:p14="http://schemas.microsoft.com/office/powerpoint/2010/main" xmlns:com="http://schemas.openxmlformats.org/drawingml/2006/compatibility" xmlns:pvml="urn:schemas-microsoft-com:office:powerpoint" xmlns:v="urn:schemas-microsoft-com:vml" xmlns:o="urn:schemas-microsoft-com:office:office" xmlns:dgm="http://schemas.openxmlformats.org/drawingml/2006/diagram" xmlns:c="http://schemas.openxmlformats.org/drawingml/2006/chart" xmlns:mv="urn:schemas-microsoft-com:mac:vml" xmlns:mc="http://schemas.openxmlformats.org/markup-compatibility/2006" xmlns="" r:id="rId46" roundtripDataSignature="AMtx7mhjJmz1Vlyn02yKCHItcX+SGp0+8Q=="/>
     </p:ext>
   </p:extLst>
 </p:presentation>
@@ -9725,7 +9724,7 @@
               <a:t>Este proyecto se centra en la implementación de un sistema de información que busca reducir los tiempos del proceso actual de la empresa Equidad S.A.S  donde se establece la entrega de </a:t>
             </a:r>
             <a:r>
-              <a:rPr lang="es-MX" sz="2800" dirty="0" smtClean="0">
+              <a:rPr lang="es-MX" sz="2800" dirty="0">
                 <a:solidFill>
                   <a:srgbClr val="8A8A8A"/>
                 </a:solidFill>
@@ -9734,10 +9733,10 @@
                 <a:cs typeface="Calibri"/>
                 <a:sym typeface="Calibri"/>
               </a:rPr>
-              <a:t>5 </a:t>
+              <a:t>4</a:t>
             </a:r>
             <a:r>
-              <a:rPr lang="es-MX" sz="2800" dirty="0">
+              <a:rPr lang="es-MX" sz="2800" dirty="0" smtClean="0">
                 <a:solidFill>
                   <a:srgbClr val="8A8A8A"/>
                 </a:solidFill>
@@ -9746,7 +9745,43 @@
                 <a:cs typeface="Calibri"/>
                 <a:sym typeface="Calibri"/>
               </a:rPr>
-              <a:t>módulos los cuales son gestionar usuarios, gestionar certificados laborales y nomina, publicar noticias, </a:t>
+              <a:t> </a:t>
+            </a:r>
+            <a:r>
+              <a:rPr lang="es-MX" sz="2800" dirty="0">
+                <a:solidFill>
+                  <a:srgbClr val="8A8A8A"/>
+                </a:solidFill>
+                <a:latin typeface="Calibri"/>
+                <a:ea typeface="Calibri"/>
+                <a:cs typeface="Calibri"/>
+                <a:sym typeface="Calibri"/>
+              </a:rPr>
+              <a:t>módulos los cuales son gestionar usuarios, gestionar </a:t>
+            </a:r>
+            <a:r>
+              <a:rPr lang="es-MX" sz="2800" dirty="0" smtClean="0">
+                <a:solidFill>
+                  <a:srgbClr val="8A8A8A"/>
+                </a:solidFill>
+                <a:latin typeface="Calibri"/>
+                <a:ea typeface="Calibri"/>
+                <a:cs typeface="Calibri"/>
+                <a:sym typeface="Calibri"/>
+              </a:rPr>
+              <a:t>certificados de  </a:t>
+            </a:r>
+            <a:r>
+              <a:rPr lang="es-MX" sz="2800" dirty="0">
+                <a:solidFill>
+                  <a:srgbClr val="8A8A8A"/>
+                </a:solidFill>
+                <a:latin typeface="Calibri"/>
+                <a:ea typeface="Calibri"/>
+                <a:cs typeface="Calibri"/>
+                <a:sym typeface="Calibri"/>
+              </a:rPr>
+              <a:t>nomina, publicar noticias, </a:t>
             </a:r>
             <a:r>
               <a:rPr lang="es-MX" sz="2800" dirty="0" smtClean="0">
@@ -13899,580 +13934,6 @@
         </p:blipFill>
         <p:spPr>
           <a:xfrm>
-            <a:off x="1019175" y="1822208"/>
-            <a:ext cx="7105650" cy="4314825"/>
-          </a:xfrm>
-          <a:prstGeom prst="rect">
-            <a:avLst/>
-          </a:prstGeom>
-        </p:spPr>
-      </p:pic>
-      <p:sp>
-        <p:nvSpPr>
-          <p:cNvPr id="15" name="14 Rectángulo"/>
-          <p:cNvSpPr/>
-          <p:nvPr/>
-        </p:nvSpPr>
-        <p:spPr>
-          <a:xfrm rot="20796637">
-            <a:off x="-1033229" y="-310908"/>
-            <a:ext cx="10665350" cy="1608631"/>
-          </a:xfrm>
-          <a:prstGeom prst="rect">
-            <a:avLst/>
-          </a:prstGeom>
-          <a:solidFill>
-            <a:srgbClr val="92D050"/>
-          </a:solidFill>
-          <a:ln>
-            <a:noFill/>
-          </a:ln>
-          <a:effectLst/>
-        </p:spPr>
-        <p:style>
-          <a:lnRef idx="1">
-            <a:schemeClr val="accent1"/>
-          </a:lnRef>
-          <a:fillRef idx="3">
-            <a:schemeClr val="accent1"/>
-          </a:fillRef>
-          <a:effectRef idx="2">
-            <a:schemeClr val="accent1"/>
-          </a:effectRef>
-          <a:fontRef idx="minor">
-            <a:schemeClr val="lt1"/>
-          </a:fontRef>
-        </p:style>
-        <p:txBody>
-          <a:bodyPr rtlCol="0" anchor="ctr"/>
-          <a:lstStyle/>
-          <a:p>
-            <a:pPr algn="ctr"/>
-            <a:endParaRPr lang="es-CO" dirty="0"/>
-          </a:p>
-        </p:txBody>
-      </p:sp>
-      <p:sp>
-        <p:nvSpPr>
-          <p:cNvPr id="17" name="16 Rectángulo"/>
-          <p:cNvSpPr/>
-          <p:nvPr/>
-        </p:nvSpPr>
-        <p:spPr>
-          <a:xfrm rot="21241341">
-            <a:off x="-1002985" y="180847"/>
-            <a:ext cx="10631006" cy="1316776"/>
-          </a:xfrm>
-          <a:prstGeom prst="rect">
-            <a:avLst/>
-          </a:prstGeom>
-          <a:solidFill>
-            <a:srgbClr val="FFC000"/>
-          </a:solidFill>
-          <a:ln>
-            <a:noFill/>
-          </a:ln>
-          <a:effectLst/>
-        </p:spPr>
-        <p:style>
-          <a:lnRef idx="1">
-            <a:schemeClr val="accent1"/>
-          </a:lnRef>
-          <a:fillRef idx="3">
-            <a:schemeClr val="accent1"/>
-          </a:fillRef>
-          <a:effectRef idx="2">
-            <a:schemeClr val="accent1"/>
-          </a:effectRef>
-          <a:fontRef idx="minor">
-            <a:schemeClr val="lt1"/>
-          </a:fontRef>
-        </p:style>
-        <p:txBody>
-          <a:bodyPr rtlCol="0" anchor="ctr"/>
-          <a:lstStyle/>
-          <a:p>
-            <a:pPr algn="ctr"/>
-            <a:endParaRPr lang="es-CO" dirty="0"/>
-          </a:p>
-        </p:txBody>
-      </p:sp>
-      <p:sp>
-        <p:nvSpPr>
-          <p:cNvPr id="18" name="17 Rectángulo"/>
-          <p:cNvSpPr/>
-          <p:nvPr/>
-        </p:nvSpPr>
-        <p:spPr>
-          <a:xfrm>
-            <a:off x="-968311" y="198126"/>
-            <a:ext cx="10631006" cy="1425956"/>
-          </a:xfrm>
-          <a:prstGeom prst="rect">
-            <a:avLst/>
-          </a:prstGeom>
-          <a:solidFill>
-            <a:srgbClr val="0099A5"/>
-          </a:solidFill>
-          <a:ln>
-            <a:noFill/>
-          </a:ln>
-          <a:effectLst/>
-        </p:spPr>
-        <p:style>
-          <a:lnRef idx="1">
-            <a:schemeClr val="accent1"/>
-          </a:lnRef>
-          <a:fillRef idx="3">
-            <a:schemeClr val="accent1"/>
-          </a:fillRef>
-          <a:effectRef idx="2">
-            <a:schemeClr val="accent1"/>
-          </a:effectRef>
-          <a:fontRef idx="minor">
-            <a:schemeClr val="lt1"/>
-          </a:fontRef>
-        </p:style>
-        <p:txBody>
-          <a:bodyPr rtlCol="0" anchor="ctr"/>
-          <a:lstStyle/>
-          <a:p>
-            <a:pPr algn="ctr"/>
-            <a:endParaRPr lang="es-CO" dirty="0"/>
-          </a:p>
-        </p:txBody>
-      </p:sp>
-      <p:sp>
-        <p:nvSpPr>
-          <p:cNvPr id="7" name="Marcador de contenido 5"/>
-          <p:cNvSpPr txBox="1">
-            <a:spLocks/>
-          </p:cNvSpPr>
-          <p:nvPr/>
-        </p:nvSpPr>
-        <p:spPr>
-          <a:xfrm>
-            <a:off x="0" y="0"/>
-            <a:ext cx="9144000" cy="6857999"/>
-          </a:xfrm>
-          <a:prstGeom prst="rect">
-            <a:avLst/>
-          </a:prstGeom>
-        </p:spPr>
-        <p:txBody>
-          <a:bodyPr vert="horz" lIns="91440" tIns="45720" rIns="91440" bIns="45720" rtlCol="0">
-            <a:normAutofit/>
-          </a:bodyPr>
-          <a:lstStyle>
-            <a:lvl1pPr marL="342900" indent="-342900" algn="l" defTabSz="457200" rtl="0" eaLnBrk="1" latinLnBrk="0" hangingPunct="1">
-              <a:spcBef>
-                <a:spcPct val="20000"/>
-              </a:spcBef>
-              <a:buFont typeface="Arial"/>
-              <a:buChar char="•"/>
-              <a:defRPr sz="3200" kern="1200">
-                <a:solidFill>
-                  <a:schemeClr val="tx1"/>
-                </a:solidFill>
-                <a:latin typeface="+mn-lt"/>
-                <a:ea typeface="+mn-ea"/>
-                <a:cs typeface="+mn-cs"/>
-              </a:defRPr>
-            </a:lvl1pPr>
-            <a:lvl2pPr marL="742950" indent="-285750" algn="l" defTabSz="457200" rtl="0" eaLnBrk="1" latinLnBrk="0" hangingPunct="1">
-              <a:spcBef>
-                <a:spcPct val="20000"/>
-              </a:spcBef>
-              <a:buFont typeface="Arial"/>
-              <a:buChar char="–"/>
-              <a:defRPr sz="2800" kern="1200">
-                <a:solidFill>
-                  <a:schemeClr val="tx1"/>
-                </a:solidFill>
-                <a:latin typeface="+mn-lt"/>
-                <a:ea typeface="+mn-ea"/>
-                <a:cs typeface="+mn-cs"/>
-              </a:defRPr>
-            </a:lvl2pPr>
-            <a:lvl3pPr marL="1143000" indent="-228600" algn="l" defTabSz="457200" rtl="0" eaLnBrk="1" latinLnBrk="0" hangingPunct="1">
-              <a:spcBef>
-                <a:spcPct val="20000"/>
-              </a:spcBef>
-              <a:buFont typeface="Arial"/>
-              <a:buChar char="•"/>
-              <a:defRPr sz="2400" kern="1200">
-                <a:solidFill>
-                  <a:schemeClr val="tx1"/>
-                </a:solidFill>
-                <a:latin typeface="+mn-lt"/>
-                <a:ea typeface="+mn-ea"/>
-                <a:cs typeface="+mn-cs"/>
-              </a:defRPr>
-            </a:lvl3pPr>
-            <a:lvl4pPr marL="1600200" indent="-228600" algn="l" defTabSz="457200" rtl="0" eaLnBrk="1" latinLnBrk="0" hangingPunct="1">
-              <a:spcBef>
-                <a:spcPct val="20000"/>
-              </a:spcBef>
-              <a:buFont typeface="Arial"/>
-              <a:buChar char="–"/>
-              <a:defRPr sz="2000" kern="1200">
-                <a:solidFill>
-                  <a:schemeClr val="tx1"/>
-                </a:solidFill>
-                <a:latin typeface="+mn-lt"/>
-                <a:ea typeface="+mn-ea"/>
-                <a:cs typeface="+mn-cs"/>
-              </a:defRPr>
-            </a:lvl4pPr>
-            <a:lvl5pPr marL="2057400" indent="-228600" algn="l" defTabSz="457200" rtl="0" eaLnBrk="1" latinLnBrk="0" hangingPunct="1">
-              <a:spcBef>
-                <a:spcPct val="20000"/>
-              </a:spcBef>
-              <a:buFont typeface="Arial"/>
-              <a:buChar char="»"/>
-              <a:defRPr sz="2000" kern="1200">
-                <a:solidFill>
-                  <a:schemeClr val="tx1"/>
-                </a:solidFill>
-                <a:latin typeface="+mn-lt"/>
-                <a:ea typeface="+mn-ea"/>
-                <a:cs typeface="+mn-cs"/>
-              </a:defRPr>
-            </a:lvl5pPr>
-            <a:lvl6pPr marL="2514600" indent="-228600" algn="l" defTabSz="457200" rtl="0" eaLnBrk="1" latinLnBrk="0" hangingPunct="1">
-              <a:spcBef>
-                <a:spcPct val="20000"/>
-              </a:spcBef>
-              <a:buFont typeface="Arial"/>
-              <a:buChar char="•"/>
-              <a:defRPr sz="2000" kern="1200">
-                <a:solidFill>
-                  <a:schemeClr val="tx1"/>
-                </a:solidFill>
-                <a:latin typeface="+mn-lt"/>
-                <a:ea typeface="+mn-ea"/>
-                <a:cs typeface="+mn-cs"/>
-              </a:defRPr>
-            </a:lvl6pPr>
-            <a:lvl7pPr marL="2971800" indent="-228600" algn="l" defTabSz="457200" rtl="0" eaLnBrk="1" latinLnBrk="0" hangingPunct="1">
-              <a:spcBef>
-                <a:spcPct val="20000"/>
-              </a:spcBef>
-              <a:buFont typeface="Arial"/>
-              <a:buChar char="•"/>
-              <a:defRPr sz="2000" kern="1200">
-                <a:solidFill>
-                  <a:schemeClr val="tx1"/>
-                </a:solidFill>
-                <a:latin typeface="+mn-lt"/>
-                <a:ea typeface="+mn-ea"/>
-                <a:cs typeface="+mn-cs"/>
-              </a:defRPr>
-            </a:lvl7pPr>
-            <a:lvl8pPr marL="3429000" indent="-228600" algn="l" defTabSz="457200" rtl="0" eaLnBrk="1" latinLnBrk="0" hangingPunct="1">
-              <a:spcBef>
-                <a:spcPct val="20000"/>
-              </a:spcBef>
-              <a:buFont typeface="Arial"/>
-              <a:buChar char="•"/>
-              <a:defRPr sz="2000" kern="1200">
-                <a:solidFill>
-                  <a:schemeClr val="tx1"/>
-                </a:solidFill>
-                <a:latin typeface="+mn-lt"/>
-                <a:ea typeface="+mn-ea"/>
-                <a:cs typeface="+mn-cs"/>
-              </a:defRPr>
-            </a:lvl8pPr>
-            <a:lvl9pPr marL="3886200" indent="-228600" algn="l" defTabSz="457200" rtl="0" eaLnBrk="1" latinLnBrk="0" hangingPunct="1">
-              <a:spcBef>
-                <a:spcPct val="20000"/>
-              </a:spcBef>
-              <a:buFont typeface="Arial"/>
-              <a:buChar char="•"/>
-              <a:defRPr sz="2000" kern="1200">
-                <a:solidFill>
-                  <a:schemeClr val="tx1"/>
-                </a:solidFill>
-                <a:latin typeface="+mn-lt"/>
-                <a:ea typeface="+mn-ea"/>
-                <a:cs typeface="+mn-cs"/>
-              </a:defRPr>
-            </a:lvl9pPr>
-          </a:lstStyle>
-          <a:p>
-            <a:endParaRPr lang="es-ES" dirty="0"/>
-          </a:p>
-        </p:txBody>
-      </p:sp>
-      <p:sp>
-        <p:nvSpPr>
-          <p:cNvPr id="16" name="Título 1"/>
-          <p:cNvSpPr txBox="1">
-            <a:spLocks/>
-          </p:cNvSpPr>
-          <p:nvPr/>
-        </p:nvSpPr>
-        <p:spPr>
-          <a:xfrm>
-            <a:off x="364273" y="324984"/>
-            <a:ext cx="9069906" cy="887583"/>
-          </a:xfrm>
-          <a:prstGeom prst="rect">
-            <a:avLst/>
-          </a:prstGeom>
-        </p:spPr>
-        <p:txBody>
-          <a:bodyPr vert="horz" lIns="91440" tIns="45720" rIns="91440" bIns="45720" rtlCol="0" anchor="ctr">
-            <a:noAutofit/>
-          </a:bodyPr>
-          <a:lstStyle>
-            <a:lvl1pPr algn="ctr" defTabSz="457200" rtl="0" eaLnBrk="1" latinLnBrk="0" hangingPunct="1">
-              <a:spcBef>
-                <a:spcPct val="0"/>
-              </a:spcBef>
-              <a:buNone/>
-              <a:defRPr sz="4400" kern="1200">
-                <a:solidFill>
-                  <a:schemeClr val="tx1"/>
-                </a:solidFill>
-                <a:latin typeface="+mj-lt"/>
-                <a:ea typeface="+mj-ea"/>
-                <a:cs typeface="+mj-cs"/>
-              </a:defRPr>
-            </a:lvl1pPr>
-          </a:lstStyle>
-          <a:p>
-            <a:pPr algn="l"/>
-            <a:r>
-              <a:rPr lang="es-ES" sz="5400" dirty="0">
-                <a:solidFill>
-                  <a:schemeClr val="bg1"/>
-                </a:solidFill>
-              </a:rPr>
-              <a:t>CASOS DE USO </a:t>
-            </a:r>
-          </a:p>
-        </p:txBody>
-      </p:sp>
-      <p:sp>
-        <p:nvSpPr>
-          <p:cNvPr id="27" name="Marcador de contenido 2"/>
-          <p:cNvSpPr txBox="1">
-            <a:spLocks/>
-          </p:cNvSpPr>
-          <p:nvPr/>
-        </p:nvSpPr>
-        <p:spPr>
-          <a:xfrm>
-            <a:off x="899151" y="2070580"/>
-            <a:ext cx="8000150" cy="4240068"/>
-          </a:xfrm>
-          <a:prstGeom prst="rect">
-            <a:avLst/>
-          </a:prstGeom>
-        </p:spPr>
-        <p:txBody>
-          <a:bodyPr>
-            <a:noAutofit/>
-          </a:bodyPr>
-          <a:lstStyle>
-            <a:lvl1pPr marL="342900" indent="-342900" algn="l" defTabSz="457200" rtl="0" eaLnBrk="1" latinLnBrk="0" hangingPunct="1">
-              <a:spcBef>
-                <a:spcPct val="20000"/>
-              </a:spcBef>
-              <a:buFont typeface="Arial"/>
-              <a:buChar char="•"/>
-              <a:defRPr sz="3200" kern="1200">
-                <a:solidFill>
-                  <a:schemeClr val="tx1"/>
-                </a:solidFill>
-                <a:latin typeface="+mn-lt"/>
-                <a:ea typeface="+mn-ea"/>
-                <a:cs typeface="+mn-cs"/>
-              </a:defRPr>
-            </a:lvl1pPr>
-            <a:lvl2pPr marL="742950" indent="-285750" algn="l" defTabSz="457200" rtl="0" eaLnBrk="1" latinLnBrk="0" hangingPunct="1">
-              <a:spcBef>
-                <a:spcPct val="20000"/>
-              </a:spcBef>
-              <a:buFont typeface="Arial"/>
-              <a:buChar char="–"/>
-              <a:defRPr sz="2800" kern="1200">
-                <a:solidFill>
-                  <a:schemeClr val="tx1"/>
-                </a:solidFill>
-                <a:latin typeface="+mn-lt"/>
-                <a:ea typeface="+mn-ea"/>
-                <a:cs typeface="+mn-cs"/>
-              </a:defRPr>
-            </a:lvl2pPr>
-            <a:lvl3pPr marL="1143000" indent="-228600" algn="l" defTabSz="457200" rtl="0" eaLnBrk="1" latinLnBrk="0" hangingPunct="1">
-              <a:spcBef>
-                <a:spcPct val="20000"/>
-              </a:spcBef>
-              <a:buFont typeface="Arial"/>
-              <a:buChar char="•"/>
-              <a:defRPr sz="2400" kern="1200">
-                <a:solidFill>
-                  <a:schemeClr val="tx1"/>
-                </a:solidFill>
-                <a:latin typeface="+mn-lt"/>
-                <a:ea typeface="+mn-ea"/>
-                <a:cs typeface="+mn-cs"/>
-              </a:defRPr>
-            </a:lvl3pPr>
-            <a:lvl4pPr marL="1600200" indent="-228600" algn="l" defTabSz="457200" rtl="0" eaLnBrk="1" latinLnBrk="0" hangingPunct="1">
-              <a:spcBef>
-                <a:spcPct val="20000"/>
-              </a:spcBef>
-              <a:buFont typeface="Arial"/>
-              <a:buChar char="–"/>
-              <a:defRPr sz="2000" kern="1200">
-                <a:solidFill>
-                  <a:schemeClr val="tx1"/>
-                </a:solidFill>
-                <a:latin typeface="+mn-lt"/>
-                <a:ea typeface="+mn-ea"/>
-                <a:cs typeface="+mn-cs"/>
-              </a:defRPr>
-            </a:lvl4pPr>
-            <a:lvl5pPr marL="2057400" indent="-228600" algn="l" defTabSz="457200" rtl="0" eaLnBrk="1" latinLnBrk="0" hangingPunct="1">
-              <a:spcBef>
-                <a:spcPct val="20000"/>
-              </a:spcBef>
-              <a:buFont typeface="Arial"/>
-              <a:buChar char="»"/>
-              <a:defRPr sz="2000" kern="1200">
-                <a:solidFill>
-                  <a:schemeClr val="tx1"/>
-                </a:solidFill>
-                <a:latin typeface="+mn-lt"/>
-                <a:ea typeface="+mn-ea"/>
-                <a:cs typeface="+mn-cs"/>
-              </a:defRPr>
-            </a:lvl5pPr>
-            <a:lvl6pPr marL="2514600" indent="-228600" algn="l" defTabSz="457200" rtl="0" eaLnBrk="1" latinLnBrk="0" hangingPunct="1">
-              <a:spcBef>
-                <a:spcPct val="20000"/>
-              </a:spcBef>
-              <a:buFont typeface="Arial"/>
-              <a:buChar char="•"/>
-              <a:defRPr sz="2000" kern="1200">
-                <a:solidFill>
-                  <a:schemeClr val="tx1"/>
-                </a:solidFill>
-                <a:latin typeface="+mn-lt"/>
-                <a:ea typeface="+mn-ea"/>
-                <a:cs typeface="+mn-cs"/>
-              </a:defRPr>
-            </a:lvl6pPr>
-            <a:lvl7pPr marL="2971800" indent="-228600" algn="l" defTabSz="457200" rtl="0" eaLnBrk="1" latinLnBrk="0" hangingPunct="1">
-              <a:spcBef>
-                <a:spcPct val="20000"/>
-              </a:spcBef>
-              <a:buFont typeface="Arial"/>
-              <a:buChar char="•"/>
-              <a:defRPr sz="2000" kern="1200">
-                <a:solidFill>
-                  <a:schemeClr val="tx1"/>
-                </a:solidFill>
-                <a:latin typeface="+mn-lt"/>
-                <a:ea typeface="+mn-ea"/>
-                <a:cs typeface="+mn-cs"/>
-              </a:defRPr>
-            </a:lvl7pPr>
-            <a:lvl8pPr marL="3429000" indent="-228600" algn="l" defTabSz="457200" rtl="0" eaLnBrk="1" latinLnBrk="0" hangingPunct="1">
-              <a:spcBef>
-                <a:spcPct val="20000"/>
-              </a:spcBef>
-              <a:buFont typeface="Arial"/>
-              <a:buChar char="•"/>
-              <a:defRPr sz="2000" kern="1200">
-                <a:solidFill>
-                  <a:schemeClr val="tx1"/>
-                </a:solidFill>
-                <a:latin typeface="+mn-lt"/>
-                <a:ea typeface="+mn-ea"/>
-                <a:cs typeface="+mn-cs"/>
-              </a:defRPr>
-            </a:lvl8pPr>
-            <a:lvl9pPr marL="3886200" indent="-228600" algn="l" defTabSz="457200" rtl="0" eaLnBrk="1" latinLnBrk="0" hangingPunct="1">
-              <a:spcBef>
-                <a:spcPct val="20000"/>
-              </a:spcBef>
-              <a:buFont typeface="Arial"/>
-              <a:buChar char="•"/>
-              <a:defRPr sz="2000" kern="1200">
-                <a:solidFill>
-                  <a:schemeClr val="tx1"/>
-                </a:solidFill>
-                <a:latin typeface="+mn-lt"/>
-                <a:ea typeface="+mn-ea"/>
-                <a:cs typeface="+mn-cs"/>
-              </a:defRPr>
-            </a:lvl9pPr>
-          </a:lstStyle>
-          <a:p>
-            <a:pPr marL="0" indent="0">
-              <a:buNone/>
-            </a:pPr>
-            <a:endParaRPr lang="en-US" dirty="0"/>
-          </a:p>
-        </p:txBody>
-      </p:sp>
-    </p:spTree>
-    <p:extLst>
-      <p:ext uri="{BB962C8B-B14F-4D97-AF65-F5344CB8AC3E}">
-        <p14:creationId xmlns:p14="http://schemas.microsoft.com/office/powerpoint/2010/main" val="42651442"/>
-      </p:ext>
-    </p:extLst>
-  </p:cSld>
-  <p:clrMapOvr>
-    <a:masterClrMapping/>
-  </p:clrMapOvr>
-</p:sld>
-</file>
-
-<file path=ppt/slides/slide23.xml><?xml version="1.0" encoding="utf-8"?>
-<p:sld xmlns:a="http://schemas.openxmlformats.org/drawingml/2006/main" xmlns:r="http://schemas.openxmlformats.org/officeDocument/2006/relationships" xmlns:p="http://schemas.openxmlformats.org/presentationml/2006/main">
-  <p:cSld>
-    <p:spTree>
-      <p:nvGrpSpPr>
-        <p:cNvPr id="1" name=""/>
-        <p:cNvGrpSpPr/>
-        <p:nvPr/>
-      </p:nvGrpSpPr>
-      <p:grpSpPr>
-        <a:xfrm>
-          <a:off x="0" y="0"/>
-          <a:ext cx="0" cy="0"/>
-          <a:chOff x="0" y="0"/>
-          <a:chExt cx="0" cy="0"/>
-        </a:xfrm>
-      </p:grpSpPr>
-      <p:pic>
-        <p:nvPicPr>
-          <p:cNvPr id="4" name="Imagen 3"/>
-          <p:cNvPicPr>
-            <a:picLocks noChangeAspect="1"/>
-          </p:cNvPicPr>
-          <p:nvPr/>
-        </p:nvPicPr>
-        <p:blipFill>
-          <a:blip r:embed="rId2">
-            <a:extLst>
-              <a:ext uri="{28A0092B-C50C-407E-A947-70E740481C1C}">
-                <a14:useLocalDpi xmlns:a14="http://schemas.microsoft.com/office/drawing/2010/main" val="0"/>
-              </a:ext>
-            </a:extLst>
-          </a:blip>
-          <a:stretch>
-            <a:fillRect/>
-          </a:stretch>
-        </p:blipFill>
-        <p:spPr>
-          <a:xfrm>
             <a:off x="1833562" y="1822208"/>
             <a:ext cx="5476875" cy="4343400"/>
           </a:xfrm>
@@ -15008,7 +14469,7 @@
 </p:sld>
 </file>
 
-<file path=ppt/slides/slide24.xml><?xml version="1.0" encoding="utf-8"?>
+<file path=ppt/slides/slide23.xml><?xml version="1.0" encoding="utf-8"?>
 <p:sld xmlns:a="http://schemas.openxmlformats.org/drawingml/2006/main" xmlns:r="http://schemas.openxmlformats.org/officeDocument/2006/relationships" xmlns:p="http://schemas.openxmlformats.org/presentationml/2006/main">
   <p:cSld>
     <p:spTree>
@@ -15582,7 +15043,7 @@
 </p:sld>
 </file>
 
-<file path=ppt/slides/slide25.xml><?xml version="1.0" encoding="utf-8"?>
+<file path=ppt/slides/slide24.xml><?xml version="1.0" encoding="utf-8"?>
 <p:sld xmlns:a="http://schemas.openxmlformats.org/drawingml/2006/main" xmlns:r="http://schemas.openxmlformats.org/officeDocument/2006/relationships" xmlns:p="http://schemas.openxmlformats.org/presentationml/2006/main">
   <p:cSld>
     <p:spTree>
@@ -15753,6 +15214,411 @@
     <p:extLst>
       <p:ext uri="{BB962C8B-B14F-4D97-AF65-F5344CB8AC3E}">
         <p14:creationId xmlns:p14="http://schemas.microsoft.com/office/powerpoint/2010/main" val="2391713278"/>
+      </p:ext>
+    </p:extLst>
+  </p:cSld>
+  <p:clrMapOvr>
+    <a:masterClrMapping/>
+  </p:clrMapOvr>
+</p:sld>
+</file>
+
+<file path=ppt/slides/slide25.xml><?xml version="1.0" encoding="utf-8"?>
+<p:sld xmlns:a="http://schemas.openxmlformats.org/drawingml/2006/main" xmlns:r="http://schemas.openxmlformats.org/officeDocument/2006/relationships" xmlns:p="http://schemas.openxmlformats.org/presentationml/2006/main">
+  <p:cSld>
+    <p:spTree>
+      <p:nvGrpSpPr>
+        <p:cNvPr id="1" name=""/>
+        <p:cNvGrpSpPr/>
+        <p:nvPr/>
+      </p:nvGrpSpPr>
+      <p:grpSpPr>
+        <a:xfrm>
+          <a:off x="0" y="0"/>
+          <a:ext cx="0" cy="0"/>
+          <a:chOff x="0" y="0"/>
+          <a:chExt cx="0" cy="0"/>
+        </a:xfrm>
+      </p:grpSpPr>
+      <p:sp>
+        <p:nvSpPr>
+          <p:cNvPr id="15" name="14 Rectángulo"/>
+          <p:cNvSpPr/>
+          <p:nvPr/>
+        </p:nvSpPr>
+        <p:spPr>
+          <a:xfrm rot="20796637">
+            <a:off x="-1033229" y="-310908"/>
+            <a:ext cx="10665350" cy="1608631"/>
+          </a:xfrm>
+          <a:prstGeom prst="rect">
+            <a:avLst/>
+          </a:prstGeom>
+          <a:solidFill>
+            <a:srgbClr val="92D050"/>
+          </a:solidFill>
+          <a:ln>
+            <a:noFill/>
+          </a:ln>
+          <a:effectLst/>
+        </p:spPr>
+        <p:style>
+          <a:lnRef idx="1">
+            <a:schemeClr val="accent1"/>
+          </a:lnRef>
+          <a:fillRef idx="3">
+            <a:schemeClr val="accent1"/>
+          </a:fillRef>
+          <a:effectRef idx="2">
+            <a:schemeClr val="accent1"/>
+          </a:effectRef>
+          <a:fontRef idx="minor">
+            <a:schemeClr val="lt1"/>
+          </a:fontRef>
+        </p:style>
+        <p:txBody>
+          <a:bodyPr rtlCol="0" anchor="ctr"/>
+          <a:lstStyle/>
+          <a:p>
+            <a:pPr algn="ctr"/>
+            <a:endParaRPr lang="es-CO" dirty="0"/>
+          </a:p>
+        </p:txBody>
+      </p:sp>
+      <p:sp>
+        <p:nvSpPr>
+          <p:cNvPr id="17" name="16 Rectángulo"/>
+          <p:cNvSpPr/>
+          <p:nvPr/>
+        </p:nvSpPr>
+        <p:spPr>
+          <a:xfrm rot="21241341">
+            <a:off x="-1002985" y="180847"/>
+            <a:ext cx="10631006" cy="1316776"/>
+          </a:xfrm>
+          <a:prstGeom prst="rect">
+            <a:avLst/>
+          </a:prstGeom>
+          <a:solidFill>
+            <a:srgbClr val="FFC000"/>
+          </a:solidFill>
+          <a:ln>
+            <a:noFill/>
+          </a:ln>
+          <a:effectLst/>
+        </p:spPr>
+        <p:style>
+          <a:lnRef idx="1">
+            <a:schemeClr val="accent1"/>
+          </a:lnRef>
+          <a:fillRef idx="3">
+            <a:schemeClr val="accent1"/>
+          </a:fillRef>
+          <a:effectRef idx="2">
+            <a:schemeClr val="accent1"/>
+          </a:effectRef>
+          <a:fontRef idx="minor">
+            <a:schemeClr val="lt1"/>
+          </a:fontRef>
+        </p:style>
+        <p:txBody>
+          <a:bodyPr rtlCol="0" anchor="ctr"/>
+          <a:lstStyle/>
+          <a:p>
+            <a:pPr algn="ctr"/>
+            <a:endParaRPr lang="es-CO" dirty="0"/>
+          </a:p>
+        </p:txBody>
+      </p:sp>
+      <p:sp>
+        <p:nvSpPr>
+          <p:cNvPr id="18" name="17 Rectángulo"/>
+          <p:cNvSpPr/>
+          <p:nvPr/>
+        </p:nvSpPr>
+        <p:spPr>
+          <a:xfrm>
+            <a:off x="-968311" y="198126"/>
+            <a:ext cx="10631006" cy="1425956"/>
+          </a:xfrm>
+          <a:prstGeom prst="rect">
+            <a:avLst/>
+          </a:prstGeom>
+          <a:solidFill>
+            <a:srgbClr val="0099A5"/>
+          </a:solidFill>
+          <a:ln>
+            <a:noFill/>
+          </a:ln>
+          <a:effectLst/>
+        </p:spPr>
+        <p:style>
+          <a:lnRef idx="1">
+            <a:schemeClr val="accent1"/>
+          </a:lnRef>
+          <a:fillRef idx="3">
+            <a:schemeClr val="accent1"/>
+          </a:fillRef>
+          <a:effectRef idx="2">
+            <a:schemeClr val="accent1"/>
+          </a:effectRef>
+          <a:fontRef idx="minor">
+            <a:schemeClr val="lt1"/>
+          </a:fontRef>
+        </p:style>
+        <p:txBody>
+          <a:bodyPr rtlCol="0" anchor="ctr"/>
+          <a:lstStyle/>
+          <a:p>
+            <a:pPr algn="ctr"/>
+            <a:endParaRPr lang="es-CO" dirty="0"/>
+          </a:p>
+        </p:txBody>
+      </p:sp>
+      <p:sp>
+        <p:nvSpPr>
+          <p:cNvPr id="7" name="Marcador de contenido 5"/>
+          <p:cNvSpPr txBox="1">
+            <a:spLocks/>
+          </p:cNvSpPr>
+          <p:nvPr/>
+        </p:nvSpPr>
+        <p:spPr>
+          <a:xfrm>
+            <a:off x="0" y="0"/>
+            <a:ext cx="9144000" cy="6857999"/>
+          </a:xfrm>
+          <a:prstGeom prst="rect">
+            <a:avLst/>
+          </a:prstGeom>
+        </p:spPr>
+        <p:txBody>
+          <a:bodyPr vert="horz" lIns="91440" tIns="45720" rIns="91440" bIns="45720" rtlCol="0">
+            <a:normAutofit/>
+          </a:bodyPr>
+          <a:lstStyle>
+            <a:lvl1pPr marL="342900" indent="-342900" algn="l" defTabSz="457200" rtl="0" eaLnBrk="1" latinLnBrk="0" hangingPunct="1">
+              <a:spcBef>
+                <a:spcPct val="20000"/>
+              </a:spcBef>
+              <a:buFont typeface="Arial"/>
+              <a:buChar char="•"/>
+              <a:defRPr sz="3200" kern="1200">
+                <a:solidFill>
+                  <a:schemeClr val="tx1"/>
+                </a:solidFill>
+                <a:latin typeface="+mn-lt"/>
+                <a:ea typeface="+mn-ea"/>
+                <a:cs typeface="+mn-cs"/>
+              </a:defRPr>
+            </a:lvl1pPr>
+            <a:lvl2pPr marL="742950" indent="-285750" algn="l" defTabSz="457200" rtl="0" eaLnBrk="1" latinLnBrk="0" hangingPunct="1">
+              <a:spcBef>
+                <a:spcPct val="20000"/>
+              </a:spcBef>
+              <a:buFont typeface="Arial"/>
+              <a:buChar char="–"/>
+              <a:defRPr sz="2800" kern="1200">
+                <a:solidFill>
+                  <a:schemeClr val="tx1"/>
+                </a:solidFill>
+                <a:latin typeface="+mn-lt"/>
+                <a:ea typeface="+mn-ea"/>
+                <a:cs typeface="+mn-cs"/>
+              </a:defRPr>
+            </a:lvl2pPr>
+            <a:lvl3pPr marL="1143000" indent="-228600" algn="l" defTabSz="457200" rtl="0" eaLnBrk="1" latinLnBrk="0" hangingPunct="1">
+              <a:spcBef>
+                <a:spcPct val="20000"/>
+              </a:spcBef>
+              <a:buFont typeface="Arial"/>
+              <a:buChar char="•"/>
+              <a:defRPr sz="2400" kern="1200">
+                <a:solidFill>
+                  <a:schemeClr val="tx1"/>
+                </a:solidFill>
+                <a:latin typeface="+mn-lt"/>
+                <a:ea typeface="+mn-ea"/>
+                <a:cs typeface="+mn-cs"/>
+              </a:defRPr>
+            </a:lvl3pPr>
+            <a:lvl4pPr marL="1600200" indent="-228600" algn="l" defTabSz="457200" rtl="0" eaLnBrk="1" latinLnBrk="0" hangingPunct="1">
+              <a:spcBef>
+                <a:spcPct val="20000"/>
+              </a:spcBef>
+              <a:buFont typeface="Arial"/>
+              <a:buChar char="–"/>
+              <a:defRPr sz="2000" kern="1200">
+                <a:solidFill>
+                  <a:schemeClr val="tx1"/>
+                </a:solidFill>
+                <a:latin typeface="+mn-lt"/>
+                <a:ea typeface="+mn-ea"/>
+                <a:cs typeface="+mn-cs"/>
+              </a:defRPr>
+            </a:lvl4pPr>
+            <a:lvl5pPr marL="2057400" indent="-228600" algn="l" defTabSz="457200" rtl="0" eaLnBrk="1" latinLnBrk="0" hangingPunct="1">
+              <a:spcBef>
+                <a:spcPct val="20000"/>
+              </a:spcBef>
+              <a:buFont typeface="Arial"/>
+              <a:buChar char="»"/>
+              <a:defRPr sz="2000" kern="1200">
+                <a:solidFill>
+                  <a:schemeClr val="tx1"/>
+                </a:solidFill>
+                <a:latin typeface="+mn-lt"/>
+                <a:ea typeface="+mn-ea"/>
+                <a:cs typeface="+mn-cs"/>
+              </a:defRPr>
+            </a:lvl5pPr>
+            <a:lvl6pPr marL="2514600" indent="-228600" algn="l" defTabSz="457200" rtl="0" eaLnBrk="1" latinLnBrk="0" hangingPunct="1">
+              <a:spcBef>
+                <a:spcPct val="20000"/>
+              </a:spcBef>
+              <a:buFont typeface="Arial"/>
+              <a:buChar char="•"/>
+              <a:defRPr sz="2000" kern="1200">
+                <a:solidFill>
+                  <a:schemeClr val="tx1"/>
+                </a:solidFill>
+                <a:latin typeface="+mn-lt"/>
+                <a:ea typeface="+mn-ea"/>
+                <a:cs typeface="+mn-cs"/>
+              </a:defRPr>
+            </a:lvl6pPr>
+            <a:lvl7pPr marL="2971800" indent="-228600" algn="l" defTabSz="457200" rtl="0" eaLnBrk="1" latinLnBrk="0" hangingPunct="1">
+              <a:spcBef>
+                <a:spcPct val="20000"/>
+              </a:spcBef>
+              <a:buFont typeface="Arial"/>
+              <a:buChar char="•"/>
+              <a:defRPr sz="2000" kern="1200">
+                <a:solidFill>
+                  <a:schemeClr val="tx1"/>
+                </a:solidFill>
+                <a:latin typeface="+mn-lt"/>
+                <a:ea typeface="+mn-ea"/>
+                <a:cs typeface="+mn-cs"/>
+              </a:defRPr>
+            </a:lvl7pPr>
+            <a:lvl8pPr marL="3429000" indent="-228600" algn="l" defTabSz="457200" rtl="0" eaLnBrk="1" latinLnBrk="0" hangingPunct="1">
+              <a:spcBef>
+                <a:spcPct val="20000"/>
+              </a:spcBef>
+              <a:buFont typeface="Arial"/>
+              <a:buChar char="•"/>
+              <a:defRPr sz="2000" kern="1200">
+                <a:solidFill>
+                  <a:schemeClr val="tx1"/>
+                </a:solidFill>
+                <a:latin typeface="+mn-lt"/>
+                <a:ea typeface="+mn-ea"/>
+                <a:cs typeface="+mn-cs"/>
+              </a:defRPr>
+            </a:lvl8pPr>
+            <a:lvl9pPr marL="3886200" indent="-228600" algn="l" defTabSz="457200" rtl="0" eaLnBrk="1" latinLnBrk="0" hangingPunct="1">
+              <a:spcBef>
+                <a:spcPct val="20000"/>
+              </a:spcBef>
+              <a:buFont typeface="Arial"/>
+              <a:buChar char="•"/>
+              <a:defRPr sz="2000" kern="1200">
+                <a:solidFill>
+                  <a:schemeClr val="tx1"/>
+                </a:solidFill>
+                <a:latin typeface="+mn-lt"/>
+                <a:ea typeface="+mn-ea"/>
+                <a:cs typeface="+mn-cs"/>
+              </a:defRPr>
+            </a:lvl9pPr>
+          </a:lstStyle>
+          <a:p>
+            <a:endParaRPr lang="es-ES" dirty="0"/>
+          </a:p>
+          <a:p>
+            <a:endParaRPr lang="es-ES" dirty="0"/>
+          </a:p>
+        </p:txBody>
+      </p:sp>
+      <p:sp>
+        <p:nvSpPr>
+          <p:cNvPr id="16" name="Título 1"/>
+          <p:cNvSpPr txBox="1">
+            <a:spLocks/>
+          </p:cNvSpPr>
+          <p:nvPr/>
+        </p:nvSpPr>
+        <p:spPr>
+          <a:xfrm>
+            <a:off x="364273" y="324984"/>
+            <a:ext cx="9069906" cy="1198245"/>
+          </a:xfrm>
+          <a:prstGeom prst="rect">
+            <a:avLst/>
+          </a:prstGeom>
+        </p:spPr>
+        <p:txBody>
+          <a:bodyPr vert="horz" lIns="91440" tIns="45720" rIns="91440" bIns="45720" rtlCol="0" anchor="ctr">
+            <a:noAutofit/>
+          </a:bodyPr>
+          <a:lstStyle>
+            <a:lvl1pPr algn="ctr" defTabSz="457200" rtl="0" eaLnBrk="1" latinLnBrk="0" hangingPunct="1">
+              <a:spcBef>
+                <a:spcPct val="0"/>
+              </a:spcBef>
+              <a:buNone/>
+              <a:defRPr sz="4400" kern="1200">
+                <a:solidFill>
+                  <a:schemeClr val="tx1"/>
+                </a:solidFill>
+                <a:latin typeface="+mj-lt"/>
+                <a:ea typeface="+mj-ea"/>
+                <a:cs typeface="+mj-cs"/>
+              </a:defRPr>
+            </a:lvl1pPr>
+          </a:lstStyle>
+          <a:p>
+            <a:pPr algn="l"/>
+            <a:r>
+              <a:rPr lang="es-ES" sz="5400" dirty="0">
+                <a:solidFill>
+                  <a:schemeClr val="bg1"/>
+                </a:solidFill>
+              </a:rPr>
+              <a:t>ESPECIFICACIÓN DE CASOS DE USO</a:t>
+            </a:r>
+          </a:p>
+        </p:txBody>
+      </p:sp>
+      <p:pic>
+        <p:nvPicPr>
+          <p:cNvPr id="6" name="Imagen 5"/>
+          <p:cNvPicPr>
+            <a:picLocks noChangeAspect="1"/>
+          </p:cNvPicPr>
+          <p:nvPr/>
+        </p:nvPicPr>
+        <p:blipFill>
+          <a:blip r:embed="rId2"/>
+          <a:stretch>
+            <a:fillRect/>
+          </a:stretch>
+        </p:blipFill>
+        <p:spPr>
+          <a:xfrm>
+            <a:off x="2287981" y="2245729"/>
+            <a:ext cx="4867275" cy="3657600"/>
+          </a:xfrm>
+          <a:prstGeom prst="rect">
+            <a:avLst/>
+          </a:prstGeom>
+        </p:spPr>
+      </p:pic>
+    </p:spTree>
+    <p:extLst>
+      <p:ext uri="{BB962C8B-B14F-4D97-AF65-F5344CB8AC3E}">
+        <p14:creationId xmlns:p14="http://schemas.microsoft.com/office/powerpoint/2010/main" val="2390264123"/>
       </p:ext>
     </p:extLst>
   </p:cSld>
@@ -16132,7 +15998,7 @@
       </p:sp>
       <p:pic>
         <p:nvPicPr>
-          <p:cNvPr id="6" name="Imagen 5"/>
+          <p:cNvPr id="2" name="Imagen 1"/>
           <p:cNvPicPr>
             <a:picLocks noChangeAspect="1"/>
           </p:cNvPicPr>
@@ -16146,8 +16012,8 @@
         </p:blipFill>
         <p:spPr>
           <a:xfrm>
-            <a:off x="2287981" y="2245729"/>
-            <a:ext cx="4867275" cy="3657600"/>
+            <a:off x="2119312" y="1892362"/>
+            <a:ext cx="4905375" cy="4762500"/>
           </a:xfrm>
           <a:prstGeom prst="rect">
             <a:avLst/>
@@ -16157,7 +16023,7 @@
     </p:spTree>
     <p:extLst>
       <p:ext uri="{BB962C8B-B14F-4D97-AF65-F5344CB8AC3E}">
-        <p14:creationId xmlns:p14="http://schemas.microsoft.com/office/powerpoint/2010/main" val="2390264123"/>
+        <p14:creationId xmlns:p14="http://schemas.microsoft.com/office/powerpoint/2010/main" val="2020689305"/>
       </p:ext>
     </p:extLst>
   </p:cSld>
@@ -16537,7 +16403,7 @@
       </p:sp>
       <p:pic>
         <p:nvPicPr>
-          <p:cNvPr id="2" name="Imagen 1"/>
+          <p:cNvPr id="3" name="Imagen 2"/>
           <p:cNvPicPr>
             <a:picLocks noChangeAspect="1"/>
           </p:cNvPicPr>
@@ -16551,8 +16417,8 @@
         </p:blipFill>
         <p:spPr>
           <a:xfrm>
-            <a:off x="2119312" y="1892362"/>
-            <a:ext cx="4905375" cy="4762500"/>
+            <a:off x="2133600" y="2047603"/>
+            <a:ext cx="4876800" cy="4029075"/>
           </a:xfrm>
           <a:prstGeom prst="rect">
             <a:avLst/>
@@ -16562,7 +16428,7 @@
     </p:spTree>
     <p:extLst>
       <p:ext uri="{BB962C8B-B14F-4D97-AF65-F5344CB8AC3E}">
-        <p14:creationId xmlns:p14="http://schemas.microsoft.com/office/powerpoint/2010/main" val="2020689305"/>
+        <p14:creationId xmlns:p14="http://schemas.microsoft.com/office/powerpoint/2010/main" val="190061572"/>
       </p:ext>
     </p:extLst>
   </p:cSld>
@@ -16573,6 +16439,2700 @@
 </file>
 
 <file path=ppt/slides/slide28.xml><?xml version="1.0" encoding="utf-8"?>
+<p:sld xmlns:a="http://schemas.openxmlformats.org/drawingml/2006/main" xmlns:r="http://schemas.openxmlformats.org/officeDocument/2006/relationships" xmlns:p="http://schemas.openxmlformats.org/presentationml/2006/main">
+  <p:cSld>
+    <p:spTree>
+      <p:nvGrpSpPr>
+        <p:cNvPr id="1" name="Shape 207"/>
+        <p:cNvGrpSpPr/>
+        <p:nvPr/>
+      </p:nvGrpSpPr>
+      <p:grpSpPr>
+        <a:xfrm>
+          <a:off x="0" y="0"/>
+          <a:ext cx="0" cy="0"/>
+          <a:chOff x="0" y="0"/>
+          <a:chExt cx="0" cy="0"/>
+        </a:xfrm>
+      </p:grpSpPr>
+      <p:sp>
+        <p:nvSpPr>
+          <p:cNvPr id="208" name="Google Shape;208;p12"/>
+          <p:cNvSpPr txBox="1"/>
+          <p:nvPr/>
+        </p:nvSpPr>
+        <p:spPr>
+          <a:xfrm>
+            <a:off x="0" y="0"/>
+            <a:ext cx="9144000" cy="6857999"/>
+          </a:xfrm>
+          <a:prstGeom prst="rect">
+            <a:avLst/>
+          </a:prstGeom>
+          <a:noFill/>
+          <a:ln>
+            <a:noFill/>
+          </a:ln>
+        </p:spPr>
+        <p:txBody>
+          <a:bodyPr spcFirstLastPara="1" wrap="square" lIns="91425" tIns="45700" rIns="91425" bIns="45700" anchor="t" anchorCtr="0">
+            <a:normAutofit/>
+          </a:bodyPr>
+          <a:lstStyle/>
+          <a:p>
+            <a:pPr marL="342900" marR="0" lvl="0" indent="-139700" algn="l" rtl="0">
+              <a:spcBef>
+                <a:spcPts val="0"/>
+              </a:spcBef>
+              <a:spcAft>
+                <a:spcPts val="0"/>
+              </a:spcAft>
+              <a:buClr>
+                <a:schemeClr val="dk1"/>
+              </a:buClr>
+              <a:buSzPts val="3200"/>
+              <a:buFont typeface="Arial"/>
+              <a:buNone/>
+            </a:pPr>
+            <a:endParaRPr sz="3200" b="0" i="0" u="none" strike="noStrike" cap="none" dirty="0">
+              <a:solidFill>
+                <a:schemeClr val="dk1"/>
+              </a:solidFill>
+              <a:latin typeface="Calibri"/>
+              <a:ea typeface="Calibri"/>
+              <a:cs typeface="Calibri"/>
+              <a:sym typeface="Calibri"/>
+            </a:endParaRPr>
+          </a:p>
+        </p:txBody>
+      </p:sp>
+      <p:sp>
+        <p:nvSpPr>
+          <p:cNvPr id="209" name="Google Shape;209;p12"/>
+          <p:cNvSpPr txBox="1">
+            <a:spLocks noGrp="1"/>
+          </p:cNvSpPr>
+          <p:nvPr>
+            <p:ph type="title" idx="4294967295"/>
+          </p:nvPr>
+        </p:nvSpPr>
+        <p:spPr>
+          <a:xfrm>
+            <a:off x="2720975" y="4808538"/>
+            <a:ext cx="6423025" cy="1592262"/>
+          </a:xfrm>
+          <a:prstGeom prst="rect">
+            <a:avLst/>
+          </a:prstGeom>
+          <a:solidFill>
+            <a:srgbClr val="8A8A8A"/>
+          </a:solidFill>
+          <a:ln>
+            <a:noFill/>
+          </a:ln>
+        </p:spPr>
+        <p:txBody>
+          <a:bodyPr spcFirstLastPara="1" wrap="square" lIns="91425" tIns="45700" rIns="91425" bIns="45700" anchor="ctr" anchorCtr="0">
+            <a:noAutofit/>
+          </a:bodyPr>
+          <a:lstStyle/>
+          <a:p>
+            <a:pPr marL="0" marR="0" lvl="0" indent="0" algn="l" rtl="0">
+              <a:lnSpc>
+                <a:spcPct val="80000"/>
+              </a:lnSpc>
+              <a:spcBef>
+                <a:spcPts val="0"/>
+              </a:spcBef>
+              <a:spcAft>
+                <a:spcPts val="0"/>
+              </a:spcAft>
+              <a:buClr>
+                <a:schemeClr val="lt1"/>
+              </a:buClr>
+              <a:buSzPts val="4400"/>
+              <a:buFont typeface="Calibri"/>
+              <a:buNone/>
+            </a:pPr>
+            <a:r>
+              <a:rPr lang="es-CO" sz="4400" b="1" dirty="0">
+                <a:solidFill>
+                  <a:schemeClr val="lt1"/>
+                </a:solidFill>
+                <a:latin typeface="Calibri"/>
+                <a:ea typeface="Calibri"/>
+                <a:cs typeface="Calibri"/>
+                <a:sym typeface="Calibri"/>
+              </a:rPr>
+              <a:t>REQUISITOS FUNCIONALES</a:t>
+            </a:r>
+            <a:endParaRPr sz="4400" b="0" i="0" u="none" strike="noStrike" cap="none" dirty="0">
+              <a:solidFill>
+                <a:schemeClr val="lt1"/>
+              </a:solidFill>
+              <a:latin typeface="Calibri"/>
+              <a:ea typeface="Calibri"/>
+              <a:cs typeface="Calibri"/>
+              <a:sym typeface="Calibri"/>
+            </a:endParaRPr>
+          </a:p>
+        </p:txBody>
+      </p:sp>
+      <p:pic>
+        <p:nvPicPr>
+          <p:cNvPr id="210" name="Google Shape;210;p12"/>
+          <p:cNvPicPr preferRelativeResize="0"/>
+          <p:nvPr/>
+        </p:nvPicPr>
+        <p:blipFill rotWithShape="1">
+          <a:blip r:embed="rId3">
+            <a:alphaModFix/>
+          </a:blip>
+          <a:srcRect/>
+          <a:stretch/>
+        </p:blipFill>
+        <p:spPr>
+          <a:xfrm>
+            <a:off x="3006179" y="607767"/>
+            <a:ext cx="3593005" cy="3593005"/>
+          </a:xfrm>
+          <a:prstGeom prst="rect">
+            <a:avLst/>
+          </a:prstGeom>
+          <a:noFill/>
+          <a:ln>
+            <a:noFill/>
+          </a:ln>
+        </p:spPr>
+      </p:pic>
+    </p:spTree>
+    <p:extLst>
+      <p:ext uri="{BB962C8B-B14F-4D97-AF65-F5344CB8AC3E}">
+        <p14:creationId xmlns:p14="http://schemas.microsoft.com/office/powerpoint/2010/main" val="4153271005"/>
+      </p:ext>
+    </p:extLst>
+  </p:cSld>
+  <p:clrMapOvr>
+    <a:masterClrMapping/>
+  </p:clrMapOvr>
+</p:sld>
+</file>
+
+<file path=ppt/slides/slide29.xml><?xml version="1.0" encoding="utf-8"?>
+<p:sld xmlns:a="http://schemas.openxmlformats.org/drawingml/2006/main" xmlns:r="http://schemas.openxmlformats.org/officeDocument/2006/relationships" xmlns:p="http://schemas.openxmlformats.org/presentationml/2006/main">
+  <p:cSld>
+    <p:spTree>
+      <p:nvGrpSpPr>
+        <p:cNvPr id="1" name=""/>
+        <p:cNvGrpSpPr/>
+        <p:nvPr/>
+      </p:nvGrpSpPr>
+      <p:grpSpPr>
+        <a:xfrm>
+          <a:off x="0" y="0"/>
+          <a:ext cx="0" cy="0"/>
+          <a:chOff x="0" y="0"/>
+          <a:chExt cx="0" cy="0"/>
+        </a:xfrm>
+      </p:grpSpPr>
+      <p:graphicFrame>
+        <p:nvGraphicFramePr>
+          <p:cNvPr id="12" name="Tabla 11"/>
+          <p:cNvGraphicFramePr>
+            <a:graphicFrameLocks noGrp="1"/>
+          </p:cNvGraphicFramePr>
+          <p:nvPr>
+            <p:extLst>
+              <p:ext uri="{D42A27DB-BD31-4B8C-83A1-F6EECF244321}">
+                <p14:modId xmlns:p14="http://schemas.microsoft.com/office/powerpoint/2010/main" val="2769923059"/>
+              </p:ext>
+            </p:extLst>
+          </p:nvPr>
+        </p:nvGraphicFramePr>
+        <p:xfrm>
+          <a:off x="537143" y="2407063"/>
+          <a:ext cx="8069714" cy="3836974"/>
+        </p:xfrm>
+        <a:graphic>
+          <a:graphicData uri="http://schemas.openxmlformats.org/drawingml/2006/table">
+            <a:tbl>
+              <a:tblPr/>
+              <a:tblGrid>
+                <a:gridCol w="1520695">
+                  <a:extLst>
+                    <a:ext uri="{9D8B030D-6E8A-4147-A177-3AD203B41FA5}">
+                      <a16:colId xmlns:a16="http://schemas.microsoft.com/office/drawing/2014/main" val="603111766"/>
+                    </a:ext>
+                  </a:extLst>
+                </a:gridCol>
+                <a:gridCol w="6549019">
+                  <a:extLst>
+                    <a:ext uri="{9D8B030D-6E8A-4147-A177-3AD203B41FA5}">
+                      <a16:colId xmlns:a16="http://schemas.microsoft.com/office/drawing/2014/main" val="989724759"/>
+                    </a:ext>
+                  </a:extLst>
+                </a:gridCol>
+              </a:tblGrid>
+              <a:tr h="178728">
+                <a:tc>
+                  <a:txBody>
+                    <a:bodyPr/>
+                    <a:lstStyle/>
+                    <a:p>
+                      <a:pPr algn="l" fontAlgn="b"/>
+                      <a:r>
+                        <a:rPr lang="en-US" sz="900" b="0" i="0" u="none" strike="noStrike" dirty="0">
+                          <a:solidFill>
+                            <a:srgbClr val="000000"/>
+                          </a:solidFill>
+                          <a:effectLst/>
+                          <a:latin typeface="Calibri" panose="020F0502020204030204" pitchFamily="34" charset="0"/>
+                        </a:rPr>
+                        <a:t>ID Requerimiento</a:t>
+                      </a:r>
+                    </a:p>
+                  </a:txBody>
+                  <a:tcPr marL="7950" marR="7950" marT="7950" marB="0" anchor="b">
+                    <a:lnL w="6350" cap="flat" cmpd="sng" algn="ctr">
+                      <a:solidFill>
+                        <a:srgbClr val="000000"/>
+                      </a:solidFill>
+                      <a:prstDash val="solid"/>
+                      <a:round/>
+                      <a:headEnd type="none" w="med" len="med"/>
+                      <a:tailEnd type="none" w="med" len="med"/>
+                    </a:lnL>
+                    <a:lnR w="6350" cap="flat" cmpd="sng" algn="ctr">
+                      <a:solidFill>
+                        <a:srgbClr val="000000"/>
+                      </a:solidFill>
+                      <a:prstDash val="solid"/>
+                      <a:round/>
+                      <a:headEnd type="none" w="med" len="med"/>
+                      <a:tailEnd type="none" w="med" len="med"/>
+                    </a:lnR>
+                    <a:lnT w="6350" cap="flat" cmpd="sng" algn="ctr">
+                      <a:solidFill>
+                        <a:srgbClr val="000000"/>
+                      </a:solidFill>
+                      <a:prstDash val="solid"/>
+                      <a:round/>
+                      <a:headEnd type="none" w="med" len="med"/>
+                      <a:tailEnd type="none" w="med" len="med"/>
+                    </a:lnT>
+                    <a:lnB w="6350" cap="flat" cmpd="sng" algn="ctr">
+                      <a:solidFill>
+                        <a:srgbClr val="000000"/>
+                      </a:solidFill>
+                      <a:prstDash val="solid"/>
+                      <a:round/>
+                      <a:headEnd type="none" w="med" len="med"/>
+                      <a:tailEnd type="none" w="med" len="med"/>
+                    </a:lnB>
+                    <a:solidFill>
+                      <a:srgbClr val="9BC2E6"/>
+                    </a:solidFill>
+                  </a:tcPr>
+                </a:tc>
+                <a:tc>
+                  <a:txBody>
+                    <a:bodyPr/>
+                    <a:lstStyle/>
+                    <a:p>
+                      <a:pPr algn="l" fontAlgn="b"/>
+                      <a:r>
+                        <a:rPr lang="en-US" sz="900" b="0" i="0" u="none" strike="noStrike" dirty="0">
+                          <a:solidFill>
+                            <a:srgbClr val="000000"/>
+                          </a:solidFill>
+                          <a:effectLst/>
+                          <a:latin typeface="Calibri" panose="020F0502020204030204" pitchFamily="34" charset="0"/>
+                        </a:rPr>
+                        <a:t>AM_RF_01</a:t>
+                      </a:r>
+                    </a:p>
+                  </a:txBody>
+                  <a:tcPr marL="7950" marR="7950" marT="7950" marB="0" anchor="b">
+                    <a:lnL w="6350" cap="flat" cmpd="sng" algn="ctr">
+                      <a:solidFill>
+                        <a:srgbClr val="000000"/>
+                      </a:solidFill>
+                      <a:prstDash val="solid"/>
+                      <a:round/>
+                      <a:headEnd type="none" w="med" len="med"/>
+                      <a:tailEnd type="none" w="med" len="med"/>
+                    </a:lnL>
+                    <a:lnR w="6350" cap="flat" cmpd="sng" algn="ctr">
+                      <a:solidFill>
+                        <a:srgbClr val="000000"/>
+                      </a:solidFill>
+                      <a:prstDash val="solid"/>
+                      <a:round/>
+                      <a:headEnd type="none" w="med" len="med"/>
+                      <a:tailEnd type="none" w="med" len="med"/>
+                    </a:lnR>
+                    <a:lnT w="6350" cap="flat" cmpd="sng" algn="ctr">
+                      <a:solidFill>
+                        <a:srgbClr val="000000"/>
+                      </a:solidFill>
+                      <a:prstDash val="solid"/>
+                      <a:round/>
+                      <a:headEnd type="none" w="med" len="med"/>
+                      <a:tailEnd type="none" w="med" len="med"/>
+                    </a:lnT>
+                    <a:lnB w="6350" cap="flat" cmpd="sng" algn="ctr">
+                      <a:solidFill>
+                        <a:srgbClr val="000000"/>
+                      </a:solidFill>
+                      <a:prstDash val="solid"/>
+                      <a:round/>
+                      <a:headEnd type="none" w="med" len="med"/>
+                      <a:tailEnd type="none" w="med" len="med"/>
+                    </a:lnB>
+                    <a:solidFill>
+                      <a:srgbClr val="9BC2E6"/>
+                    </a:solidFill>
+                  </a:tcPr>
+                </a:tc>
+                <a:extLst>
+                  <a:ext uri="{0D108BD9-81ED-4DB2-BD59-A6C34878D82A}">
+                    <a16:rowId xmlns:a16="http://schemas.microsoft.com/office/drawing/2014/main" val="2446323833"/>
+                  </a:ext>
+                </a:extLst>
+              </a:tr>
+              <a:tr h="0">
+                <a:tc>
+                  <a:txBody>
+                    <a:bodyPr/>
+                    <a:lstStyle/>
+                    <a:p>
+                      <a:pPr algn="l" fontAlgn="b"/>
+                      <a:r>
+                        <a:rPr lang="en-US" sz="900" b="0" i="0" u="none" strike="noStrike" dirty="0">
+                          <a:solidFill>
+                            <a:srgbClr val="000000"/>
+                          </a:solidFill>
+                          <a:effectLst/>
+                          <a:latin typeface="Calibri" panose="020F0502020204030204" pitchFamily="34" charset="0"/>
+                        </a:rPr>
+                        <a:t>Nombre del Requerimiento</a:t>
+                      </a:r>
+                    </a:p>
+                  </a:txBody>
+                  <a:tcPr marL="7950" marR="7950" marT="7950" marB="0" anchor="b">
+                    <a:lnL w="6350" cap="flat" cmpd="sng" algn="ctr">
+                      <a:solidFill>
+                        <a:srgbClr val="000000"/>
+                      </a:solidFill>
+                      <a:prstDash val="solid"/>
+                      <a:round/>
+                      <a:headEnd type="none" w="med" len="med"/>
+                      <a:tailEnd type="none" w="med" len="med"/>
+                    </a:lnL>
+                    <a:lnR w="6350" cap="flat" cmpd="sng" algn="ctr">
+                      <a:solidFill>
+                        <a:srgbClr val="000000"/>
+                      </a:solidFill>
+                      <a:prstDash val="solid"/>
+                      <a:round/>
+                      <a:headEnd type="none" w="med" len="med"/>
+                      <a:tailEnd type="none" w="med" len="med"/>
+                    </a:lnR>
+                    <a:lnT w="6350" cap="flat" cmpd="sng" algn="ctr">
+                      <a:solidFill>
+                        <a:srgbClr val="000000"/>
+                      </a:solidFill>
+                      <a:prstDash val="solid"/>
+                      <a:round/>
+                      <a:headEnd type="none" w="med" len="med"/>
+                      <a:tailEnd type="none" w="med" len="med"/>
+                    </a:lnT>
+                    <a:lnB w="6350" cap="flat" cmpd="sng" algn="ctr">
+                      <a:solidFill>
+                        <a:srgbClr val="000000"/>
+                      </a:solidFill>
+                      <a:prstDash val="solid"/>
+                      <a:round/>
+                      <a:headEnd type="none" w="med" len="med"/>
+                      <a:tailEnd type="none" w="med" len="med"/>
+                    </a:lnB>
+                  </a:tcPr>
+                </a:tc>
+                <a:tc>
+                  <a:txBody>
+                    <a:bodyPr/>
+                    <a:lstStyle/>
+                    <a:p>
+                      <a:pPr algn="l" fontAlgn="b"/>
+                      <a:r>
+                        <a:rPr lang="en-US" sz="900" b="0" i="0" u="none" strike="noStrike" dirty="0">
+                          <a:solidFill>
+                            <a:srgbClr val="000000"/>
+                          </a:solidFill>
+                          <a:effectLst/>
+                          <a:latin typeface="Calibri" panose="020F0502020204030204" pitchFamily="34" charset="0"/>
+                        </a:rPr>
+                        <a:t>Inicio de sesión</a:t>
+                      </a:r>
+                    </a:p>
+                  </a:txBody>
+                  <a:tcPr marL="7950" marR="7950" marT="7950" marB="0" anchor="b">
+                    <a:lnL w="6350" cap="flat" cmpd="sng" algn="ctr">
+                      <a:solidFill>
+                        <a:srgbClr val="000000"/>
+                      </a:solidFill>
+                      <a:prstDash val="solid"/>
+                      <a:round/>
+                      <a:headEnd type="none" w="med" len="med"/>
+                      <a:tailEnd type="none" w="med" len="med"/>
+                    </a:lnL>
+                    <a:lnR w="6350" cap="flat" cmpd="sng" algn="ctr">
+                      <a:solidFill>
+                        <a:srgbClr val="000000"/>
+                      </a:solidFill>
+                      <a:prstDash val="solid"/>
+                      <a:round/>
+                      <a:headEnd type="none" w="med" len="med"/>
+                      <a:tailEnd type="none" w="med" len="med"/>
+                    </a:lnR>
+                    <a:lnT w="6350" cap="flat" cmpd="sng" algn="ctr">
+                      <a:solidFill>
+                        <a:srgbClr val="000000"/>
+                      </a:solidFill>
+                      <a:prstDash val="solid"/>
+                      <a:round/>
+                      <a:headEnd type="none" w="med" len="med"/>
+                      <a:tailEnd type="none" w="med" len="med"/>
+                    </a:lnT>
+                    <a:lnB w="6350" cap="flat" cmpd="sng" algn="ctr">
+                      <a:solidFill>
+                        <a:srgbClr val="000000"/>
+                      </a:solidFill>
+                      <a:prstDash val="solid"/>
+                      <a:round/>
+                      <a:headEnd type="none" w="med" len="med"/>
+                      <a:tailEnd type="none" w="med" len="med"/>
+                    </a:lnB>
+                  </a:tcPr>
+                </a:tc>
+                <a:extLst>
+                  <a:ext uri="{0D108BD9-81ED-4DB2-BD59-A6C34878D82A}">
+                    <a16:rowId xmlns:a16="http://schemas.microsoft.com/office/drawing/2014/main" val="3392786856"/>
+                  </a:ext>
+                </a:extLst>
+              </a:tr>
+              <a:tr h="178728">
+                <a:tc>
+                  <a:txBody>
+                    <a:bodyPr/>
+                    <a:lstStyle/>
+                    <a:p>
+                      <a:pPr algn="l" fontAlgn="b"/>
+                      <a:r>
+                        <a:rPr lang="en-US" sz="900" b="0" i="0" u="none" strike="noStrike" dirty="0">
+                          <a:solidFill>
+                            <a:srgbClr val="000000"/>
+                          </a:solidFill>
+                          <a:effectLst/>
+                          <a:latin typeface="Calibri" panose="020F0502020204030204" pitchFamily="34" charset="0"/>
+                        </a:rPr>
+                        <a:t>Requerimiento</a:t>
+                      </a:r>
+                    </a:p>
+                  </a:txBody>
+                  <a:tcPr marL="7950" marR="7950" marT="7950" marB="0" anchor="b">
+                    <a:lnL w="6350" cap="flat" cmpd="sng" algn="ctr">
+                      <a:solidFill>
+                        <a:srgbClr val="000000"/>
+                      </a:solidFill>
+                      <a:prstDash val="solid"/>
+                      <a:round/>
+                      <a:headEnd type="none" w="med" len="med"/>
+                      <a:tailEnd type="none" w="med" len="med"/>
+                    </a:lnL>
+                    <a:lnR w="6350" cap="flat" cmpd="sng" algn="ctr">
+                      <a:solidFill>
+                        <a:srgbClr val="000000"/>
+                      </a:solidFill>
+                      <a:prstDash val="solid"/>
+                      <a:round/>
+                      <a:headEnd type="none" w="med" len="med"/>
+                      <a:tailEnd type="none" w="med" len="med"/>
+                    </a:lnR>
+                    <a:lnT w="6350" cap="flat" cmpd="sng" algn="ctr">
+                      <a:solidFill>
+                        <a:srgbClr val="000000"/>
+                      </a:solidFill>
+                      <a:prstDash val="solid"/>
+                      <a:round/>
+                      <a:headEnd type="none" w="med" len="med"/>
+                      <a:tailEnd type="none" w="med" len="med"/>
+                    </a:lnT>
+                    <a:lnB w="6350" cap="flat" cmpd="sng" algn="ctr">
+                      <a:solidFill>
+                        <a:srgbClr val="000000"/>
+                      </a:solidFill>
+                      <a:prstDash val="solid"/>
+                      <a:round/>
+                      <a:headEnd type="none" w="med" len="med"/>
+                      <a:tailEnd type="none" w="med" len="med"/>
+                    </a:lnB>
+                  </a:tcPr>
+                </a:tc>
+                <a:tc>
+                  <a:txBody>
+                    <a:bodyPr/>
+                    <a:lstStyle/>
+                    <a:p>
+                      <a:pPr algn="l" fontAlgn="b"/>
+                      <a:r>
+                        <a:rPr lang="es-MX" sz="900" b="0" i="0" u="none" strike="noStrike" dirty="0">
+                          <a:solidFill>
+                            <a:srgbClr val="000000"/>
+                          </a:solidFill>
+                          <a:effectLst/>
+                          <a:latin typeface="Calibri" panose="020F0502020204030204" pitchFamily="34" charset="0"/>
+                        </a:rPr>
+                        <a:t>El sistema deberá permitir el inicio de sesión, pidiendo a los usuarios el Nombre_Usuario y la contraseña.</a:t>
+                      </a:r>
+                    </a:p>
+                  </a:txBody>
+                  <a:tcPr marL="7950" marR="7950" marT="7950" marB="0" anchor="b">
+                    <a:lnL w="6350" cap="flat" cmpd="sng" algn="ctr">
+                      <a:solidFill>
+                        <a:srgbClr val="000000"/>
+                      </a:solidFill>
+                      <a:prstDash val="solid"/>
+                      <a:round/>
+                      <a:headEnd type="none" w="med" len="med"/>
+                      <a:tailEnd type="none" w="med" len="med"/>
+                    </a:lnL>
+                    <a:lnR w="6350" cap="flat" cmpd="sng" algn="ctr">
+                      <a:solidFill>
+                        <a:srgbClr val="000000"/>
+                      </a:solidFill>
+                      <a:prstDash val="solid"/>
+                      <a:round/>
+                      <a:headEnd type="none" w="med" len="med"/>
+                      <a:tailEnd type="none" w="med" len="med"/>
+                    </a:lnR>
+                    <a:lnT w="6350" cap="flat" cmpd="sng" algn="ctr">
+                      <a:solidFill>
+                        <a:srgbClr val="000000"/>
+                      </a:solidFill>
+                      <a:prstDash val="solid"/>
+                      <a:round/>
+                      <a:headEnd type="none" w="med" len="med"/>
+                      <a:tailEnd type="none" w="med" len="med"/>
+                    </a:lnT>
+                    <a:lnB w="6350" cap="flat" cmpd="sng" algn="ctr">
+                      <a:solidFill>
+                        <a:srgbClr val="000000"/>
+                      </a:solidFill>
+                      <a:prstDash val="solid"/>
+                      <a:round/>
+                      <a:headEnd type="none" w="med" len="med"/>
+                      <a:tailEnd type="none" w="med" len="med"/>
+                    </a:lnB>
+                  </a:tcPr>
+                </a:tc>
+                <a:extLst>
+                  <a:ext uri="{0D108BD9-81ED-4DB2-BD59-A6C34878D82A}">
+                    <a16:rowId xmlns:a16="http://schemas.microsoft.com/office/drawing/2014/main" val="1206299500"/>
+                  </a:ext>
+                </a:extLst>
+              </a:tr>
+              <a:tr h="178728">
+                <a:tc>
+                  <a:txBody>
+                    <a:bodyPr/>
+                    <a:lstStyle/>
+                    <a:p>
+                      <a:pPr algn="l" fontAlgn="b"/>
+                      <a:r>
+                        <a:rPr lang="en-US" sz="900" b="0" i="0" u="none" strike="noStrike" dirty="0">
+                          <a:solidFill>
+                            <a:srgbClr val="000000"/>
+                          </a:solidFill>
+                          <a:effectLst/>
+                          <a:latin typeface="Calibri" panose="020F0502020204030204" pitchFamily="34" charset="0"/>
+                        </a:rPr>
+                        <a:t>Prioridad del Requerimiento</a:t>
+                      </a:r>
+                    </a:p>
+                  </a:txBody>
+                  <a:tcPr marL="7950" marR="7950" marT="7950" marB="0" anchor="b">
+                    <a:lnL w="6350" cap="flat" cmpd="sng" algn="ctr">
+                      <a:solidFill>
+                        <a:srgbClr val="000000"/>
+                      </a:solidFill>
+                      <a:prstDash val="solid"/>
+                      <a:round/>
+                      <a:headEnd type="none" w="med" len="med"/>
+                      <a:tailEnd type="none" w="med" len="med"/>
+                    </a:lnL>
+                    <a:lnR w="6350" cap="flat" cmpd="sng" algn="ctr">
+                      <a:solidFill>
+                        <a:srgbClr val="000000"/>
+                      </a:solidFill>
+                      <a:prstDash val="solid"/>
+                      <a:round/>
+                      <a:headEnd type="none" w="med" len="med"/>
+                      <a:tailEnd type="none" w="med" len="med"/>
+                    </a:lnR>
+                    <a:lnT w="6350" cap="flat" cmpd="sng" algn="ctr">
+                      <a:solidFill>
+                        <a:srgbClr val="000000"/>
+                      </a:solidFill>
+                      <a:prstDash val="solid"/>
+                      <a:round/>
+                      <a:headEnd type="none" w="med" len="med"/>
+                      <a:tailEnd type="none" w="med" len="med"/>
+                    </a:lnT>
+                    <a:lnB w="6350" cap="flat" cmpd="sng" algn="ctr">
+                      <a:solidFill>
+                        <a:srgbClr val="000000"/>
+                      </a:solidFill>
+                      <a:prstDash val="solid"/>
+                      <a:round/>
+                      <a:headEnd type="none" w="med" len="med"/>
+                      <a:tailEnd type="none" w="med" len="med"/>
+                    </a:lnB>
+                  </a:tcPr>
+                </a:tc>
+                <a:tc>
+                  <a:txBody>
+                    <a:bodyPr/>
+                    <a:lstStyle/>
+                    <a:p>
+                      <a:pPr algn="l" fontAlgn="b"/>
+                      <a:r>
+                        <a:rPr lang="en-US" sz="900" b="0" i="0" u="none" strike="noStrike" dirty="0">
+                          <a:solidFill>
+                            <a:srgbClr val="000000"/>
+                          </a:solidFill>
+                          <a:effectLst/>
+                          <a:latin typeface="Calibri" panose="020F0502020204030204" pitchFamily="34" charset="0"/>
+                        </a:rPr>
+                        <a:t>Alta</a:t>
+                      </a:r>
+                    </a:p>
+                  </a:txBody>
+                  <a:tcPr marL="7950" marR="7950" marT="7950" marB="0" anchor="b">
+                    <a:lnL w="6350" cap="flat" cmpd="sng" algn="ctr">
+                      <a:solidFill>
+                        <a:srgbClr val="000000"/>
+                      </a:solidFill>
+                      <a:prstDash val="solid"/>
+                      <a:round/>
+                      <a:headEnd type="none" w="med" len="med"/>
+                      <a:tailEnd type="none" w="med" len="med"/>
+                    </a:lnL>
+                    <a:lnR w="6350" cap="flat" cmpd="sng" algn="ctr">
+                      <a:solidFill>
+                        <a:srgbClr val="000000"/>
+                      </a:solidFill>
+                      <a:prstDash val="solid"/>
+                      <a:round/>
+                      <a:headEnd type="none" w="med" len="med"/>
+                      <a:tailEnd type="none" w="med" len="med"/>
+                    </a:lnR>
+                    <a:lnT w="6350" cap="flat" cmpd="sng" algn="ctr">
+                      <a:solidFill>
+                        <a:srgbClr val="000000"/>
+                      </a:solidFill>
+                      <a:prstDash val="solid"/>
+                      <a:round/>
+                      <a:headEnd type="none" w="med" len="med"/>
+                      <a:tailEnd type="none" w="med" len="med"/>
+                    </a:lnT>
+                    <a:lnB w="6350" cap="flat" cmpd="sng" algn="ctr">
+                      <a:solidFill>
+                        <a:srgbClr val="000000"/>
+                      </a:solidFill>
+                      <a:prstDash val="solid"/>
+                      <a:round/>
+                      <a:headEnd type="none" w="med" len="med"/>
+                      <a:tailEnd type="none" w="med" len="med"/>
+                    </a:lnB>
+                  </a:tcPr>
+                </a:tc>
+                <a:extLst>
+                  <a:ext uri="{0D108BD9-81ED-4DB2-BD59-A6C34878D82A}">
+                    <a16:rowId xmlns:a16="http://schemas.microsoft.com/office/drawing/2014/main" val="1860433961"/>
+                  </a:ext>
+                </a:extLst>
+              </a:tr>
+              <a:tr h="178728">
+                <a:tc>
+                  <a:txBody>
+                    <a:bodyPr/>
+                    <a:lstStyle/>
+                    <a:p>
+                      <a:pPr algn="l" fontAlgn="b"/>
+                      <a:endParaRPr lang="en-US" sz="900" b="0" i="0" u="none" strike="noStrike" dirty="0">
+                        <a:solidFill>
+                          <a:srgbClr val="000000"/>
+                        </a:solidFill>
+                        <a:effectLst/>
+                        <a:latin typeface="Calibri" panose="020F0502020204030204" pitchFamily="34" charset="0"/>
+                      </a:endParaRPr>
+                    </a:p>
+                  </a:txBody>
+                  <a:tcPr marL="7950" marR="7950" marT="7950" marB="0" anchor="b">
+                    <a:lnL>
+                      <a:noFill/>
+                    </a:lnL>
+                    <a:lnR>
+                      <a:noFill/>
+                    </a:lnR>
+                    <a:lnT w="6350" cap="flat" cmpd="sng" algn="ctr">
+                      <a:solidFill>
+                        <a:srgbClr val="000000"/>
+                      </a:solidFill>
+                      <a:prstDash val="solid"/>
+                      <a:round/>
+                      <a:headEnd type="none" w="med" len="med"/>
+                      <a:tailEnd type="none" w="med" len="med"/>
+                    </a:lnT>
+                    <a:lnB w="6350" cap="flat" cmpd="sng" algn="ctr">
+                      <a:solidFill>
+                        <a:srgbClr val="000000"/>
+                      </a:solidFill>
+                      <a:prstDash val="solid"/>
+                      <a:round/>
+                      <a:headEnd type="none" w="med" len="med"/>
+                      <a:tailEnd type="none" w="med" len="med"/>
+                    </a:lnB>
+                  </a:tcPr>
+                </a:tc>
+                <a:tc>
+                  <a:txBody>
+                    <a:bodyPr/>
+                    <a:lstStyle/>
+                    <a:p>
+                      <a:pPr algn="l" fontAlgn="b"/>
+                      <a:endParaRPr lang="en-US" sz="900" b="0" i="0" u="none" strike="noStrike" dirty="0">
+                        <a:solidFill>
+                          <a:srgbClr val="000000"/>
+                        </a:solidFill>
+                        <a:effectLst/>
+                        <a:latin typeface="Calibri" panose="020F0502020204030204" pitchFamily="34" charset="0"/>
+                      </a:endParaRPr>
+                    </a:p>
+                  </a:txBody>
+                  <a:tcPr marL="7950" marR="7950" marT="7950" marB="0" anchor="b">
+                    <a:lnL>
+                      <a:noFill/>
+                    </a:lnL>
+                    <a:lnR>
+                      <a:noFill/>
+                    </a:lnR>
+                    <a:lnT w="6350" cap="flat" cmpd="sng" algn="ctr">
+                      <a:solidFill>
+                        <a:srgbClr val="000000"/>
+                      </a:solidFill>
+                      <a:prstDash val="solid"/>
+                      <a:round/>
+                      <a:headEnd type="none" w="med" len="med"/>
+                      <a:tailEnd type="none" w="med" len="med"/>
+                    </a:lnT>
+                    <a:lnB w="6350" cap="flat" cmpd="sng" algn="ctr">
+                      <a:solidFill>
+                        <a:srgbClr val="000000"/>
+                      </a:solidFill>
+                      <a:prstDash val="solid"/>
+                      <a:round/>
+                      <a:headEnd type="none" w="med" len="med"/>
+                      <a:tailEnd type="none" w="med" len="med"/>
+                    </a:lnB>
+                  </a:tcPr>
+                </a:tc>
+                <a:extLst>
+                  <a:ext uri="{0D108BD9-81ED-4DB2-BD59-A6C34878D82A}">
+                    <a16:rowId xmlns:a16="http://schemas.microsoft.com/office/drawing/2014/main" val="461973288"/>
+                  </a:ext>
+                </a:extLst>
+              </a:tr>
+              <a:tr h="205538">
+                <a:tc>
+                  <a:txBody>
+                    <a:bodyPr/>
+                    <a:lstStyle/>
+                    <a:p>
+                      <a:pPr algn="l" fontAlgn="b"/>
+                      <a:r>
+                        <a:rPr lang="en-US" sz="900" b="0" i="0" u="none" strike="noStrike" dirty="0">
+                          <a:solidFill>
+                            <a:srgbClr val="000000"/>
+                          </a:solidFill>
+                          <a:effectLst/>
+                          <a:latin typeface="Calibri" panose="020F0502020204030204" pitchFamily="34" charset="0"/>
+                        </a:rPr>
+                        <a:t>ID Requerimiento</a:t>
+                      </a:r>
+                    </a:p>
+                  </a:txBody>
+                  <a:tcPr marL="7950" marR="7950" marT="7950" marB="0" anchor="b">
+                    <a:lnL w="6350" cap="flat" cmpd="sng" algn="ctr">
+                      <a:solidFill>
+                        <a:srgbClr val="000000"/>
+                      </a:solidFill>
+                      <a:prstDash val="solid"/>
+                      <a:round/>
+                      <a:headEnd type="none" w="med" len="med"/>
+                      <a:tailEnd type="none" w="med" len="med"/>
+                    </a:lnL>
+                    <a:lnR w="6350" cap="flat" cmpd="sng" algn="ctr">
+                      <a:solidFill>
+                        <a:srgbClr val="000000"/>
+                      </a:solidFill>
+                      <a:prstDash val="solid"/>
+                      <a:round/>
+                      <a:headEnd type="none" w="med" len="med"/>
+                      <a:tailEnd type="none" w="med" len="med"/>
+                    </a:lnR>
+                    <a:lnT w="6350" cap="flat" cmpd="sng" algn="ctr">
+                      <a:solidFill>
+                        <a:srgbClr val="000000"/>
+                      </a:solidFill>
+                      <a:prstDash val="solid"/>
+                      <a:round/>
+                      <a:headEnd type="none" w="med" len="med"/>
+                      <a:tailEnd type="none" w="med" len="med"/>
+                    </a:lnT>
+                    <a:lnB w="6350" cap="flat" cmpd="sng" algn="ctr">
+                      <a:solidFill>
+                        <a:srgbClr val="000000"/>
+                      </a:solidFill>
+                      <a:prstDash val="solid"/>
+                      <a:round/>
+                      <a:headEnd type="none" w="med" len="med"/>
+                      <a:tailEnd type="none" w="med" len="med"/>
+                    </a:lnB>
+                    <a:solidFill>
+                      <a:srgbClr val="9BC2E6"/>
+                    </a:solidFill>
+                  </a:tcPr>
+                </a:tc>
+                <a:tc>
+                  <a:txBody>
+                    <a:bodyPr/>
+                    <a:lstStyle/>
+                    <a:p>
+                      <a:pPr algn="l" fontAlgn="b"/>
+                      <a:r>
+                        <a:rPr lang="en-US" sz="900" b="0" i="0" u="none" strike="noStrike" dirty="0">
+                          <a:solidFill>
+                            <a:srgbClr val="000000"/>
+                          </a:solidFill>
+                          <a:effectLst/>
+                          <a:latin typeface="Calibri" panose="020F0502020204030204" pitchFamily="34" charset="0"/>
+                        </a:rPr>
+                        <a:t>AM_RF_02</a:t>
+                      </a:r>
+                    </a:p>
+                  </a:txBody>
+                  <a:tcPr marL="7950" marR="7950" marT="7950" marB="0" anchor="b">
+                    <a:lnL w="6350" cap="flat" cmpd="sng" algn="ctr">
+                      <a:solidFill>
+                        <a:srgbClr val="000000"/>
+                      </a:solidFill>
+                      <a:prstDash val="solid"/>
+                      <a:round/>
+                      <a:headEnd type="none" w="med" len="med"/>
+                      <a:tailEnd type="none" w="med" len="med"/>
+                    </a:lnL>
+                    <a:lnR w="6350" cap="flat" cmpd="sng" algn="ctr">
+                      <a:solidFill>
+                        <a:srgbClr val="000000"/>
+                      </a:solidFill>
+                      <a:prstDash val="solid"/>
+                      <a:round/>
+                      <a:headEnd type="none" w="med" len="med"/>
+                      <a:tailEnd type="none" w="med" len="med"/>
+                    </a:lnR>
+                    <a:lnT w="6350" cap="flat" cmpd="sng" algn="ctr">
+                      <a:solidFill>
+                        <a:srgbClr val="000000"/>
+                      </a:solidFill>
+                      <a:prstDash val="solid"/>
+                      <a:round/>
+                      <a:headEnd type="none" w="med" len="med"/>
+                      <a:tailEnd type="none" w="med" len="med"/>
+                    </a:lnT>
+                    <a:lnB w="6350" cap="flat" cmpd="sng" algn="ctr">
+                      <a:solidFill>
+                        <a:srgbClr val="000000"/>
+                      </a:solidFill>
+                      <a:prstDash val="solid"/>
+                      <a:round/>
+                      <a:headEnd type="none" w="med" len="med"/>
+                      <a:tailEnd type="none" w="med" len="med"/>
+                    </a:lnB>
+                    <a:solidFill>
+                      <a:srgbClr val="9BC2E6"/>
+                    </a:solidFill>
+                  </a:tcPr>
+                </a:tc>
+                <a:extLst>
+                  <a:ext uri="{0D108BD9-81ED-4DB2-BD59-A6C34878D82A}">
+                    <a16:rowId xmlns:a16="http://schemas.microsoft.com/office/drawing/2014/main" val="1212127188"/>
+                  </a:ext>
+                </a:extLst>
+              </a:tr>
+              <a:tr h="178728">
+                <a:tc>
+                  <a:txBody>
+                    <a:bodyPr/>
+                    <a:lstStyle/>
+                    <a:p>
+                      <a:pPr algn="l" fontAlgn="b"/>
+                      <a:r>
+                        <a:rPr lang="en-US" sz="900" b="0" i="0" u="none" strike="noStrike" dirty="0">
+                          <a:solidFill>
+                            <a:srgbClr val="000000"/>
+                          </a:solidFill>
+                          <a:effectLst/>
+                          <a:latin typeface="Calibri" panose="020F0502020204030204" pitchFamily="34" charset="0"/>
+                        </a:rPr>
+                        <a:t>Nombre del Requerimiento</a:t>
+                      </a:r>
+                    </a:p>
+                  </a:txBody>
+                  <a:tcPr marL="7950" marR="7950" marT="7950" marB="0" anchor="b">
+                    <a:lnL w="6350" cap="flat" cmpd="sng" algn="ctr">
+                      <a:solidFill>
+                        <a:srgbClr val="000000"/>
+                      </a:solidFill>
+                      <a:prstDash val="solid"/>
+                      <a:round/>
+                      <a:headEnd type="none" w="med" len="med"/>
+                      <a:tailEnd type="none" w="med" len="med"/>
+                    </a:lnL>
+                    <a:lnR w="6350" cap="flat" cmpd="sng" algn="ctr">
+                      <a:solidFill>
+                        <a:srgbClr val="000000"/>
+                      </a:solidFill>
+                      <a:prstDash val="solid"/>
+                      <a:round/>
+                      <a:headEnd type="none" w="med" len="med"/>
+                      <a:tailEnd type="none" w="med" len="med"/>
+                    </a:lnR>
+                    <a:lnT w="6350" cap="flat" cmpd="sng" algn="ctr">
+                      <a:solidFill>
+                        <a:srgbClr val="000000"/>
+                      </a:solidFill>
+                      <a:prstDash val="solid"/>
+                      <a:round/>
+                      <a:headEnd type="none" w="med" len="med"/>
+                      <a:tailEnd type="none" w="med" len="med"/>
+                    </a:lnT>
+                    <a:lnB w="6350" cap="flat" cmpd="sng" algn="ctr">
+                      <a:solidFill>
+                        <a:srgbClr val="000000"/>
+                      </a:solidFill>
+                      <a:prstDash val="solid"/>
+                      <a:round/>
+                      <a:headEnd type="none" w="med" len="med"/>
+                      <a:tailEnd type="none" w="med" len="med"/>
+                    </a:lnB>
+                  </a:tcPr>
+                </a:tc>
+                <a:tc>
+                  <a:txBody>
+                    <a:bodyPr/>
+                    <a:lstStyle/>
+                    <a:p>
+                      <a:pPr algn="l" fontAlgn="b"/>
+                      <a:r>
+                        <a:rPr lang="en-US" sz="900" b="0" i="0" u="none" strike="noStrike" dirty="0">
+                          <a:solidFill>
+                            <a:srgbClr val="000000"/>
+                          </a:solidFill>
+                          <a:effectLst/>
+                          <a:latin typeface="Calibri" panose="020F0502020204030204" pitchFamily="34" charset="0"/>
+                        </a:rPr>
+                        <a:t>Cerrar sesión</a:t>
+                      </a:r>
+                    </a:p>
+                  </a:txBody>
+                  <a:tcPr marL="7950" marR="7950" marT="7950" marB="0" anchor="b">
+                    <a:lnL w="6350" cap="flat" cmpd="sng" algn="ctr">
+                      <a:solidFill>
+                        <a:srgbClr val="000000"/>
+                      </a:solidFill>
+                      <a:prstDash val="solid"/>
+                      <a:round/>
+                      <a:headEnd type="none" w="med" len="med"/>
+                      <a:tailEnd type="none" w="med" len="med"/>
+                    </a:lnL>
+                    <a:lnR w="6350" cap="flat" cmpd="sng" algn="ctr">
+                      <a:solidFill>
+                        <a:srgbClr val="000000"/>
+                      </a:solidFill>
+                      <a:prstDash val="solid"/>
+                      <a:round/>
+                      <a:headEnd type="none" w="med" len="med"/>
+                      <a:tailEnd type="none" w="med" len="med"/>
+                    </a:lnR>
+                    <a:lnT w="6350" cap="flat" cmpd="sng" algn="ctr">
+                      <a:solidFill>
+                        <a:srgbClr val="000000"/>
+                      </a:solidFill>
+                      <a:prstDash val="solid"/>
+                      <a:round/>
+                      <a:headEnd type="none" w="med" len="med"/>
+                      <a:tailEnd type="none" w="med" len="med"/>
+                    </a:lnT>
+                    <a:lnB w="6350" cap="flat" cmpd="sng" algn="ctr">
+                      <a:solidFill>
+                        <a:srgbClr val="000000"/>
+                      </a:solidFill>
+                      <a:prstDash val="solid"/>
+                      <a:round/>
+                      <a:headEnd type="none" w="med" len="med"/>
+                      <a:tailEnd type="none" w="med" len="med"/>
+                    </a:lnB>
+                  </a:tcPr>
+                </a:tc>
+                <a:extLst>
+                  <a:ext uri="{0D108BD9-81ED-4DB2-BD59-A6C34878D82A}">
+                    <a16:rowId xmlns:a16="http://schemas.microsoft.com/office/drawing/2014/main" val="301539715"/>
+                  </a:ext>
+                </a:extLst>
+              </a:tr>
+              <a:tr h="178728">
+                <a:tc>
+                  <a:txBody>
+                    <a:bodyPr/>
+                    <a:lstStyle/>
+                    <a:p>
+                      <a:pPr algn="l" fontAlgn="b"/>
+                      <a:r>
+                        <a:rPr lang="en-US" sz="900" b="0" i="0" u="none" strike="noStrike" dirty="0">
+                          <a:solidFill>
+                            <a:srgbClr val="000000"/>
+                          </a:solidFill>
+                          <a:effectLst/>
+                          <a:latin typeface="Calibri" panose="020F0502020204030204" pitchFamily="34" charset="0"/>
+                        </a:rPr>
+                        <a:t>Requerimiento</a:t>
+                      </a:r>
+                    </a:p>
+                  </a:txBody>
+                  <a:tcPr marL="7950" marR="7950" marT="7950" marB="0" anchor="b">
+                    <a:lnL w="6350" cap="flat" cmpd="sng" algn="ctr">
+                      <a:solidFill>
+                        <a:srgbClr val="000000"/>
+                      </a:solidFill>
+                      <a:prstDash val="solid"/>
+                      <a:round/>
+                      <a:headEnd type="none" w="med" len="med"/>
+                      <a:tailEnd type="none" w="med" len="med"/>
+                    </a:lnL>
+                    <a:lnR w="6350" cap="flat" cmpd="sng" algn="ctr">
+                      <a:solidFill>
+                        <a:srgbClr val="000000"/>
+                      </a:solidFill>
+                      <a:prstDash val="solid"/>
+                      <a:round/>
+                      <a:headEnd type="none" w="med" len="med"/>
+                      <a:tailEnd type="none" w="med" len="med"/>
+                    </a:lnR>
+                    <a:lnT w="6350" cap="flat" cmpd="sng" algn="ctr">
+                      <a:solidFill>
+                        <a:srgbClr val="000000"/>
+                      </a:solidFill>
+                      <a:prstDash val="solid"/>
+                      <a:round/>
+                      <a:headEnd type="none" w="med" len="med"/>
+                      <a:tailEnd type="none" w="med" len="med"/>
+                    </a:lnT>
+                    <a:lnB w="6350" cap="flat" cmpd="sng" algn="ctr">
+                      <a:solidFill>
+                        <a:srgbClr val="000000"/>
+                      </a:solidFill>
+                      <a:prstDash val="solid"/>
+                      <a:round/>
+                      <a:headEnd type="none" w="med" len="med"/>
+                      <a:tailEnd type="none" w="med" len="med"/>
+                    </a:lnB>
+                  </a:tcPr>
+                </a:tc>
+                <a:tc>
+                  <a:txBody>
+                    <a:bodyPr/>
+                    <a:lstStyle/>
+                    <a:p>
+                      <a:pPr algn="l" fontAlgn="b"/>
+                      <a:r>
+                        <a:rPr lang="es-MX" sz="900" b="0" i="0" u="none" strike="noStrike" dirty="0">
+                          <a:solidFill>
+                            <a:srgbClr val="000000"/>
+                          </a:solidFill>
+                          <a:effectLst/>
+                          <a:latin typeface="Calibri" panose="020F0502020204030204" pitchFamily="34" charset="0"/>
+                        </a:rPr>
+                        <a:t>El sistema deberá permitirle al usuario cerrar su sesión.</a:t>
+                      </a:r>
+                    </a:p>
+                  </a:txBody>
+                  <a:tcPr marL="7950" marR="7950" marT="7950" marB="0" anchor="b">
+                    <a:lnL w="6350" cap="flat" cmpd="sng" algn="ctr">
+                      <a:solidFill>
+                        <a:srgbClr val="000000"/>
+                      </a:solidFill>
+                      <a:prstDash val="solid"/>
+                      <a:round/>
+                      <a:headEnd type="none" w="med" len="med"/>
+                      <a:tailEnd type="none" w="med" len="med"/>
+                    </a:lnL>
+                    <a:lnR w="6350" cap="flat" cmpd="sng" algn="ctr">
+                      <a:solidFill>
+                        <a:srgbClr val="000000"/>
+                      </a:solidFill>
+                      <a:prstDash val="solid"/>
+                      <a:round/>
+                      <a:headEnd type="none" w="med" len="med"/>
+                      <a:tailEnd type="none" w="med" len="med"/>
+                    </a:lnR>
+                    <a:lnT w="6350" cap="flat" cmpd="sng" algn="ctr">
+                      <a:solidFill>
+                        <a:srgbClr val="000000"/>
+                      </a:solidFill>
+                      <a:prstDash val="solid"/>
+                      <a:round/>
+                      <a:headEnd type="none" w="med" len="med"/>
+                      <a:tailEnd type="none" w="med" len="med"/>
+                    </a:lnT>
+                    <a:lnB w="6350" cap="flat" cmpd="sng" algn="ctr">
+                      <a:solidFill>
+                        <a:srgbClr val="000000"/>
+                      </a:solidFill>
+                      <a:prstDash val="solid"/>
+                      <a:round/>
+                      <a:headEnd type="none" w="med" len="med"/>
+                      <a:tailEnd type="none" w="med" len="med"/>
+                    </a:lnB>
+                  </a:tcPr>
+                </a:tc>
+                <a:extLst>
+                  <a:ext uri="{0D108BD9-81ED-4DB2-BD59-A6C34878D82A}">
+                    <a16:rowId xmlns:a16="http://schemas.microsoft.com/office/drawing/2014/main" val="3429640317"/>
+                  </a:ext>
+                </a:extLst>
+              </a:tr>
+              <a:tr h="178728">
+                <a:tc>
+                  <a:txBody>
+                    <a:bodyPr/>
+                    <a:lstStyle/>
+                    <a:p>
+                      <a:pPr algn="l" fontAlgn="b"/>
+                      <a:r>
+                        <a:rPr lang="en-US" sz="900" b="0" i="0" u="none" strike="noStrike" dirty="0">
+                          <a:solidFill>
+                            <a:srgbClr val="000000"/>
+                          </a:solidFill>
+                          <a:effectLst/>
+                          <a:latin typeface="Calibri" panose="020F0502020204030204" pitchFamily="34" charset="0"/>
+                        </a:rPr>
+                        <a:t>Prioridad del Requerimiento</a:t>
+                      </a:r>
+                    </a:p>
+                  </a:txBody>
+                  <a:tcPr marL="7950" marR="7950" marT="7950" marB="0" anchor="b">
+                    <a:lnL w="6350" cap="flat" cmpd="sng" algn="ctr">
+                      <a:solidFill>
+                        <a:srgbClr val="000000"/>
+                      </a:solidFill>
+                      <a:prstDash val="solid"/>
+                      <a:round/>
+                      <a:headEnd type="none" w="med" len="med"/>
+                      <a:tailEnd type="none" w="med" len="med"/>
+                    </a:lnL>
+                    <a:lnR w="6350" cap="flat" cmpd="sng" algn="ctr">
+                      <a:solidFill>
+                        <a:srgbClr val="000000"/>
+                      </a:solidFill>
+                      <a:prstDash val="solid"/>
+                      <a:round/>
+                      <a:headEnd type="none" w="med" len="med"/>
+                      <a:tailEnd type="none" w="med" len="med"/>
+                    </a:lnR>
+                    <a:lnT w="6350" cap="flat" cmpd="sng" algn="ctr">
+                      <a:solidFill>
+                        <a:srgbClr val="000000"/>
+                      </a:solidFill>
+                      <a:prstDash val="solid"/>
+                      <a:round/>
+                      <a:headEnd type="none" w="med" len="med"/>
+                      <a:tailEnd type="none" w="med" len="med"/>
+                    </a:lnT>
+                    <a:lnB w="6350" cap="flat" cmpd="sng" algn="ctr">
+                      <a:solidFill>
+                        <a:srgbClr val="000000"/>
+                      </a:solidFill>
+                      <a:prstDash val="solid"/>
+                      <a:round/>
+                      <a:headEnd type="none" w="med" len="med"/>
+                      <a:tailEnd type="none" w="med" len="med"/>
+                    </a:lnB>
+                  </a:tcPr>
+                </a:tc>
+                <a:tc>
+                  <a:txBody>
+                    <a:bodyPr/>
+                    <a:lstStyle/>
+                    <a:p>
+                      <a:pPr algn="l" fontAlgn="b"/>
+                      <a:r>
+                        <a:rPr lang="en-US" sz="900" b="0" i="0" u="none" strike="noStrike" dirty="0">
+                          <a:solidFill>
+                            <a:srgbClr val="000000"/>
+                          </a:solidFill>
+                          <a:effectLst/>
+                          <a:latin typeface="Calibri" panose="020F0502020204030204" pitchFamily="34" charset="0"/>
+                        </a:rPr>
+                        <a:t>Alta</a:t>
+                      </a:r>
+                    </a:p>
+                  </a:txBody>
+                  <a:tcPr marL="7950" marR="7950" marT="7950" marB="0" anchor="b">
+                    <a:lnL w="6350" cap="flat" cmpd="sng" algn="ctr">
+                      <a:solidFill>
+                        <a:srgbClr val="000000"/>
+                      </a:solidFill>
+                      <a:prstDash val="solid"/>
+                      <a:round/>
+                      <a:headEnd type="none" w="med" len="med"/>
+                      <a:tailEnd type="none" w="med" len="med"/>
+                    </a:lnL>
+                    <a:lnR w="6350" cap="flat" cmpd="sng" algn="ctr">
+                      <a:solidFill>
+                        <a:srgbClr val="000000"/>
+                      </a:solidFill>
+                      <a:prstDash val="solid"/>
+                      <a:round/>
+                      <a:headEnd type="none" w="med" len="med"/>
+                      <a:tailEnd type="none" w="med" len="med"/>
+                    </a:lnR>
+                    <a:lnT w="6350" cap="flat" cmpd="sng" algn="ctr">
+                      <a:solidFill>
+                        <a:srgbClr val="000000"/>
+                      </a:solidFill>
+                      <a:prstDash val="solid"/>
+                      <a:round/>
+                      <a:headEnd type="none" w="med" len="med"/>
+                      <a:tailEnd type="none" w="med" len="med"/>
+                    </a:lnT>
+                    <a:lnB w="6350" cap="flat" cmpd="sng" algn="ctr">
+                      <a:solidFill>
+                        <a:srgbClr val="000000"/>
+                      </a:solidFill>
+                      <a:prstDash val="solid"/>
+                      <a:round/>
+                      <a:headEnd type="none" w="med" len="med"/>
+                      <a:tailEnd type="none" w="med" len="med"/>
+                    </a:lnB>
+                  </a:tcPr>
+                </a:tc>
+                <a:extLst>
+                  <a:ext uri="{0D108BD9-81ED-4DB2-BD59-A6C34878D82A}">
+                    <a16:rowId xmlns:a16="http://schemas.microsoft.com/office/drawing/2014/main" val="1186164134"/>
+                  </a:ext>
+                </a:extLst>
+              </a:tr>
+              <a:tr h="178728">
+                <a:tc>
+                  <a:txBody>
+                    <a:bodyPr/>
+                    <a:lstStyle/>
+                    <a:p>
+                      <a:pPr algn="l" fontAlgn="b"/>
+                      <a:endParaRPr lang="en-US" sz="900" b="0" i="0" u="none" strike="noStrike" dirty="0">
+                        <a:solidFill>
+                          <a:srgbClr val="000000"/>
+                        </a:solidFill>
+                        <a:effectLst/>
+                        <a:latin typeface="Calibri" panose="020F0502020204030204" pitchFamily="34" charset="0"/>
+                      </a:endParaRPr>
+                    </a:p>
+                  </a:txBody>
+                  <a:tcPr marL="7950" marR="7950" marT="7950" marB="0" anchor="b">
+                    <a:lnL>
+                      <a:noFill/>
+                    </a:lnL>
+                    <a:lnR>
+                      <a:noFill/>
+                    </a:lnR>
+                    <a:lnT w="6350" cap="flat" cmpd="sng" algn="ctr">
+                      <a:solidFill>
+                        <a:srgbClr val="000000"/>
+                      </a:solidFill>
+                      <a:prstDash val="solid"/>
+                      <a:round/>
+                      <a:headEnd type="none" w="med" len="med"/>
+                      <a:tailEnd type="none" w="med" len="med"/>
+                    </a:lnT>
+                    <a:lnB w="6350" cap="flat" cmpd="sng" algn="ctr">
+                      <a:solidFill>
+                        <a:srgbClr val="000000"/>
+                      </a:solidFill>
+                      <a:prstDash val="solid"/>
+                      <a:round/>
+                      <a:headEnd type="none" w="med" len="med"/>
+                      <a:tailEnd type="none" w="med" len="med"/>
+                    </a:lnB>
+                  </a:tcPr>
+                </a:tc>
+                <a:tc>
+                  <a:txBody>
+                    <a:bodyPr/>
+                    <a:lstStyle/>
+                    <a:p>
+                      <a:pPr algn="l" fontAlgn="b"/>
+                      <a:endParaRPr lang="en-US" sz="900" b="0" i="0" u="none" strike="noStrike" dirty="0">
+                        <a:solidFill>
+                          <a:srgbClr val="000000"/>
+                        </a:solidFill>
+                        <a:effectLst/>
+                        <a:latin typeface="Calibri" panose="020F0502020204030204" pitchFamily="34" charset="0"/>
+                      </a:endParaRPr>
+                    </a:p>
+                  </a:txBody>
+                  <a:tcPr marL="7950" marR="7950" marT="7950" marB="0" anchor="b">
+                    <a:lnL>
+                      <a:noFill/>
+                    </a:lnL>
+                    <a:lnR>
+                      <a:noFill/>
+                    </a:lnR>
+                    <a:lnT w="6350" cap="flat" cmpd="sng" algn="ctr">
+                      <a:solidFill>
+                        <a:srgbClr val="000000"/>
+                      </a:solidFill>
+                      <a:prstDash val="solid"/>
+                      <a:round/>
+                      <a:headEnd type="none" w="med" len="med"/>
+                      <a:tailEnd type="none" w="med" len="med"/>
+                    </a:lnT>
+                    <a:lnB w="6350" cap="flat" cmpd="sng" algn="ctr">
+                      <a:solidFill>
+                        <a:srgbClr val="000000"/>
+                      </a:solidFill>
+                      <a:prstDash val="solid"/>
+                      <a:round/>
+                      <a:headEnd type="none" w="med" len="med"/>
+                      <a:tailEnd type="none" w="med" len="med"/>
+                    </a:lnB>
+                  </a:tcPr>
+                </a:tc>
+                <a:extLst>
+                  <a:ext uri="{0D108BD9-81ED-4DB2-BD59-A6C34878D82A}">
+                    <a16:rowId xmlns:a16="http://schemas.microsoft.com/office/drawing/2014/main" val="2453596078"/>
+                  </a:ext>
+                </a:extLst>
+              </a:tr>
+              <a:tr h="178728">
+                <a:tc>
+                  <a:txBody>
+                    <a:bodyPr/>
+                    <a:lstStyle/>
+                    <a:p>
+                      <a:pPr algn="l" fontAlgn="b"/>
+                      <a:r>
+                        <a:rPr lang="en-US" sz="900" b="0" i="0" u="none" strike="noStrike" dirty="0">
+                          <a:solidFill>
+                            <a:srgbClr val="000000"/>
+                          </a:solidFill>
+                          <a:effectLst/>
+                          <a:latin typeface="Calibri" panose="020F0502020204030204" pitchFamily="34" charset="0"/>
+                        </a:rPr>
+                        <a:t>ID Requerimiento</a:t>
+                      </a:r>
+                    </a:p>
+                  </a:txBody>
+                  <a:tcPr marL="7950" marR="7950" marT="7950" marB="0" anchor="b">
+                    <a:lnL w="6350" cap="flat" cmpd="sng" algn="ctr">
+                      <a:solidFill>
+                        <a:srgbClr val="000000"/>
+                      </a:solidFill>
+                      <a:prstDash val="solid"/>
+                      <a:round/>
+                      <a:headEnd type="none" w="med" len="med"/>
+                      <a:tailEnd type="none" w="med" len="med"/>
+                    </a:lnL>
+                    <a:lnR w="6350" cap="flat" cmpd="sng" algn="ctr">
+                      <a:solidFill>
+                        <a:srgbClr val="000000"/>
+                      </a:solidFill>
+                      <a:prstDash val="solid"/>
+                      <a:round/>
+                      <a:headEnd type="none" w="med" len="med"/>
+                      <a:tailEnd type="none" w="med" len="med"/>
+                    </a:lnR>
+                    <a:lnT w="6350" cap="flat" cmpd="sng" algn="ctr">
+                      <a:solidFill>
+                        <a:srgbClr val="000000"/>
+                      </a:solidFill>
+                      <a:prstDash val="solid"/>
+                      <a:round/>
+                      <a:headEnd type="none" w="med" len="med"/>
+                      <a:tailEnd type="none" w="med" len="med"/>
+                    </a:lnT>
+                    <a:lnB w="6350" cap="flat" cmpd="sng" algn="ctr">
+                      <a:solidFill>
+                        <a:srgbClr val="000000"/>
+                      </a:solidFill>
+                      <a:prstDash val="solid"/>
+                      <a:round/>
+                      <a:headEnd type="none" w="med" len="med"/>
+                      <a:tailEnd type="none" w="med" len="med"/>
+                    </a:lnB>
+                    <a:solidFill>
+                      <a:srgbClr val="9BC2E6"/>
+                    </a:solidFill>
+                  </a:tcPr>
+                </a:tc>
+                <a:tc>
+                  <a:txBody>
+                    <a:bodyPr/>
+                    <a:lstStyle/>
+                    <a:p>
+                      <a:pPr algn="l" fontAlgn="b"/>
+                      <a:r>
+                        <a:rPr lang="en-US" sz="900" b="0" i="0" u="none" strike="noStrike" dirty="0">
+                          <a:solidFill>
+                            <a:srgbClr val="000000"/>
+                          </a:solidFill>
+                          <a:effectLst/>
+                          <a:latin typeface="Calibri" panose="020F0502020204030204" pitchFamily="34" charset="0"/>
+                        </a:rPr>
+                        <a:t>AM_RF_03</a:t>
+                      </a:r>
+                    </a:p>
+                  </a:txBody>
+                  <a:tcPr marL="7950" marR="7950" marT="7950" marB="0" anchor="b">
+                    <a:lnL w="6350" cap="flat" cmpd="sng" algn="ctr">
+                      <a:solidFill>
+                        <a:srgbClr val="000000"/>
+                      </a:solidFill>
+                      <a:prstDash val="solid"/>
+                      <a:round/>
+                      <a:headEnd type="none" w="med" len="med"/>
+                      <a:tailEnd type="none" w="med" len="med"/>
+                    </a:lnL>
+                    <a:lnR w="6350" cap="flat" cmpd="sng" algn="ctr">
+                      <a:solidFill>
+                        <a:srgbClr val="000000"/>
+                      </a:solidFill>
+                      <a:prstDash val="solid"/>
+                      <a:round/>
+                      <a:headEnd type="none" w="med" len="med"/>
+                      <a:tailEnd type="none" w="med" len="med"/>
+                    </a:lnR>
+                    <a:lnT w="6350" cap="flat" cmpd="sng" algn="ctr">
+                      <a:solidFill>
+                        <a:srgbClr val="000000"/>
+                      </a:solidFill>
+                      <a:prstDash val="solid"/>
+                      <a:round/>
+                      <a:headEnd type="none" w="med" len="med"/>
+                      <a:tailEnd type="none" w="med" len="med"/>
+                    </a:lnT>
+                    <a:lnB w="6350" cap="flat" cmpd="sng" algn="ctr">
+                      <a:solidFill>
+                        <a:srgbClr val="000000"/>
+                      </a:solidFill>
+                      <a:prstDash val="solid"/>
+                      <a:round/>
+                      <a:headEnd type="none" w="med" len="med"/>
+                      <a:tailEnd type="none" w="med" len="med"/>
+                    </a:lnB>
+                    <a:solidFill>
+                      <a:srgbClr val="9BC2E6"/>
+                    </a:solidFill>
+                  </a:tcPr>
+                </a:tc>
+                <a:extLst>
+                  <a:ext uri="{0D108BD9-81ED-4DB2-BD59-A6C34878D82A}">
+                    <a16:rowId xmlns:a16="http://schemas.microsoft.com/office/drawing/2014/main" val="1531970397"/>
+                  </a:ext>
+                </a:extLst>
+              </a:tr>
+              <a:tr h="178728">
+                <a:tc>
+                  <a:txBody>
+                    <a:bodyPr/>
+                    <a:lstStyle/>
+                    <a:p>
+                      <a:pPr algn="l" fontAlgn="b"/>
+                      <a:r>
+                        <a:rPr lang="en-US" sz="900" b="0" i="0" u="none" strike="noStrike" dirty="0">
+                          <a:solidFill>
+                            <a:srgbClr val="000000"/>
+                          </a:solidFill>
+                          <a:effectLst/>
+                          <a:latin typeface="Calibri" panose="020F0502020204030204" pitchFamily="34" charset="0"/>
+                        </a:rPr>
+                        <a:t>Nombre del Requerimiento</a:t>
+                      </a:r>
+                    </a:p>
+                  </a:txBody>
+                  <a:tcPr marL="7950" marR="7950" marT="7950" marB="0" anchor="b">
+                    <a:lnL w="6350" cap="flat" cmpd="sng" algn="ctr">
+                      <a:solidFill>
+                        <a:srgbClr val="000000"/>
+                      </a:solidFill>
+                      <a:prstDash val="solid"/>
+                      <a:round/>
+                      <a:headEnd type="none" w="med" len="med"/>
+                      <a:tailEnd type="none" w="med" len="med"/>
+                    </a:lnL>
+                    <a:lnR w="6350" cap="flat" cmpd="sng" algn="ctr">
+                      <a:solidFill>
+                        <a:srgbClr val="000000"/>
+                      </a:solidFill>
+                      <a:prstDash val="solid"/>
+                      <a:round/>
+                      <a:headEnd type="none" w="med" len="med"/>
+                      <a:tailEnd type="none" w="med" len="med"/>
+                    </a:lnR>
+                    <a:lnT w="6350" cap="flat" cmpd="sng" algn="ctr">
+                      <a:solidFill>
+                        <a:srgbClr val="000000"/>
+                      </a:solidFill>
+                      <a:prstDash val="solid"/>
+                      <a:round/>
+                      <a:headEnd type="none" w="med" len="med"/>
+                      <a:tailEnd type="none" w="med" len="med"/>
+                    </a:lnT>
+                    <a:lnB w="6350" cap="flat" cmpd="sng" algn="ctr">
+                      <a:solidFill>
+                        <a:srgbClr val="000000"/>
+                      </a:solidFill>
+                      <a:prstDash val="solid"/>
+                      <a:round/>
+                      <a:headEnd type="none" w="med" len="med"/>
+                      <a:tailEnd type="none" w="med" len="med"/>
+                    </a:lnB>
+                  </a:tcPr>
+                </a:tc>
+                <a:tc>
+                  <a:txBody>
+                    <a:bodyPr/>
+                    <a:lstStyle/>
+                    <a:p>
+                      <a:pPr algn="l" fontAlgn="b"/>
+                      <a:r>
+                        <a:rPr lang="en-US" sz="900" b="0" i="0" u="none" strike="noStrike" dirty="0">
+                          <a:solidFill>
+                            <a:srgbClr val="000000"/>
+                          </a:solidFill>
+                          <a:effectLst/>
+                          <a:latin typeface="Calibri" panose="020F0502020204030204" pitchFamily="34" charset="0"/>
+                        </a:rPr>
+                        <a:t>Recuperación de clave</a:t>
+                      </a:r>
+                    </a:p>
+                  </a:txBody>
+                  <a:tcPr marL="7950" marR="7950" marT="7950" marB="0" anchor="b">
+                    <a:lnL w="6350" cap="flat" cmpd="sng" algn="ctr">
+                      <a:solidFill>
+                        <a:srgbClr val="000000"/>
+                      </a:solidFill>
+                      <a:prstDash val="solid"/>
+                      <a:round/>
+                      <a:headEnd type="none" w="med" len="med"/>
+                      <a:tailEnd type="none" w="med" len="med"/>
+                    </a:lnL>
+                    <a:lnR w="6350" cap="flat" cmpd="sng" algn="ctr">
+                      <a:solidFill>
+                        <a:srgbClr val="000000"/>
+                      </a:solidFill>
+                      <a:prstDash val="solid"/>
+                      <a:round/>
+                      <a:headEnd type="none" w="med" len="med"/>
+                      <a:tailEnd type="none" w="med" len="med"/>
+                    </a:lnR>
+                    <a:lnT w="6350" cap="flat" cmpd="sng" algn="ctr">
+                      <a:solidFill>
+                        <a:srgbClr val="000000"/>
+                      </a:solidFill>
+                      <a:prstDash val="solid"/>
+                      <a:round/>
+                      <a:headEnd type="none" w="med" len="med"/>
+                      <a:tailEnd type="none" w="med" len="med"/>
+                    </a:lnT>
+                    <a:lnB w="6350" cap="flat" cmpd="sng" algn="ctr">
+                      <a:solidFill>
+                        <a:srgbClr val="000000"/>
+                      </a:solidFill>
+                      <a:prstDash val="solid"/>
+                      <a:round/>
+                      <a:headEnd type="none" w="med" len="med"/>
+                      <a:tailEnd type="none" w="med" len="med"/>
+                    </a:lnB>
+                  </a:tcPr>
+                </a:tc>
+                <a:extLst>
+                  <a:ext uri="{0D108BD9-81ED-4DB2-BD59-A6C34878D82A}">
+                    <a16:rowId xmlns:a16="http://schemas.microsoft.com/office/drawing/2014/main" val="2798976885"/>
+                  </a:ext>
+                </a:extLst>
+              </a:tr>
+              <a:tr h="357456">
+                <a:tc>
+                  <a:txBody>
+                    <a:bodyPr/>
+                    <a:lstStyle/>
+                    <a:p>
+                      <a:pPr algn="l" fontAlgn="b"/>
+                      <a:r>
+                        <a:rPr lang="en-US" sz="900" b="0" i="0" u="none" strike="noStrike" dirty="0">
+                          <a:solidFill>
+                            <a:srgbClr val="000000"/>
+                          </a:solidFill>
+                          <a:effectLst/>
+                          <a:latin typeface="Calibri" panose="020F0502020204030204" pitchFamily="34" charset="0"/>
+                        </a:rPr>
+                        <a:t>Requerimiento</a:t>
+                      </a:r>
+                    </a:p>
+                  </a:txBody>
+                  <a:tcPr marL="7950" marR="7950" marT="7950" marB="0" anchor="b">
+                    <a:lnL w="6350" cap="flat" cmpd="sng" algn="ctr">
+                      <a:solidFill>
+                        <a:srgbClr val="000000"/>
+                      </a:solidFill>
+                      <a:prstDash val="solid"/>
+                      <a:round/>
+                      <a:headEnd type="none" w="med" len="med"/>
+                      <a:tailEnd type="none" w="med" len="med"/>
+                    </a:lnL>
+                    <a:lnR w="6350" cap="flat" cmpd="sng" algn="ctr">
+                      <a:solidFill>
+                        <a:srgbClr val="000000"/>
+                      </a:solidFill>
+                      <a:prstDash val="solid"/>
+                      <a:round/>
+                      <a:headEnd type="none" w="med" len="med"/>
+                      <a:tailEnd type="none" w="med" len="med"/>
+                    </a:lnR>
+                    <a:lnT w="6350" cap="flat" cmpd="sng" algn="ctr">
+                      <a:solidFill>
+                        <a:srgbClr val="000000"/>
+                      </a:solidFill>
+                      <a:prstDash val="solid"/>
+                      <a:round/>
+                      <a:headEnd type="none" w="med" len="med"/>
+                      <a:tailEnd type="none" w="med" len="med"/>
+                    </a:lnT>
+                    <a:lnB w="6350" cap="flat" cmpd="sng" algn="ctr">
+                      <a:solidFill>
+                        <a:srgbClr val="000000"/>
+                      </a:solidFill>
+                      <a:prstDash val="solid"/>
+                      <a:round/>
+                      <a:headEnd type="none" w="med" len="med"/>
+                      <a:tailEnd type="none" w="med" len="med"/>
+                    </a:lnB>
+                  </a:tcPr>
+                </a:tc>
+                <a:tc>
+                  <a:txBody>
+                    <a:bodyPr/>
+                    <a:lstStyle/>
+                    <a:p>
+                      <a:pPr algn="l" fontAlgn="b"/>
+                      <a:r>
+                        <a:rPr lang="es-MX" sz="900" b="0" i="0" u="none" strike="noStrike" dirty="0">
+                          <a:solidFill>
+                            <a:srgbClr val="000000"/>
+                          </a:solidFill>
+                          <a:effectLst/>
+                          <a:latin typeface="Calibri" panose="020F0502020204030204" pitchFamily="34" charset="0"/>
+                        </a:rPr>
+                        <a:t>El sistema deberá permitir la recuperación de la clave a través de un mensaje enviado a la cuenta del correo electrónico del usuario, donde se le proporcionara un Link que lo redireccionará al apartado de cambio de clave.</a:t>
+                      </a:r>
+                    </a:p>
+                  </a:txBody>
+                  <a:tcPr marL="7950" marR="7950" marT="7950" marB="0" anchor="b">
+                    <a:lnL w="6350" cap="flat" cmpd="sng" algn="ctr">
+                      <a:solidFill>
+                        <a:srgbClr val="000000"/>
+                      </a:solidFill>
+                      <a:prstDash val="solid"/>
+                      <a:round/>
+                      <a:headEnd type="none" w="med" len="med"/>
+                      <a:tailEnd type="none" w="med" len="med"/>
+                    </a:lnL>
+                    <a:lnR w="6350" cap="flat" cmpd="sng" algn="ctr">
+                      <a:solidFill>
+                        <a:srgbClr val="000000"/>
+                      </a:solidFill>
+                      <a:prstDash val="solid"/>
+                      <a:round/>
+                      <a:headEnd type="none" w="med" len="med"/>
+                      <a:tailEnd type="none" w="med" len="med"/>
+                    </a:lnR>
+                    <a:lnT w="6350" cap="flat" cmpd="sng" algn="ctr">
+                      <a:solidFill>
+                        <a:srgbClr val="000000"/>
+                      </a:solidFill>
+                      <a:prstDash val="solid"/>
+                      <a:round/>
+                      <a:headEnd type="none" w="med" len="med"/>
+                      <a:tailEnd type="none" w="med" len="med"/>
+                    </a:lnT>
+                    <a:lnB w="6350" cap="flat" cmpd="sng" algn="ctr">
+                      <a:solidFill>
+                        <a:srgbClr val="000000"/>
+                      </a:solidFill>
+                      <a:prstDash val="solid"/>
+                      <a:round/>
+                      <a:headEnd type="none" w="med" len="med"/>
+                      <a:tailEnd type="none" w="med" len="med"/>
+                    </a:lnB>
+                  </a:tcPr>
+                </a:tc>
+                <a:extLst>
+                  <a:ext uri="{0D108BD9-81ED-4DB2-BD59-A6C34878D82A}">
+                    <a16:rowId xmlns:a16="http://schemas.microsoft.com/office/drawing/2014/main" val="3542065118"/>
+                  </a:ext>
+                </a:extLst>
+              </a:tr>
+              <a:tr h="178728">
+                <a:tc>
+                  <a:txBody>
+                    <a:bodyPr/>
+                    <a:lstStyle/>
+                    <a:p>
+                      <a:pPr algn="l" fontAlgn="b"/>
+                      <a:r>
+                        <a:rPr lang="en-US" sz="900" b="0" i="0" u="none" strike="noStrike" dirty="0">
+                          <a:solidFill>
+                            <a:srgbClr val="000000"/>
+                          </a:solidFill>
+                          <a:effectLst/>
+                          <a:latin typeface="Calibri" panose="020F0502020204030204" pitchFamily="34" charset="0"/>
+                        </a:rPr>
+                        <a:t>Prioridad del Requerimiento</a:t>
+                      </a:r>
+                    </a:p>
+                  </a:txBody>
+                  <a:tcPr marL="7950" marR="7950" marT="7950" marB="0" anchor="b">
+                    <a:lnL w="6350" cap="flat" cmpd="sng" algn="ctr">
+                      <a:solidFill>
+                        <a:srgbClr val="000000"/>
+                      </a:solidFill>
+                      <a:prstDash val="solid"/>
+                      <a:round/>
+                      <a:headEnd type="none" w="med" len="med"/>
+                      <a:tailEnd type="none" w="med" len="med"/>
+                    </a:lnL>
+                    <a:lnR w="6350" cap="flat" cmpd="sng" algn="ctr">
+                      <a:solidFill>
+                        <a:srgbClr val="000000"/>
+                      </a:solidFill>
+                      <a:prstDash val="solid"/>
+                      <a:round/>
+                      <a:headEnd type="none" w="med" len="med"/>
+                      <a:tailEnd type="none" w="med" len="med"/>
+                    </a:lnR>
+                    <a:lnT w="6350" cap="flat" cmpd="sng" algn="ctr">
+                      <a:solidFill>
+                        <a:srgbClr val="000000"/>
+                      </a:solidFill>
+                      <a:prstDash val="solid"/>
+                      <a:round/>
+                      <a:headEnd type="none" w="med" len="med"/>
+                      <a:tailEnd type="none" w="med" len="med"/>
+                    </a:lnT>
+                    <a:lnB w="6350" cap="flat" cmpd="sng" algn="ctr">
+                      <a:solidFill>
+                        <a:srgbClr val="000000"/>
+                      </a:solidFill>
+                      <a:prstDash val="solid"/>
+                      <a:round/>
+                      <a:headEnd type="none" w="med" len="med"/>
+                      <a:tailEnd type="none" w="med" len="med"/>
+                    </a:lnB>
+                  </a:tcPr>
+                </a:tc>
+                <a:tc>
+                  <a:txBody>
+                    <a:bodyPr/>
+                    <a:lstStyle/>
+                    <a:p>
+                      <a:pPr algn="l" fontAlgn="b"/>
+                      <a:r>
+                        <a:rPr lang="en-US" sz="900" b="0" i="0" u="none" strike="noStrike" dirty="0">
+                          <a:solidFill>
+                            <a:srgbClr val="000000"/>
+                          </a:solidFill>
+                          <a:effectLst/>
+                          <a:latin typeface="Calibri" panose="020F0502020204030204" pitchFamily="34" charset="0"/>
+                        </a:rPr>
+                        <a:t>Alta</a:t>
+                      </a:r>
+                    </a:p>
+                  </a:txBody>
+                  <a:tcPr marL="7950" marR="7950" marT="7950" marB="0" anchor="b">
+                    <a:lnL w="6350" cap="flat" cmpd="sng" algn="ctr">
+                      <a:solidFill>
+                        <a:srgbClr val="000000"/>
+                      </a:solidFill>
+                      <a:prstDash val="solid"/>
+                      <a:round/>
+                      <a:headEnd type="none" w="med" len="med"/>
+                      <a:tailEnd type="none" w="med" len="med"/>
+                    </a:lnL>
+                    <a:lnR w="6350" cap="flat" cmpd="sng" algn="ctr">
+                      <a:solidFill>
+                        <a:srgbClr val="000000"/>
+                      </a:solidFill>
+                      <a:prstDash val="solid"/>
+                      <a:round/>
+                      <a:headEnd type="none" w="med" len="med"/>
+                      <a:tailEnd type="none" w="med" len="med"/>
+                    </a:lnR>
+                    <a:lnT w="6350" cap="flat" cmpd="sng" algn="ctr">
+                      <a:solidFill>
+                        <a:srgbClr val="000000"/>
+                      </a:solidFill>
+                      <a:prstDash val="solid"/>
+                      <a:round/>
+                      <a:headEnd type="none" w="med" len="med"/>
+                      <a:tailEnd type="none" w="med" len="med"/>
+                    </a:lnT>
+                    <a:lnB w="6350" cap="flat" cmpd="sng" algn="ctr">
+                      <a:solidFill>
+                        <a:srgbClr val="000000"/>
+                      </a:solidFill>
+                      <a:prstDash val="solid"/>
+                      <a:round/>
+                      <a:headEnd type="none" w="med" len="med"/>
+                      <a:tailEnd type="none" w="med" len="med"/>
+                    </a:lnB>
+                  </a:tcPr>
+                </a:tc>
+                <a:extLst>
+                  <a:ext uri="{0D108BD9-81ED-4DB2-BD59-A6C34878D82A}">
+                    <a16:rowId xmlns:a16="http://schemas.microsoft.com/office/drawing/2014/main" val="209884072"/>
+                  </a:ext>
+                </a:extLst>
+              </a:tr>
+              <a:tr h="1162862">
+                <a:tc>
+                  <a:txBody>
+                    <a:bodyPr/>
+                    <a:lstStyle/>
+                    <a:p>
+                      <a:pPr algn="l" fontAlgn="b"/>
+                      <a:endParaRPr lang="en-US" sz="900" b="0" i="0" u="none" strike="noStrike" dirty="0">
+                        <a:solidFill>
+                          <a:srgbClr val="000000"/>
+                        </a:solidFill>
+                        <a:effectLst/>
+                        <a:latin typeface="Calibri" panose="020F0502020204030204" pitchFamily="34" charset="0"/>
+                      </a:endParaRPr>
+                    </a:p>
+                  </a:txBody>
+                  <a:tcPr marL="7950" marR="7950" marT="7950" marB="0" anchor="b">
+                    <a:lnL>
+                      <a:noFill/>
+                    </a:lnL>
+                    <a:lnR>
+                      <a:noFill/>
+                    </a:lnR>
+                    <a:lnT w="6350" cap="flat" cmpd="sng" algn="ctr">
+                      <a:solidFill>
+                        <a:srgbClr val="000000"/>
+                      </a:solidFill>
+                      <a:prstDash val="solid"/>
+                      <a:round/>
+                      <a:headEnd type="none" w="med" len="med"/>
+                      <a:tailEnd type="none" w="med" len="med"/>
+                    </a:lnT>
+                    <a:lnB w="6350" cap="flat" cmpd="sng" algn="ctr">
+                      <a:noFill/>
+                      <a:prstDash val="solid"/>
+                      <a:round/>
+                      <a:headEnd type="none" w="med" len="med"/>
+                      <a:tailEnd type="none" w="med" len="med"/>
+                    </a:lnB>
+                  </a:tcPr>
+                </a:tc>
+                <a:tc>
+                  <a:txBody>
+                    <a:bodyPr/>
+                    <a:lstStyle/>
+                    <a:p>
+                      <a:pPr algn="l" fontAlgn="b"/>
+                      <a:endParaRPr lang="en-US" sz="900" b="0" i="0" u="none" strike="noStrike" dirty="0">
+                        <a:solidFill>
+                          <a:srgbClr val="000000"/>
+                        </a:solidFill>
+                        <a:effectLst/>
+                        <a:latin typeface="Calibri" panose="020F0502020204030204" pitchFamily="34" charset="0"/>
+                      </a:endParaRPr>
+                    </a:p>
+                  </a:txBody>
+                  <a:tcPr marL="7950" marR="7950" marT="7950" marB="0" anchor="b">
+                    <a:lnL>
+                      <a:noFill/>
+                    </a:lnL>
+                    <a:lnR>
+                      <a:noFill/>
+                    </a:lnR>
+                    <a:lnT w="6350" cap="flat" cmpd="sng" algn="ctr">
+                      <a:solidFill>
+                        <a:srgbClr val="000000"/>
+                      </a:solidFill>
+                      <a:prstDash val="solid"/>
+                      <a:round/>
+                      <a:headEnd type="none" w="med" len="med"/>
+                      <a:tailEnd type="none" w="med" len="med"/>
+                    </a:lnT>
+                    <a:lnB w="6350" cap="flat" cmpd="sng" algn="ctr">
+                      <a:noFill/>
+                      <a:prstDash val="solid"/>
+                      <a:round/>
+                      <a:headEnd type="none" w="med" len="med"/>
+                      <a:tailEnd type="none" w="med" len="med"/>
+                    </a:lnB>
+                  </a:tcPr>
+                </a:tc>
+                <a:extLst>
+                  <a:ext uri="{0D108BD9-81ED-4DB2-BD59-A6C34878D82A}">
+                    <a16:rowId xmlns:a16="http://schemas.microsoft.com/office/drawing/2014/main" val="1747628299"/>
+                  </a:ext>
+                </a:extLst>
+              </a:tr>
+            </a:tbl>
+          </a:graphicData>
+        </a:graphic>
+      </p:graphicFrame>
+      <p:sp>
+        <p:nvSpPr>
+          <p:cNvPr id="15" name="14 Rectángulo"/>
+          <p:cNvSpPr/>
+          <p:nvPr/>
+        </p:nvSpPr>
+        <p:spPr>
+          <a:xfrm rot="20796637">
+            <a:off x="-1033229" y="-310908"/>
+            <a:ext cx="10665350" cy="1608631"/>
+          </a:xfrm>
+          <a:prstGeom prst="rect">
+            <a:avLst/>
+          </a:prstGeom>
+          <a:solidFill>
+            <a:srgbClr val="92D050"/>
+          </a:solidFill>
+          <a:ln>
+            <a:noFill/>
+          </a:ln>
+          <a:effectLst/>
+        </p:spPr>
+        <p:style>
+          <a:lnRef idx="1">
+            <a:schemeClr val="accent1"/>
+          </a:lnRef>
+          <a:fillRef idx="3">
+            <a:schemeClr val="accent1"/>
+          </a:fillRef>
+          <a:effectRef idx="2">
+            <a:schemeClr val="accent1"/>
+          </a:effectRef>
+          <a:fontRef idx="minor">
+            <a:schemeClr val="lt1"/>
+          </a:fontRef>
+        </p:style>
+        <p:txBody>
+          <a:bodyPr rtlCol="0" anchor="ctr"/>
+          <a:lstStyle/>
+          <a:p>
+            <a:pPr algn="ctr"/>
+            <a:endParaRPr lang="es-CO" dirty="0"/>
+          </a:p>
+        </p:txBody>
+      </p:sp>
+      <p:sp>
+        <p:nvSpPr>
+          <p:cNvPr id="17" name="16 Rectángulo"/>
+          <p:cNvSpPr/>
+          <p:nvPr/>
+        </p:nvSpPr>
+        <p:spPr>
+          <a:xfrm rot="21241341">
+            <a:off x="-1002985" y="180847"/>
+            <a:ext cx="10631006" cy="1316776"/>
+          </a:xfrm>
+          <a:prstGeom prst="rect">
+            <a:avLst/>
+          </a:prstGeom>
+          <a:solidFill>
+            <a:srgbClr val="FFC000"/>
+          </a:solidFill>
+          <a:ln>
+            <a:noFill/>
+          </a:ln>
+          <a:effectLst/>
+        </p:spPr>
+        <p:style>
+          <a:lnRef idx="1">
+            <a:schemeClr val="accent1"/>
+          </a:lnRef>
+          <a:fillRef idx="3">
+            <a:schemeClr val="accent1"/>
+          </a:fillRef>
+          <a:effectRef idx="2">
+            <a:schemeClr val="accent1"/>
+          </a:effectRef>
+          <a:fontRef idx="minor">
+            <a:schemeClr val="lt1"/>
+          </a:fontRef>
+        </p:style>
+        <p:txBody>
+          <a:bodyPr rtlCol="0" anchor="ctr"/>
+          <a:lstStyle/>
+          <a:p>
+            <a:pPr algn="ctr"/>
+            <a:endParaRPr lang="es-CO" dirty="0"/>
+          </a:p>
+        </p:txBody>
+      </p:sp>
+      <p:sp>
+        <p:nvSpPr>
+          <p:cNvPr id="18" name="17 Rectángulo"/>
+          <p:cNvSpPr/>
+          <p:nvPr/>
+        </p:nvSpPr>
+        <p:spPr>
+          <a:xfrm>
+            <a:off x="-968311" y="198126"/>
+            <a:ext cx="10631006" cy="1425956"/>
+          </a:xfrm>
+          <a:prstGeom prst="rect">
+            <a:avLst/>
+          </a:prstGeom>
+          <a:solidFill>
+            <a:srgbClr val="0099A5"/>
+          </a:solidFill>
+          <a:ln>
+            <a:noFill/>
+          </a:ln>
+          <a:effectLst/>
+        </p:spPr>
+        <p:style>
+          <a:lnRef idx="1">
+            <a:schemeClr val="accent1"/>
+          </a:lnRef>
+          <a:fillRef idx="3">
+            <a:schemeClr val="accent1"/>
+          </a:fillRef>
+          <a:effectRef idx="2">
+            <a:schemeClr val="accent1"/>
+          </a:effectRef>
+          <a:fontRef idx="minor">
+            <a:schemeClr val="lt1"/>
+          </a:fontRef>
+        </p:style>
+        <p:txBody>
+          <a:bodyPr rtlCol="0" anchor="ctr"/>
+          <a:lstStyle/>
+          <a:p>
+            <a:pPr algn="ctr"/>
+            <a:endParaRPr lang="es-CO" dirty="0"/>
+          </a:p>
+        </p:txBody>
+      </p:sp>
+      <p:sp>
+        <p:nvSpPr>
+          <p:cNvPr id="7" name="Marcador de contenido 5"/>
+          <p:cNvSpPr txBox="1">
+            <a:spLocks/>
+          </p:cNvSpPr>
+          <p:nvPr/>
+        </p:nvSpPr>
+        <p:spPr>
+          <a:xfrm>
+            <a:off x="0" y="0"/>
+            <a:ext cx="9144000" cy="6857999"/>
+          </a:xfrm>
+          <a:prstGeom prst="rect">
+            <a:avLst/>
+          </a:prstGeom>
+        </p:spPr>
+        <p:txBody>
+          <a:bodyPr vert="horz" lIns="91440" tIns="45720" rIns="91440" bIns="45720" rtlCol="0">
+            <a:normAutofit/>
+          </a:bodyPr>
+          <a:lstStyle>
+            <a:lvl1pPr marL="342900" indent="-342900" algn="l" defTabSz="457200" rtl="0" eaLnBrk="1" latinLnBrk="0" hangingPunct="1">
+              <a:spcBef>
+                <a:spcPct val="20000"/>
+              </a:spcBef>
+              <a:buFont typeface="Arial"/>
+              <a:buChar char="•"/>
+              <a:defRPr sz="3200" kern="1200">
+                <a:solidFill>
+                  <a:schemeClr val="tx1"/>
+                </a:solidFill>
+                <a:latin typeface="+mn-lt"/>
+                <a:ea typeface="+mn-ea"/>
+                <a:cs typeface="+mn-cs"/>
+              </a:defRPr>
+            </a:lvl1pPr>
+            <a:lvl2pPr marL="742950" indent="-285750" algn="l" defTabSz="457200" rtl="0" eaLnBrk="1" latinLnBrk="0" hangingPunct="1">
+              <a:spcBef>
+                <a:spcPct val="20000"/>
+              </a:spcBef>
+              <a:buFont typeface="Arial"/>
+              <a:buChar char="–"/>
+              <a:defRPr sz="2800" kern="1200">
+                <a:solidFill>
+                  <a:schemeClr val="tx1"/>
+                </a:solidFill>
+                <a:latin typeface="+mn-lt"/>
+                <a:ea typeface="+mn-ea"/>
+                <a:cs typeface="+mn-cs"/>
+              </a:defRPr>
+            </a:lvl2pPr>
+            <a:lvl3pPr marL="1143000" indent="-228600" algn="l" defTabSz="457200" rtl="0" eaLnBrk="1" latinLnBrk="0" hangingPunct="1">
+              <a:spcBef>
+                <a:spcPct val="20000"/>
+              </a:spcBef>
+              <a:buFont typeface="Arial"/>
+              <a:buChar char="•"/>
+              <a:defRPr sz="2400" kern="1200">
+                <a:solidFill>
+                  <a:schemeClr val="tx1"/>
+                </a:solidFill>
+                <a:latin typeface="+mn-lt"/>
+                <a:ea typeface="+mn-ea"/>
+                <a:cs typeface="+mn-cs"/>
+              </a:defRPr>
+            </a:lvl3pPr>
+            <a:lvl4pPr marL="1600200" indent="-228600" algn="l" defTabSz="457200" rtl="0" eaLnBrk="1" latinLnBrk="0" hangingPunct="1">
+              <a:spcBef>
+                <a:spcPct val="20000"/>
+              </a:spcBef>
+              <a:buFont typeface="Arial"/>
+              <a:buChar char="–"/>
+              <a:defRPr sz="2000" kern="1200">
+                <a:solidFill>
+                  <a:schemeClr val="tx1"/>
+                </a:solidFill>
+                <a:latin typeface="+mn-lt"/>
+                <a:ea typeface="+mn-ea"/>
+                <a:cs typeface="+mn-cs"/>
+              </a:defRPr>
+            </a:lvl4pPr>
+            <a:lvl5pPr marL="2057400" indent="-228600" algn="l" defTabSz="457200" rtl="0" eaLnBrk="1" latinLnBrk="0" hangingPunct="1">
+              <a:spcBef>
+                <a:spcPct val="20000"/>
+              </a:spcBef>
+              <a:buFont typeface="Arial"/>
+              <a:buChar char="»"/>
+              <a:defRPr sz="2000" kern="1200">
+                <a:solidFill>
+                  <a:schemeClr val="tx1"/>
+                </a:solidFill>
+                <a:latin typeface="+mn-lt"/>
+                <a:ea typeface="+mn-ea"/>
+                <a:cs typeface="+mn-cs"/>
+              </a:defRPr>
+            </a:lvl5pPr>
+            <a:lvl6pPr marL="2514600" indent="-228600" algn="l" defTabSz="457200" rtl="0" eaLnBrk="1" latinLnBrk="0" hangingPunct="1">
+              <a:spcBef>
+                <a:spcPct val="20000"/>
+              </a:spcBef>
+              <a:buFont typeface="Arial"/>
+              <a:buChar char="•"/>
+              <a:defRPr sz="2000" kern="1200">
+                <a:solidFill>
+                  <a:schemeClr val="tx1"/>
+                </a:solidFill>
+                <a:latin typeface="+mn-lt"/>
+                <a:ea typeface="+mn-ea"/>
+                <a:cs typeface="+mn-cs"/>
+              </a:defRPr>
+            </a:lvl6pPr>
+            <a:lvl7pPr marL="2971800" indent="-228600" algn="l" defTabSz="457200" rtl="0" eaLnBrk="1" latinLnBrk="0" hangingPunct="1">
+              <a:spcBef>
+                <a:spcPct val="20000"/>
+              </a:spcBef>
+              <a:buFont typeface="Arial"/>
+              <a:buChar char="•"/>
+              <a:defRPr sz="2000" kern="1200">
+                <a:solidFill>
+                  <a:schemeClr val="tx1"/>
+                </a:solidFill>
+                <a:latin typeface="+mn-lt"/>
+                <a:ea typeface="+mn-ea"/>
+                <a:cs typeface="+mn-cs"/>
+              </a:defRPr>
+            </a:lvl7pPr>
+            <a:lvl8pPr marL="3429000" indent="-228600" algn="l" defTabSz="457200" rtl="0" eaLnBrk="1" latinLnBrk="0" hangingPunct="1">
+              <a:spcBef>
+                <a:spcPct val="20000"/>
+              </a:spcBef>
+              <a:buFont typeface="Arial"/>
+              <a:buChar char="•"/>
+              <a:defRPr sz="2000" kern="1200">
+                <a:solidFill>
+                  <a:schemeClr val="tx1"/>
+                </a:solidFill>
+                <a:latin typeface="+mn-lt"/>
+                <a:ea typeface="+mn-ea"/>
+                <a:cs typeface="+mn-cs"/>
+              </a:defRPr>
+            </a:lvl8pPr>
+            <a:lvl9pPr marL="3886200" indent="-228600" algn="l" defTabSz="457200" rtl="0" eaLnBrk="1" latinLnBrk="0" hangingPunct="1">
+              <a:spcBef>
+                <a:spcPct val="20000"/>
+              </a:spcBef>
+              <a:buFont typeface="Arial"/>
+              <a:buChar char="•"/>
+              <a:defRPr sz="2000" kern="1200">
+                <a:solidFill>
+                  <a:schemeClr val="tx1"/>
+                </a:solidFill>
+                <a:latin typeface="+mn-lt"/>
+                <a:ea typeface="+mn-ea"/>
+                <a:cs typeface="+mn-cs"/>
+              </a:defRPr>
+            </a:lvl9pPr>
+          </a:lstStyle>
+          <a:p>
+            <a:endParaRPr lang="es-ES" dirty="0"/>
+          </a:p>
+        </p:txBody>
+      </p:sp>
+      <p:sp>
+        <p:nvSpPr>
+          <p:cNvPr id="16" name="Título 1"/>
+          <p:cNvSpPr txBox="1">
+            <a:spLocks/>
+          </p:cNvSpPr>
+          <p:nvPr/>
+        </p:nvSpPr>
+        <p:spPr>
+          <a:xfrm>
+            <a:off x="333442" y="467312"/>
+            <a:ext cx="9069906" cy="887583"/>
+          </a:xfrm>
+          <a:prstGeom prst="rect">
+            <a:avLst/>
+          </a:prstGeom>
+        </p:spPr>
+        <p:txBody>
+          <a:bodyPr vert="horz" lIns="91440" tIns="45720" rIns="91440" bIns="45720" rtlCol="0" anchor="ctr">
+            <a:noAutofit/>
+          </a:bodyPr>
+          <a:lstStyle>
+            <a:lvl1pPr algn="ctr" defTabSz="457200" rtl="0" eaLnBrk="1" latinLnBrk="0" hangingPunct="1">
+              <a:spcBef>
+                <a:spcPct val="0"/>
+              </a:spcBef>
+              <a:buNone/>
+              <a:defRPr sz="4400" kern="1200">
+                <a:solidFill>
+                  <a:schemeClr val="tx1"/>
+                </a:solidFill>
+                <a:latin typeface="+mj-lt"/>
+                <a:ea typeface="+mj-ea"/>
+                <a:cs typeface="+mj-cs"/>
+              </a:defRPr>
+            </a:lvl1pPr>
+          </a:lstStyle>
+          <a:p>
+            <a:pPr algn="l"/>
+            <a:r>
+              <a:rPr lang="es-ES" sz="5400" dirty="0">
+                <a:solidFill>
+                  <a:schemeClr val="bg1"/>
+                </a:solidFill>
+              </a:rPr>
+              <a:t>REQUISITOS FUNCIONALES</a:t>
+            </a:r>
+          </a:p>
+        </p:txBody>
+      </p:sp>
+    </p:spTree>
+    <p:extLst>
+      <p:ext uri="{BB962C8B-B14F-4D97-AF65-F5344CB8AC3E}">
+        <p14:creationId xmlns:p14="http://schemas.microsoft.com/office/powerpoint/2010/main" val="3542020064"/>
+      </p:ext>
+    </p:extLst>
+  </p:cSld>
+  <p:clrMapOvr>
+    <a:masterClrMapping/>
+  </p:clrMapOvr>
+</p:sld>
+</file>
+
+<file path=ppt/slides/slide3.xml><?xml version="1.0" encoding="utf-8"?>
+<p:sld xmlns:a="http://schemas.openxmlformats.org/drawingml/2006/main" xmlns:r="http://schemas.openxmlformats.org/officeDocument/2006/relationships" xmlns:p="http://schemas.openxmlformats.org/presentationml/2006/main">
+  <p:cSld>
+    <p:spTree>
+      <p:nvGrpSpPr>
+        <p:cNvPr id="1" name="Shape 116"/>
+        <p:cNvGrpSpPr/>
+        <p:nvPr/>
+      </p:nvGrpSpPr>
+      <p:grpSpPr>
+        <a:xfrm>
+          <a:off x="0" y="0"/>
+          <a:ext cx="0" cy="0"/>
+          <a:chOff x="0" y="0"/>
+          <a:chExt cx="0" cy="0"/>
+        </a:xfrm>
+      </p:grpSpPr>
+      <p:sp>
+        <p:nvSpPr>
+          <p:cNvPr id="117" name="Google Shape;117;p3"/>
+          <p:cNvSpPr txBox="1"/>
+          <p:nvPr/>
+        </p:nvSpPr>
+        <p:spPr>
+          <a:xfrm>
+            <a:off x="0" y="0"/>
+            <a:ext cx="9144000" cy="6857999"/>
+          </a:xfrm>
+          <a:prstGeom prst="rect">
+            <a:avLst/>
+          </a:prstGeom>
+          <a:noFill/>
+          <a:ln>
+            <a:noFill/>
+          </a:ln>
+        </p:spPr>
+        <p:txBody>
+          <a:bodyPr spcFirstLastPara="1" wrap="square" lIns="91425" tIns="45700" rIns="91425" bIns="45700" anchor="t" anchorCtr="0">
+            <a:normAutofit/>
+          </a:bodyPr>
+          <a:lstStyle/>
+          <a:p>
+            <a:pPr marL="342900" marR="0" lvl="0" indent="-139700" algn="l" rtl="0">
+              <a:spcBef>
+                <a:spcPts val="0"/>
+              </a:spcBef>
+              <a:spcAft>
+                <a:spcPts val="0"/>
+              </a:spcAft>
+              <a:buClr>
+                <a:schemeClr val="dk1"/>
+              </a:buClr>
+              <a:buSzPts val="3200"/>
+              <a:buFont typeface="Arial"/>
+              <a:buNone/>
+            </a:pPr>
+            <a:endParaRPr sz="3200" b="0" i="0" u="none" strike="noStrike" cap="none" dirty="0">
+              <a:solidFill>
+                <a:schemeClr val="dk1"/>
+              </a:solidFill>
+              <a:latin typeface="Calibri"/>
+              <a:ea typeface="Calibri"/>
+              <a:cs typeface="Calibri"/>
+              <a:sym typeface="Calibri"/>
+            </a:endParaRPr>
+          </a:p>
+        </p:txBody>
+      </p:sp>
+      <p:sp>
+        <p:nvSpPr>
+          <p:cNvPr id="118" name="Google Shape;118;p3"/>
+          <p:cNvSpPr txBox="1">
+            <a:spLocks noGrp="1"/>
+          </p:cNvSpPr>
+          <p:nvPr>
+            <p:ph type="title"/>
+          </p:nvPr>
+        </p:nvSpPr>
+        <p:spPr>
+          <a:xfrm>
+            <a:off x="2720975" y="4808538"/>
+            <a:ext cx="6423025" cy="1592262"/>
+          </a:xfrm>
+          <a:prstGeom prst="rect">
+            <a:avLst/>
+          </a:prstGeom>
+          <a:solidFill>
+            <a:srgbClr val="8A8A8A"/>
+          </a:solidFill>
+          <a:ln>
+            <a:noFill/>
+          </a:ln>
+        </p:spPr>
+        <p:txBody>
+          <a:bodyPr spcFirstLastPara="1" wrap="square" lIns="91425" tIns="45700" rIns="91425" bIns="45700" anchor="ctr" anchorCtr="0">
+            <a:noAutofit/>
+          </a:bodyPr>
+          <a:lstStyle/>
+          <a:p>
+            <a:pPr marL="0" marR="0" lvl="0" indent="0" algn="l" rtl="0">
+              <a:lnSpc>
+                <a:spcPct val="80000"/>
+              </a:lnSpc>
+              <a:spcBef>
+                <a:spcPts val="0"/>
+              </a:spcBef>
+              <a:spcAft>
+                <a:spcPts val="0"/>
+              </a:spcAft>
+              <a:buClr>
+                <a:schemeClr val="lt1"/>
+              </a:buClr>
+              <a:buSzPts val="4400"/>
+              <a:buFont typeface="Calibri"/>
+              <a:buNone/>
+            </a:pPr>
+            <a:r>
+              <a:rPr lang="es-CO" sz="4400" b="1" i="0" u="none" strike="noStrike" cap="none" dirty="0">
+                <a:solidFill>
+                  <a:schemeClr val="lt1"/>
+                </a:solidFill>
+                <a:latin typeface="Calibri"/>
+                <a:ea typeface="Calibri"/>
+                <a:cs typeface="Calibri"/>
+                <a:sym typeface="Calibri"/>
+              </a:rPr>
+              <a:t>PLANTEAMIENTO DEL PROBLEMA</a:t>
+            </a:r>
+            <a:endParaRPr sz="4400" b="0" i="0" u="none" strike="noStrike" cap="none" dirty="0">
+              <a:solidFill>
+                <a:schemeClr val="lt1"/>
+              </a:solidFill>
+              <a:latin typeface="Calibri"/>
+              <a:ea typeface="Calibri"/>
+              <a:cs typeface="Calibri"/>
+              <a:sym typeface="Calibri"/>
+            </a:endParaRPr>
+          </a:p>
+        </p:txBody>
+      </p:sp>
+      <p:pic>
+        <p:nvPicPr>
+          <p:cNvPr id="119" name="Google Shape;119;p3"/>
+          <p:cNvPicPr preferRelativeResize="0"/>
+          <p:nvPr/>
+        </p:nvPicPr>
+        <p:blipFill rotWithShape="1">
+          <a:blip r:embed="rId3">
+            <a:alphaModFix/>
+          </a:blip>
+          <a:srcRect/>
+          <a:stretch/>
+        </p:blipFill>
+        <p:spPr>
+          <a:xfrm>
+            <a:off x="3006179" y="607767"/>
+            <a:ext cx="3593005" cy="3593005"/>
+          </a:xfrm>
+          <a:prstGeom prst="rect">
+            <a:avLst/>
+          </a:prstGeom>
+          <a:noFill/>
+          <a:ln>
+            <a:noFill/>
+          </a:ln>
+        </p:spPr>
+      </p:pic>
+    </p:spTree>
+  </p:cSld>
+  <p:clrMapOvr>
+    <a:masterClrMapping/>
+  </p:clrMapOvr>
+</p:sld>
+</file>
+
+<file path=ppt/slides/slide30.xml><?xml version="1.0" encoding="utf-8"?>
+<p:sld xmlns:a="http://schemas.openxmlformats.org/drawingml/2006/main" xmlns:r="http://schemas.openxmlformats.org/officeDocument/2006/relationships" xmlns:p="http://schemas.openxmlformats.org/presentationml/2006/main">
+  <p:cSld>
+    <p:spTree>
+      <p:nvGrpSpPr>
+        <p:cNvPr id="1" name="Shape 207"/>
+        <p:cNvGrpSpPr/>
+        <p:nvPr/>
+      </p:nvGrpSpPr>
+      <p:grpSpPr>
+        <a:xfrm>
+          <a:off x="0" y="0"/>
+          <a:ext cx="0" cy="0"/>
+          <a:chOff x="0" y="0"/>
+          <a:chExt cx="0" cy="0"/>
+        </a:xfrm>
+      </p:grpSpPr>
+      <p:sp>
+        <p:nvSpPr>
+          <p:cNvPr id="208" name="Google Shape;208;p12"/>
+          <p:cNvSpPr txBox="1"/>
+          <p:nvPr/>
+        </p:nvSpPr>
+        <p:spPr>
+          <a:xfrm>
+            <a:off x="0" y="0"/>
+            <a:ext cx="9144000" cy="6857999"/>
+          </a:xfrm>
+          <a:prstGeom prst="rect">
+            <a:avLst/>
+          </a:prstGeom>
+          <a:noFill/>
+          <a:ln>
+            <a:noFill/>
+          </a:ln>
+        </p:spPr>
+        <p:txBody>
+          <a:bodyPr spcFirstLastPara="1" wrap="square" lIns="91425" tIns="45700" rIns="91425" bIns="45700" anchor="t" anchorCtr="0">
+            <a:normAutofit/>
+          </a:bodyPr>
+          <a:lstStyle/>
+          <a:p>
+            <a:pPr marL="342900" marR="0" lvl="0" indent="-139700" algn="l" rtl="0">
+              <a:spcBef>
+                <a:spcPts val="0"/>
+              </a:spcBef>
+              <a:spcAft>
+                <a:spcPts val="0"/>
+              </a:spcAft>
+              <a:buClr>
+                <a:schemeClr val="dk1"/>
+              </a:buClr>
+              <a:buSzPts val="3200"/>
+              <a:buFont typeface="Arial"/>
+              <a:buNone/>
+            </a:pPr>
+            <a:endParaRPr sz="3200" b="0" i="0" u="none" strike="noStrike" cap="none" dirty="0">
+              <a:solidFill>
+                <a:schemeClr val="dk1"/>
+              </a:solidFill>
+              <a:latin typeface="Calibri"/>
+              <a:ea typeface="Calibri"/>
+              <a:cs typeface="Calibri"/>
+              <a:sym typeface="Calibri"/>
+            </a:endParaRPr>
+          </a:p>
+        </p:txBody>
+      </p:sp>
+      <p:sp>
+        <p:nvSpPr>
+          <p:cNvPr id="209" name="Google Shape;209;p12"/>
+          <p:cNvSpPr txBox="1">
+            <a:spLocks noGrp="1"/>
+          </p:cNvSpPr>
+          <p:nvPr>
+            <p:ph type="title" idx="4294967295"/>
+          </p:nvPr>
+        </p:nvSpPr>
+        <p:spPr>
+          <a:xfrm>
+            <a:off x="2632365" y="4808538"/>
+            <a:ext cx="6511636" cy="1592262"/>
+          </a:xfrm>
+          <a:prstGeom prst="rect">
+            <a:avLst/>
+          </a:prstGeom>
+          <a:solidFill>
+            <a:srgbClr val="8A8A8A"/>
+          </a:solidFill>
+          <a:ln>
+            <a:noFill/>
+          </a:ln>
+        </p:spPr>
+        <p:txBody>
+          <a:bodyPr spcFirstLastPara="1" wrap="square" lIns="91425" tIns="45700" rIns="91425" bIns="45700" anchor="ctr" anchorCtr="0">
+            <a:noAutofit/>
+          </a:bodyPr>
+          <a:lstStyle/>
+          <a:p>
+            <a:pPr marL="0" marR="0" lvl="0" indent="0" rtl="0">
+              <a:lnSpc>
+                <a:spcPct val="80000"/>
+              </a:lnSpc>
+              <a:spcBef>
+                <a:spcPts val="0"/>
+              </a:spcBef>
+              <a:spcAft>
+                <a:spcPts val="0"/>
+              </a:spcAft>
+              <a:buClr>
+                <a:schemeClr val="lt1"/>
+              </a:buClr>
+              <a:buSzPts val="4400"/>
+              <a:buFont typeface="Calibri"/>
+              <a:buNone/>
+            </a:pPr>
+            <a:r>
+              <a:rPr lang="es-CO" sz="4400" b="1" dirty="0">
+                <a:solidFill>
+                  <a:schemeClr val="lt1"/>
+                </a:solidFill>
+                <a:latin typeface="Calibri"/>
+                <a:ea typeface="Calibri"/>
+                <a:cs typeface="Calibri"/>
+                <a:sym typeface="Calibri"/>
+              </a:rPr>
+              <a:t>REQUISITOS NO FUNCIONALES</a:t>
+            </a:r>
+            <a:endParaRPr sz="4400" b="0" i="0" u="none" strike="noStrike" cap="none" dirty="0">
+              <a:solidFill>
+                <a:schemeClr val="lt1"/>
+              </a:solidFill>
+              <a:latin typeface="Calibri"/>
+              <a:ea typeface="Calibri"/>
+              <a:cs typeface="Calibri"/>
+              <a:sym typeface="Calibri"/>
+            </a:endParaRPr>
+          </a:p>
+        </p:txBody>
+      </p:sp>
+      <p:pic>
+        <p:nvPicPr>
+          <p:cNvPr id="210" name="Google Shape;210;p12"/>
+          <p:cNvPicPr preferRelativeResize="0"/>
+          <p:nvPr/>
+        </p:nvPicPr>
+        <p:blipFill rotWithShape="1">
+          <a:blip r:embed="rId3">
+            <a:alphaModFix/>
+          </a:blip>
+          <a:srcRect/>
+          <a:stretch/>
+        </p:blipFill>
+        <p:spPr>
+          <a:xfrm>
+            <a:off x="3006179" y="607767"/>
+            <a:ext cx="3593005" cy="3593005"/>
+          </a:xfrm>
+          <a:prstGeom prst="rect">
+            <a:avLst/>
+          </a:prstGeom>
+          <a:noFill/>
+          <a:ln>
+            <a:noFill/>
+          </a:ln>
+        </p:spPr>
+      </p:pic>
+    </p:spTree>
+    <p:extLst>
+      <p:ext uri="{BB962C8B-B14F-4D97-AF65-F5344CB8AC3E}">
+        <p14:creationId xmlns:p14="http://schemas.microsoft.com/office/powerpoint/2010/main" val="1094771213"/>
+      </p:ext>
+    </p:extLst>
+  </p:cSld>
+  <p:clrMapOvr>
+    <a:masterClrMapping/>
+  </p:clrMapOvr>
+</p:sld>
+</file>
+
+<file path=ppt/slides/slide31.xml><?xml version="1.0" encoding="utf-8"?>
 <p:sld xmlns:a="http://schemas.openxmlformats.org/drawingml/2006/main" xmlns:r="http://schemas.openxmlformats.org/officeDocument/2006/relationships" xmlns:p="http://schemas.openxmlformats.org/presentationml/2006/main">
   <p:cSld>
     <p:spTree>
@@ -16885,4176 +19445,6 @@
           <a:p>
             <a:endParaRPr lang="es-ES" dirty="0"/>
           </a:p>
-          <a:p>
-            <a:endParaRPr lang="es-ES" dirty="0"/>
-          </a:p>
-        </p:txBody>
-      </p:sp>
-      <p:sp>
-        <p:nvSpPr>
-          <p:cNvPr id="16" name="Título 1"/>
-          <p:cNvSpPr txBox="1">
-            <a:spLocks/>
-          </p:cNvSpPr>
-          <p:nvPr/>
-        </p:nvSpPr>
-        <p:spPr>
-          <a:xfrm>
-            <a:off x="364273" y="324984"/>
-            <a:ext cx="9069906" cy="1198245"/>
-          </a:xfrm>
-          <a:prstGeom prst="rect">
-            <a:avLst/>
-          </a:prstGeom>
-        </p:spPr>
-        <p:txBody>
-          <a:bodyPr vert="horz" lIns="91440" tIns="45720" rIns="91440" bIns="45720" rtlCol="0" anchor="ctr">
-            <a:noAutofit/>
-          </a:bodyPr>
-          <a:lstStyle>
-            <a:lvl1pPr algn="ctr" defTabSz="457200" rtl="0" eaLnBrk="1" latinLnBrk="0" hangingPunct="1">
-              <a:spcBef>
-                <a:spcPct val="0"/>
-              </a:spcBef>
-              <a:buNone/>
-              <a:defRPr sz="4400" kern="1200">
-                <a:solidFill>
-                  <a:schemeClr val="tx1"/>
-                </a:solidFill>
-                <a:latin typeface="+mj-lt"/>
-                <a:ea typeface="+mj-ea"/>
-                <a:cs typeface="+mj-cs"/>
-              </a:defRPr>
-            </a:lvl1pPr>
-          </a:lstStyle>
-          <a:p>
-            <a:pPr algn="l"/>
-            <a:r>
-              <a:rPr lang="es-ES" sz="5400" dirty="0">
-                <a:solidFill>
-                  <a:schemeClr val="bg1"/>
-                </a:solidFill>
-              </a:rPr>
-              <a:t>ESPECIFICACIÓN DE CASOS DE USO</a:t>
-            </a:r>
-          </a:p>
-        </p:txBody>
-      </p:sp>
-      <p:pic>
-        <p:nvPicPr>
-          <p:cNvPr id="3" name="Imagen 2"/>
-          <p:cNvPicPr>
-            <a:picLocks noChangeAspect="1"/>
-          </p:cNvPicPr>
-          <p:nvPr/>
-        </p:nvPicPr>
-        <p:blipFill>
-          <a:blip r:embed="rId2"/>
-          <a:stretch>
-            <a:fillRect/>
-          </a:stretch>
-        </p:blipFill>
-        <p:spPr>
-          <a:xfrm>
-            <a:off x="2133600" y="2047603"/>
-            <a:ext cx="4876800" cy="4029075"/>
-          </a:xfrm>
-          <a:prstGeom prst="rect">
-            <a:avLst/>
-          </a:prstGeom>
-        </p:spPr>
-      </p:pic>
-    </p:spTree>
-    <p:extLst>
-      <p:ext uri="{BB962C8B-B14F-4D97-AF65-F5344CB8AC3E}">
-        <p14:creationId xmlns:p14="http://schemas.microsoft.com/office/powerpoint/2010/main" val="190061572"/>
-      </p:ext>
-    </p:extLst>
-  </p:cSld>
-  <p:clrMapOvr>
-    <a:masterClrMapping/>
-  </p:clrMapOvr>
-</p:sld>
-</file>
-
-<file path=ppt/slides/slide29.xml><?xml version="1.0" encoding="utf-8"?>
-<p:sld xmlns:a="http://schemas.openxmlformats.org/drawingml/2006/main" xmlns:r="http://schemas.openxmlformats.org/officeDocument/2006/relationships" xmlns:p="http://schemas.openxmlformats.org/presentationml/2006/main">
-  <p:cSld>
-    <p:spTree>
-      <p:nvGrpSpPr>
-        <p:cNvPr id="1" name="Shape 207"/>
-        <p:cNvGrpSpPr/>
-        <p:nvPr/>
-      </p:nvGrpSpPr>
-      <p:grpSpPr>
-        <a:xfrm>
-          <a:off x="0" y="0"/>
-          <a:ext cx="0" cy="0"/>
-          <a:chOff x="0" y="0"/>
-          <a:chExt cx="0" cy="0"/>
-        </a:xfrm>
-      </p:grpSpPr>
-      <p:sp>
-        <p:nvSpPr>
-          <p:cNvPr id="208" name="Google Shape;208;p12"/>
-          <p:cNvSpPr txBox="1"/>
-          <p:nvPr/>
-        </p:nvSpPr>
-        <p:spPr>
-          <a:xfrm>
-            <a:off x="0" y="0"/>
-            <a:ext cx="9144000" cy="6857999"/>
-          </a:xfrm>
-          <a:prstGeom prst="rect">
-            <a:avLst/>
-          </a:prstGeom>
-          <a:noFill/>
-          <a:ln>
-            <a:noFill/>
-          </a:ln>
-        </p:spPr>
-        <p:txBody>
-          <a:bodyPr spcFirstLastPara="1" wrap="square" lIns="91425" tIns="45700" rIns="91425" bIns="45700" anchor="t" anchorCtr="0">
-            <a:normAutofit/>
-          </a:bodyPr>
-          <a:lstStyle/>
-          <a:p>
-            <a:pPr marL="342900" marR="0" lvl="0" indent="-139700" algn="l" rtl="0">
-              <a:spcBef>
-                <a:spcPts val="0"/>
-              </a:spcBef>
-              <a:spcAft>
-                <a:spcPts val="0"/>
-              </a:spcAft>
-              <a:buClr>
-                <a:schemeClr val="dk1"/>
-              </a:buClr>
-              <a:buSzPts val="3200"/>
-              <a:buFont typeface="Arial"/>
-              <a:buNone/>
-            </a:pPr>
-            <a:endParaRPr sz="3200" b="0" i="0" u="none" strike="noStrike" cap="none" dirty="0">
-              <a:solidFill>
-                <a:schemeClr val="dk1"/>
-              </a:solidFill>
-              <a:latin typeface="Calibri"/>
-              <a:ea typeface="Calibri"/>
-              <a:cs typeface="Calibri"/>
-              <a:sym typeface="Calibri"/>
-            </a:endParaRPr>
-          </a:p>
-        </p:txBody>
-      </p:sp>
-      <p:sp>
-        <p:nvSpPr>
-          <p:cNvPr id="209" name="Google Shape;209;p12"/>
-          <p:cNvSpPr txBox="1">
-            <a:spLocks noGrp="1"/>
-          </p:cNvSpPr>
-          <p:nvPr>
-            <p:ph type="title" idx="4294967295"/>
-          </p:nvPr>
-        </p:nvSpPr>
-        <p:spPr>
-          <a:xfrm>
-            <a:off x="2720975" y="4808538"/>
-            <a:ext cx="6423025" cy="1592262"/>
-          </a:xfrm>
-          <a:prstGeom prst="rect">
-            <a:avLst/>
-          </a:prstGeom>
-          <a:solidFill>
-            <a:srgbClr val="8A8A8A"/>
-          </a:solidFill>
-          <a:ln>
-            <a:noFill/>
-          </a:ln>
-        </p:spPr>
-        <p:txBody>
-          <a:bodyPr spcFirstLastPara="1" wrap="square" lIns="91425" tIns="45700" rIns="91425" bIns="45700" anchor="ctr" anchorCtr="0">
-            <a:noAutofit/>
-          </a:bodyPr>
-          <a:lstStyle/>
-          <a:p>
-            <a:pPr marL="0" marR="0" lvl="0" indent="0" algn="l" rtl="0">
-              <a:lnSpc>
-                <a:spcPct val="80000"/>
-              </a:lnSpc>
-              <a:spcBef>
-                <a:spcPts val="0"/>
-              </a:spcBef>
-              <a:spcAft>
-                <a:spcPts val="0"/>
-              </a:spcAft>
-              <a:buClr>
-                <a:schemeClr val="lt1"/>
-              </a:buClr>
-              <a:buSzPts val="4400"/>
-              <a:buFont typeface="Calibri"/>
-              <a:buNone/>
-            </a:pPr>
-            <a:r>
-              <a:rPr lang="es-CO" sz="4400" b="1" dirty="0">
-                <a:solidFill>
-                  <a:schemeClr val="lt1"/>
-                </a:solidFill>
-                <a:latin typeface="Calibri"/>
-                <a:ea typeface="Calibri"/>
-                <a:cs typeface="Calibri"/>
-                <a:sym typeface="Calibri"/>
-              </a:rPr>
-              <a:t>REQUISITOS FUNCIONALES</a:t>
-            </a:r>
-            <a:endParaRPr sz="4400" b="0" i="0" u="none" strike="noStrike" cap="none" dirty="0">
-              <a:solidFill>
-                <a:schemeClr val="lt1"/>
-              </a:solidFill>
-              <a:latin typeface="Calibri"/>
-              <a:ea typeface="Calibri"/>
-              <a:cs typeface="Calibri"/>
-              <a:sym typeface="Calibri"/>
-            </a:endParaRPr>
-          </a:p>
-        </p:txBody>
-      </p:sp>
-      <p:pic>
-        <p:nvPicPr>
-          <p:cNvPr id="210" name="Google Shape;210;p12"/>
-          <p:cNvPicPr preferRelativeResize="0"/>
-          <p:nvPr/>
-        </p:nvPicPr>
-        <p:blipFill rotWithShape="1">
-          <a:blip r:embed="rId3">
-            <a:alphaModFix/>
-          </a:blip>
-          <a:srcRect/>
-          <a:stretch/>
-        </p:blipFill>
-        <p:spPr>
-          <a:xfrm>
-            <a:off x="3006179" y="607767"/>
-            <a:ext cx="3593005" cy="3593005"/>
-          </a:xfrm>
-          <a:prstGeom prst="rect">
-            <a:avLst/>
-          </a:prstGeom>
-          <a:noFill/>
-          <a:ln>
-            <a:noFill/>
-          </a:ln>
-        </p:spPr>
-      </p:pic>
-    </p:spTree>
-    <p:extLst>
-      <p:ext uri="{BB962C8B-B14F-4D97-AF65-F5344CB8AC3E}">
-        <p14:creationId xmlns:p14="http://schemas.microsoft.com/office/powerpoint/2010/main" val="4153271005"/>
-      </p:ext>
-    </p:extLst>
-  </p:cSld>
-  <p:clrMapOvr>
-    <a:masterClrMapping/>
-  </p:clrMapOvr>
-</p:sld>
-</file>
-
-<file path=ppt/slides/slide3.xml><?xml version="1.0" encoding="utf-8"?>
-<p:sld xmlns:a="http://schemas.openxmlformats.org/drawingml/2006/main" xmlns:r="http://schemas.openxmlformats.org/officeDocument/2006/relationships" xmlns:p="http://schemas.openxmlformats.org/presentationml/2006/main">
-  <p:cSld>
-    <p:spTree>
-      <p:nvGrpSpPr>
-        <p:cNvPr id="1" name="Shape 116"/>
-        <p:cNvGrpSpPr/>
-        <p:nvPr/>
-      </p:nvGrpSpPr>
-      <p:grpSpPr>
-        <a:xfrm>
-          <a:off x="0" y="0"/>
-          <a:ext cx="0" cy="0"/>
-          <a:chOff x="0" y="0"/>
-          <a:chExt cx="0" cy="0"/>
-        </a:xfrm>
-      </p:grpSpPr>
-      <p:sp>
-        <p:nvSpPr>
-          <p:cNvPr id="117" name="Google Shape;117;p3"/>
-          <p:cNvSpPr txBox="1"/>
-          <p:nvPr/>
-        </p:nvSpPr>
-        <p:spPr>
-          <a:xfrm>
-            <a:off x="0" y="0"/>
-            <a:ext cx="9144000" cy="6857999"/>
-          </a:xfrm>
-          <a:prstGeom prst="rect">
-            <a:avLst/>
-          </a:prstGeom>
-          <a:noFill/>
-          <a:ln>
-            <a:noFill/>
-          </a:ln>
-        </p:spPr>
-        <p:txBody>
-          <a:bodyPr spcFirstLastPara="1" wrap="square" lIns="91425" tIns="45700" rIns="91425" bIns="45700" anchor="t" anchorCtr="0">
-            <a:normAutofit/>
-          </a:bodyPr>
-          <a:lstStyle/>
-          <a:p>
-            <a:pPr marL="342900" marR="0" lvl="0" indent="-139700" algn="l" rtl="0">
-              <a:spcBef>
-                <a:spcPts val="0"/>
-              </a:spcBef>
-              <a:spcAft>
-                <a:spcPts val="0"/>
-              </a:spcAft>
-              <a:buClr>
-                <a:schemeClr val="dk1"/>
-              </a:buClr>
-              <a:buSzPts val="3200"/>
-              <a:buFont typeface="Arial"/>
-              <a:buNone/>
-            </a:pPr>
-            <a:endParaRPr sz="3200" b="0" i="0" u="none" strike="noStrike" cap="none" dirty="0">
-              <a:solidFill>
-                <a:schemeClr val="dk1"/>
-              </a:solidFill>
-              <a:latin typeface="Calibri"/>
-              <a:ea typeface="Calibri"/>
-              <a:cs typeface="Calibri"/>
-              <a:sym typeface="Calibri"/>
-            </a:endParaRPr>
-          </a:p>
-        </p:txBody>
-      </p:sp>
-      <p:sp>
-        <p:nvSpPr>
-          <p:cNvPr id="118" name="Google Shape;118;p3"/>
-          <p:cNvSpPr txBox="1">
-            <a:spLocks noGrp="1"/>
-          </p:cNvSpPr>
-          <p:nvPr>
-            <p:ph type="title"/>
-          </p:nvPr>
-        </p:nvSpPr>
-        <p:spPr>
-          <a:xfrm>
-            <a:off x="2720975" y="4808538"/>
-            <a:ext cx="6423025" cy="1592262"/>
-          </a:xfrm>
-          <a:prstGeom prst="rect">
-            <a:avLst/>
-          </a:prstGeom>
-          <a:solidFill>
-            <a:srgbClr val="8A8A8A"/>
-          </a:solidFill>
-          <a:ln>
-            <a:noFill/>
-          </a:ln>
-        </p:spPr>
-        <p:txBody>
-          <a:bodyPr spcFirstLastPara="1" wrap="square" lIns="91425" tIns="45700" rIns="91425" bIns="45700" anchor="ctr" anchorCtr="0">
-            <a:noAutofit/>
-          </a:bodyPr>
-          <a:lstStyle/>
-          <a:p>
-            <a:pPr marL="0" marR="0" lvl="0" indent="0" algn="l" rtl="0">
-              <a:lnSpc>
-                <a:spcPct val="80000"/>
-              </a:lnSpc>
-              <a:spcBef>
-                <a:spcPts val="0"/>
-              </a:spcBef>
-              <a:spcAft>
-                <a:spcPts val="0"/>
-              </a:spcAft>
-              <a:buClr>
-                <a:schemeClr val="lt1"/>
-              </a:buClr>
-              <a:buSzPts val="4400"/>
-              <a:buFont typeface="Calibri"/>
-              <a:buNone/>
-            </a:pPr>
-            <a:r>
-              <a:rPr lang="es-CO" sz="4400" b="1" i="0" u="none" strike="noStrike" cap="none" dirty="0">
-                <a:solidFill>
-                  <a:schemeClr val="lt1"/>
-                </a:solidFill>
-                <a:latin typeface="Calibri"/>
-                <a:ea typeface="Calibri"/>
-                <a:cs typeface="Calibri"/>
-                <a:sym typeface="Calibri"/>
-              </a:rPr>
-              <a:t>PLANTEAMIENTO DEL PROBLEMA</a:t>
-            </a:r>
-            <a:endParaRPr sz="4400" b="0" i="0" u="none" strike="noStrike" cap="none" dirty="0">
-              <a:solidFill>
-                <a:schemeClr val="lt1"/>
-              </a:solidFill>
-              <a:latin typeface="Calibri"/>
-              <a:ea typeface="Calibri"/>
-              <a:cs typeface="Calibri"/>
-              <a:sym typeface="Calibri"/>
-            </a:endParaRPr>
-          </a:p>
-        </p:txBody>
-      </p:sp>
-      <p:pic>
-        <p:nvPicPr>
-          <p:cNvPr id="119" name="Google Shape;119;p3"/>
-          <p:cNvPicPr preferRelativeResize="0"/>
-          <p:nvPr/>
-        </p:nvPicPr>
-        <p:blipFill rotWithShape="1">
-          <a:blip r:embed="rId3">
-            <a:alphaModFix/>
-          </a:blip>
-          <a:srcRect/>
-          <a:stretch/>
-        </p:blipFill>
-        <p:spPr>
-          <a:xfrm>
-            <a:off x="3006179" y="607767"/>
-            <a:ext cx="3593005" cy="3593005"/>
-          </a:xfrm>
-          <a:prstGeom prst="rect">
-            <a:avLst/>
-          </a:prstGeom>
-          <a:noFill/>
-          <a:ln>
-            <a:noFill/>
-          </a:ln>
-        </p:spPr>
-      </p:pic>
-    </p:spTree>
-  </p:cSld>
-  <p:clrMapOvr>
-    <a:masterClrMapping/>
-  </p:clrMapOvr>
-</p:sld>
-</file>
-
-<file path=ppt/slides/slide30.xml><?xml version="1.0" encoding="utf-8"?>
-<p:sld xmlns:a="http://schemas.openxmlformats.org/drawingml/2006/main" xmlns:r="http://schemas.openxmlformats.org/officeDocument/2006/relationships" xmlns:p="http://schemas.openxmlformats.org/presentationml/2006/main">
-  <p:cSld>
-    <p:spTree>
-      <p:nvGrpSpPr>
-        <p:cNvPr id="1" name=""/>
-        <p:cNvGrpSpPr/>
-        <p:nvPr/>
-      </p:nvGrpSpPr>
-      <p:grpSpPr>
-        <a:xfrm>
-          <a:off x="0" y="0"/>
-          <a:ext cx="0" cy="0"/>
-          <a:chOff x="0" y="0"/>
-          <a:chExt cx="0" cy="0"/>
-        </a:xfrm>
-      </p:grpSpPr>
-      <p:graphicFrame>
-        <p:nvGraphicFramePr>
-          <p:cNvPr id="12" name="Tabla 11"/>
-          <p:cNvGraphicFramePr>
-            <a:graphicFrameLocks noGrp="1"/>
-          </p:cNvGraphicFramePr>
-          <p:nvPr>
-            <p:extLst/>
-          </p:nvPr>
-        </p:nvGraphicFramePr>
-        <p:xfrm>
-          <a:off x="723766" y="2107068"/>
-          <a:ext cx="8069714" cy="4750932"/>
-        </p:xfrm>
-        <a:graphic>
-          <a:graphicData uri="http://schemas.openxmlformats.org/drawingml/2006/table">
-            <a:tbl>
-              <a:tblPr/>
-              <a:tblGrid>
-                <a:gridCol w="1520695">
-                  <a:extLst>
-                    <a:ext uri="{9D8B030D-6E8A-4147-A177-3AD203B41FA5}">
-                      <a16:colId xmlns:a16="http://schemas.microsoft.com/office/drawing/2014/main" val="603111766"/>
-                    </a:ext>
-                  </a:extLst>
-                </a:gridCol>
-                <a:gridCol w="6549019">
-                  <a:extLst>
-                    <a:ext uri="{9D8B030D-6E8A-4147-A177-3AD203B41FA5}">
-                      <a16:colId xmlns:a16="http://schemas.microsoft.com/office/drawing/2014/main" val="989724759"/>
-                    </a:ext>
-                  </a:extLst>
-                </a:gridCol>
-              </a:tblGrid>
-              <a:tr h="178728">
-                <a:tc>
-                  <a:txBody>
-                    <a:bodyPr/>
-                    <a:lstStyle/>
-                    <a:p>
-                      <a:pPr algn="l" fontAlgn="b"/>
-                      <a:r>
-                        <a:rPr lang="en-US" sz="900" b="0" i="0" u="none" strike="noStrike" dirty="0">
-                          <a:solidFill>
-                            <a:srgbClr val="000000"/>
-                          </a:solidFill>
-                          <a:effectLst/>
-                          <a:latin typeface="Calibri" panose="020F0502020204030204" pitchFamily="34" charset="0"/>
-                        </a:rPr>
-                        <a:t>ID Requerimiento</a:t>
-                      </a:r>
-                    </a:p>
-                  </a:txBody>
-                  <a:tcPr marL="7950" marR="7950" marT="7950" marB="0" anchor="b">
-                    <a:lnL w="6350" cap="flat" cmpd="sng" algn="ctr">
-                      <a:solidFill>
-                        <a:srgbClr val="000000"/>
-                      </a:solidFill>
-                      <a:prstDash val="solid"/>
-                      <a:round/>
-                      <a:headEnd type="none" w="med" len="med"/>
-                      <a:tailEnd type="none" w="med" len="med"/>
-                    </a:lnL>
-                    <a:lnR w="6350" cap="flat" cmpd="sng" algn="ctr">
-                      <a:solidFill>
-                        <a:srgbClr val="000000"/>
-                      </a:solidFill>
-                      <a:prstDash val="solid"/>
-                      <a:round/>
-                      <a:headEnd type="none" w="med" len="med"/>
-                      <a:tailEnd type="none" w="med" len="med"/>
-                    </a:lnR>
-                    <a:lnT w="6350" cap="flat" cmpd="sng" algn="ctr">
-                      <a:solidFill>
-                        <a:srgbClr val="000000"/>
-                      </a:solidFill>
-                      <a:prstDash val="solid"/>
-                      <a:round/>
-                      <a:headEnd type="none" w="med" len="med"/>
-                      <a:tailEnd type="none" w="med" len="med"/>
-                    </a:lnT>
-                    <a:lnB w="6350" cap="flat" cmpd="sng" algn="ctr">
-                      <a:solidFill>
-                        <a:srgbClr val="000000"/>
-                      </a:solidFill>
-                      <a:prstDash val="solid"/>
-                      <a:round/>
-                      <a:headEnd type="none" w="med" len="med"/>
-                      <a:tailEnd type="none" w="med" len="med"/>
-                    </a:lnB>
-                    <a:solidFill>
-                      <a:srgbClr val="9BC2E6"/>
-                    </a:solidFill>
-                  </a:tcPr>
-                </a:tc>
-                <a:tc>
-                  <a:txBody>
-                    <a:bodyPr/>
-                    <a:lstStyle/>
-                    <a:p>
-                      <a:pPr algn="l" fontAlgn="b"/>
-                      <a:r>
-                        <a:rPr lang="en-US" sz="900" b="0" i="0" u="none" strike="noStrike" dirty="0">
-                          <a:solidFill>
-                            <a:srgbClr val="000000"/>
-                          </a:solidFill>
-                          <a:effectLst/>
-                          <a:latin typeface="Calibri" panose="020F0502020204030204" pitchFamily="34" charset="0"/>
-                        </a:rPr>
-                        <a:t>AM_RF_01</a:t>
-                      </a:r>
-                    </a:p>
-                  </a:txBody>
-                  <a:tcPr marL="7950" marR="7950" marT="7950" marB="0" anchor="b">
-                    <a:lnL w="6350" cap="flat" cmpd="sng" algn="ctr">
-                      <a:solidFill>
-                        <a:srgbClr val="000000"/>
-                      </a:solidFill>
-                      <a:prstDash val="solid"/>
-                      <a:round/>
-                      <a:headEnd type="none" w="med" len="med"/>
-                      <a:tailEnd type="none" w="med" len="med"/>
-                    </a:lnL>
-                    <a:lnR w="6350" cap="flat" cmpd="sng" algn="ctr">
-                      <a:solidFill>
-                        <a:srgbClr val="000000"/>
-                      </a:solidFill>
-                      <a:prstDash val="solid"/>
-                      <a:round/>
-                      <a:headEnd type="none" w="med" len="med"/>
-                      <a:tailEnd type="none" w="med" len="med"/>
-                    </a:lnR>
-                    <a:lnT w="6350" cap="flat" cmpd="sng" algn="ctr">
-                      <a:solidFill>
-                        <a:srgbClr val="000000"/>
-                      </a:solidFill>
-                      <a:prstDash val="solid"/>
-                      <a:round/>
-                      <a:headEnd type="none" w="med" len="med"/>
-                      <a:tailEnd type="none" w="med" len="med"/>
-                    </a:lnT>
-                    <a:lnB w="6350" cap="flat" cmpd="sng" algn="ctr">
-                      <a:solidFill>
-                        <a:srgbClr val="000000"/>
-                      </a:solidFill>
-                      <a:prstDash val="solid"/>
-                      <a:round/>
-                      <a:headEnd type="none" w="med" len="med"/>
-                      <a:tailEnd type="none" w="med" len="med"/>
-                    </a:lnB>
-                    <a:solidFill>
-                      <a:srgbClr val="9BC2E6"/>
-                    </a:solidFill>
-                  </a:tcPr>
-                </a:tc>
-                <a:extLst>
-                  <a:ext uri="{0D108BD9-81ED-4DB2-BD59-A6C34878D82A}">
-                    <a16:rowId xmlns:a16="http://schemas.microsoft.com/office/drawing/2014/main" val="2446323833"/>
-                  </a:ext>
-                </a:extLst>
-              </a:tr>
-              <a:tr h="0">
-                <a:tc>
-                  <a:txBody>
-                    <a:bodyPr/>
-                    <a:lstStyle/>
-                    <a:p>
-                      <a:pPr algn="l" fontAlgn="b"/>
-                      <a:r>
-                        <a:rPr lang="en-US" sz="900" b="0" i="0" u="none" strike="noStrike" dirty="0">
-                          <a:solidFill>
-                            <a:srgbClr val="000000"/>
-                          </a:solidFill>
-                          <a:effectLst/>
-                          <a:latin typeface="Calibri" panose="020F0502020204030204" pitchFamily="34" charset="0"/>
-                        </a:rPr>
-                        <a:t>Nombre del Requerimiento</a:t>
-                      </a:r>
-                    </a:p>
-                  </a:txBody>
-                  <a:tcPr marL="7950" marR="7950" marT="7950" marB="0" anchor="b">
-                    <a:lnL w="6350" cap="flat" cmpd="sng" algn="ctr">
-                      <a:solidFill>
-                        <a:srgbClr val="000000"/>
-                      </a:solidFill>
-                      <a:prstDash val="solid"/>
-                      <a:round/>
-                      <a:headEnd type="none" w="med" len="med"/>
-                      <a:tailEnd type="none" w="med" len="med"/>
-                    </a:lnL>
-                    <a:lnR w="6350" cap="flat" cmpd="sng" algn="ctr">
-                      <a:solidFill>
-                        <a:srgbClr val="000000"/>
-                      </a:solidFill>
-                      <a:prstDash val="solid"/>
-                      <a:round/>
-                      <a:headEnd type="none" w="med" len="med"/>
-                      <a:tailEnd type="none" w="med" len="med"/>
-                    </a:lnR>
-                    <a:lnT w="6350" cap="flat" cmpd="sng" algn="ctr">
-                      <a:solidFill>
-                        <a:srgbClr val="000000"/>
-                      </a:solidFill>
-                      <a:prstDash val="solid"/>
-                      <a:round/>
-                      <a:headEnd type="none" w="med" len="med"/>
-                      <a:tailEnd type="none" w="med" len="med"/>
-                    </a:lnT>
-                    <a:lnB w="6350" cap="flat" cmpd="sng" algn="ctr">
-                      <a:solidFill>
-                        <a:srgbClr val="000000"/>
-                      </a:solidFill>
-                      <a:prstDash val="solid"/>
-                      <a:round/>
-                      <a:headEnd type="none" w="med" len="med"/>
-                      <a:tailEnd type="none" w="med" len="med"/>
-                    </a:lnB>
-                  </a:tcPr>
-                </a:tc>
-                <a:tc>
-                  <a:txBody>
-                    <a:bodyPr/>
-                    <a:lstStyle/>
-                    <a:p>
-                      <a:pPr algn="l" fontAlgn="b"/>
-                      <a:r>
-                        <a:rPr lang="en-US" sz="900" b="0" i="0" u="none" strike="noStrike" dirty="0">
-                          <a:solidFill>
-                            <a:srgbClr val="000000"/>
-                          </a:solidFill>
-                          <a:effectLst/>
-                          <a:latin typeface="Calibri" panose="020F0502020204030204" pitchFamily="34" charset="0"/>
-                        </a:rPr>
-                        <a:t>Inicio de sesión</a:t>
-                      </a:r>
-                    </a:p>
-                  </a:txBody>
-                  <a:tcPr marL="7950" marR="7950" marT="7950" marB="0" anchor="b">
-                    <a:lnL w="6350" cap="flat" cmpd="sng" algn="ctr">
-                      <a:solidFill>
-                        <a:srgbClr val="000000"/>
-                      </a:solidFill>
-                      <a:prstDash val="solid"/>
-                      <a:round/>
-                      <a:headEnd type="none" w="med" len="med"/>
-                      <a:tailEnd type="none" w="med" len="med"/>
-                    </a:lnL>
-                    <a:lnR w="6350" cap="flat" cmpd="sng" algn="ctr">
-                      <a:solidFill>
-                        <a:srgbClr val="000000"/>
-                      </a:solidFill>
-                      <a:prstDash val="solid"/>
-                      <a:round/>
-                      <a:headEnd type="none" w="med" len="med"/>
-                      <a:tailEnd type="none" w="med" len="med"/>
-                    </a:lnR>
-                    <a:lnT w="6350" cap="flat" cmpd="sng" algn="ctr">
-                      <a:solidFill>
-                        <a:srgbClr val="000000"/>
-                      </a:solidFill>
-                      <a:prstDash val="solid"/>
-                      <a:round/>
-                      <a:headEnd type="none" w="med" len="med"/>
-                      <a:tailEnd type="none" w="med" len="med"/>
-                    </a:lnT>
-                    <a:lnB w="6350" cap="flat" cmpd="sng" algn="ctr">
-                      <a:solidFill>
-                        <a:srgbClr val="000000"/>
-                      </a:solidFill>
-                      <a:prstDash val="solid"/>
-                      <a:round/>
-                      <a:headEnd type="none" w="med" len="med"/>
-                      <a:tailEnd type="none" w="med" len="med"/>
-                    </a:lnB>
-                  </a:tcPr>
-                </a:tc>
-                <a:extLst>
-                  <a:ext uri="{0D108BD9-81ED-4DB2-BD59-A6C34878D82A}">
-                    <a16:rowId xmlns:a16="http://schemas.microsoft.com/office/drawing/2014/main" val="3392786856"/>
-                  </a:ext>
-                </a:extLst>
-              </a:tr>
-              <a:tr h="178728">
-                <a:tc>
-                  <a:txBody>
-                    <a:bodyPr/>
-                    <a:lstStyle/>
-                    <a:p>
-                      <a:pPr algn="l" fontAlgn="b"/>
-                      <a:r>
-                        <a:rPr lang="en-US" sz="900" b="0" i="0" u="none" strike="noStrike" dirty="0">
-                          <a:solidFill>
-                            <a:srgbClr val="000000"/>
-                          </a:solidFill>
-                          <a:effectLst/>
-                          <a:latin typeface="Calibri" panose="020F0502020204030204" pitchFamily="34" charset="0"/>
-                        </a:rPr>
-                        <a:t>Requerimiento</a:t>
-                      </a:r>
-                    </a:p>
-                  </a:txBody>
-                  <a:tcPr marL="7950" marR="7950" marT="7950" marB="0" anchor="b">
-                    <a:lnL w="6350" cap="flat" cmpd="sng" algn="ctr">
-                      <a:solidFill>
-                        <a:srgbClr val="000000"/>
-                      </a:solidFill>
-                      <a:prstDash val="solid"/>
-                      <a:round/>
-                      <a:headEnd type="none" w="med" len="med"/>
-                      <a:tailEnd type="none" w="med" len="med"/>
-                    </a:lnL>
-                    <a:lnR w="6350" cap="flat" cmpd="sng" algn="ctr">
-                      <a:solidFill>
-                        <a:srgbClr val="000000"/>
-                      </a:solidFill>
-                      <a:prstDash val="solid"/>
-                      <a:round/>
-                      <a:headEnd type="none" w="med" len="med"/>
-                      <a:tailEnd type="none" w="med" len="med"/>
-                    </a:lnR>
-                    <a:lnT w="6350" cap="flat" cmpd="sng" algn="ctr">
-                      <a:solidFill>
-                        <a:srgbClr val="000000"/>
-                      </a:solidFill>
-                      <a:prstDash val="solid"/>
-                      <a:round/>
-                      <a:headEnd type="none" w="med" len="med"/>
-                      <a:tailEnd type="none" w="med" len="med"/>
-                    </a:lnT>
-                    <a:lnB w="6350" cap="flat" cmpd="sng" algn="ctr">
-                      <a:solidFill>
-                        <a:srgbClr val="000000"/>
-                      </a:solidFill>
-                      <a:prstDash val="solid"/>
-                      <a:round/>
-                      <a:headEnd type="none" w="med" len="med"/>
-                      <a:tailEnd type="none" w="med" len="med"/>
-                    </a:lnB>
-                  </a:tcPr>
-                </a:tc>
-                <a:tc>
-                  <a:txBody>
-                    <a:bodyPr/>
-                    <a:lstStyle/>
-                    <a:p>
-                      <a:pPr algn="l" fontAlgn="b"/>
-                      <a:r>
-                        <a:rPr lang="es-MX" sz="900" b="0" i="0" u="none" strike="noStrike" dirty="0">
-                          <a:solidFill>
-                            <a:srgbClr val="000000"/>
-                          </a:solidFill>
-                          <a:effectLst/>
-                          <a:latin typeface="Calibri" panose="020F0502020204030204" pitchFamily="34" charset="0"/>
-                        </a:rPr>
-                        <a:t>El sistema deberá permitir el inicio de sesión, pidiendo a los usuarios el Nombre_Usuario y la contraseña.</a:t>
-                      </a:r>
-                    </a:p>
-                  </a:txBody>
-                  <a:tcPr marL="7950" marR="7950" marT="7950" marB="0" anchor="b">
-                    <a:lnL w="6350" cap="flat" cmpd="sng" algn="ctr">
-                      <a:solidFill>
-                        <a:srgbClr val="000000"/>
-                      </a:solidFill>
-                      <a:prstDash val="solid"/>
-                      <a:round/>
-                      <a:headEnd type="none" w="med" len="med"/>
-                      <a:tailEnd type="none" w="med" len="med"/>
-                    </a:lnL>
-                    <a:lnR w="6350" cap="flat" cmpd="sng" algn="ctr">
-                      <a:solidFill>
-                        <a:srgbClr val="000000"/>
-                      </a:solidFill>
-                      <a:prstDash val="solid"/>
-                      <a:round/>
-                      <a:headEnd type="none" w="med" len="med"/>
-                      <a:tailEnd type="none" w="med" len="med"/>
-                    </a:lnR>
-                    <a:lnT w="6350" cap="flat" cmpd="sng" algn="ctr">
-                      <a:solidFill>
-                        <a:srgbClr val="000000"/>
-                      </a:solidFill>
-                      <a:prstDash val="solid"/>
-                      <a:round/>
-                      <a:headEnd type="none" w="med" len="med"/>
-                      <a:tailEnd type="none" w="med" len="med"/>
-                    </a:lnT>
-                    <a:lnB w="6350" cap="flat" cmpd="sng" algn="ctr">
-                      <a:solidFill>
-                        <a:srgbClr val="000000"/>
-                      </a:solidFill>
-                      <a:prstDash val="solid"/>
-                      <a:round/>
-                      <a:headEnd type="none" w="med" len="med"/>
-                      <a:tailEnd type="none" w="med" len="med"/>
-                    </a:lnB>
-                  </a:tcPr>
-                </a:tc>
-                <a:extLst>
-                  <a:ext uri="{0D108BD9-81ED-4DB2-BD59-A6C34878D82A}">
-                    <a16:rowId xmlns:a16="http://schemas.microsoft.com/office/drawing/2014/main" val="1206299500"/>
-                  </a:ext>
-                </a:extLst>
-              </a:tr>
-              <a:tr h="178728">
-                <a:tc>
-                  <a:txBody>
-                    <a:bodyPr/>
-                    <a:lstStyle/>
-                    <a:p>
-                      <a:pPr algn="l" fontAlgn="b"/>
-                      <a:r>
-                        <a:rPr lang="en-US" sz="900" b="0" i="0" u="none" strike="noStrike" dirty="0">
-                          <a:solidFill>
-                            <a:srgbClr val="000000"/>
-                          </a:solidFill>
-                          <a:effectLst/>
-                          <a:latin typeface="Calibri" panose="020F0502020204030204" pitchFamily="34" charset="0"/>
-                        </a:rPr>
-                        <a:t>Prioridad del Requerimiento</a:t>
-                      </a:r>
-                    </a:p>
-                  </a:txBody>
-                  <a:tcPr marL="7950" marR="7950" marT="7950" marB="0" anchor="b">
-                    <a:lnL w="6350" cap="flat" cmpd="sng" algn="ctr">
-                      <a:solidFill>
-                        <a:srgbClr val="000000"/>
-                      </a:solidFill>
-                      <a:prstDash val="solid"/>
-                      <a:round/>
-                      <a:headEnd type="none" w="med" len="med"/>
-                      <a:tailEnd type="none" w="med" len="med"/>
-                    </a:lnL>
-                    <a:lnR w="6350" cap="flat" cmpd="sng" algn="ctr">
-                      <a:solidFill>
-                        <a:srgbClr val="000000"/>
-                      </a:solidFill>
-                      <a:prstDash val="solid"/>
-                      <a:round/>
-                      <a:headEnd type="none" w="med" len="med"/>
-                      <a:tailEnd type="none" w="med" len="med"/>
-                    </a:lnR>
-                    <a:lnT w="6350" cap="flat" cmpd="sng" algn="ctr">
-                      <a:solidFill>
-                        <a:srgbClr val="000000"/>
-                      </a:solidFill>
-                      <a:prstDash val="solid"/>
-                      <a:round/>
-                      <a:headEnd type="none" w="med" len="med"/>
-                      <a:tailEnd type="none" w="med" len="med"/>
-                    </a:lnT>
-                    <a:lnB w="6350" cap="flat" cmpd="sng" algn="ctr">
-                      <a:solidFill>
-                        <a:srgbClr val="000000"/>
-                      </a:solidFill>
-                      <a:prstDash val="solid"/>
-                      <a:round/>
-                      <a:headEnd type="none" w="med" len="med"/>
-                      <a:tailEnd type="none" w="med" len="med"/>
-                    </a:lnB>
-                  </a:tcPr>
-                </a:tc>
-                <a:tc>
-                  <a:txBody>
-                    <a:bodyPr/>
-                    <a:lstStyle/>
-                    <a:p>
-                      <a:pPr algn="l" fontAlgn="b"/>
-                      <a:r>
-                        <a:rPr lang="en-US" sz="900" b="0" i="0" u="none" strike="noStrike" dirty="0">
-                          <a:solidFill>
-                            <a:srgbClr val="000000"/>
-                          </a:solidFill>
-                          <a:effectLst/>
-                          <a:latin typeface="Calibri" panose="020F0502020204030204" pitchFamily="34" charset="0"/>
-                        </a:rPr>
-                        <a:t>Alta</a:t>
-                      </a:r>
-                    </a:p>
-                  </a:txBody>
-                  <a:tcPr marL="7950" marR="7950" marT="7950" marB="0" anchor="b">
-                    <a:lnL w="6350" cap="flat" cmpd="sng" algn="ctr">
-                      <a:solidFill>
-                        <a:srgbClr val="000000"/>
-                      </a:solidFill>
-                      <a:prstDash val="solid"/>
-                      <a:round/>
-                      <a:headEnd type="none" w="med" len="med"/>
-                      <a:tailEnd type="none" w="med" len="med"/>
-                    </a:lnL>
-                    <a:lnR w="6350" cap="flat" cmpd="sng" algn="ctr">
-                      <a:solidFill>
-                        <a:srgbClr val="000000"/>
-                      </a:solidFill>
-                      <a:prstDash val="solid"/>
-                      <a:round/>
-                      <a:headEnd type="none" w="med" len="med"/>
-                      <a:tailEnd type="none" w="med" len="med"/>
-                    </a:lnR>
-                    <a:lnT w="6350" cap="flat" cmpd="sng" algn="ctr">
-                      <a:solidFill>
-                        <a:srgbClr val="000000"/>
-                      </a:solidFill>
-                      <a:prstDash val="solid"/>
-                      <a:round/>
-                      <a:headEnd type="none" w="med" len="med"/>
-                      <a:tailEnd type="none" w="med" len="med"/>
-                    </a:lnT>
-                    <a:lnB w="6350" cap="flat" cmpd="sng" algn="ctr">
-                      <a:solidFill>
-                        <a:srgbClr val="000000"/>
-                      </a:solidFill>
-                      <a:prstDash val="solid"/>
-                      <a:round/>
-                      <a:headEnd type="none" w="med" len="med"/>
-                      <a:tailEnd type="none" w="med" len="med"/>
-                    </a:lnB>
-                  </a:tcPr>
-                </a:tc>
-                <a:extLst>
-                  <a:ext uri="{0D108BD9-81ED-4DB2-BD59-A6C34878D82A}">
-                    <a16:rowId xmlns:a16="http://schemas.microsoft.com/office/drawing/2014/main" val="1860433961"/>
-                  </a:ext>
-                </a:extLst>
-              </a:tr>
-              <a:tr h="178728">
-                <a:tc>
-                  <a:txBody>
-                    <a:bodyPr/>
-                    <a:lstStyle/>
-                    <a:p>
-                      <a:pPr algn="l" fontAlgn="b"/>
-                      <a:endParaRPr lang="en-US" sz="900" b="0" i="0" u="none" strike="noStrike" dirty="0">
-                        <a:solidFill>
-                          <a:srgbClr val="000000"/>
-                        </a:solidFill>
-                        <a:effectLst/>
-                        <a:latin typeface="Calibri" panose="020F0502020204030204" pitchFamily="34" charset="0"/>
-                      </a:endParaRPr>
-                    </a:p>
-                  </a:txBody>
-                  <a:tcPr marL="7950" marR="7950" marT="7950" marB="0" anchor="b">
-                    <a:lnL>
-                      <a:noFill/>
-                    </a:lnL>
-                    <a:lnR>
-                      <a:noFill/>
-                    </a:lnR>
-                    <a:lnT w="6350" cap="flat" cmpd="sng" algn="ctr">
-                      <a:solidFill>
-                        <a:srgbClr val="000000"/>
-                      </a:solidFill>
-                      <a:prstDash val="solid"/>
-                      <a:round/>
-                      <a:headEnd type="none" w="med" len="med"/>
-                      <a:tailEnd type="none" w="med" len="med"/>
-                    </a:lnT>
-                    <a:lnB w="6350" cap="flat" cmpd="sng" algn="ctr">
-                      <a:solidFill>
-                        <a:srgbClr val="000000"/>
-                      </a:solidFill>
-                      <a:prstDash val="solid"/>
-                      <a:round/>
-                      <a:headEnd type="none" w="med" len="med"/>
-                      <a:tailEnd type="none" w="med" len="med"/>
-                    </a:lnB>
-                  </a:tcPr>
-                </a:tc>
-                <a:tc>
-                  <a:txBody>
-                    <a:bodyPr/>
-                    <a:lstStyle/>
-                    <a:p>
-                      <a:pPr algn="l" fontAlgn="b"/>
-                      <a:endParaRPr lang="en-US" sz="900" b="0" i="0" u="none" strike="noStrike" dirty="0">
-                        <a:solidFill>
-                          <a:srgbClr val="000000"/>
-                        </a:solidFill>
-                        <a:effectLst/>
-                        <a:latin typeface="Calibri" panose="020F0502020204030204" pitchFamily="34" charset="0"/>
-                      </a:endParaRPr>
-                    </a:p>
-                  </a:txBody>
-                  <a:tcPr marL="7950" marR="7950" marT="7950" marB="0" anchor="b">
-                    <a:lnL>
-                      <a:noFill/>
-                    </a:lnL>
-                    <a:lnR>
-                      <a:noFill/>
-                    </a:lnR>
-                    <a:lnT w="6350" cap="flat" cmpd="sng" algn="ctr">
-                      <a:solidFill>
-                        <a:srgbClr val="000000"/>
-                      </a:solidFill>
-                      <a:prstDash val="solid"/>
-                      <a:round/>
-                      <a:headEnd type="none" w="med" len="med"/>
-                      <a:tailEnd type="none" w="med" len="med"/>
-                    </a:lnT>
-                    <a:lnB w="6350" cap="flat" cmpd="sng" algn="ctr">
-                      <a:solidFill>
-                        <a:srgbClr val="000000"/>
-                      </a:solidFill>
-                      <a:prstDash val="solid"/>
-                      <a:round/>
-                      <a:headEnd type="none" w="med" len="med"/>
-                      <a:tailEnd type="none" w="med" len="med"/>
-                    </a:lnB>
-                  </a:tcPr>
-                </a:tc>
-                <a:extLst>
-                  <a:ext uri="{0D108BD9-81ED-4DB2-BD59-A6C34878D82A}">
-                    <a16:rowId xmlns:a16="http://schemas.microsoft.com/office/drawing/2014/main" val="461973288"/>
-                  </a:ext>
-                </a:extLst>
-              </a:tr>
-              <a:tr h="205538">
-                <a:tc>
-                  <a:txBody>
-                    <a:bodyPr/>
-                    <a:lstStyle/>
-                    <a:p>
-                      <a:pPr algn="l" fontAlgn="b"/>
-                      <a:r>
-                        <a:rPr lang="en-US" sz="900" b="0" i="0" u="none" strike="noStrike" dirty="0">
-                          <a:solidFill>
-                            <a:srgbClr val="000000"/>
-                          </a:solidFill>
-                          <a:effectLst/>
-                          <a:latin typeface="Calibri" panose="020F0502020204030204" pitchFamily="34" charset="0"/>
-                        </a:rPr>
-                        <a:t>ID Requerimiento</a:t>
-                      </a:r>
-                    </a:p>
-                  </a:txBody>
-                  <a:tcPr marL="7950" marR="7950" marT="7950" marB="0" anchor="b">
-                    <a:lnL w="6350" cap="flat" cmpd="sng" algn="ctr">
-                      <a:solidFill>
-                        <a:srgbClr val="000000"/>
-                      </a:solidFill>
-                      <a:prstDash val="solid"/>
-                      <a:round/>
-                      <a:headEnd type="none" w="med" len="med"/>
-                      <a:tailEnd type="none" w="med" len="med"/>
-                    </a:lnL>
-                    <a:lnR w="6350" cap="flat" cmpd="sng" algn="ctr">
-                      <a:solidFill>
-                        <a:srgbClr val="000000"/>
-                      </a:solidFill>
-                      <a:prstDash val="solid"/>
-                      <a:round/>
-                      <a:headEnd type="none" w="med" len="med"/>
-                      <a:tailEnd type="none" w="med" len="med"/>
-                    </a:lnR>
-                    <a:lnT w="6350" cap="flat" cmpd="sng" algn="ctr">
-                      <a:solidFill>
-                        <a:srgbClr val="000000"/>
-                      </a:solidFill>
-                      <a:prstDash val="solid"/>
-                      <a:round/>
-                      <a:headEnd type="none" w="med" len="med"/>
-                      <a:tailEnd type="none" w="med" len="med"/>
-                    </a:lnT>
-                    <a:lnB w="6350" cap="flat" cmpd="sng" algn="ctr">
-                      <a:solidFill>
-                        <a:srgbClr val="000000"/>
-                      </a:solidFill>
-                      <a:prstDash val="solid"/>
-                      <a:round/>
-                      <a:headEnd type="none" w="med" len="med"/>
-                      <a:tailEnd type="none" w="med" len="med"/>
-                    </a:lnB>
-                    <a:solidFill>
-                      <a:srgbClr val="9BC2E6"/>
-                    </a:solidFill>
-                  </a:tcPr>
-                </a:tc>
-                <a:tc>
-                  <a:txBody>
-                    <a:bodyPr/>
-                    <a:lstStyle/>
-                    <a:p>
-                      <a:pPr algn="l" fontAlgn="b"/>
-                      <a:r>
-                        <a:rPr lang="en-US" sz="900" b="0" i="0" u="none" strike="noStrike" dirty="0">
-                          <a:solidFill>
-                            <a:srgbClr val="000000"/>
-                          </a:solidFill>
-                          <a:effectLst/>
-                          <a:latin typeface="Calibri" panose="020F0502020204030204" pitchFamily="34" charset="0"/>
-                        </a:rPr>
-                        <a:t>AM_RF_02</a:t>
-                      </a:r>
-                    </a:p>
-                  </a:txBody>
-                  <a:tcPr marL="7950" marR="7950" marT="7950" marB="0" anchor="b">
-                    <a:lnL w="6350" cap="flat" cmpd="sng" algn="ctr">
-                      <a:solidFill>
-                        <a:srgbClr val="000000"/>
-                      </a:solidFill>
-                      <a:prstDash val="solid"/>
-                      <a:round/>
-                      <a:headEnd type="none" w="med" len="med"/>
-                      <a:tailEnd type="none" w="med" len="med"/>
-                    </a:lnL>
-                    <a:lnR w="6350" cap="flat" cmpd="sng" algn="ctr">
-                      <a:solidFill>
-                        <a:srgbClr val="000000"/>
-                      </a:solidFill>
-                      <a:prstDash val="solid"/>
-                      <a:round/>
-                      <a:headEnd type="none" w="med" len="med"/>
-                      <a:tailEnd type="none" w="med" len="med"/>
-                    </a:lnR>
-                    <a:lnT w="6350" cap="flat" cmpd="sng" algn="ctr">
-                      <a:solidFill>
-                        <a:srgbClr val="000000"/>
-                      </a:solidFill>
-                      <a:prstDash val="solid"/>
-                      <a:round/>
-                      <a:headEnd type="none" w="med" len="med"/>
-                      <a:tailEnd type="none" w="med" len="med"/>
-                    </a:lnT>
-                    <a:lnB w="6350" cap="flat" cmpd="sng" algn="ctr">
-                      <a:solidFill>
-                        <a:srgbClr val="000000"/>
-                      </a:solidFill>
-                      <a:prstDash val="solid"/>
-                      <a:round/>
-                      <a:headEnd type="none" w="med" len="med"/>
-                      <a:tailEnd type="none" w="med" len="med"/>
-                    </a:lnB>
-                    <a:solidFill>
-                      <a:srgbClr val="9BC2E6"/>
-                    </a:solidFill>
-                  </a:tcPr>
-                </a:tc>
-                <a:extLst>
-                  <a:ext uri="{0D108BD9-81ED-4DB2-BD59-A6C34878D82A}">
-                    <a16:rowId xmlns:a16="http://schemas.microsoft.com/office/drawing/2014/main" val="1212127188"/>
-                  </a:ext>
-                </a:extLst>
-              </a:tr>
-              <a:tr h="178728">
-                <a:tc>
-                  <a:txBody>
-                    <a:bodyPr/>
-                    <a:lstStyle/>
-                    <a:p>
-                      <a:pPr algn="l" fontAlgn="b"/>
-                      <a:r>
-                        <a:rPr lang="en-US" sz="900" b="0" i="0" u="none" strike="noStrike" dirty="0">
-                          <a:solidFill>
-                            <a:srgbClr val="000000"/>
-                          </a:solidFill>
-                          <a:effectLst/>
-                          <a:latin typeface="Calibri" panose="020F0502020204030204" pitchFamily="34" charset="0"/>
-                        </a:rPr>
-                        <a:t>Nombre del Requerimiento</a:t>
-                      </a:r>
-                    </a:p>
-                  </a:txBody>
-                  <a:tcPr marL="7950" marR="7950" marT="7950" marB="0" anchor="b">
-                    <a:lnL w="6350" cap="flat" cmpd="sng" algn="ctr">
-                      <a:solidFill>
-                        <a:srgbClr val="000000"/>
-                      </a:solidFill>
-                      <a:prstDash val="solid"/>
-                      <a:round/>
-                      <a:headEnd type="none" w="med" len="med"/>
-                      <a:tailEnd type="none" w="med" len="med"/>
-                    </a:lnL>
-                    <a:lnR w="6350" cap="flat" cmpd="sng" algn="ctr">
-                      <a:solidFill>
-                        <a:srgbClr val="000000"/>
-                      </a:solidFill>
-                      <a:prstDash val="solid"/>
-                      <a:round/>
-                      <a:headEnd type="none" w="med" len="med"/>
-                      <a:tailEnd type="none" w="med" len="med"/>
-                    </a:lnR>
-                    <a:lnT w="6350" cap="flat" cmpd="sng" algn="ctr">
-                      <a:solidFill>
-                        <a:srgbClr val="000000"/>
-                      </a:solidFill>
-                      <a:prstDash val="solid"/>
-                      <a:round/>
-                      <a:headEnd type="none" w="med" len="med"/>
-                      <a:tailEnd type="none" w="med" len="med"/>
-                    </a:lnT>
-                    <a:lnB w="6350" cap="flat" cmpd="sng" algn="ctr">
-                      <a:solidFill>
-                        <a:srgbClr val="000000"/>
-                      </a:solidFill>
-                      <a:prstDash val="solid"/>
-                      <a:round/>
-                      <a:headEnd type="none" w="med" len="med"/>
-                      <a:tailEnd type="none" w="med" len="med"/>
-                    </a:lnB>
-                  </a:tcPr>
-                </a:tc>
-                <a:tc>
-                  <a:txBody>
-                    <a:bodyPr/>
-                    <a:lstStyle/>
-                    <a:p>
-                      <a:pPr algn="l" fontAlgn="b"/>
-                      <a:r>
-                        <a:rPr lang="en-US" sz="900" b="0" i="0" u="none" strike="noStrike" dirty="0">
-                          <a:solidFill>
-                            <a:srgbClr val="000000"/>
-                          </a:solidFill>
-                          <a:effectLst/>
-                          <a:latin typeface="Calibri" panose="020F0502020204030204" pitchFamily="34" charset="0"/>
-                        </a:rPr>
-                        <a:t>Cerrar sesión</a:t>
-                      </a:r>
-                    </a:p>
-                  </a:txBody>
-                  <a:tcPr marL="7950" marR="7950" marT="7950" marB="0" anchor="b">
-                    <a:lnL w="6350" cap="flat" cmpd="sng" algn="ctr">
-                      <a:solidFill>
-                        <a:srgbClr val="000000"/>
-                      </a:solidFill>
-                      <a:prstDash val="solid"/>
-                      <a:round/>
-                      <a:headEnd type="none" w="med" len="med"/>
-                      <a:tailEnd type="none" w="med" len="med"/>
-                    </a:lnL>
-                    <a:lnR w="6350" cap="flat" cmpd="sng" algn="ctr">
-                      <a:solidFill>
-                        <a:srgbClr val="000000"/>
-                      </a:solidFill>
-                      <a:prstDash val="solid"/>
-                      <a:round/>
-                      <a:headEnd type="none" w="med" len="med"/>
-                      <a:tailEnd type="none" w="med" len="med"/>
-                    </a:lnR>
-                    <a:lnT w="6350" cap="flat" cmpd="sng" algn="ctr">
-                      <a:solidFill>
-                        <a:srgbClr val="000000"/>
-                      </a:solidFill>
-                      <a:prstDash val="solid"/>
-                      <a:round/>
-                      <a:headEnd type="none" w="med" len="med"/>
-                      <a:tailEnd type="none" w="med" len="med"/>
-                    </a:lnT>
-                    <a:lnB w="6350" cap="flat" cmpd="sng" algn="ctr">
-                      <a:solidFill>
-                        <a:srgbClr val="000000"/>
-                      </a:solidFill>
-                      <a:prstDash val="solid"/>
-                      <a:round/>
-                      <a:headEnd type="none" w="med" len="med"/>
-                      <a:tailEnd type="none" w="med" len="med"/>
-                    </a:lnB>
-                  </a:tcPr>
-                </a:tc>
-                <a:extLst>
-                  <a:ext uri="{0D108BD9-81ED-4DB2-BD59-A6C34878D82A}">
-                    <a16:rowId xmlns:a16="http://schemas.microsoft.com/office/drawing/2014/main" val="301539715"/>
-                  </a:ext>
-                </a:extLst>
-              </a:tr>
-              <a:tr h="178728">
-                <a:tc>
-                  <a:txBody>
-                    <a:bodyPr/>
-                    <a:lstStyle/>
-                    <a:p>
-                      <a:pPr algn="l" fontAlgn="b"/>
-                      <a:r>
-                        <a:rPr lang="en-US" sz="900" b="0" i="0" u="none" strike="noStrike" dirty="0">
-                          <a:solidFill>
-                            <a:srgbClr val="000000"/>
-                          </a:solidFill>
-                          <a:effectLst/>
-                          <a:latin typeface="Calibri" panose="020F0502020204030204" pitchFamily="34" charset="0"/>
-                        </a:rPr>
-                        <a:t>Requerimiento</a:t>
-                      </a:r>
-                    </a:p>
-                  </a:txBody>
-                  <a:tcPr marL="7950" marR="7950" marT="7950" marB="0" anchor="b">
-                    <a:lnL w="6350" cap="flat" cmpd="sng" algn="ctr">
-                      <a:solidFill>
-                        <a:srgbClr val="000000"/>
-                      </a:solidFill>
-                      <a:prstDash val="solid"/>
-                      <a:round/>
-                      <a:headEnd type="none" w="med" len="med"/>
-                      <a:tailEnd type="none" w="med" len="med"/>
-                    </a:lnL>
-                    <a:lnR w="6350" cap="flat" cmpd="sng" algn="ctr">
-                      <a:solidFill>
-                        <a:srgbClr val="000000"/>
-                      </a:solidFill>
-                      <a:prstDash val="solid"/>
-                      <a:round/>
-                      <a:headEnd type="none" w="med" len="med"/>
-                      <a:tailEnd type="none" w="med" len="med"/>
-                    </a:lnR>
-                    <a:lnT w="6350" cap="flat" cmpd="sng" algn="ctr">
-                      <a:solidFill>
-                        <a:srgbClr val="000000"/>
-                      </a:solidFill>
-                      <a:prstDash val="solid"/>
-                      <a:round/>
-                      <a:headEnd type="none" w="med" len="med"/>
-                      <a:tailEnd type="none" w="med" len="med"/>
-                    </a:lnT>
-                    <a:lnB w="6350" cap="flat" cmpd="sng" algn="ctr">
-                      <a:solidFill>
-                        <a:srgbClr val="000000"/>
-                      </a:solidFill>
-                      <a:prstDash val="solid"/>
-                      <a:round/>
-                      <a:headEnd type="none" w="med" len="med"/>
-                      <a:tailEnd type="none" w="med" len="med"/>
-                    </a:lnB>
-                  </a:tcPr>
-                </a:tc>
-                <a:tc>
-                  <a:txBody>
-                    <a:bodyPr/>
-                    <a:lstStyle/>
-                    <a:p>
-                      <a:pPr algn="l" fontAlgn="b"/>
-                      <a:r>
-                        <a:rPr lang="es-MX" sz="900" b="0" i="0" u="none" strike="noStrike" dirty="0">
-                          <a:solidFill>
-                            <a:srgbClr val="000000"/>
-                          </a:solidFill>
-                          <a:effectLst/>
-                          <a:latin typeface="Calibri" panose="020F0502020204030204" pitchFamily="34" charset="0"/>
-                        </a:rPr>
-                        <a:t>El sistema deberá permitirle al usuario cerrar su sesión.</a:t>
-                      </a:r>
-                    </a:p>
-                  </a:txBody>
-                  <a:tcPr marL="7950" marR="7950" marT="7950" marB="0" anchor="b">
-                    <a:lnL w="6350" cap="flat" cmpd="sng" algn="ctr">
-                      <a:solidFill>
-                        <a:srgbClr val="000000"/>
-                      </a:solidFill>
-                      <a:prstDash val="solid"/>
-                      <a:round/>
-                      <a:headEnd type="none" w="med" len="med"/>
-                      <a:tailEnd type="none" w="med" len="med"/>
-                    </a:lnL>
-                    <a:lnR w="6350" cap="flat" cmpd="sng" algn="ctr">
-                      <a:solidFill>
-                        <a:srgbClr val="000000"/>
-                      </a:solidFill>
-                      <a:prstDash val="solid"/>
-                      <a:round/>
-                      <a:headEnd type="none" w="med" len="med"/>
-                      <a:tailEnd type="none" w="med" len="med"/>
-                    </a:lnR>
-                    <a:lnT w="6350" cap="flat" cmpd="sng" algn="ctr">
-                      <a:solidFill>
-                        <a:srgbClr val="000000"/>
-                      </a:solidFill>
-                      <a:prstDash val="solid"/>
-                      <a:round/>
-                      <a:headEnd type="none" w="med" len="med"/>
-                      <a:tailEnd type="none" w="med" len="med"/>
-                    </a:lnT>
-                    <a:lnB w="6350" cap="flat" cmpd="sng" algn="ctr">
-                      <a:solidFill>
-                        <a:srgbClr val="000000"/>
-                      </a:solidFill>
-                      <a:prstDash val="solid"/>
-                      <a:round/>
-                      <a:headEnd type="none" w="med" len="med"/>
-                      <a:tailEnd type="none" w="med" len="med"/>
-                    </a:lnB>
-                  </a:tcPr>
-                </a:tc>
-                <a:extLst>
-                  <a:ext uri="{0D108BD9-81ED-4DB2-BD59-A6C34878D82A}">
-                    <a16:rowId xmlns:a16="http://schemas.microsoft.com/office/drawing/2014/main" val="3429640317"/>
-                  </a:ext>
-                </a:extLst>
-              </a:tr>
-              <a:tr h="178728">
-                <a:tc>
-                  <a:txBody>
-                    <a:bodyPr/>
-                    <a:lstStyle/>
-                    <a:p>
-                      <a:pPr algn="l" fontAlgn="b"/>
-                      <a:r>
-                        <a:rPr lang="en-US" sz="900" b="0" i="0" u="none" strike="noStrike" dirty="0">
-                          <a:solidFill>
-                            <a:srgbClr val="000000"/>
-                          </a:solidFill>
-                          <a:effectLst/>
-                          <a:latin typeface="Calibri" panose="020F0502020204030204" pitchFamily="34" charset="0"/>
-                        </a:rPr>
-                        <a:t>Prioridad del Requerimiento</a:t>
-                      </a:r>
-                    </a:p>
-                  </a:txBody>
-                  <a:tcPr marL="7950" marR="7950" marT="7950" marB="0" anchor="b">
-                    <a:lnL w="6350" cap="flat" cmpd="sng" algn="ctr">
-                      <a:solidFill>
-                        <a:srgbClr val="000000"/>
-                      </a:solidFill>
-                      <a:prstDash val="solid"/>
-                      <a:round/>
-                      <a:headEnd type="none" w="med" len="med"/>
-                      <a:tailEnd type="none" w="med" len="med"/>
-                    </a:lnL>
-                    <a:lnR w="6350" cap="flat" cmpd="sng" algn="ctr">
-                      <a:solidFill>
-                        <a:srgbClr val="000000"/>
-                      </a:solidFill>
-                      <a:prstDash val="solid"/>
-                      <a:round/>
-                      <a:headEnd type="none" w="med" len="med"/>
-                      <a:tailEnd type="none" w="med" len="med"/>
-                    </a:lnR>
-                    <a:lnT w="6350" cap="flat" cmpd="sng" algn="ctr">
-                      <a:solidFill>
-                        <a:srgbClr val="000000"/>
-                      </a:solidFill>
-                      <a:prstDash val="solid"/>
-                      <a:round/>
-                      <a:headEnd type="none" w="med" len="med"/>
-                      <a:tailEnd type="none" w="med" len="med"/>
-                    </a:lnT>
-                    <a:lnB w="6350" cap="flat" cmpd="sng" algn="ctr">
-                      <a:solidFill>
-                        <a:srgbClr val="000000"/>
-                      </a:solidFill>
-                      <a:prstDash val="solid"/>
-                      <a:round/>
-                      <a:headEnd type="none" w="med" len="med"/>
-                      <a:tailEnd type="none" w="med" len="med"/>
-                    </a:lnB>
-                  </a:tcPr>
-                </a:tc>
-                <a:tc>
-                  <a:txBody>
-                    <a:bodyPr/>
-                    <a:lstStyle/>
-                    <a:p>
-                      <a:pPr algn="l" fontAlgn="b"/>
-                      <a:r>
-                        <a:rPr lang="en-US" sz="900" b="0" i="0" u="none" strike="noStrike" dirty="0">
-                          <a:solidFill>
-                            <a:srgbClr val="000000"/>
-                          </a:solidFill>
-                          <a:effectLst/>
-                          <a:latin typeface="Calibri" panose="020F0502020204030204" pitchFamily="34" charset="0"/>
-                        </a:rPr>
-                        <a:t>Alta</a:t>
-                      </a:r>
-                    </a:p>
-                  </a:txBody>
-                  <a:tcPr marL="7950" marR="7950" marT="7950" marB="0" anchor="b">
-                    <a:lnL w="6350" cap="flat" cmpd="sng" algn="ctr">
-                      <a:solidFill>
-                        <a:srgbClr val="000000"/>
-                      </a:solidFill>
-                      <a:prstDash val="solid"/>
-                      <a:round/>
-                      <a:headEnd type="none" w="med" len="med"/>
-                      <a:tailEnd type="none" w="med" len="med"/>
-                    </a:lnL>
-                    <a:lnR w="6350" cap="flat" cmpd="sng" algn="ctr">
-                      <a:solidFill>
-                        <a:srgbClr val="000000"/>
-                      </a:solidFill>
-                      <a:prstDash val="solid"/>
-                      <a:round/>
-                      <a:headEnd type="none" w="med" len="med"/>
-                      <a:tailEnd type="none" w="med" len="med"/>
-                    </a:lnR>
-                    <a:lnT w="6350" cap="flat" cmpd="sng" algn="ctr">
-                      <a:solidFill>
-                        <a:srgbClr val="000000"/>
-                      </a:solidFill>
-                      <a:prstDash val="solid"/>
-                      <a:round/>
-                      <a:headEnd type="none" w="med" len="med"/>
-                      <a:tailEnd type="none" w="med" len="med"/>
-                    </a:lnT>
-                    <a:lnB w="6350" cap="flat" cmpd="sng" algn="ctr">
-                      <a:solidFill>
-                        <a:srgbClr val="000000"/>
-                      </a:solidFill>
-                      <a:prstDash val="solid"/>
-                      <a:round/>
-                      <a:headEnd type="none" w="med" len="med"/>
-                      <a:tailEnd type="none" w="med" len="med"/>
-                    </a:lnB>
-                  </a:tcPr>
-                </a:tc>
-                <a:extLst>
-                  <a:ext uri="{0D108BD9-81ED-4DB2-BD59-A6C34878D82A}">
-                    <a16:rowId xmlns:a16="http://schemas.microsoft.com/office/drawing/2014/main" val="1186164134"/>
-                  </a:ext>
-                </a:extLst>
-              </a:tr>
-              <a:tr h="178728">
-                <a:tc>
-                  <a:txBody>
-                    <a:bodyPr/>
-                    <a:lstStyle/>
-                    <a:p>
-                      <a:pPr algn="l" fontAlgn="b"/>
-                      <a:endParaRPr lang="en-US" sz="900" b="0" i="0" u="none" strike="noStrike" dirty="0">
-                        <a:solidFill>
-                          <a:srgbClr val="000000"/>
-                        </a:solidFill>
-                        <a:effectLst/>
-                        <a:latin typeface="Calibri" panose="020F0502020204030204" pitchFamily="34" charset="0"/>
-                      </a:endParaRPr>
-                    </a:p>
-                  </a:txBody>
-                  <a:tcPr marL="7950" marR="7950" marT="7950" marB="0" anchor="b">
-                    <a:lnL>
-                      <a:noFill/>
-                    </a:lnL>
-                    <a:lnR>
-                      <a:noFill/>
-                    </a:lnR>
-                    <a:lnT w="6350" cap="flat" cmpd="sng" algn="ctr">
-                      <a:solidFill>
-                        <a:srgbClr val="000000"/>
-                      </a:solidFill>
-                      <a:prstDash val="solid"/>
-                      <a:round/>
-                      <a:headEnd type="none" w="med" len="med"/>
-                      <a:tailEnd type="none" w="med" len="med"/>
-                    </a:lnT>
-                    <a:lnB w="6350" cap="flat" cmpd="sng" algn="ctr">
-                      <a:solidFill>
-                        <a:srgbClr val="000000"/>
-                      </a:solidFill>
-                      <a:prstDash val="solid"/>
-                      <a:round/>
-                      <a:headEnd type="none" w="med" len="med"/>
-                      <a:tailEnd type="none" w="med" len="med"/>
-                    </a:lnB>
-                  </a:tcPr>
-                </a:tc>
-                <a:tc>
-                  <a:txBody>
-                    <a:bodyPr/>
-                    <a:lstStyle/>
-                    <a:p>
-                      <a:pPr algn="l" fontAlgn="b"/>
-                      <a:endParaRPr lang="en-US" sz="900" b="0" i="0" u="none" strike="noStrike" dirty="0">
-                        <a:solidFill>
-                          <a:srgbClr val="000000"/>
-                        </a:solidFill>
-                        <a:effectLst/>
-                        <a:latin typeface="Calibri" panose="020F0502020204030204" pitchFamily="34" charset="0"/>
-                      </a:endParaRPr>
-                    </a:p>
-                  </a:txBody>
-                  <a:tcPr marL="7950" marR="7950" marT="7950" marB="0" anchor="b">
-                    <a:lnL>
-                      <a:noFill/>
-                    </a:lnL>
-                    <a:lnR>
-                      <a:noFill/>
-                    </a:lnR>
-                    <a:lnT w="6350" cap="flat" cmpd="sng" algn="ctr">
-                      <a:solidFill>
-                        <a:srgbClr val="000000"/>
-                      </a:solidFill>
-                      <a:prstDash val="solid"/>
-                      <a:round/>
-                      <a:headEnd type="none" w="med" len="med"/>
-                      <a:tailEnd type="none" w="med" len="med"/>
-                    </a:lnT>
-                    <a:lnB w="6350" cap="flat" cmpd="sng" algn="ctr">
-                      <a:solidFill>
-                        <a:srgbClr val="000000"/>
-                      </a:solidFill>
-                      <a:prstDash val="solid"/>
-                      <a:round/>
-                      <a:headEnd type="none" w="med" len="med"/>
-                      <a:tailEnd type="none" w="med" len="med"/>
-                    </a:lnB>
-                  </a:tcPr>
-                </a:tc>
-                <a:extLst>
-                  <a:ext uri="{0D108BD9-81ED-4DB2-BD59-A6C34878D82A}">
-                    <a16:rowId xmlns:a16="http://schemas.microsoft.com/office/drawing/2014/main" val="2453596078"/>
-                  </a:ext>
-                </a:extLst>
-              </a:tr>
-              <a:tr h="178728">
-                <a:tc>
-                  <a:txBody>
-                    <a:bodyPr/>
-                    <a:lstStyle/>
-                    <a:p>
-                      <a:pPr algn="l" fontAlgn="b"/>
-                      <a:r>
-                        <a:rPr lang="en-US" sz="900" b="0" i="0" u="none" strike="noStrike" dirty="0">
-                          <a:solidFill>
-                            <a:srgbClr val="000000"/>
-                          </a:solidFill>
-                          <a:effectLst/>
-                          <a:latin typeface="Calibri" panose="020F0502020204030204" pitchFamily="34" charset="0"/>
-                        </a:rPr>
-                        <a:t>ID Requerimiento</a:t>
-                      </a:r>
-                    </a:p>
-                  </a:txBody>
-                  <a:tcPr marL="7950" marR="7950" marT="7950" marB="0" anchor="b">
-                    <a:lnL w="6350" cap="flat" cmpd="sng" algn="ctr">
-                      <a:solidFill>
-                        <a:srgbClr val="000000"/>
-                      </a:solidFill>
-                      <a:prstDash val="solid"/>
-                      <a:round/>
-                      <a:headEnd type="none" w="med" len="med"/>
-                      <a:tailEnd type="none" w="med" len="med"/>
-                    </a:lnL>
-                    <a:lnR w="6350" cap="flat" cmpd="sng" algn="ctr">
-                      <a:solidFill>
-                        <a:srgbClr val="000000"/>
-                      </a:solidFill>
-                      <a:prstDash val="solid"/>
-                      <a:round/>
-                      <a:headEnd type="none" w="med" len="med"/>
-                      <a:tailEnd type="none" w="med" len="med"/>
-                    </a:lnR>
-                    <a:lnT w="6350" cap="flat" cmpd="sng" algn="ctr">
-                      <a:solidFill>
-                        <a:srgbClr val="000000"/>
-                      </a:solidFill>
-                      <a:prstDash val="solid"/>
-                      <a:round/>
-                      <a:headEnd type="none" w="med" len="med"/>
-                      <a:tailEnd type="none" w="med" len="med"/>
-                    </a:lnT>
-                    <a:lnB w="6350" cap="flat" cmpd="sng" algn="ctr">
-                      <a:solidFill>
-                        <a:srgbClr val="000000"/>
-                      </a:solidFill>
-                      <a:prstDash val="solid"/>
-                      <a:round/>
-                      <a:headEnd type="none" w="med" len="med"/>
-                      <a:tailEnd type="none" w="med" len="med"/>
-                    </a:lnB>
-                    <a:solidFill>
-                      <a:srgbClr val="9BC2E6"/>
-                    </a:solidFill>
-                  </a:tcPr>
-                </a:tc>
-                <a:tc>
-                  <a:txBody>
-                    <a:bodyPr/>
-                    <a:lstStyle/>
-                    <a:p>
-                      <a:pPr algn="l" fontAlgn="b"/>
-                      <a:r>
-                        <a:rPr lang="en-US" sz="900" b="0" i="0" u="none" strike="noStrike" dirty="0">
-                          <a:solidFill>
-                            <a:srgbClr val="000000"/>
-                          </a:solidFill>
-                          <a:effectLst/>
-                          <a:latin typeface="Calibri" panose="020F0502020204030204" pitchFamily="34" charset="0"/>
-                        </a:rPr>
-                        <a:t>AM_RF_03</a:t>
-                      </a:r>
-                    </a:p>
-                  </a:txBody>
-                  <a:tcPr marL="7950" marR="7950" marT="7950" marB="0" anchor="b">
-                    <a:lnL w="6350" cap="flat" cmpd="sng" algn="ctr">
-                      <a:solidFill>
-                        <a:srgbClr val="000000"/>
-                      </a:solidFill>
-                      <a:prstDash val="solid"/>
-                      <a:round/>
-                      <a:headEnd type="none" w="med" len="med"/>
-                      <a:tailEnd type="none" w="med" len="med"/>
-                    </a:lnL>
-                    <a:lnR w="6350" cap="flat" cmpd="sng" algn="ctr">
-                      <a:solidFill>
-                        <a:srgbClr val="000000"/>
-                      </a:solidFill>
-                      <a:prstDash val="solid"/>
-                      <a:round/>
-                      <a:headEnd type="none" w="med" len="med"/>
-                      <a:tailEnd type="none" w="med" len="med"/>
-                    </a:lnR>
-                    <a:lnT w="6350" cap="flat" cmpd="sng" algn="ctr">
-                      <a:solidFill>
-                        <a:srgbClr val="000000"/>
-                      </a:solidFill>
-                      <a:prstDash val="solid"/>
-                      <a:round/>
-                      <a:headEnd type="none" w="med" len="med"/>
-                      <a:tailEnd type="none" w="med" len="med"/>
-                    </a:lnT>
-                    <a:lnB w="6350" cap="flat" cmpd="sng" algn="ctr">
-                      <a:solidFill>
-                        <a:srgbClr val="000000"/>
-                      </a:solidFill>
-                      <a:prstDash val="solid"/>
-                      <a:round/>
-                      <a:headEnd type="none" w="med" len="med"/>
-                      <a:tailEnd type="none" w="med" len="med"/>
-                    </a:lnB>
-                    <a:solidFill>
-                      <a:srgbClr val="9BC2E6"/>
-                    </a:solidFill>
-                  </a:tcPr>
-                </a:tc>
-                <a:extLst>
-                  <a:ext uri="{0D108BD9-81ED-4DB2-BD59-A6C34878D82A}">
-                    <a16:rowId xmlns:a16="http://schemas.microsoft.com/office/drawing/2014/main" val="1531970397"/>
-                  </a:ext>
-                </a:extLst>
-              </a:tr>
-              <a:tr h="178728">
-                <a:tc>
-                  <a:txBody>
-                    <a:bodyPr/>
-                    <a:lstStyle/>
-                    <a:p>
-                      <a:pPr algn="l" fontAlgn="b"/>
-                      <a:r>
-                        <a:rPr lang="en-US" sz="900" b="0" i="0" u="none" strike="noStrike" dirty="0">
-                          <a:solidFill>
-                            <a:srgbClr val="000000"/>
-                          </a:solidFill>
-                          <a:effectLst/>
-                          <a:latin typeface="Calibri" panose="020F0502020204030204" pitchFamily="34" charset="0"/>
-                        </a:rPr>
-                        <a:t>Nombre del Requerimiento</a:t>
-                      </a:r>
-                    </a:p>
-                  </a:txBody>
-                  <a:tcPr marL="7950" marR="7950" marT="7950" marB="0" anchor="b">
-                    <a:lnL w="6350" cap="flat" cmpd="sng" algn="ctr">
-                      <a:solidFill>
-                        <a:srgbClr val="000000"/>
-                      </a:solidFill>
-                      <a:prstDash val="solid"/>
-                      <a:round/>
-                      <a:headEnd type="none" w="med" len="med"/>
-                      <a:tailEnd type="none" w="med" len="med"/>
-                    </a:lnL>
-                    <a:lnR w="6350" cap="flat" cmpd="sng" algn="ctr">
-                      <a:solidFill>
-                        <a:srgbClr val="000000"/>
-                      </a:solidFill>
-                      <a:prstDash val="solid"/>
-                      <a:round/>
-                      <a:headEnd type="none" w="med" len="med"/>
-                      <a:tailEnd type="none" w="med" len="med"/>
-                    </a:lnR>
-                    <a:lnT w="6350" cap="flat" cmpd="sng" algn="ctr">
-                      <a:solidFill>
-                        <a:srgbClr val="000000"/>
-                      </a:solidFill>
-                      <a:prstDash val="solid"/>
-                      <a:round/>
-                      <a:headEnd type="none" w="med" len="med"/>
-                      <a:tailEnd type="none" w="med" len="med"/>
-                    </a:lnT>
-                    <a:lnB w="6350" cap="flat" cmpd="sng" algn="ctr">
-                      <a:solidFill>
-                        <a:srgbClr val="000000"/>
-                      </a:solidFill>
-                      <a:prstDash val="solid"/>
-                      <a:round/>
-                      <a:headEnd type="none" w="med" len="med"/>
-                      <a:tailEnd type="none" w="med" len="med"/>
-                    </a:lnB>
-                  </a:tcPr>
-                </a:tc>
-                <a:tc>
-                  <a:txBody>
-                    <a:bodyPr/>
-                    <a:lstStyle/>
-                    <a:p>
-                      <a:pPr algn="l" fontAlgn="b"/>
-                      <a:r>
-                        <a:rPr lang="en-US" sz="900" b="0" i="0" u="none" strike="noStrike" dirty="0">
-                          <a:solidFill>
-                            <a:srgbClr val="000000"/>
-                          </a:solidFill>
-                          <a:effectLst/>
-                          <a:latin typeface="Calibri" panose="020F0502020204030204" pitchFamily="34" charset="0"/>
-                        </a:rPr>
-                        <a:t>Recuperación de clave</a:t>
-                      </a:r>
-                    </a:p>
-                  </a:txBody>
-                  <a:tcPr marL="7950" marR="7950" marT="7950" marB="0" anchor="b">
-                    <a:lnL w="6350" cap="flat" cmpd="sng" algn="ctr">
-                      <a:solidFill>
-                        <a:srgbClr val="000000"/>
-                      </a:solidFill>
-                      <a:prstDash val="solid"/>
-                      <a:round/>
-                      <a:headEnd type="none" w="med" len="med"/>
-                      <a:tailEnd type="none" w="med" len="med"/>
-                    </a:lnL>
-                    <a:lnR w="6350" cap="flat" cmpd="sng" algn="ctr">
-                      <a:solidFill>
-                        <a:srgbClr val="000000"/>
-                      </a:solidFill>
-                      <a:prstDash val="solid"/>
-                      <a:round/>
-                      <a:headEnd type="none" w="med" len="med"/>
-                      <a:tailEnd type="none" w="med" len="med"/>
-                    </a:lnR>
-                    <a:lnT w="6350" cap="flat" cmpd="sng" algn="ctr">
-                      <a:solidFill>
-                        <a:srgbClr val="000000"/>
-                      </a:solidFill>
-                      <a:prstDash val="solid"/>
-                      <a:round/>
-                      <a:headEnd type="none" w="med" len="med"/>
-                      <a:tailEnd type="none" w="med" len="med"/>
-                    </a:lnT>
-                    <a:lnB w="6350" cap="flat" cmpd="sng" algn="ctr">
-                      <a:solidFill>
-                        <a:srgbClr val="000000"/>
-                      </a:solidFill>
-                      <a:prstDash val="solid"/>
-                      <a:round/>
-                      <a:headEnd type="none" w="med" len="med"/>
-                      <a:tailEnd type="none" w="med" len="med"/>
-                    </a:lnB>
-                  </a:tcPr>
-                </a:tc>
-                <a:extLst>
-                  <a:ext uri="{0D108BD9-81ED-4DB2-BD59-A6C34878D82A}">
-                    <a16:rowId xmlns:a16="http://schemas.microsoft.com/office/drawing/2014/main" val="2798976885"/>
-                  </a:ext>
-                </a:extLst>
-              </a:tr>
-              <a:tr h="357456">
-                <a:tc>
-                  <a:txBody>
-                    <a:bodyPr/>
-                    <a:lstStyle/>
-                    <a:p>
-                      <a:pPr algn="l" fontAlgn="b"/>
-                      <a:r>
-                        <a:rPr lang="en-US" sz="900" b="0" i="0" u="none" strike="noStrike" dirty="0">
-                          <a:solidFill>
-                            <a:srgbClr val="000000"/>
-                          </a:solidFill>
-                          <a:effectLst/>
-                          <a:latin typeface="Calibri" panose="020F0502020204030204" pitchFamily="34" charset="0"/>
-                        </a:rPr>
-                        <a:t>Requerimiento</a:t>
-                      </a:r>
-                    </a:p>
-                  </a:txBody>
-                  <a:tcPr marL="7950" marR="7950" marT="7950" marB="0" anchor="b">
-                    <a:lnL w="6350" cap="flat" cmpd="sng" algn="ctr">
-                      <a:solidFill>
-                        <a:srgbClr val="000000"/>
-                      </a:solidFill>
-                      <a:prstDash val="solid"/>
-                      <a:round/>
-                      <a:headEnd type="none" w="med" len="med"/>
-                      <a:tailEnd type="none" w="med" len="med"/>
-                    </a:lnL>
-                    <a:lnR w="6350" cap="flat" cmpd="sng" algn="ctr">
-                      <a:solidFill>
-                        <a:srgbClr val="000000"/>
-                      </a:solidFill>
-                      <a:prstDash val="solid"/>
-                      <a:round/>
-                      <a:headEnd type="none" w="med" len="med"/>
-                      <a:tailEnd type="none" w="med" len="med"/>
-                    </a:lnR>
-                    <a:lnT w="6350" cap="flat" cmpd="sng" algn="ctr">
-                      <a:solidFill>
-                        <a:srgbClr val="000000"/>
-                      </a:solidFill>
-                      <a:prstDash val="solid"/>
-                      <a:round/>
-                      <a:headEnd type="none" w="med" len="med"/>
-                      <a:tailEnd type="none" w="med" len="med"/>
-                    </a:lnT>
-                    <a:lnB w="6350" cap="flat" cmpd="sng" algn="ctr">
-                      <a:solidFill>
-                        <a:srgbClr val="000000"/>
-                      </a:solidFill>
-                      <a:prstDash val="solid"/>
-                      <a:round/>
-                      <a:headEnd type="none" w="med" len="med"/>
-                      <a:tailEnd type="none" w="med" len="med"/>
-                    </a:lnB>
-                  </a:tcPr>
-                </a:tc>
-                <a:tc>
-                  <a:txBody>
-                    <a:bodyPr/>
-                    <a:lstStyle/>
-                    <a:p>
-                      <a:pPr algn="l" fontAlgn="b"/>
-                      <a:r>
-                        <a:rPr lang="es-MX" sz="900" b="0" i="0" u="none" strike="noStrike" dirty="0">
-                          <a:solidFill>
-                            <a:srgbClr val="000000"/>
-                          </a:solidFill>
-                          <a:effectLst/>
-                          <a:latin typeface="Calibri" panose="020F0502020204030204" pitchFamily="34" charset="0"/>
-                        </a:rPr>
-                        <a:t>El sistema deberá permitir la recuperación de la clave a través de un mensaje enviado a la cuenta del correo electrónico del usuario, donde se le proporcionara un Link que lo redireccionará al apartado de cambio de clave.</a:t>
-                      </a:r>
-                    </a:p>
-                  </a:txBody>
-                  <a:tcPr marL="7950" marR="7950" marT="7950" marB="0" anchor="b">
-                    <a:lnL w="6350" cap="flat" cmpd="sng" algn="ctr">
-                      <a:solidFill>
-                        <a:srgbClr val="000000"/>
-                      </a:solidFill>
-                      <a:prstDash val="solid"/>
-                      <a:round/>
-                      <a:headEnd type="none" w="med" len="med"/>
-                      <a:tailEnd type="none" w="med" len="med"/>
-                    </a:lnL>
-                    <a:lnR w="6350" cap="flat" cmpd="sng" algn="ctr">
-                      <a:solidFill>
-                        <a:srgbClr val="000000"/>
-                      </a:solidFill>
-                      <a:prstDash val="solid"/>
-                      <a:round/>
-                      <a:headEnd type="none" w="med" len="med"/>
-                      <a:tailEnd type="none" w="med" len="med"/>
-                    </a:lnR>
-                    <a:lnT w="6350" cap="flat" cmpd="sng" algn="ctr">
-                      <a:solidFill>
-                        <a:srgbClr val="000000"/>
-                      </a:solidFill>
-                      <a:prstDash val="solid"/>
-                      <a:round/>
-                      <a:headEnd type="none" w="med" len="med"/>
-                      <a:tailEnd type="none" w="med" len="med"/>
-                    </a:lnT>
-                    <a:lnB w="6350" cap="flat" cmpd="sng" algn="ctr">
-                      <a:solidFill>
-                        <a:srgbClr val="000000"/>
-                      </a:solidFill>
-                      <a:prstDash val="solid"/>
-                      <a:round/>
-                      <a:headEnd type="none" w="med" len="med"/>
-                      <a:tailEnd type="none" w="med" len="med"/>
-                    </a:lnB>
-                  </a:tcPr>
-                </a:tc>
-                <a:extLst>
-                  <a:ext uri="{0D108BD9-81ED-4DB2-BD59-A6C34878D82A}">
-                    <a16:rowId xmlns:a16="http://schemas.microsoft.com/office/drawing/2014/main" val="3542065118"/>
-                  </a:ext>
-                </a:extLst>
-              </a:tr>
-              <a:tr h="178728">
-                <a:tc>
-                  <a:txBody>
-                    <a:bodyPr/>
-                    <a:lstStyle/>
-                    <a:p>
-                      <a:pPr algn="l" fontAlgn="b"/>
-                      <a:r>
-                        <a:rPr lang="en-US" sz="900" b="0" i="0" u="none" strike="noStrike" dirty="0">
-                          <a:solidFill>
-                            <a:srgbClr val="000000"/>
-                          </a:solidFill>
-                          <a:effectLst/>
-                          <a:latin typeface="Calibri" panose="020F0502020204030204" pitchFamily="34" charset="0"/>
-                        </a:rPr>
-                        <a:t>Prioridad del Requerimiento</a:t>
-                      </a:r>
-                    </a:p>
-                  </a:txBody>
-                  <a:tcPr marL="7950" marR="7950" marT="7950" marB="0" anchor="b">
-                    <a:lnL w="6350" cap="flat" cmpd="sng" algn="ctr">
-                      <a:solidFill>
-                        <a:srgbClr val="000000"/>
-                      </a:solidFill>
-                      <a:prstDash val="solid"/>
-                      <a:round/>
-                      <a:headEnd type="none" w="med" len="med"/>
-                      <a:tailEnd type="none" w="med" len="med"/>
-                    </a:lnL>
-                    <a:lnR w="6350" cap="flat" cmpd="sng" algn="ctr">
-                      <a:solidFill>
-                        <a:srgbClr val="000000"/>
-                      </a:solidFill>
-                      <a:prstDash val="solid"/>
-                      <a:round/>
-                      <a:headEnd type="none" w="med" len="med"/>
-                      <a:tailEnd type="none" w="med" len="med"/>
-                    </a:lnR>
-                    <a:lnT w="6350" cap="flat" cmpd="sng" algn="ctr">
-                      <a:solidFill>
-                        <a:srgbClr val="000000"/>
-                      </a:solidFill>
-                      <a:prstDash val="solid"/>
-                      <a:round/>
-                      <a:headEnd type="none" w="med" len="med"/>
-                      <a:tailEnd type="none" w="med" len="med"/>
-                    </a:lnT>
-                    <a:lnB w="6350" cap="flat" cmpd="sng" algn="ctr">
-                      <a:solidFill>
-                        <a:srgbClr val="000000"/>
-                      </a:solidFill>
-                      <a:prstDash val="solid"/>
-                      <a:round/>
-                      <a:headEnd type="none" w="med" len="med"/>
-                      <a:tailEnd type="none" w="med" len="med"/>
-                    </a:lnB>
-                  </a:tcPr>
-                </a:tc>
-                <a:tc>
-                  <a:txBody>
-                    <a:bodyPr/>
-                    <a:lstStyle/>
-                    <a:p>
-                      <a:pPr algn="l" fontAlgn="b"/>
-                      <a:r>
-                        <a:rPr lang="en-US" sz="900" b="0" i="0" u="none" strike="noStrike" dirty="0">
-                          <a:solidFill>
-                            <a:srgbClr val="000000"/>
-                          </a:solidFill>
-                          <a:effectLst/>
-                          <a:latin typeface="Calibri" panose="020F0502020204030204" pitchFamily="34" charset="0"/>
-                        </a:rPr>
-                        <a:t>Alta</a:t>
-                      </a:r>
-                    </a:p>
-                  </a:txBody>
-                  <a:tcPr marL="7950" marR="7950" marT="7950" marB="0" anchor="b">
-                    <a:lnL w="6350" cap="flat" cmpd="sng" algn="ctr">
-                      <a:solidFill>
-                        <a:srgbClr val="000000"/>
-                      </a:solidFill>
-                      <a:prstDash val="solid"/>
-                      <a:round/>
-                      <a:headEnd type="none" w="med" len="med"/>
-                      <a:tailEnd type="none" w="med" len="med"/>
-                    </a:lnL>
-                    <a:lnR w="6350" cap="flat" cmpd="sng" algn="ctr">
-                      <a:solidFill>
-                        <a:srgbClr val="000000"/>
-                      </a:solidFill>
-                      <a:prstDash val="solid"/>
-                      <a:round/>
-                      <a:headEnd type="none" w="med" len="med"/>
-                      <a:tailEnd type="none" w="med" len="med"/>
-                    </a:lnR>
-                    <a:lnT w="6350" cap="flat" cmpd="sng" algn="ctr">
-                      <a:solidFill>
-                        <a:srgbClr val="000000"/>
-                      </a:solidFill>
-                      <a:prstDash val="solid"/>
-                      <a:round/>
-                      <a:headEnd type="none" w="med" len="med"/>
-                      <a:tailEnd type="none" w="med" len="med"/>
-                    </a:lnT>
-                    <a:lnB w="6350" cap="flat" cmpd="sng" algn="ctr">
-                      <a:solidFill>
-                        <a:srgbClr val="000000"/>
-                      </a:solidFill>
-                      <a:prstDash val="solid"/>
-                      <a:round/>
-                      <a:headEnd type="none" w="med" len="med"/>
-                      <a:tailEnd type="none" w="med" len="med"/>
-                    </a:lnB>
-                  </a:tcPr>
-                </a:tc>
-                <a:extLst>
-                  <a:ext uri="{0D108BD9-81ED-4DB2-BD59-A6C34878D82A}">
-                    <a16:rowId xmlns:a16="http://schemas.microsoft.com/office/drawing/2014/main" val="209884072"/>
-                  </a:ext>
-                </a:extLst>
-              </a:tr>
-              <a:tr h="178728">
-                <a:tc>
-                  <a:txBody>
-                    <a:bodyPr/>
-                    <a:lstStyle/>
-                    <a:p>
-                      <a:pPr algn="l" fontAlgn="b"/>
-                      <a:endParaRPr lang="en-US" sz="900" b="0" i="0" u="none" strike="noStrike" dirty="0">
-                        <a:solidFill>
-                          <a:srgbClr val="000000"/>
-                        </a:solidFill>
-                        <a:effectLst/>
-                        <a:latin typeface="Calibri" panose="020F0502020204030204" pitchFamily="34" charset="0"/>
-                      </a:endParaRPr>
-                    </a:p>
-                  </a:txBody>
-                  <a:tcPr marL="7950" marR="7950" marT="7950" marB="0" anchor="b">
-                    <a:lnL>
-                      <a:noFill/>
-                    </a:lnL>
-                    <a:lnR>
-                      <a:noFill/>
-                    </a:lnR>
-                    <a:lnT w="6350" cap="flat" cmpd="sng" algn="ctr">
-                      <a:solidFill>
-                        <a:srgbClr val="000000"/>
-                      </a:solidFill>
-                      <a:prstDash val="solid"/>
-                      <a:round/>
-                      <a:headEnd type="none" w="med" len="med"/>
-                      <a:tailEnd type="none" w="med" len="med"/>
-                    </a:lnT>
-                    <a:lnB w="6350" cap="flat" cmpd="sng" algn="ctr">
-                      <a:solidFill>
-                        <a:srgbClr val="000000"/>
-                      </a:solidFill>
-                      <a:prstDash val="solid"/>
-                      <a:round/>
-                      <a:headEnd type="none" w="med" len="med"/>
-                      <a:tailEnd type="none" w="med" len="med"/>
-                    </a:lnB>
-                  </a:tcPr>
-                </a:tc>
-                <a:tc>
-                  <a:txBody>
-                    <a:bodyPr/>
-                    <a:lstStyle/>
-                    <a:p>
-                      <a:pPr algn="l" fontAlgn="b"/>
-                      <a:endParaRPr lang="en-US" sz="900" b="0" i="0" u="none" strike="noStrike" dirty="0">
-                        <a:solidFill>
-                          <a:srgbClr val="000000"/>
-                        </a:solidFill>
-                        <a:effectLst/>
-                        <a:latin typeface="Calibri" panose="020F0502020204030204" pitchFamily="34" charset="0"/>
-                      </a:endParaRPr>
-                    </a:p>
-                  </a:txBody>
-                  <a:tcPr marL="7950" marR="7950" marT="7950" marB="0" anchor="b">
-                    <a:lnL>
-                      <a:noFill/>
-                    </a:lnL>
-                    <a:lnR>
-                      <a:noFill/>
-                    </a:lnR>
-                    <a:lnT w="6350" cap="flat" cmpd="sng" algn="ctr">
-                      <a:solidFill>
-                        <a:srgbClr val="000000"/>
-                      </a:solidFill>
-                      <a:prstDash val="solid"/>
-                      <a:round/>
-                      <a:headEnd type="none" w="med" len="med"/>
-                      <a:tailEnd type="none" w="med" len="med"/>
-                    </a:lnT>
-                    <a:lnB w="6350" cap="flat" cmpd="sng" algn="ctr">
-                      <a:solidFill>
-                        <a:srgbClr val="000000"/>
-                      </a:solidFill>
-                      <a:prstDash val="solid"/>
-                      <a:round/>
-                      <a:headEnd type="none" w="med" len="med"/>
-                      <a:tailEnd type="none" w="med" len="med"/>
-                    </a:lnB>
-                  </a:tcPr>
-                </a:tc>
-                <a:extLst>
-                  <a:ext uri="{0D108BD9-81ED-4DB2-BD59-A6C34878D82A}">
-                    <a16:rowId xmlns:a16="http://schemas.microsoft.com/office/drawing/2014/main" val="1747628299"/>
-                  </a:ext>
-                </a:extLst>
-              </a:tr>
-              <a:tr h="178728">
-                <a:tc>
-                  <a:txBody>
-                    <a:bodyPr/>
-                    <a:lstStyle/>
-                    <a:p>
-                      <a:pPr algn="l" fontAlgn="b"/>
-                      <a:r>
-                        <a:rPr lang="en-US" sz="900" b="0" i="0" u="none" strike="noStrike" dirty="0">
-                          <a:solidFill>
-                            <a:srgbClr val="000000"/>
-                          </a:solidFill>
-                          <a:effectLst/>
-                          <a:latin typeface="Calibri" panose="020F0502020204030204" pitchFamily="34" charset="0"/>
-                        </a:rPr>
-                        <a:t>ID Requerimiento</a:t>
-                      </a:r>
-                    </a:p>
-                  </a:txBody>
-                  <a:tcPr marL="7950" marR="7950" marT="7950" marB="0" anchor="b">
-                    <a:lnL w="6350" cap="flat" cmpd="sng" algn="ctr">
-                      <a:solidFill>
-                        <a:srgbClr val="000000"/>
-                      </a:solidFill>
-                      <a:prstDash val="solid"/>
-                      <a:round/>
-                      <a:headEnd type="none" w="med" len="med"/>
-                      <a:tailEnd type="none" w="med" len="med"/>
-                    </a:lnL>
-                    <a:lnR w="6350" cap="flat" cmpd="sng" algn="ctr">
-                      <a:solidFill>
-                        <a:srgbClr val="000000"/>
-                      </a:solidFill>
-                      <a:prstDash val="solid"/>
-                      <a:round/>
-                      <a:headEnd type="none" w="med" len="med"/>
-                      <a:tailEnd type="none" w="med" len="med"/>
-                    </a:lnR>
-                    <a:lnT w="6350" cap="flat" cmpd="sng" algn="ctr">
-                      <a:solidFill>
-                        <a:srgbClr val="000000"/>
-                      </a:solidFill>
-                      <a:prstDash val="solid"/>
-                      <a:round/>
-                      <a:headEnd type="none" w="med" len="med"/>
-                      <a:tailEnd type="none" w="med" len="med"/>
-                    </a:lnT>
-                    <a:lnB w="6350" cap="flat" cmpd="sng" algn="ctr">
-                      <a:solidFill>
-                        <a:srgbClr val="000000"/>
-                      </a:solidFill>
-                      <a:prstDash val="solid"/>
-                      <a:round/>
-                      <a:headEnd type="none" w="med" len="med"/>
-                      <a:tailEnd type="none" w="med" len="med"/>
-                    </a:lnB>
-                    <a:solidFill>
-                      <a:srgbClr val="9BC2E6"/>
-                    </a:solidFill>
-                  </a:tcPr>
-                </a:tc>
-                <a:tc>
-                  <a:txBody>
-                    <a:bodyPr/>
-                    <a:lstStyle/>
-                    <a:p>
-                      <a:pPr algn="l" fontAlgn="b"/>
-                      <a:r>
-                        <a:rPr lang="en-US" sz="900" b="0" i="0" u="none" strike="noStrike" dirty="0">
-                          <a:solidFill>
-                            <a:srgbClr val="000000"/>
-                          </a:solidFill>
-                          <a:effectLst/>
-                          <a:latin typeface="Calibri" panose="020F0502020204030204" pitchFamily="34" charset="0"/>
-                        </a:rPr>
-                        <a:t>AM_RF_04</a:t>
-                      </a:r>
-                    </a:p>
-                  </a:txBody>
-                  <a:tcPr marL="7950" marR="7950" marT="7950" marB="0" anchor="b">
-                    <a:lnL w="6350" cap="flat" cmpd="sng" algn="ctr">
-                      <a:solidFill>
-                        <a:srgbClr val="000000"/>
-                      </a:solidFill>
-                      <a:prstDash val="solid"/>
-                      <a:round/>
-                      <a:headEnd type="none" w="med" len="med"/>
-                      <a:tailEnd type="none" w="med" len="med"/>
-                    </a:lnL>
-                    <a:lnR w="6350" cap="flat" cmpd="sng" algn="ctr">
-                      <a:solidFill>
-                        <a:srgbClr val="000000"/>
-                      </a:solidFill>
-                      <a:prstDash val="solid"/>
-                      <a:round/>
-                      <a:headEnd type="none" w="med" len="med"/>
-                      <a:tailEnd type="none" w="med" len="med"/>
-                    </a:lnR>
-                    <a:lnT w="6350" cap="flat" cmpd="sng" algn="ctr">
-                      <a:solidFill>
-                        <a:srgbClr val="000000"/>
-                      </a:solidFill>
-                      <a:prstDash val="solid"/>
-                      <a:round/>
-                      <a:headEnd type="none" w="med" len="med"/>
-                      <a:tailEnd type="none" w="med" len="med"/>
-                    </a:lnT>
-                    <a:lnB w="6350" cap="flat" cmpd="sng" algn="ctr">
-                      <a:solidFill>
-                        <a:srgbClr val="000000"/>
-                      </a:solidFill>
-                      <a:prstDash val="solid"/>
-                      <a:round/>
-                      <a:headEnd type="none" w="med" len="med"/>
-                      <a:tailEnd type="none" w="med" len="med"/>
-                    </a:lnB>
-                    <a:solidFill>
-                      <a:srgbClr val="9BC2E6"/>
-                    </a:solidFill>
-                  </a:tcPr>
-                </a:tc>
-                <a:extLst>
-                  <a:ext uri="{0D108BD9-81ED-4DB2-BD59-A6C34878D82A}">
-                    <a16:rowId xmlns:a16="http://schemas.microsoft.com/office/drawing/2014/main" val="4205304027"/>
-                  </a:ext>
-                </a:extLst>
-              </a:tr>
-              <a:tr h="178728">
-                <a:tc>
-                  <a:txBody>
-                    <a:bodyPr/>
-                    <a:lstStyle/>
-                    <a:p>
-                      <a:pPr algn="l" fontAlgn="b"/>
-                      <a:r>
-                        <a:rPr lang="en-US" sz="900" b="0" i="0" u="none" strike="noStrike" dirty="0">
-                          <a:solidFill>
-                            <a:srgbClr val="000000"/>
-                          </a:solidFill>
-                          <a:effectLst/>
-                          <a:latin typeface="Calibri" panose="020F0502020204030204" pitchFamily="34" charset="0"/>
-                        </a:rPr>
-                        <a:t>Nombre del Requerimiento</a:t>
-                      </a:r>
-                    </a:p>
-                  </a:txBody>
-                  <a:tcPr marL="7950" marR="7950" marT="7950" marB="0" anchor="b">
-                    <a:lnL w="6350" cap="flat" cmpd="sng" algn="ctr">
-                      <a:solidFill>
-                        <a:srgbClr val="000000"/>
-                      </a:solidFill>
-                      <a:prstDash val="solid"/>
-                      <a:round/>
-                      <a:headEnd type="none" w="med" len="med"/>
-                      <a:tailEnd type="none" w="med" len="med"/>
-                    </a:lnL>
-                    <a:lnR w="6350" cap="flat" cmpd="sng" algn="ctr">
-                      <a:solidFill>
-                        <a:srgbClr val="000000"/>
-                      </a:solidFill>
-                      <a:prstDash val="solid"/>
-                      <a:round/>
-                      <a:headEnd type="none" w="med" len="med"/>
-                      <a:tailEnd type="none" w="med" len="med"/>
-                    </a:lnR>
-                    <a:lnT w="6350" cap="flat" cmpd="sng" algn="ctr">
-                      <a:solidFill>
-                        <a:srgbClr val="000000"/>
-                      </a:solidFill>
-                      <a:prstDash val="solid"/>
-                      <a:round/>
-                      <a:headEnd type="none" w="med" len="med"/>
-                      <a:tailEnd type="none" w="med" len="med"/>
-                    </a:lnT>
-                    <a:lnB w="6350" cap="flat" cmpd="sng" algn="ctr">
-                      <a:solidFill>
-                        <a:srgbClr val="000000"/>
-                      </a:solidFill>
-                      <a:prstDash val="solid"/>
-                      <a:round/>
-                      <a:headEnd type="none" w="med" len="med"/>
-                      <a:tailEnd type="none" w="med" len="med"/>
-                    </a:lnB>
-                  </a:tcPr>
-                </a:tc>
-                <a:tc>
-                  <a:txBody>
-                    <a:bodyPr/>
-                    <a:lstStyle/>
-                    <a:p>
-                      <a:pPr algn="l" fontAlgn="b"/>
-                      <a:r>
-                        <a:rPr lang="es-MX" sz="900" b="0" i="0" u="none" strike="noStrike" dirty="0">
-                          <a:solidFill>
-                            <a:srgbClr val="000000"/>
-                          </a:solidFill>
-                          <a:effectLst/>
-                          <a:latin typeface="Calibri" panose="020F0502020204030204" pitchFamily="34" charset="0"/>
-                        </a:rPr>
-                        <a:t>Modificacion del Certificado laboral por parte del usuario</a:t>
-                      </a:r>
-                    </a:p>
-                  </a:txBody>
-                  <a:tcPr marL="7950" marR="7950" marT="7950" marB="0" anchor="b">
-                    <a:lnL w="6350" cap="flat" cmpd="sng" algn="ctr">
-                      <a:solidFill>
-                        <a:srgbClr val="000000"/>
-                      </a:solidFill>
-                      <a:prstDash val="solid"/>
-                      <a:round/>
-                      <a:headEnd type="none" w="med" len="med"/>
-                      <a:tailEnd type="none" w="med" len="med"/>
-                    </a:lnL>
-                    <a:lnR w="6350" cap="flat" cmpd="sng" algn="ctr">
-                      <a:solidFill>
-                        <a:srgbClr val="000000"/>
-                      </a:solidFill>
-                      <a:prstDash val="solid"/>
-                      <a:round/>
-                      <a:headEnd type="none" w="med" len="med"/>
-                      <a:tailEnd type="none" w="med" len="med"/>
-                    </a:lnR>
-                    <a:lnT w="6350" cap="flat" cmpd="sng" algn="ctr">
-                      <a:solidFill>
-                        <a:srgbClr val="000000"/>
-                      </a:solidFill>
-                      <a:prstDash val="solid"/>
-                      <a:round/>
-                      <a:headEnd type="none" w="med" len="med"/>
-                      <a:tailEnd type="none" w="med" len="med"/>
-                    </a:lnT>
-                    <a:lnB w="6350" cap="flat" cmpd="sng" algn="ctr">
-                      <a:solidFill>
-                        <a:srgbClr val="000000"/>
-                      </a:solidFill>
-                      <a:prstDash val="solid"/>
-                      <a:round/>
-                      <a:headEnd type="none" w="med" len="med"/>
-                      <a:tailEnd type="none" w="med" len="med"/>
-                    </a:lnB>
-                  </a:tcPr>
-                </a:tc>
-                <a:extLst>
-                  <a:ext uri="{0D108BD9-81ED-4DB2-BD59-A6C34878D82A}">
-                    <a16:rowId xmlns:a16="http://schemas.microsoft.com/office/drawing/2014/main" val="2624570313"/>
-                  </a:ext>
-                </a:extLst>
-              </a:tr>
-              <a:tr h="323498">
-                <a:tc>
-                  <a:txBody>
-                    <a:bodyPr/>
-                    <a:lstStyle/>
-                    <a:p>
-                      <a:pPr algn="l" fontAlgn="b"/>
-                      <a:r>
-                        <a:rPr lang="en-US" sz="900" b="0" i="0" u="none" strike="noStrike" dirty="0">
-                          <a:solidFill>
-                            <a:srgbClr val="000000"/>
-                          </a:solidFill>
-                          <a:effectLst/>
-                          <a:latin typeface="Calibri" panose="020F0502020204030204" pitchFamily="34" charset="0"/>
-                        </a:rPr>
-                        <a:t>Requerimiento</a:t>
-                      </a:r>
-                    </a:p>
-                  </a:txBody>
-                  <a:tcPr marL="7950" marR="7950" marT="7950" marB="0" anchor="b">
-                    <a:lnL w="6350" cap="flat" cmpd="sng" algn="ctr">
-                      <a:solidFill>
-                        <a:srgbClr val="000000"/>
-                      </a:solidFill>
-                      <a:prstDash val="solid"/>
-                      <a:round/>
-                      <a:headEnd type="none" w="med" len="med"/>
-                      <a:tailEnd type="none" w="med" len="med"/>
-                    </a:lnL>
-                    <a:lnR w="6350" cap="flat" cmpd="sng" algn="ctr">
-                      <a:solidFill>
-                        <a:srgbClr val="000000"/>
-                      </a:solidFill>
-                      <a:prstDash val="solid"/>
-                      <a:round/>
-                      <a:headEnd type="none" w="med" len="med"/>
-                      <a:tailEnd type="none" w="med" len="med"/>
-                    </a:lnR>
-                    <a:lnT w="6350" cap="flat" cmpd="sng" algn="ctr">
-                      <a:solidFill>
-                        <a:srgbClr val="000000"/>
-                      </a:solidFill>
-                      <a:prstDash val="solid"/>
-                      <a:round/>
-                      <a:headEnd type="none" w="med" len="med"/>
-                      <a:tailEnd type="none" w="med" len="med"/>
-                    </a:lnT>
-                    <a:lnB w="6350" cap="flat" cmpd="sng" algn="ctr">
-                      <a:solidFill>
-                        <a:srgbClr val="000000"/>
-                      </a:solidFill>
-                      <a:prstDash val="solid"/>
-                      <a:round/>
-                      <a:headEnd type="none" w="med" len="med"/>
-                      <a:tailEnd type="none" w="med" len="med"/>
-                    </a:lnB>
-                  </a:tcPr>
-                </a:tc>
-                <a:tc>
-                  <a:txBody>
-                    <a:bodyPr/>
-                    <a:lstStyle/>
-                    <a:p>
-                      <a:pPr algn="l" fontAlgn="b"/>
-                      <a:r>
-                        <a:rPr lang="es-MX" sz="900" b="0" i="0" u="none" strike="noStrike" dirty="0">
-                          <a:solidFill>
-                            <a:srgbClr val="000000"/>
-                          </a:solidFill>
-                          <a:effectLst/>
-                          <a:latin typeface="Calibri" panose="020F0502020204030204" pitchFamily="34" charset="0"/>
-                        </a:rPr>
-                        <a:t>El sistema deberá permitir al usuario la modificación de los siguientes datos del certificado laboral: Nombre, Apellidos y Documento de Identidad</a:t>
-                      </a:r>
-                    </a:p>
-                  </a:txBody>
-                  <a:tcPr marL="7950" marR="7950" marT="7950" marB="0" anchor="b">
-                    <a:lnL w="6350" cap="flat" cmpd="sng" algn="ctr">
-                      <a:solidFill>
-                        <a:srgbClr val="000000"/>
-                      </a:solidFill>
-                      <a:prstDash val="solid"/>
-                      <a:round/>
-                      <a:headEnd type="none" w="med" len="med"/>
-                      <a:tailEnd type="none" w="med" len="med"/>
-                    </a:lnL>
-                    <a:lnR w="6350" cap="flat" cmpd="sng" algn="ctr">
-                      <a:solidFill>
-                        <a:srgbClr val="000000"/>
-                      </a:solidFill>
-                      <a:prstDash val="solid"/>
-                      <a:round/>
-                      <a:headEnd type="none" w="med" len="med"/>
-                      <a:tailEnd type="none" w="med" len="med"/>
-                    </a:lnR>
-                    <a:lnT w="6350" cap="flat" cmpd="sng" algn="ctr">
-                      <a:solidFill>
-                        <a:srgbClr val="000000"/>
-                      </a:solidFill>
-                      <a:prstDash val="solid"/>
-                      <a:round/>
-                      <a:headEnd type="none" w="med" len="med"/>
-                      <a:tailEnd type="none" w="med" len="med"/>
-                    </a:lnT>
-                    <a:lnB w="6350" cap="flat" cmpd="sng" algn="ctr">
-                      <a:solidFill>
-                        <a:srgbClr val="000000"/>
-                      </a:solidFill>
-                      <a:prstDash val="solid"/>
-                      <a:round/>
-                      <a:headEnd type="none" w="med" len="med"/>
-                      <a:tailEnd type="none" w="med" len="med"/>
-                    </a:lnB>
-                  </a:tcPr>
-                </a:tc>
-                <a:extLst>
-                  <a:ext uri="{0D108BD9-81ED-4DB2-BD59-A6C34878D82A}">
-                    <a16:rowId xmlns:a16="http://schemas.microsoft.com/office/drawing/2014/main" val="2707624688"/>
-                  </a:ext>
-                </a:extLst>
-              </a:tr>
-              <a:tr h="178728">
-                <a:tc>
-                  <a:txBody>
-                    <a:bodyPr/>
-                    <a:lstStyle/>
-                    <a:p>
-                      <a:pPr algn="l" fontAlgn="b"/>
-                      <a:r>
-                        <a:rPr lang="en-US" sz="900" b="0" i="0" u="none" strike="noStrike" dirty="0">
-                          <a:solidFill>
-                            <a:srgbClr val="000000"/>
-                          </a:solidFill>
-                          <a:effectLst/>
-                          <a:latin typeface="Calibri" panose="020F0502020204030204" pitchFamily="34" charset="0"/>
-                        </a:rPr>
-                        <a:t>Prioridad del Requerimiento</a:t>
-                      </a:r>
-                    </a:p>
-                  </a:txBody>
-                  <a:tcPr marL="7950" marR="7950" marT="7950" marB="0" anchor="b">
-                    <a:lnL w="6350" cap="flat" cmpd="sng" algn="ctr">
-                      <a:solidFill>
-                        <a:srgbClr val="000000"/>
-                      </a:solidFill>
-                      <a:prstDash val="solid"/>
-                      <a:round/>
-                      <a:headEnd type="none" w="med" len="med"/>
-                      <a:tailEnd type="none" w="med" len="med"/>
-                    </a:lnL>
-                    <a:lnR w="6350" cap="flat" cmpd="sng" algn="ctr">
-                      <a:solidFill>
-                        <a:srgbClr val="000000"/>
-                      </a:solidFill>
-                      <a:prstDash val="solid"/>
-                      <a:round/>
-                      <a:headEnd type="none" w="med" len="med"/>
-                      <a:tailEnd type="none" w="med" len="med"/>
-                    </a:lnR>
-                    <a:lnT w="6350" cap="flat" cmpd="sng" algn="ctr">
-                      <a:solidFill>
-                        <a:srgbClr val="000000"/>
-                      </a:solidFill>
-                      <a:prstDash val="solid"/>
-                      <a:round/>
-                      <a:headEnd type="none" w="med" len="med"/>
-                      <a:tailEnd type="none" w="med" len="med"/>
-                    </a:lnT>
-                    <a:lnB w="6350" cap="flat" cmpd="sng" algn="ctr">
-                      <a:solidFill>
-                        <a:srgbClr val="000000"/>
-                      </a:solidFill>
-                      <a:prstDash val="solid"/>
-                      <a:round/>
-                      <a:headEnd type="none" w="med" len="med"/>
-                      <a:tailEnd type="none" w="med" len="med"/>
-                    </a:lnB>
-                  </a:tcPr>
-                </a:tc>
-                <a:tc>
-                  <a:txBody>
-                    <a:bodyPr/>
-                    <a:lstStyle/>
-                    <a:p>
-                      <a:pPr algn="l" fontAlgn="b"/>
-                      <a:r>
-                        <a:rPr lang="en-US" sz="900" b="0" i="0" u="none" strike="noStrike" dirty="0">
-                          <a:solidFill>
-                            <a:srgbClr val="000000"/>
-                          </a:solidFill>
-                          <a:effectLst/>
-                          <a:latin typeface="Calibri" panose="020F0502020204030204" pitchFamily="34" charset="0"/>
-                        </a:rPr>
-                        <a:t>Alta</a:t>
-                      </a:r>
-                    </a:p>
-                  </a:txBody>
-                  <a:tcPr marL="7950" marR="7950" marT="7950" marB="0" anchor="b">
-                    <a:lnL w="6350" cap="flat" cmpd="sng" algn="ctr">
-                      <a:solidFill>
-                        <a:srgbClr val="000000"/>
-                      </a:solidFill>
-                      <a:prstDash val="solid"/>
-                      <a:round/>
-                      <a:headEnd type="none" w="med" len="med"/>
-                      <a:tailEnd type="none" w="med" len="med"/>
-                    </a:lnL>
-                    <a:lnR w="6350" cap="flat" cmpd="sng" algn="ctr">
-                      <a:solidFill>
-                        <a:srgbClr val="000000"/>
-                      </a:solidFill>
-                      <a:prstDash val="solid"/>
-                      <a:round/>
-                      <a:headEnd type="none" w="med" len="med"/>
-                      <a:tailEnd type="none" w="med" len="med"/>
-                    </a:lnR>
-                    <a:lnT w="6350" cap="flat" cmpd="sng" algn="ctr">
-                      <a:solidFill>
-                        <a:srgbClr val="000000"/>
-                      </a:solidFill>
-                      <a:prstDash val="solid"/>
-                      <a:round/>
-                      <a:headEnd type="none" w="med" len="med"/>
-                      <a:tailEnd type="none" w="med" len="med"/>
-                    </a:lnT>
-                    <a:lnB w="6350" cap="flat" cmpd="sng" algn="ctr">
-                      <a:solidFill>
-                        <a:srgbClr val="000000"/>
-                      </a:solidFill>
-                      <a:prstDash val="solid"/>
-                      <a:round/>
-                      <a:headEnd type="none" w="med" len="med"/>
-                      <a:tailEnd type="none" w="med" len="med"/>
-                    </a:lnB>
-                  </a:tcPr>
-                </a:tc>
-                <a:extLst>
-                  <a:ext uri="{0D108BD9-81ED-4DB2-BD59-A6C34878D82A}">
-                    <a16:rowId xmlns:a16="http://schemas.microsoft.com/office/drawing/2014/main" val="438467750"/>
-                  </a:ext>
-                </a:extLst>
-              </a:tr>
-              <a:tr h="178728">
-                <a:tc>
-                  <a:txBody>
-                    <a:bodyPr/>
-                    <a:lstStyle/>
-                    <a:p>
-                      <a:pPr algn="l" fontAlgn="b"/>
-                      <a:endParaRPr lang="en-US" sz="900" b="0" i="0" u="none" strike="noStrike" dirty="0">
-                        <a:solidFill>
-                          <a:srgbClr val="000000"/>
-                        </a:solidFill>
-                        <a:effectLst/>
-                        <a:latin typeface="Calibri" panose="020F0502020204030204" pitchFamily="34" charset="0"/>
-                      </a:endParaRPr>
-                    </a:p>
-                  </a:txBody>
-                  <a:tcPr marL="7950" marR="7950" marT="7950" marB="0" anchor="b">
-                    <a:lnL>
-                      <a:noFill/>
-                    </a:lnL>
-                    <a:lnR>
-                      <a:noFill/>
-                    </a:lnR>
-                    <a:lnT w="6350" cap="flat" cmpd="sng" algn="ctr">
-                      <a:solidFill>
-                        <a:srgbClr val="000000"/>
-                      </a:solidFill>
-                      <a:prstDash val="solid"/>
-                      <a:round/>
-                      <a:headEnd type="none" w="med" len="med"/>
-                      <a:tailEnd type="none" w="med" len="med"/>
-                    </a:lnT>
-                    <a:lnB w="6350" cap="flat" cmpd="sng" algn="ctr">
-                      <a:solidFill>
-                        <a:srgbClr val="000000"/>
-                      </a:solidFill>
-                      <a:prstDash val="solid"/>
-                      <a:round/>
-                      <a:headEnd type="none" w="med" len="med"/>
-                      <a:tailEnd type="none" w="med" len="med"/>
-                    </a:lnB>
-                  </a:tcPr>
-                </a:tc>
-                <a:tc>
-                  <a:txBody>
-                    <a:bodyPr/>
-                    <a:lstStyle/>
-                    <a:p>
-                      <a:pPr algn="l" fontAlgn="b"/>
-                      <a:endParaRPr lang="en-US" sz="900" b="0" i="0" u="none" strike="noStrike" dirty="0">
-                        <a:solidFill>
-                          <a:srgbClr val="000000"/>
-                        </a:solidFill>
-                        <a:effectLst/>
-                        <a:latin typeface="Calibri" panose="020F0502020204030204" pitchFamily="34" charset="0"/>
-                      </a:endParaRPr>
-                    </a:p>
-                  </a:txBody>
-                  <a:tcPr marL="7950" marR="7950" marT="7950" marB="0" anchor="b">
-                    <a:lnL>
-                      <a:noFill/>
-                    </a:lnL>
-                    <a:lnR>
-                      <a:noFill/>
-                    </a:lnR>
-                    <a:lnT w="6350" cap="flat" cmpd="sng" algn="ctr">
-                      <a:solidFill>
-                        <a:srgbClr val="000000"/>
-                      </a:solidFill>
-                      <a:prstDash val="solid"/>
-                      <a:round/>
-                      <a:headEnd type="none" w="med" len="med"/>
-                      <a:tailEnd type="none" w="med" len="med"/>
-                    </a:lnT>
-                    <a:lnB w="6350" cap="flat" cmpd="sng" algn="ctr">
-                      <a:solidFill>
-                        <a:srgbClr val="000000"/>
-                      </a:solidFill>
-                      <a:prstDash val="solid"/>
-                      <a:round/>
-                      <a:headEnd type="none" w="med" len="med"/>
-                      <a:tailEnd type="none" w="med" len="med"/>
-                    </a:lnB>
-                  </a:tcPr>
-                </a:tc>
-                <a:extLst>
-                  <a:ext uri="{0D108BD9-81ED-4DB2-BD59-A6C34878D82A}">
-                    <a16:rowId xmlns:a16="http://schemas.microsoft.com/office/drawing/2014/main" val="3078790548"/>
-                  </a:ext>
-                </a:extLst>
-              </a:tr>
-              <a:tr h="178728">
-                <a:tc>
-                  <a:txBody>
-                    <a:bodyPr/>
-                    <a:lstStyle/>
-                    <a:p>
-                      <a:pPr algn="l" fontAlgn="b"/>
-                      <a:r>
-                        <a:rPr lang="en-US" sz="900" b="0" i="0" u="none" strike="noStrike" dirty="0">
-                          <a:solidFill>
-                            <a:srgbClr val="000000"/>
-                          </a:solidFill>
-                          <a:effectLst/>
-                          <a:latin typeface="Calibri" panose="020F0502020204030204" pitchFamily="34" charset="0"/>
-                        </a:rPr>
-                        <a:t>ID Requerimiento</a:t>
-                      </a:r>
-                    </a:p>
-                  </a:txBody>
-                  <a:tcPr marL="7950" marR="7950" marT="7950" marB="0" anchor="b">
-                    <a:lnL w="6350" cap="flat" cmpd="sng" algn="ctr">
-                      <a:solidFill>
-                        <a:srgbClr val="000000"/>
-                      </a:solidFill>
-                      <a:prstDash val="solid"/>
-                      <a:round/>
-                      <a:headEnd type="none" w="med" len="med"/>
-                      <a:tailEnd type="none" w="med" len="med"/>
-                    </a:lnL>
-                    <a:lnR w="6350" cap="flat" cmpd="sng" algn="ctr">
-                      <a:solidFill>
-                        <a:srgbClr val="000000"/>
-                      </a:solidFill>
-                      <a:prstDash val="solid"/>
-                      <a:round/>
-                      <a:headEnd type="none" w="med" len="med"/>
-                      <a:tailEnd type="none" w="med" len="med"/>
-                    </a:lnR>
-                    <a:lnT w="6350" cap="flat" cmpd="sng" algn="ctr">
-                      <a:solidFill>
-                        <a:srgbClr val="000000"/>
-                      </a:solidFill>
-                      <a:prstDash val="solid"/>
-                      <a:round/>
-                      <a:headEnd type="none" w="med" len="med"/>
-                      <a:tailEnd type="none" w="med" len="med"/>
-                    </a:lnT>
-                    <a:lnB w="6350" cap="flat" cmpd="sng" algn="ctr">
-                      <a:solidFill>
-                        <a:srgbClr val="000000"/>
-                      </a:solidFill>
-                      <a:prstDash val="solid"/>
-                      <a:round/>
-                      <a:headEnd type="none" w="med" len="med"/>
-                      <a:tailEnd type="none" w="med" len="med"/>
-                    </a:lnB>
-                    <a:solidFill>
-                      <a:srgbClr val="9BC2E6"/>
-                    </a:solidFill>
-                  </a:tcPr>
-                </a:tc>
-                <a:tc>
-                  <a:txBody>
-                    <a:bodyPr/>
-                    <a:lstStyle/>
-                    <a:p>
-                      <a:pPr algn="l" fontAlgn="b"/>
-                      <a:r>
-                        <a:rPr lang="en-US" sz="900" b="0" i="0" u="none" strike="noStrike" dirty="0">
-                          <a:solidFill>
-                            <a:srgbClr val="000000"/>
-                          </a:solidFill>
-                          <a:effectLst/>
-                          <a:latin typeface="Calibri" panose="020F0502020204030204" pitchFamily="34" charset="0"/>
-                        </a:rPr>
-                        <a:t>AM_RF_05</a:t>
-                      </a:r>
-                    </a:p>
-                  </a:txBody>
-                  <a:tcPr marL="7950" marR="7950" marT="7950" marB="0" anchor="b">
-                    <a:lnL w="6350" cap="flat" cmpd="sng" algn="ctr">
-                      <a:solidFill>
-                        <a:srgbClr val="000000"/>
-                      </a:solidFill>
-                      <a:prstDash val="solid"/>
-                      <a:round/>
-                      <a:headEnd type="none" w="med" len="med"/>
-                      <a:tailEnd type="none" w="med" len="med"/>
-                    </a:lnL>
-                    <a:lnR w="6350" cap="flat" cmpd="sng" algn="ctr">
-                      <a:solidFill>
-                        <a:srgbClr val="000000"/>
-                      </a:solidFill>
-                      <a:prstDash val="solid"/>
-                      <a:round/>
-                      <a:headEnd type="none" w="med" len="med"/>
-                      <a:tailEnd type="none" w="med" len="med"/>
-                    </a:lnR>
-                    <a:lnT w="6350" cap="flat" cmpd="sng" algn="ctr">
-                      <a:solidFill>
-                        <a:srgbClr val="000000"/>
-                      </a:solidFill>
-                      <a:prstDash val="solid"/>
-                      <a:round/>
-                      <a:headEnd type="none" w="med" len="med"/>
-                      <a:tailEnd type="none" w="med" len="med"/>
-                    </a:lnT>
-                    <a:lnB w="6350" cap="flat" cmpd="sng" algn="ctr">
-                      <a:solidFill>
-                        <a:srgbClr val="000000"/>
-                      </a:solidFill>
-                      <a:prstDash val="solid"/>
-                      <a:round/>
-                      <a:headEnd type="none" w="med" len="med"/>
-                      <a:tailEnd type="none" w="med" len="med"/>
-                    </a:lnB>
-                    <a:solidFill>
-                      <a:srgbClr val="9BC2E6"/>
-                    </a:solidFill>
-                  </a:tcPr>
-                </a:tc>
-                <a:extLst>
-                  <a:ext uri="{0D108BD9-81ED-4DB2-BD59-A6C34878D82A}">
-                    <a16:rowId xmlns:a16="http://schemas.microsoft.com/office/drawing/2014/main" val="4004899771"/>
-                  </a:ext>
-                </a:extLst>
-              </a:tr>
-              <a:tr h="178728">
-                <a:tc>
-                  <a:txBody>
-                    <a:bodyPr/>
-                    <a:lstStyle/>
-                    <a:p>
-                      <a:pPr algn="l" fontAlgn="b"/>
-                      <a:r>
-                        <a:rPr lang="en-US" sz="900" b="0" i="0" u="none" strike="noStrike" dirty="0">
-                          <a:solidFill>
-                            <a:srgbClr val="000000"/>
-                          </a:solidFill>
-                          <a:effectLst/>
-                          <a:latin typeface="Calibri" panose="020F0502020204030204" pitchFamily="34" charset="0"/>
-                        </a:rPr>
-                        <a:t>Nombre del Requerimiento</a:t>
-                      </a:r>
-                    </a:p>
-                  </a:txBody>
-                  <a:tcPr marL="7950" marR="7950" marT="7950" marB="0" anchor="b">
-                    <a:lnL w="6350" cap="flat" cmpd="sng" algn="ctr">
-                      <a:solidFill>
-                        <a:srgbClr val="000000"/>
-                      </a:solidFill>
-                      <a:prstDash val="solid"/>
-                      <a:round/>
-                      <a:headEnd type="none" w="med" len="med"/>
-                      <a:tailEnd type="none" w="med" len="med"/>
-                    </a:lnL>
-                    <a:lnR w="6350" cap="flat" cmpd="sng" algn="ctr">
-                      <a:solidFill>
-                        <a:srgbClr val="000000"/>
-                      </a:solidFill>
-                      <a:prstDash val="solid"/>
-                      <a:round/>
-                      <a:headEnd type="none" w="med" len="med"/>
-                      <a:tailEnd type="none" w="med" len="med"/>
-                    </a:lnR>
-                    <a:lnT w="6350" cap="flat" cmpd="sng" algn="ctr">
-                      <a:solidFill>
-                        <a:srgbClr val="000000"/>
-                      </a:solidFill>
-                      <a:prstDash val="solid"/>
-                      <a:round/>
-                      <a:headEnd type="none" w="med" len="med"/>
-                      <a:tailEnd type="none" w="med" len="med"/>
-                    </a:lnT>
-                    <a:lnB w="6350" cap="flat" cmpd="sng" algn="ctr">
-                      <a:solidFill>
-                        <a:srgbClr val="000000"/>
-                      </a:solidFill>
-                      <a:prstDash val="solid"/>
-                      <a:round/>
-                      <a:headEnd type="none" w="med" len="med"/>
-                      <a:tailEnd type="none" w="med" len="med"/>
-                    </a:lnB>
-                  </a:tcPr>
-                </a:tc>
-                <a:tc>
-                  <a:txBody>
-                    <a:bodyPr/>
-                    <a:lstStyle/>
-                    <a:p>
-                      <a:pPr algn="l" fontAlgn="b"/>
-                      <a:r>
-                        <a:rPr lang="es-MX" sz="900" b="0" i="0" u="none" strike="noStrike" dirty="0">
-                          <a:solidFill>
-                            <a:srgbClr val="000000"/>
-                          </a:solidFill>
-                          <a:effectLst/>
-                          <a:latin typeface="Calibri" panose="020F0502020204030204" pitchFamily="34" charset="0"/>
-                        </a:rPr>
-                        <a:t>Modificacion del Certificado laboral por parte del administrador</a:t>
-                      </a:r>
-                    </a:p>
-                  </a:txBody>
-                  <a:tcPr marL="7950" marR="7950" marT="7950" marB="0" anchor="b">
-                    <a:lnL w="6350" cap="flat" cmpd="sng" algn="ctr">
-                      <a:solidFill>
-                        <a:srgbClr val="000000"/>
-                      </a:solidFill>
-                      <a:prstDash val="solid"/>
-                      <a:round/>
-                      <a:headEnd type="none" w="med" len="med"/>
-                      <a:tailEnd type="none" w="med" len="med"/>
-                    </a:lnL>
-                    <a:lnR w="6350" cap="flat" cmpd="sng" algn="ctr">
-                      <a:solidFill>
-                        <a:srgbClr val="000000"/>
-                      </a:solidFill>
-                      <a:prstDash val="solid"/>
-                      <a:round/>
-                      <a:headEnd type="none" w="med" len="med"/>
-                      <a:tailEnd type="none" w="med" len="med"/>
-                    </a:lnR>
-                    <a:lnT w="6350" cap="flat" cmpd="sng" algn="ctr">
-                      <a:solidFill>
-                        <a:srgbClr val="000000"/>
-                      </a:solidFill>
-                      <a:prstDash val="solid"/>
-                      <a:round/>
-                      <a:headEnd type="none" w="med" len="med"/>
-                      <a:tailEnd type="none" w="med" len="med"/>
-                    </a:lnT>
-                    <a:lnB w="6350" cap="flat" cmpd="sng" algn="ctr">
-                      <a:solidFill>
-                        <a:srgbClr val="000000"/>
-                      </a:solidFill>
-                      <a:prstDash val="solid"/>
-                      <a:round/>
-                      <a:headEnd type="none" w="med" len="med"/>
-                      <a:tailEnd type="none" w="med" len="med"/>
-                    </a:lnB>
-                  </a:tcPr>
-                </a:tc>
-                <a:extLst>
-                  <a:ext uri="{0D108BD9-81ED-4DB2-BD59-A6C34878D82A}">
-                    <a16:rowId xmlns:a16="http://schemas.microsoft.com/office/drawing/2014/main" val="2450165019"/>
-                  </a:ext>
-                </a:extLst>
-              </a:tr>
-              <a:tr h="323498">
-                <a:tc>
-                  <a:txBody>
-                    <a:bodyPr/>
-                    <a:lstStyle/>
-                    <a:p>
-                      <a:pPr algn="l" fontAlgn="b"/>
-                      <a:r>
-                        <a:rPr lang="en-US" sz="900" b="0" i="0" u="none" strike="noStrike" dirty="0">
-                          <a:solidFill>
-                            <a:srgbClr val="000000"/>
-                          </a:solidFill>
-                          <a:effectLst/>
-                          <a:latin typeface="Calibri" panose="020F0502020204030204" pitchFamily="34" charset="0"/>
-                        </a:rPr>
-                        <a:t>Requerimiento</a:t>
-                      </a:r>
-                    </a:p>
-                  </a:txBody>
-                  <a:tcPr marL="7950" marR="7950" marT="7950" marB="0" anchor="b">
-                    <a:lnL w="6350" cap="flat" cmpd="sng" algn="ctr">
-                      <a:solidFill>
-                        <a:srgbClr val="000000"/>
-                      </a:solidFill>
-                      <a:prstDash val="solid"/>
-                      <a:round/>
-                      <a:headEnd type="none" w="med" len="med"/>
-                      <a:tailEnd type="none" w="med" len="med"/>
-                    </a:lnL>
-                    <a:lnR w="6350" cap="flat" cmpd="sng" algn="ctr">
-                      <a:solidFill>
-                        <a:srgbClr val="000000"/>
-                      </a:solidFill>
-                      <a:prstDash val="solid"/>
-                      <a:round/>
-                      <a:headEnd type="none" w="med" len="med"/>
-                      <a:tailEnd type="none" w="med" len="med"/>
-                    </a:lnR>
-                    <a:lnT w="6350" cap="flat" cmpd="sng" algn="ctr">
-                      <a:solidFill>
-                        <a:srgbClr val="000000"/>
-                      </a:solidFill>
-                      <a:prstDash val="solid"/>
-                      <a:round/>
-                      <a:headEnd type="none" w="med" len="med"/>
-                      <a:tailEnd type="none" w="med" len="med"/>
-                    </a:lnT>
-                    <a:lnB w="6350" cap="flat" cmpd="sng" algn="ctr">
-                      <a:solidFill>
-                        <a:srgbClr val="000000"/>
-                      </a:solidFill>
-                      <a:prstDash val="solid"/>
-                      <a:round/>
-                      <a:headEnd type="none" w="med" len="med"/>
-                      <a:tailEnd type="none" w="med" len="med"/>
-                    </a:lnB>
-                  </a:tcPr>
-                </a:tc>
-                <a:tc>
-                  <a:txBody>
-                    <a:bodyPr/>
-                    <a:lstStyle/>
-                    <a:p>
-                      <a:pPr algn="l" fontAlgn="b"/>
-                      <a:r>
-                        <a:rPr lang="es-MX" sz="900" b="0" i="0" u="none" strike="noStrike" dirty="0">
-                          <a:solidFill>
-                            <a:srgbClr val="000000"/>
-                          </a:solidFill>
-                          <a:effectLst/>
-                          <a:latin typeface="Calibri" panose="020F0502020204030204" pitchFamily="34" charset="0"/>
-                        </a:rPr>
-                        <a:t>El sistema deberá permitir al administrador la modificación de los siguientes datos del certificado laboral:  fecha de inicio, fecha fin, salario.</a:t>
-                      </a:r>
-                    </a:p>
-                  </a:txBody>
-                  <a:tcPr marL="7950" marR="7950" marT="7950" marB="0" anchor="b">
-                    <a:lnL w="6350" cap="flat" cmpd="sng" algn="ctr">
-                      <a:solidFill>
-                        <a:srgbClr val="000000"/>
-                      </a:solidFill>
-                      <a:prstDash val="solid"/>
-                      <a:round/>
-                      <a:headEnd type="none" w="med" len="med"/>
-                      <a:tailEnd type="none" w="med" len="med"/>
-                    </a:lnL>
-                    <a:lnR w="6350" cap="flat" cmpd="sng" algn="ctr">
-                      <a:solidFill>
-                        <a:srgbClr val="000000"/>
-                      </a:solidFill>
-                      <a:prstDash val="solid"/>
-                      <a:round/>
-                      <a:headEnd type="none" w="med" len="med"/>
-                      <a:tailEnd type="none" w="med" len="med"/>
-                    </a:lnR>
-                    <a:lnT w="6350" cap="flat" cmpd="sng" algn="ctr">
-                      <a:solidFill>
-                        <a:srgbClr val="000000"/>
-                      </a:solidFill>
-                      <a:prstDash val="solid"/>
-                      <a:round/>
-                      <a:headEnd type="none" w="med" len="med"/>
-                      <a:tailEnd type="none" w="med" len="med"/>
-                    </a:lnT>
-                    <a:lnB w="6350" cap="flat" cmpd="sng" algn="ctr">
-                      <a:solidFill>
-                        <a:srgbClr val="000000"/>
-                      </a:solidFill>
-                      <a:prstDash val="solid"/>
-                      <a:round/>
-                      <a:headEnd type="none" w="med" len="med"/>
-                      <a:tailEnd type="none" w="med" len="med"/>
-                    </a:lnB>
-                  </a:tcPr>
-                </a:tc>
-                <a:extLst>
-                  <a:ext uri="{0D108BD9-81ED-4DB2-BD59-A6C34878D82A}">
-                    <a16:rowId xmlns:a16="http://schemas.microsoft.com/office/drawing/2014/main" val="2994302179"/>
-                  </a:ext>
-                </a:extLst>
-              </a:tr>
-              <a:tr h="178728">
-                <a:tc>
-                  <a:txBody>
-                    <a:bodyPr/>
-                    <a:lstStyle/>
-                    <a:p>
-                      <a:pPr algn="l" fontAlgn="b"/>
-                      <a:r>
-                        <a:rPr lang="en-US" sz="900" b="0" i="0" u="none" strike="noStrike" dirty="0">
-                          <a:solidFill>
-                            <a:srgbClr val="000000"/>
-                          </a:solidFill>
-                          <a:effectLst/>
-                          <a:latin typeface="Calibri" panose="020F0502020204030204" pitchFamily="34" charset="0"/>
-                        </a:rPr>
-                        <a:t>Prioridad del Requerimiento</a:t>
-                      </a:r>
-                    </a:p>
-                  </a:txBody>
-                  <a:tcPr marL="7950" marR="7950" marT="7950" marB="0" anchor="b">
-                    <a:lnL w="6350" cap="flat" cmpd="sng" algn="ctr">
-                      <a:solidFill>
-                        <a:srgbClr val="000000"/>
-                      </a:solidFill>
-                      <a:prstDash val="solid"/>
-                      <a:round/>
-                      <a:headEnd type="none" w="med" len="med"/>
-                      <a:tailEnd type="none" w="med" len="med"/>
-                    </a:lnL>
-                    <a:lnR w="6350" cap="flat" cmpd="sng" algn="ctr">
-                      <a:solidFill>
-                        <a:srgbClr val="000000"/>
-                      </a:solidFill>
-                      <a:prstDash val="solid"/>
-                      <a:round/>
-                      <a:headEnd type="none" w="med" len="med"/>
-                      <a:tailEnd type="none" w="med" len="med"/>
-                    </a:lnR>
-                    <a:lnT w="6350" cap="flat" cmpd="sng" algn="ctr">
-                      <a:solidFill>
-                        <a:srgbClr val="000000"/>
-                      </a:solidFill>
-                      <a:prstDash val="solid"/>
-                      <a:round/>
-                      <a:headEnd type="none" w="med" len="med"/>
-                      <a:tailEnd type="none" w="med" len="med"/>
-                    </a:lnT>
-                    <a:lnB w="6350" cap="flat" cmpd="sng" algn="ctr">
-                      <a:solidFill>
-                        <a:srgbClr val="000000"/>
-                      </a:solidFill>
-                      <a:prstDash val="solid"/>
-                      <a:round/>
-                      <a:headEnd type="none" w="med" len="med"/>
-                      <a:tailEnd type="none" w="med" len="med"/>
-                    </a:lnB>
-                  </a:tcPr>
-                </a:tc>
-                <a:tc>
-                  <a:txBody>
-                    <a:bodyPr/>
-                    <a:lstStyle/>
-                    <a:p>
-                      <a:pPr algn="l" fontAlgn="b"/>
-                      <a:r>
-                        <a:rPr lang="en-US" sz="900" b="0" i="0" u="none" strike="noStrike" dirty="0">
-                          <a:solidFill>
-                            <a:srgbClr val="000000"/>
-                          </a:solidFill>
-                          <a:effectLst/>
-                          <a:latin typeface="Calibri" panose="020F0502020204030204" pitchFamily="34" charset="0"/>
-                        </a:rPr>
-                        <a:t>Alta</a:t>
-                      </a:r>
-                    </a:p>
-                  </a:txBody>
-                  <a:tcPr marL="7950" marR="7950" marT="7950" marB="0" anchor="b">
-                    <a:lnL w="6350" cap="flat" cmpd="sng" algn="ctr">
-                      <a:solidFill>
-                        <a:srgbClr val="000000"/>
-                      </a:solidFill>
-                      <a:prstDash val="solid"/>
-                      <a:round/>
-                      <a:headEnd type="none" w="med" len="med"/>
-                      <a:tailEnd type="none" w="med" len="med"/>
-                    </a:lnL>
-                    <a:lnR w="6350" cap="flat" cmpd="sng" algn="ctr">
-                      <a:solidFill>
-                        <a:srgbClr val="000000"/>
-                      </a:solidFill>
-                      <a:prstDash val="solid"/>
-                      <a:round/>
-                      <a:headEnd type="none" w="med" len="med"/>
-                      <a:tailEnd type="none" w="med" len="med"/>
-                    </a:lnR>
-                    <a:lnT w="6350" cap="flat" cmpd="sng" algn="ctr">
-                      <a:solidFill>
-                        <a:srgbClr val="000000"/>
-                      </a:solidFill>
-                      <a:prstDash val="solid"/>
-                      <a:round/>
-                      <a:headEnd type="none" w="med" len="med"/>
-                      <a:tailEnd type="none" w="med" len="med"/>
-                    </a:lnT>
-                    <a:lnB w="6350" cap="flat" cmpd="sng" algn="ctr">
-                      <a:solidFill>
-                        <a:srgbClr val="000000"/>
-                      </a:solidFill>
-                      <a:prstDash val="solid"/>
-                      <a:round/>
-                      <a:headEnd type="none" w="med" len="med"/>
-                      <a:tailEnd type="none" w="med" len="med"/>
-                    </a:lnB>
-                  </a:tcPr>
-                </a:tc>
-                <a:extLst>
-                  <a:ext uri="{0D108BD9-81ED-4DB2-BD59-A6C34878D82A}">
-                    <a16:rowId xmlns:a16="http://schemas.microsoft.com/office/drawing/2014/main" val="3577779925"/>
-                  </a:ext>
-                </a:extLst>
-              </a:tr>
-            </a:tbl>
-          </a:graphicData>
-        </a:graphic>
-      </p:graphicFrame>
-      <p:sp>
-        <p:nvSpPr>
-          <p:cNvPr id="15" name="14 Rectángulo"/>
-          <p:cNvSpPr/>
-          <p:nvPr/>
-        </p:nvSpPr>
-        <p:spPr>
-          <a:xfrm rot="20796637">
-            <a:off x="-1033229" y="-310908"/>
-            <a:ext cx="10665350" cy="1608631"/>
-          </a:xfrm>
-          <a:prstGeom prst="rect">
-            <a:avLst/>
-          </a:prstGeom>
-          <a:solidFill>
-            <a:srgbClr val="92D050"/>
-          </a:solidFill>
-          <a:ln>
-            <a:noFill/>
-          </a:ln>
-          <a:effectLst/>
-        </p:spPr>
-        <p:style>
-          <a:lnRef idx="1">
-            <a:schemeClr val="accent1"/>
-          </a:lnRef>
-          <a:fillRef idx="3">
-            <a:schemeClr val="accent1"/>
-          </a:fillRef>
-          <a:effectRef idx="2">
-            <a:schemeClr val="accent1"/>
-          </a:effectRef>
-          <a:fontRef idx="minor">
-            <a:schemeClr val="lt1"/>
-          </a:fontRef>
-        </p:style>
-        <p:txBody>
-          <a:bodyPr rtlCol="0" anchor="ctr"/>
-          <a:lstStyle/>
-          <a:p>
-            <a:pPr algn="ctr"/>
-            <a:endParaRPr lang="es-CO" dirty="0"/>
-          </a:p>
-        </p:txBody>
-      </p:sp>
-      <p:sp>
-        <p:nvSpPr>
-          <p:cNvPr id="17" name="16 Rectángulo"/>
-          <p:cNvSpPr/>
-          <p:nvPr/>
-        </p:nvSpPr>
-        <p:spPr>
-          <a:xfrm rot="21241341">
-            <a:off x="-1002985" y="180847"/>
-            <a:ext cx="10631006" cy="1316776"/>
-          </a:xfrm>
-          <a:prstGeom prst="rect">
-            <a:avLst/>
-          </a:prstGeom>
-          <a:solidFill>
-            <a:srgbClr val="FFC000"/>
-          </a:solidFill>
-          <a:ln>
-            <a:noFill/>
-          </a:ln>
-          <a:effectLst/>
-        </p:spPr>
-        <p:style>
-          <a:lnRef idx="1">
-            <a:schemeClr val="accent1"/>
-          </a:lnRef>
-          <a:fillRef idx="3">
-            <a:schemeClr val="accent1"/>
-          </a:fillRef>
-          <a:effectRef idx="2">
-            <a:schemeClr val="accent1"/>
-          </a:effectRef>
-          <a:fontRef idx="minor">
-            <a:schemeClr val="lt1"/>
-          </a:fontRef>
-        </p:style>
-        <p:txBody>
-          <a:bodyPr rtlCol="0" anchor="ctr"/>
-          <a:lstStyle/>
-          <a:p>
-            <a:pPr algn="ctr"/>
-            <a:endParaRPr lang="es-CO" dirty="0"/>
-          </a:p>
-        </p:txBody>
-      </p:sp>
-      <p:sp>
-        <p:nvSpPr>
-          <p:cNvPr id="18" name="17 Rectángulo"/>
-          <p:cNvSpPr/>
-          <p:nvPr/>
-        </p:nvSpPr>
-        <p:spPr>
-          <a:xfrm>
-            <a:off x="-968311" y="198126"/>
-            <a:ext cx="10631006" cy="1425956"/>
-          </a:xfrm>
-          <a:prstGeom prst="rect">
-            <a:avLst/>
-          </a:prstGeom>
-          <a:solidFill>
-            <a:srgbClr val="0099A5"/>
-          </a:solidFill>
-          <a:ln>
-            <a:noFill/>
-          </a:ln>
-          <a:effectLst/>
-        </p:spPr>
-        <p:style>
-          <a:lnRef idx="1">
-            <a:schemeClr val="accent1"/>
-          </a:lnRef>
-          <a:fillRef idx="3">
-            <a:schemeClr val="accent1"/>
-          </a:fillRef>
-          <a:effectRef idx="2">
-            <a:schemeClr val="accent1"/>
-          </a:effectRef>
-          <a:fontRef idx="minor">
-            <a:schemeClr val="lt1"/>
-          </a:fontRef>
-        </p:style>
-        <p:txBody>
-          <a:bodyPr rtlCol="0" anchor="ctr"/>
-          <a:lstStyle/>
-          <a:p>
-            <a:pPr algn="ctr"/>
-            <a:endParaRPr lang="es-CO" dirty="0"/>
-          </a:p>
-        </p:txBody>
-      </p:sp>
-      <p:sp>
-        <p:nvSpPr>
-          <p:cNvPr id="7" name="Marcador de contenido 5"/>
-          <p:cNvSpPr txBox="1">
-            <a:spLocks/>
-          </p:cNvSpPr>
-          <p:nvPr/>
-        </p:nvSpPr>
-        <p:spPr>
-          <a:xfrm>
-            <a:off x="0" y="0"/>
-            <a:ext cx="9144000" cy="6857999"/>
-          </a:xfrm>
-          <a:prstGeom prst="rect">
-            <a:avLst/>
-          </a:prstGeom>
-        </p:spPr>
-        <p:txBody>
-          <a:bodyPr vert="horz" lIns="91440" tIns="45720" rIns="91440" bIns="45720" rtlCol="0">
-            <a:normAutofit/>
-          </a:bodyPr>
-          <a:lstStyle>
-            <a:lvl1pPr marL="342900" indent="-342900" algn="l" defTabSz="457200" rtl="0" eaLnBrk="1" latinLnBrk="0" hangingPunct="1">
-              <a:spcBef>
-                <a:spcPct val="20000"/>
-              </a:spcBef>
-              <a:buFont typeface="Arial"/>
-              <a:buChar char="•"/>
-              <a:defRPr sz="3200" kern="1200">
-                <a:solidFill>
-                  <a:schemeClr val="tx1"/>
-                </a:solidFill>
-                <a:latin typeface="+mn-lt"/>
-                <a:ea typeface="+mn-ea"/>
-                <a:cs typeface="+mn-cs"/>
-              </a:defRPr>
-            </a:lvl1pPr>
-            <a:lvl2pPr marL="742950" indent="-285750" algn="l" defTabSz="457200" rtl="0" eaLnBrk="1" latinLnBrk="0" hangingPunct="1">
-              <a:spcBef>
-                <a:spcPct val="20000"/>
-              </a:spcBef>
-              <a:buFont typeface="Arial"/>
-              <a:buChar char="–"/>
-              <a:defRPr sz="2800" kern="1200">
-                <a:solidFill>
-                  <a:schemeClr val="tx1"/>
-                </a:solidFill>
-                <a:latin typeface="+mn-lt"/>
-                <a:ea typeface="+mn-ea"/>
-                <a:cs typeface="+mn-cs"/>
-              </a:defRPr>
-            </a:lvl2pPr>
-            <a:lvl3pPr marL="1143000" indent="-228600" algn="l" defTabSz="457200" rtl="0" eaLnBrk="1" latinLnBrk="0" hangingPunct="1">
-              <a:spcBef>
-                <a:spcPct val="20000"/>
-              </a:spcBef>
-              <a:buFont typeface="Arial"/>
-              <a:buChar char="•"/>
-              <a:defRPr sz="2400" kern="1200">
-                <a:solidFill>
-                  <a:schemeClr val="tx1"/>
-                </a:solidFill>
-                <a:latin typeface="+mn-lt"/>
-                <a:ea typeface="+mn-ea"/>
-                <a:cs typeface="+mn-cs"/>
-              </a:defRPr>
-            </a:lvl3pPr>
-            <a:lvl4pPr marL="1600200" indent="-228600" algn="l" defTabSz="457200" rtl="0" eaLnBrk="1" latinLnBrk="0" hangingPunct="1">
-              <a:spcBef>
-                <a:spcPct val="20000"/>
-              </a:spcBef>
-              <a:buFont typeface="Arial"/>
-              <a:buChar char="–"/>
-              <a:defRPr sz="2000" kern="1200">
-                <a:solidFill>
-                  <a:schemeClr val="tx1"/>
-                </a:solidFill>
-                <a:latin typeface="+mn-lt"/>
-                <a:ea typeface="+mn-ea"/>
-                <a:cs typeface="+mn-cs"/>
-              </a:defRPr>
-            </a:lvl4pPr>
-            <a:lvl5pPr marL="2057400" indent="-228600" algn="l" defTabSz="457200" rtl="0" eaLnBrk="1" latinLnBrk="0" hangingPunct="1">
-              <a:spcBef>
-                <a:spcPct val="20000"/>
-              </a:spcBef>
-              <a:buFont typeface="Arial"/>
-              <a:buChar char="»"/>
-              <a:defRPr sz="2000" kern="1200">
-                <a:solidFill>
-                  <a:schemeClr val="tx1"/>
-                </a:solidFill>
-                <a:latin typeface="+mn-lt"/>
-                <a:ea typeface="+mn-ea"/>
-                <a:cs typeface="+mn-cs"/>
-              </a:defRPr>
-            </a:lvl5pPr>
-            <a:lvl6pPr marL="2514600" indent="-228600" algn="l" defTabSz="457200" rtl="0" eaLnBrk="1" latinLnBrk="0" hangingPunct="1">
-              <a:spcBef>
-                <a:spcPct val="20000"/>
-              </a:spcBef>
-              <a:buFont typeface="Arial"/>
-              <a:buChar char="•"/>
-              <a:defRPr sz="2000" kern="1200">
-                <a:solidFill>
-                  <a:schemeClr val="tx1"/>
-                </a:solidFill>
-                <a:latin typeface="+mn-lt"/>
-                <a:ea typeface="+mn-ea"/>
-                <a:cs typeface="+mn-cs"/>
-              </a:defRPr>
-            </a:lvl6pPr>
-            <a:lvl7pPr marL="2971800" indent="-228600" algn="l" defTabSz="457200" rtl="0" eaLnBrk="1" latinLnBrk="0" hangingPunct="1">
-              <a:spcBef>
-                <a:spcPct val="20000"/>
-              </a:spcBef>
-              <a:buFont typeface="Arial"/>
-              <a:buChar char="•"/>
-              <a:defRPr sz="2000" kern="1200">
-                <a:solidFill>
-                  <a:schemeClr val="tx1"/>
-                </a:solidFill>
-                <a:latin typeface="+mn-lt"/>
-                <a:ea typeface="+mn-ea"/>
-                <a:cs typeface="+mn-cs"/>
-              </a:defRPr>
-            </a:lvl7pPr>
-            <a:lvl8pPr marL="3429000" indent="-228600" algn="l" defTabSz="457200" rtl="0" eaLnBrk="1" latinLnBrk="0" hangingPunct="1">
-              <a:spcBef>
-                <a:spcPct val="20000"/>
-              </a:spcBef>
-              <a:buFont typeface="Arial"/>
-              <a:buChar char="•"/>
-              <a:defRPr sz="2000" kern="1200">
-                <a:solidFill>
-                  <a:schemeClr val="tx1"/>
-                </a:solidFill>
-                <a:latin typeface="+mn-lt"/>
-                <a:ea typeface="+mn-ea"/>
-                <a:cs typeface="+mn-cs"/>
-              </a:defRPr>
-            </a:lvl8pPr>
-            <a:lvl9pPr marL="3886200" indent="-228600" algn="l" defTabSz="457200" rtl="0" eaLnBrk="1" latinLnBrk="0" hangingPunct="1">
-              <a:spcBef>
-                <a:spcPct val="20000"/>
-              </a:spcBef>
-              <a:buFont typeface="Arial"/>
-              <a:buChar char="•"/>
-              <a:defRPr sz="2000" kern="1200">
-                <a:solidFill>
-                  <a:schemeClr val="tx1"/>
-                </a:solidFill>
-                <a:latin typeface="+mn-lt"/>
-                <a:ea typeface="+mn-ea"/>
-                <a:cs typeface="+mn-cs"/>
-              </a:defRPr>
-            </a:lvl9pPr>
-          </a:lstStyle>
-          <a:p>
-            <a:endParaRPr lang="es-ES" dirty="0"/>
-          </a:p>
-        </p:txBody>
-      </p:sp>
-      <p:sp>
-        <p:nvSpPr>
-          <p:cNvPr id="16" name="Título 1"/>
-          <p:cNvSpPr txBox="1">
-            <a:spLocks/>
-          </p:cNvSpPr>
-          <p:nvPr/>
-        </p:nvSpPr>
-        <p:spPr>
-          <a:xfrm>
-            <a:off x="333442" y="467312"/>
-            <a:ext cx="9069906" cy="887583"/>
-          </a:xfrm>
-          <a:prstGeom prst="rect">
-            <a:avLst/>
-          </a:prstGeom>
-        </p:spPr>
-        <p:txBody>
-          <a:bodyPr vert="horz" lIns="91440" tIns="45720" rIns="91440" bIns="45720" rtlCol="0" anchor="ctr">
-            <a:noAutofit/>
-          </a:bodyPr>
-          <a:lstStyle>
-            <a:lvl1pPr algn="ctr" defTabSz="457200" rtl="0" eaLnBrk="1" latinLnBrk="0" hangingPunct="1">
-              <a:spcBef>
-                <a:spcPct val="0"/>
-              </a:spcBef>
-              <a:buNone/>
-              <a:defRPr sz="4400" kern="1200">
-                <a:solidFill>
-                  <a:schemeClr val="tx1"/>
-                </a:solidFill>
-                <a:latin typeface="+mj-lt"/>
-                <a:ea typeface="+mj-ea"/>
-                <a:cs typeface="+mj-cs"/>
-              </a:defRPr>
-            </a:lvl1pPr>
-          </a:lstStyle>
-          <a:p>
-            <a:pPr algn="l"/>
-            <a:r>
-              <a:rPr lang="es-ES" sz="5400" dirty="0">
-                <a:solidFill>
-                  <a:schemeClr val="bg1"/>
-                </a:solidFill>
-              </a:rPr>
-              <a:t>REQUISITOS FUNCIONALES</a:t>
-            </a:r>
-          </a:p>
-        </p:txBody>
-      </p:sp>
-    </p:spTree>
-    <p:extLst>
-      <p:ext uri="{BB962C8B-B14F-4D97-AF65-F5344CB8AC3E}">
-        <p14:creationId xmlns:p14="http://schemas.microsoft.com/office/powerpoint/2010/main" val="3542020064"/>
-      </p:ext>
-    </p:extLst>
-  </p:cSld>
-  <p:clrMapOvr>
-    <a:masterClrMapping/>
-  </p:clrMapOvr>
-</p:sld>
-</file>
-
-<file path=ppt/slides/slide31.xml><?xml version="1.0" encoding="utf-8"?>
-<p:sld xmlns:a="http://schemas.openxmlformats.org/drawingml/2006/main" xmlns:r="http://schemas.openxmlformats.org/officeDocument/2006/relationships" xmlns:p="http://schemas.openxmlformats.org/presentationml/2006/main">
-  <p:cSld>
-    <p:spTree>
-      <p:nvGrpSpPr>
-        <p:cNvPr id="1" name="Shape 207"/>
-        <p:cNvGrpSpPr/>
-        <p:nvPr/>
-      </p:nvGrpSpPr>
-      <p:grpSpPr>
-        <a:xfrm>
-          <a:off x="0" y="0"/>
-          <a:ext cx="0" cy="0"/>
-          <a:chOff x="0" y="0"/>
-          <a:chExt cx="0" cy="0"/>
-        </a:xfrm>
-      </p:grpSpPr>
-      <p:sp>
-        <p:nvSpPr>
-          <p:cNvPr id="208" name="Google Shape;208;p12"/>
-          <p:cNvSpPr txBox="1"/>
-          <p:nvPr/>
-        </p:nvSpPr>
-        <p:spPr>
-          <a:xfrm>
-            <a:off x="0" y="0"/>
-            <a:ext cx="9144000" cy="6857999"/>
-          </a:xfrm>
-          <a:prstGeom prst="rect">
-            <a:avLst/>
-          </a:prstGeom>
-          <a:noFill/>
-          <a:ln>
-            <a:noFill/>
-          </a:ln>
-        </p:spPr>
-        <p:txBody>
-          <a:bodyPr spcFirstLastPara="1" wrap="square" lIns="91425" tIns="45700" rIns="91425" bIns="45700" anchor="t" anchorCtr="0">
-            <a:normAutofit/>
-          </a:bodyPr>
-          <a:lstStyle/>
-          <a:p>
-            <a:pPr marL="342900" marR="0" lvl="0" indent="-139700" algn="l" rtl="0">
-              <a:spcBef>
-                <a:spcPts val="0"/>
-              </a:spcBef>
-              <a:spcAft>
-                <a:spcPts val="0"/>
-              </a:spcAft>
-              <a:buClr>
-                <a:schemeClr val="dk1"/>
-              </a:buClr>
-              <a:buSzPts val="3200"/>
-              <a:buFont typeface="Arial"/>
-              <a:buNone/>
-            </a:pPr>
-            <a:endParaRPr sz="3200" b="0" i="0" u="none" strike="noStrike" cap="none" dirty="0">
-              <a:solidFill>
-                <a:schemeClr val="dk1"/>
-              </a:solidFill>
-              <a:latin typeface="Calibri"/>
-              <a:ea typeface="Calibri"/>
-              <a:cs typeface="Calibri"/>
-              <a:sym typeface="Calibri"/>
-            </a:endParaRPr>
-          </a:p>
-        </p:txBody>
-      </p:sp>
-      <p:sp>
-        <p:nvSpPr>
-          <p:cNvPr id="209" name="Google Shape;209;p12"/>
-          <p:cNvSpPr txBox="1">
-            <a:spLocks noGrp="1"/>
-          </p:cNvSpPr>
-          <p:nvPr>
-            <p:ph type="title" idx="4294967295"/>
-          </p:nvPr>
-        </p:nvSpPr>
-        <p:spPr>
-          <a:xfrm>
-            <a:off x="2632365" y="4808538"/>
-            <a:ext cx="6511636" cy="1592262"/>
-          </a:xfrm>
-          <a:prstGeom prst="rect">
-            <a:avLst/>
-          </a:prstGeom>
-          <a:solidFill>
-            <a:srgbClr val="8A8A8A"/>
-          </a:solidFill>
-          <a:ln>
-            <a:noFill/>
-          </a:ln>
-        </p:spPr>
-        <p:txBody>
-          <a:bodyPr spcFirstLastPara="1" wrap="square" lIns="91425" tIns="45700" rIns="91425" bIns="45700" anchor="ctr" anchorCtr="0">
-            <a:noAutofit/>
-          </a:bodyPr>
-          <a:lstStyle/>
-          <a:p>
-            <a:pPr marL="0" marR="0" lvl="0" indent="0" rtl="0">
-              <a:lnSpc>
-                <a:spcPct val="80000"/>
-              </a:lnSpc>
-              <a:spcBef>
-                <a:spcPts val="0"/>
-              </a:spcBef>
-              <a:spcAft>
-                <a:spcPts val="0"/>
-              </a:spcAft>
-              <a:buClr>
-                <a:schemeClr val="lt1"/>
-              </a:buClr>
-              <a:buSzPts val="4400"/>
-              <a:buFont typeface="Calibri"/>
-              <a:buNone/>
-            </a:pPr>
-            <a:r>
-              <a:rPr lang="es-CO" sz="4400" b="1" dirty="0">
-                <a:solidFill>
-                  <a:schemeClr val="lt1"/>
-                </a:solidFill>
-                <a:latin typeface="Calibri"/>
-                <a:ea typeface="Calibri"/>
-                <a:cs typeface="Calibri"/>
-                <a:sym typeface="Calibri"/>
-              </a:rPr>
-              <a:t>REQUISITOS NO FUNCIONALES</a:t>
-            </a:r>
-            <a:endParaRPr sz="4400" b="0" i="0" u="none" strike="noStrike" cap="none" dirty="0">
-              <a:solidFill>
-                <a:schemeClr val="lt1"/>
-              </a:solidFill>
-              <a:latin typeface="Calibri"/>
-              <a:ea typeface="Calibri"/>
-              <a:cs typeface="Calibri"/>
-              <a:sym typeface="Calibri"/>
-            </a:endParaRPr>
-          </a:p>
-        </p:txBody>
-      </p:sp>
-      <p:pic>
-        <p:nvPicPr>
-          <p:cNvPr id="210" name="Google Shape;210;p12"/>
-          <p:cNvPicPr preferRelativeResize="0"/>
-          <p:nvPr/>
-        </p:nvPicPr>
-        <p:blipFill rotWithShape="1">
-          <a:blip r:embed="rId3">
-            <a:alphaModFix/>
-          </a:blip>
-          <a:srcRect/>
-          <a:stretch/>
-        </p:blipFill>
-        <p:spPr>
-          <a:xfrm>
-            <a:off x="3006179" y="607767"/>
-            <a:ext cx="3593005" cy="3593005"/>
-          </a:xfrm>
-          <a:prstGeom prst="rect">
-            <a:avLst/>
-          </a:prstGeom>
-          <a:noFill/>
-          <a:ln>
-            <a:noFill/>
-          </a:ln>
-        </p:spPr>
-      </p:pic>
-    </p:spTree>
-    <p:extLst>
-      <p:ext uri="{BB962C8B-B14F-4D97-AF65-F5344CB8AC3E}">
-        <p14:creationId xmlns:p14="http://schemas.microsoft.com/office/powerpoint/2010/main" val="1094771213"/>
-      </p:ext>
-    </p:extLst>
-  </p:cSld>
-  <p:clrMapOvr>
-    <a:masterClrMapping/>
-  </p:clrMapOvr>
-</p:sld>
-</file>
-
-<file path=ppt/slides/slide32.xml><?xml version="1.0" encoding="utf-8"?>
-<p:sld xmlns:a="http://schemas.openxmlformats.org/drawingml/2006/main" xmlns:r="http://schemas.openxmlformats.org/officeDocument/2006/relationships" xmlns:p="http://schemas.openxmlformats.org/presentationml/2006/main">
-  <p:cSld>
-    <p:spTree>
-      <p:nvGrpSpPr>
-        <p:cNvPr id="1" name=""/>
-        <p:cNvGrpSpPr/>
-        <p:nvPr/>
-      </p:nvGrpSpPr>
-      <p:grpSpPr>
-        <a:xfrm>
-          <a:off x="0" y="0"/>
-          <a:ext cx="0" cy="0"/>
-          <a:chOff x="0" y="0"/>
-          <a:chExt cx="0" cy="0"/>
-        </a:xfrm>
-      </p:grpSpPr>
-      <p:sp>
-        <p:nvSpPr>
-          <p:cNvPr id="15" name="14 Rectángulo"/>
-          <p:cNvSpPr/>
-          <p:nvPr/>
-        </p:nvSpPr>
-        <p:spPr>
-          <a:xfrm rot="20796637">
-            <a:off x="-1033229" y="-310908"/>
-            <a:ext cx="10665350" cy="1608631"/>
-          </a:xfrm>
-          <a:prstGeom prst="rect">
-            <a:avLst/>
-          </a:prstGeom>
-          <a:solidFill>
-            <a:srgbClr val="92D050"/>
-          </a:solidFill>
-          <a:ln>
-            <a:noFill/>
-          </a:ln>
-          <a:effectLst/>
-        </p:spPr>
-        <p:style>
-          <a:lnRef idx="1">
-            <a:schemeClr val="accent1"/>
-          </a:lnRef>
-          <a:fillRef idx="3">
-            <a:schemeClr val="accent1"/>
-          </a:fillRef>
-          <a:effectRef idx="2">
-            <a:schemeClr val="accent1"/>
-          </a:effectRef>
-          <a:fontRef idx="minor">
-            <a:schemeClr val="lt1"/>
-          </a:fontRef>
-        </p:style>
-        <p:txBody>
-          <a:bodyPr rtlCol="0" anchor="ctr"/>
-          <a:lstStyle/>
-          <a:p>
-            <a:pPr algn="ctr"/>
-            <a:endParaRPr lang="es-CO" dirty="0"/>
-          </a:p>
-        </p:txBody>
-      </p:sp>
-      <p:sp>
-        <p:nvSpPr>
-          <p:cNvPr id="17" name="16 Rectángulo"/>
-          <p:cNvSpPr/>
-          <p:nvPr/>
-        </p:nvSpPr>
-        <p:spPr>
-          <a:xfrm rot="21241341">
-            <a:off x="-1002985" y="180847"/>
-            <a:ext cx="10631006" cy="1316776"/>
-          </a:xfrm>
-          <a:prstGeom prst="rect">
-            <a:avLst/>
-          </a:prstGeom>
-          <a:solidFill>
-            <a:srgbClr val="FFC000"/>
-          </a:solidFill>
-          <a:ln>
-            <a:noFill/>
-          </a:ln>
-          <a:effectLst/>
-        </p:spPr>
-        <p:style>
-          <a:lnRef idx="1">
-            <a:schemeClr val="accent1"/>
-          </a:lnRef>
-          <a:fillRef idx="3">
-            <a:schemeClr val="accent1"/>
-          </a:fillRef>
-          <a:effectRef idx="2">
-            <a:schemeClr val="accent1"/>
-          </a:effectRef>
-          <a:fontRef idx="minor">
-            <a:schemeClr val="lt1"/>
-          </a:fontRef>
-        </p:style>
-        <p:txBody>
-          <a:bodyPr rtlCol="0" anchor="ctr"/>
-          <a:lstStyle/>
-          <a:p>
-            <a:pPr algn="ctr"/>
-            <a:endParaRPr lang="es-CO" dirty="0"/>
-          </a:p>
-        </p:txBody>
-      </p:sp>
-      <p:sp>
-        <p:nvSpPr>
-          <p:cNvPr id="18" name="17 Rectángulo"/>
-          <p:cNvSpPr/>
-          <p:nvPr/>
-        </p:nvSpPr>
-        <p:spPr>
-          <a:xfrm>
-            <a:off x="-968311" y="198126"/>
-            <a:ext cx="10631006" cy="1425956"/>
-          </a:xfrm>
-          <a:prstGeom prst="rect">
-            <a:avLst/>
-          </a:prstGeom>
-          <a:solidFill>
-            <a:srgbClr val="0099A5"/>
-          </a:solidFill>
-          <a:ln>
-            <a:noFill/>
-          </a:ln>
-          <a:effectLst/>
-        </p:spPr>
-        <p:style>
-          <a:lnRef idx="1">
-            <a:schemeClr val="accent1"/>
-          </a:lnRef>
-          <a:fillRef idx="3">
-            <a:schemeClr val="accent1"/>
-          </a:fillRef>
-          <a:effectRef idx="2">
-            <a:schemeClr val="accent1"/>
-          </a:effectRef>
-          <a:fontRef idx="minor">
-            <a:schemeClr val="lt1"/>
-          </a:fontRef>
-        </p:style>
-        <p:txBody>
-          <a:bodyPr rtlCol="0" anchor="ctr"/>
-          <a:lstStyle/>
-          <a:p>
-            <a:pPr algn="ctr"/>
-            <a:endParaRPr lang="es-CO" dirty="0"/>
-          </a:p>
-        </p:txBody>
-      </p:sp>
-      <p:sp>
-        <p:nvSpPr>
-          <p:cNvPr id="7" name="Marcador de contenido 5"/>
-          <p:cNvSpPr txBox="1">
-            <a:spLocks/>
-          </p:cNvSpPr>
-          <p:nvPr/>
-        </p:nvSpPr>
-        <p:spPr>
-          <a:xfrm>
-            <a:off x="0" y="0"/>
-            <a:ext cx="9144000" cy="6857999"/>
-          </a:xfrm>
-          <a:prstGeom prst="rect">
-            <a:avLst/>
-          </a:prstGeom>
-        </p:spPr>
-        <p:txBody>
-          <a:bodyPr vert="horz" lIns="91440" tIns="45720" rIns="91440" bIns="45720" rtlCol="0">
-            <a:normAutofit/>
-          </a:bodyPr>
-          <a:lstStyle>
-            <a:lvl1pPr marL="342900" indent="-342900" algn="l" defTabSz="457200" rtl="0" eaLnBrk="1" latinLnBrk="0" hangingPunct="1">
-              <a:spcBef>
-                <a:spcPct val="20000"/>
-              </a:spcBef>
-              <a:buFont typeface="Arial"/>
-              <a:buChar char="•"/>
-              <a:defRPr sz="3200" kern="1200">
-                <a:solidFill>
-                  <a:schemeClr val="tx1"/>
-                </a:solidFill>
-                <a:latin typeface="+mn-lt"/>
-                <a:ea typeface="+mn-ea"/>
-                <a:cs typeface="+mn-cs"/>
-              </a:defRPr>
-            </a:lvl1pPr>
-            <a:lvl2pPr marL="742950" indent="-285750" algn="l" defTabSz="457200" rtl="0" eaLnBrk="1" latinLnBrk="0" hangingPunct="1">
-              <a:spcBef>
-                <a:spcPct val="20000"/>
-              </a:spcBef>
-              <a:buFont typeface="Arial"/>
-              <a:buChar char="–"/>
-              <a:defRPr sz="2800" kern="1200">
-                <a:solidFill>
-                  <a:schemeClr val="tx1"/>
-                </a:solidFill>
-                <a:latin typeface="+mn-lt"/>
-                <a:ea typeface="+mn-ea"/>
-                <a:cs typeface="+mn-cs"/>
-              </a:defRPr>
-            </a:lvl2pPr>
-            <a:lvl3pPr marL="1143000" indent="-228600" algn="l" defTabSz="457200" rtl="0" eaLnBrk="1" latinLnBrk="0" hangingPunct="1">
-              <a:spcBef>
-                <a:spcPct val="20000"/>
-              </a:spcBef>
-              <a:buFont typeface="Arial"/>
-              <a:buChar char="•"/>
-              <a:defRPr sz="2400" kern="1200">
-                <a:solidFill>
-                  <a:schemeClr val="tx1"/>
-                </a:solidFill>
-                <a:latin typeface="+mn-lt"/>
-                <a:ea typeface="+mn-ea"/>
-                <a:cs typeface="+mn-cs"/>
-              </a:defRPr>
-            </a:lvl3pPr>
-            <a:lvl4pPr marL="1600200" indent="-228600" algn="l" defTabSz="457200" rtl="0" eaLnBrk="1" latinLnBrk="0" hangingPunct="1">
-              <a:spcBef>
-                <a:spcPct val="20000"/>
-              </a:spcBef>
-              <a:buFont typeface="Arial"/>
-              <a:buChar char="–"/>
-              <a:defRPr sz="2000" kern="1200">
-                <a:solidFill>
-                  <a:schemeClr val="tx1"/>
-                </a:solidFill>
-                <a:latin typeface="+mn-lt"/>
-                <a:ea typeface="+mn-ea"/>
-                <a:cs typeface="+mn-cs"/>
-              </a:defRPr>
-            </a:lvl4pPr>
-            <a:lvl5pPr marL="2057400" indent="-228600" algn="l" defTabSz="457200" rtl="0" eaLnBrk="1" latinLnBrk="0" hangingPunct="1">
-              <a:spcBef>
-                <a:spcPct val="20000"/>
-              </a:spcBef>
-              <a:buFont typeface="Arial"/>
-              <a:buChar char="»"/>
-              <a:defRPr sz="2000" kern="1200">
-                <a:solidFill>
-                  <a:schemeClr val="tx1"/>
-                </a:solidFill>
-                <a:latin typeface="+mn-lt"/>
-                <a:ea typeface="+mn-ea"/>
-                <a:cs typeface="+mn-cs"/>
-              </a:defRPr>
-            </a:lvl5pPr>
-            <a:lvl6pPr marL="2514600" indent="-228600" algn="l" defTabSz="457200" rtl="0" eaLnBrk="1" latinLnBrk="0" hangingPunct="1">
-              <a:spcBef>
-                <a:spcPct val="20000"/>
-              </a:spcBef>
-              <a:buFont typeface="Arial"/>
-              <a:buChar char="•"/>
-              <a:defRPr sz="2000" kern="1200">
-                <a:solidFill>
-                  <a:schemeClr val="tx1"/>
-                </a:solidFill>
-                <a:latin typeface="+mn-lt"/>
-                <a:ea typeface="+mn-ea"/>
-                <a:cs typeface="+mn-cs"/>
-              </a:defRPr>
-            </a:lvl6pPr>
-            <a:lvl7pPr marL="2971800" indent="-228600" algn="l" defTabSz="457200" rtl="0" eaLnBrk="1" latinLnBrk="0" hangingPunct="1">
-              <a:spcBef>
-                <a:spcPct val="20000"/>
-              </a:spcBef>
-              <a:buFont typeface="Arial"/>
-              <a:buChar char="•"/>
-              <a:defRPr sz="2000" kern="1200">
-                <a:solidFill>
-                  <a:schemeClr val="tx1"/>
-                </a:solidFill>
-                <a:latin typeface="+mn-lt"/>
-                <a:ea typeface="+mn-ea"/>
-                <a:cs typeface="+mn-cs"/>
-              </a:defRPr>
-            </a:lvl7pPr>
-            <a:lvl8pPr marL="3429000" indent="-228600" algn="l" defTabSz="457200" rtl="0" eaLnBrk="1" latinLnBrk="0" hangingPunct="1">
-              <a:spcBef>
-                <a:spcPct val="20000"/>
-              </a:spcBef>
-              <a:buFont typeface="Arial"/>
-              <a:buChar char="•"/>
-              <a:defRPr sz="2000" kern="1200">
-                <a:solidFill>
-                  <a:schemeClr val="tx1"/>
-                </a:solidFill>
-                <a:latin typeface="+mn-lt"/>
-                <a:ea typeface="+mn-ea"/>
-                <a:cs typeface="+mn-cs"/>
-              </a:defRPr>
-            </a:lvl8pPr>
-            <a:lvl9pPr marL="3886200" indent="-228600" algn="l" defTabSz="457200" rtl="0" eaLnBrk="1" latinLnBrk="0" hangingPunct="1">
-              <a:spcBef>
-                <a:spcPct val="20000"/>
-              </a:spcBef>
-              <a:buFont typeface="Arial"/>
-              <a:buChar char="•"/>
-              <a:defRPr sz="2000" kern="1200">
-                <a:solidFill>
-                  <a:schemeClr val="tx1"/>
-                </a:solidFill>
-                <a:latin typeface="+mn-lt"/>
-                <a:ea typeface="+mn-ea"/>
-                <a:cs typeface="+mn-cs"/>
-              </a:defRPr>
-            </a:lvl9pPr>
-          </a:lstStyle>
-          <a:p>
-            <a:endParaRPr lang="es-ES" dirty="0"/>
-          </a:p>
         </p:txBody>
       </p:sp>
       <p:sp>
@@ -30737,7 +29127,7 @@
 </p:sld>
 </file>
 
-<file path=ppt/slides/slide33.xml><?xml version="1.0" encoding="utf-8"?>
+<file path=ppt/slides/slide32.xml><?xml version="1.0" encoding="utf-8"?>
 <p:sld xmlns:a="http://schemas.openxmlformats.org/drawingml/2006/main" xmlns:r="http://schemas.openxmlformats.org/officeDocument/2006/relationships" xmlns:p="http://schemas.openxmlformats.org/presentationml/2006/main">
   <p:cSld>
     <p:spTree>
@@ -30917,7 +29307,7 @@
 </p:sld>
 </file>
 
-<file path=ppt/slides/slide34.xml><?xml version="1.0" encoding="utf-8"?>
+<file path=ppt/slides/slide33.xml><?xml version="1.0" encoding="utf-8"?>
 <p:sld xmlns:a="http://schemas.openxmlformats.org/drawingml/2006/main" xmlns:r="http://schemas.openxmlformats.org/officeDocument/2006/relationships" xmlns:p="http://schemas.openxmlformats.org/presentationml/2006/main">
   <p:cSld>
     <p:spTree>
@@ -35042,7 +33432,7 @@
 </p:sld>
 </file>
 
-<file path=ppt/slides/slide35.xml><?xml version="1.0" encoding="utf-8"?>
+<file path=ppt/slides/slide34.xml><?xml version="1.0" encoding="utf-8"?>
 <p:sld xmlns:a="http://schemas.openxmlformats.org/drawingml/2006/main" xmlns:r="http://schemas.openxmlformats.org/officeDocument/2006/relationships" xmlns:p="http://schemas.openxmlformats.org/presentationml/2006/main">
   <p:cSld>
     <p:spTree>
@@ -35205,6 +33595,626 @@
     <p:extLst>
       <p:ext uri="{BB962C8B-B14F-4D97-AF65-F5344CB8AC3E}">
         <p14:creationId xmlns:p14="http://schemas.microsoft.com/office/powerpoint/2010/main" val="2769916754"/>
+      </p:ext>
+    </p:extLst>
+  </p:cSld>
+  <p:clrMapOvr>
+    <a:masterClrMapping/>
+  </p:clrMapOvr>
+</p:sld>
+</file>
+
+<file path=ppt/slides/slide35.xml><?xml version="1.0" encoding="utf-8"?>
+<p:sld xmlns:a="http://schemas.openxmlformats.org/drawingml/2006/main" xmlns:r="http://schemas.openxmlformats.org/officeDocument/2006/relationships" xmlns:p="http://schemas.openxmlformats.org/presentationml/2006/main">
+  <p:cSld>
+    <p:spTree>
+      <p:nvGrpSpPr>
+        <p:cNvPr id="1" name=""/>
+        <p:cNvGrpSpPr/>
+        <p:nvPr/>
+      </p:nvGrpSpPr>
+      <p:grpSpPr>
+        <a:xfrm>
+          <a:off x="0" y="0"/>
+          <a:ext cx="0" cy="0"/>
+          <a:chOff x="0" y="0"/>
+          <a:chExt cx="0" cy="0"/>
+        </a:xfrm>
+      </p:grpSpPr>
+      <p:sp>
+        <p:nvSpPr>
+          <p:cNvPr id="15" name="14 Rectángulo"/>
+          <p:cNvSpPr/>
+          <p:nvPr/>
+        </p:nvSpPr>
+        <p:spPr>
+          <a:xfrm rot="20796637">
+            <a:off x="-1033229" y="-310908"/>
+            <a:ext cx="10665350" cy="1608631"/>
+          </a:xfrm>
+          <a:prstGeom prst="rect">
+            <a:avLst/>
+          </a:prstGeom>
+          <a:solidFill>
+            <a:srgbClr val="92D050"/>
+          </a:solidFill>
+          <a:ln>
+            <a:noFill/>
+          </a:ln>
+          <a:effectLst/>
+        </p:spPr>
+        <p:style>
+          <a:lnRef idx="1">
+            <a:schemeClr val="accent1"/>
+          </a:lnRef>
+          <a:fillRef idx="3">
+            <a:schemeClr val="accent1"/>
+          </a:fillRef>
+          <a:effectRef idx="2">
+            <a:schemeClr val="accent1"/>
+          </a:effectRef>
+          <a:fontRef idx="minor">
+            <a:schemeClr val="lt1"/>
+          </a:fontRef>
+        </p:style>
+        <p:txBody>
+          <a:bodyPr rtlCol="0" anchor="ctr"/>
+          <a:lstStyle/>
+          <a:p>
+            <a:pPr algn="ctr"/>
+            <a:endParaRPr lang="es-CO" dirty="0"/>
+          </a:p>
+        </p:txBody>
+      </p:sp>
+      <p:sp>
+        <p:nvSpPr>
+          <p:cNvPr id="17" name="16 Rectángulo"/>
+          <p:cNvSpPr/>
+          <p:nvPr/>
+        </p:nvSpPr>
+        <p:spPr>
+          <a:xfrm rot="21241341">
+            <a:off x="-1002985" y="180847"/>
+            <a:ext cx="10631006" cy="1316776"/>
+          </a:xfrm>
+          <a:prstGeom prst="rect">
+            <a:avLst/>
+          </a:prstGeom>
+          <a:solidFill>
+            <a:srgbClr val="FFC000"/>
+          </a:solidFill>
+          <a:ln>
+            <a:noFill/>
+          </a:ln>
+          <a:effectLst/>
+        </p:spPr>
+        <p:style>
+          <a:lnRef idx="1">
+            <a:schemeClr val="accent1"/>
+          </a:lnRef>
+          <a:fillRef idx="3">
+            <a:schemeClr val="accent1"/>
+          </a:fillRef>
+          <a:effectRef idx="2">
+            <a:schemeClr val="accent1"/>
+          </a:effectRef>
+          <a:fontRef idx="minor">
+            <a:schemeClr val="lt1"/>
+          </a:fontRef>
+        </p:style>
+        <p:txBody>
+          <a:bodyPr rtlCol="0" anchor="ctr"/>
+          <a:lstStyle/>
+          <a:p>
+            <a:pPr algn="ctr"/>
+            <a:endParaRPr lang="es-CO" dirty="0"/>
+          </a:p>
+        </p:txBody>
+      </p:sp>
+      <p:sp>
+        <p:nvSpPr>
+          <p:cNvPr id="18" name="17 Rectángulo"/>
+          <p:cNvSpPr/>
+          <p:nvPr/>
+        </p:nvSpPr>
+        <p:spPr>
+          <a:xfrm>
+            <a:off x="-968311" y="198126"/>
+            <a:ext cx="10631006" cy="1425956"/>
+          </a:xfrm>
+          <a:prstGeom prst="rect">
+            <a:avLst/>
+          </a:prstGeom>
+          <a:solidFill>
+            <a:srgbClr val="0099A5"/>
+          </a:solidFill>
+          <a:ln>
+            <a:noFill/>
+          </a:ln>
+          <a:effectLst/>
+        </p:spPr>
+        <p:style>
+          <a:lnRef idx="1">
+            <a:schemeClr val="accent1"/>
+          </a:lnRef>
+          <a:fillRef idx="3">
+            <a:schemeClr val="accent1"/>
+          </a:fillRef>
+          <a:effectRef idx="2">
+            <a:schemeClr val="accent1"/>
+          </a:effectRef>
+          <a:fontRef idx="minor">
+            <a:schemeClr val="lt1"/>
+          </a:fontRef>
+        </p:style>
+        <p:txBody>
+          <a:bodyPr rtlCol="0" anchor="ctr"/>
+          <a:lstStyle/>
+          <a:p>
+            <a:pPr algn="ctr"/>
+            <a:endParaRPr lang="es-CO" dirty="0"/>
+          </a:p>
+        </p:txBody>
+      </p:sp>
+      <p:sp>
+        <p:nvSpPr>
+          <p:cNvPr id="7" name="Marcador de contenido 5"/>
+          <p:cNvSpPr txBox="1">
+            <a:spLocks/>
+          </p:cNvSpPr>
+          <p:nvPr/>
+        </p:nvSpPr>
+        <p:spPr>
+          <a:xfrm>
+            <a:off x="0" y="0"/>
+            <a:ext cx="9144000" cy="6857999"/>
+          </a:xfrm>
+          <a:prstGeom prst="rect">
+            <a:avLst/>
+          </a:prstGeom>
+        </p:spPr>
+        <p:txBody>
+          <a:bodyPr vert="horz" lIns="91440" tIns="45720" rIns="91440" bIns="45720" rtlCol="0">
+            <a:normAutofit/>
+          </a:bodyPr>
+          <a:lstStyle>
+            <a:lvl1pPr marL="342900" indent="-342900" algn="l" defTabSz="457200" rtl="0" eaLnBrk="1" latinLnBrk="0" hangingPunct="1">
+              <a:spcBef>
+                <a:spcPct val="20000"/>
+              </a:spcBef>
+              <a:buFont typeface="Arial"/>
+              <a:buChar char="•"/>
+              <a:defRPr sz="3200" kern="1200">
+                <a:solidFill>
+                  <a:schemeClr val="tx1"/>
+                </a:solidFill>
+                <a:latin typeface="+mn-lt"/>
+                <a:ea typeface="+mn-ea"/>
+                <a:cs typeface="+mn-cs"/>
+              </a:defRPr>
+            </a:lvl1pPr>
+            <a:lvl2pPr marL="742950" indent="-285750" algn="l" defTabSz="457200" rtl="0" eaLnBrk="1" latinLnBrk="0" hangingPunct="1">
+              <a:spcBef>
+                <a:spcPct val="20000"/>
+              </a:spcBef>
+              <a:buFont typeface="Arial"/>
+              <a:buChar char="–"/>
+              <a:defRPr sz="2800" kern="1200">
+                <a:solidFill>
+                  <a:schemeClr val="tx1"/>
+                </a:solidFill>
+                <a:latin typeface="+mn-lt"/>
+                <a:ea typeface="+mn-ea"/>
+                <a:cs typeface="+mn-cs"/>
+              </a:defRPr>
+            </a:lvl2pPr>
+            <a:lvl3pPr marL="1143000" indent="-228600" algn="l" defTabSz="457200" rtl="0" eaLnBrk="1" latinLnBrk="0" hangingPunct="1">
+              <a:spcBef>
+                <a:spcPct val="20000"/>
+              </a:spcBef>
+              <a:buFont typeface="Arial"/>
+              <a:buChar char="•"/>
+              <a:defRPr sz="2400" kern="1200">
+                <a:solidFill>
+                  <a:schemeClr val="tx1"/>
+                </a:solidFill>
+                <a:latin typeface="+mn-lt"/>
+                <a:ea typeface="+mn-ea"/>
+                <a:cs typeface="+mn-cs"/>
+              </a:defRPr>
+            </a:lvl3pPr>
+            <a:lvl4pPr marL="1600200" indent="-228600" algn="l" defTabSz="457200" rtl="0" eaLnBrk="1" latinLnBrk="0" hangingPunct="1">
+              <a:spcBef>
+                <a:spcPct val="20000"/>
+              </a:spcBef>
+              <a:buFont typeface="Arial"/>
+              <a:buChar char="–"/>
+              <a:defRPr sz="2000" kern="1200">
+                <a:solidFill>
+                  <a:schemeClr val="tx1"/>
+                </a:solidFill>
+                <a:latin typeface="+mn-lt"/>
+                <a:ea typeface="+mn-ea"/>
+                <a:cs typeface="+mn-cs"/>
+              </a:defRPr>
+            </a:lvl4pPr>
+            <a:lvl5pPr marL="2057400" indent="-228600" algn="l" defTabSz="457200" rtl="0" eaLnBrk="1" latinLnBrk="0" hangingPunct="1">
+              <a:spcBef>
+                <a:spcPct val="20000"/>
+              </a:spcBef>
+              <a:buFont typeface="Arial"/>
+              <a:buChar char="»"/>
+              <a:defRPr sz="2000" kern="1200">
+                <a:solidFill>
+                  <a:schemeClr val="tx1"/>
+                </a:solidFill>
+                <a:latin typeface="+mn-lt"/>
+                <a:ea typeface="+mn-ea"/>
+                <a:cs typeface="+mn-cs"/>
+              </a:defRPr>
+            </a:lvl5pPr>
+            <a:lvl6pPr marL="2514600" indent="-228600" algn="l" defTabSz="457200" rtl="0" eaLnBrk="1" latinLnBrk="0" hangingPunct="1">
+              <a:spcBef>
+                <a:spcPct val="20000"/>
+              </a:spcBef>
+              <a:buFont typeface="Arial"/>
+              <a:buChar char="•"/>
+              <a:defRPr sz="2000" kern="1200">
+                <a:solidFill>
+                  <a:schemeClr val="tx1"/>
+                </a:solidFill>
+                <a:latin typeface="+mn-lt"/>
+                <a:ea typeface="+mn-ea"/>
+                <a:cs typeface="+mn-cs"/>
+              </a:defRPr>
+            </a:lvl6pPr>
+            <a:lvl7pPr marL="2971800" indent="-228600" algn="l" defTabSz="457200" rtl="0" eaLnBrk="1" latinLnBrk="0" hangingPunct="1">
+              <a:spcBef>
+                <a:spcPct val="20000"/>
+              </a:spcBef>
+              <a:buFont typeface="Arial"/>
+              <a:buChar char="•"/>
+              <a:defRPr sz="2000" kern="1200">
+                <a:solidFill>
+                  <a:schemeClr val="tx1"/>
+                </a:solidFill>
+                <a:latin typeface="+mn-lt"/>
+                <a:ea typeface="+mn-ea"/>
+                <a:cs typeface="+mn-cs"/>
+              </a:defRPr>
+            </a:lvl7pPr>
+            <a:lvl8pPr marL="3429000" indent="-228600" algn="l" defTabSz="457200" rtl="0" eaLnBrk="1" latinLnBrk="0" hangingPunct="1">
+              <a:spcBef>
+                <a:spcPct val="20000"/>
+              </a:spcBef>
+              <a:buFont typeface="Arial"/>
+              <a:buChar char="•"/>
+              <a:defRPr sz="2000" kern="1200">
+                <a:solidFill>
+                  <a:schemeClr val="tx1"/>
+                </a:solidFill>
+                <a:latin typeface="+mn-lt"/>
+                <a:ea typeface="+mn-ea"/>
+                <a:cs typeface="+mn-cs"/>
+              </a:defRPr>
+            </a:lvl8pPr>
+            <a:lvl9pPr marL="3886200" indent="-228600" algn="l" defTabSz="457200" rtl="0" eaLnBrk="1" latinLnBrk="0" hangingPunct="1">
+              <a:spcBef>
+                <a:spcPct val="20000"/>
+              </a:spcBef>
+              <a:buFont typeface="Arial"/>
+              <a:buChar char="•"/>
+              <a:defRPr sz="2000" kern="1200">
+                <a:solidFill>
+                  <a:schemeClr val="tx1"/>
+                </a:solidFill>
+                <a:latin typeface="+mn-lt"/>
+                <a:ea typeface="+mn-ea"/>
+                <a:cs typeface="+mn-cs"/>
+              </a:defRPr>
+            </a:lvl9pPr>
+          </a:lstStyle>
+          <a:p>
+            <a:endParaRPr lang="es-ES" dirty="0"/>
+          </a:p>
+        </p:txBody>
+      </p:sp>
+      <p:sp>
+        <p:nvSpPr>
+          <p:cNvPr id="16" name="Título 1"/>
+          <p:cNvSpPr txBox="1">
+            <a:spLocks/>
+          </p:cNvSpPr>
+          <p:nvPr/>
+        </p:nvSpPr>
+        <p:spPr>
+          <a:xfrm>
+            <a:off x="364273" y="324984"/>
+            <a:ext cx="9069906" cy="887583"/>
+          </a:xfrm>
+          <a:prstGeom prst="rect">
+            <a:avLst/>
+          </a:prstGeom>
+        </p:spPr>
+        <p:txBody>
+          <a:bodyPr vert="horz" lIns="91440" tIns="45720" rIns="91440" bIns="45720" rtlCol="0" anchor="ctr">
+            <a:noAutofit/>
+          </a:bodyPr>
+          <a:lstStyle>
+            <a:lvl1pPr algn="ctr" defTabSz="457200" rtl="0" eaLnBrk="1" latinLnBrk="0" hangingPunct="1">
+              <a:spcBef>
+                <a:spcPct val="0"/>
+              </a:spcBef>
+              <a:buNone/>
+              <a:defRPr sz="4400" kern="1200">
+                <a:solidFill>
+                  <a:schemeClr val="tx1"/>
+                </a:solidFill>
+                <a:latin typeface="+mj-lt"/>
+                <a:ea typeface="+mj-ea"/>
+                <a:cs typeface="+mj-cs"/>
+              </a:defRPr>
+            </a:lvl1pPr>
+          </a:lstStyle>
+          <a:p>
+            <a:pPr algn="l"/>
+            <a:r>
+              <a:rPr lang="es-ES" sz="5400" dirty="0">
+                <a:solidFill>
+                  <a:schemeClr val="bg1"/>
+                </a:solidFill>
+              </a:rPr>
+              <a:t>MOCKUPS</a:t>
+            </a:r>
+          </a:p>
+        </p:txBody>
+      </p:sp>
+      <p:sp>
+        <p:nvSpPr>
+          <p:cNvPr id="27" name="Marcador de contenido 2"/>
+          <p:cNvSpPr txBox="1">
+            <a:spLocks/>
+          </p:cNvSpPr>
+          <p:nvPr/>
+        </p:nvSpPr>
+        <p:spPr>
+          <a:xfrm>
+            <a:off x="899151" y="2070580"/>
+            <a:ext cx="8000150" cy="4240068"/>
+          </a:xfrm>
+          <a:prstGeom prst="rect">
+            <a:avLst/>
+          </a:prstGeom>
+        </p:spPr>
+        <p:txBody>
+          <a:bodyPr>
+            <a:noAutofit/>
+          </a:bodyPr>
+          <a:lstStyle>
+            <a:lvl1pPr marL="342900" indent="-342900" algn="l" defTabSz="457200" rtl="0" eaLnBrk="1" latinLnBrk="0" hangingPunct="1">
+              <a:spcBef>
+                <a:spcPct val="20000"/>
+              </a:spcBef>
+              <a:buFont typeface="Arial"/>
+              <a:buChar char="•"/>
+              <a:defRPr sz="3200" kern="1200">
+                <a:solidFill>
+                  <a:schemeClr val="tx1"/>
+                </a:solidFill>
+                <a:latin typeface="+mn-lt"/>
+                <a:ea typeface="+mn-ea"/>
+                <a:cs typeface="+mn-cs"/>
+              </a:defRPr>
+            </a:lvl1pPr>
+            <a:lvl2pPr marL="742950" indent="-285750" algn="l" defTabSz="457200" rtl="0" eaLnBrk="1" latinLnBrk="0" hangingPunct="1">
+              <a:spcBef>
+                <a:spcPct val="20000"/>
+              </a:spcBef>
+              <a:buFont typeface="Arial"/>
+              <a:buChar char="–"/>
+              <a:defRPr sz="2800" kern="1200">
+                <a:solidFill>
+                  <a:schemeClr val="tx1"/>
+                </a:solidFill>
+                <a:latin typeface="+mn-lt"/>
+                <a:ea typeface="+mn-ea"/>
+                <a:cs typeface="+mn-cs"/>
+              </a:defRPr>
+            </a:lvl2pPr>
+            <a:lvl3pPr marL="1143000" indent="-228600" algn="l" defTabSz="457200" rtl="0" eaLnBrk="1" latinLnBrk="0" hangingPunct="1">
+              <a:spcBef>
+                <a:spcPct val="20000"/>
+              </a:spcBef>
+              <a:buFont typeface="Arial"/>
+              <a:buChar char="•"/>
+              <a:defRPr sz="2400" kern="1200">
+                <a:solidFill>
+                  <a:schemeClr val="tx1"/>
+                </a:solidFill>
+                <a:latin typeface="+mn-lt"/>
+                <a:ea typeface="+mn-ea"/>
+                <a:cs typeface="+mn-cs"/>
+              </a:defRPr>
+            </a:lvl3pPr>
+            <a:lvl4pPr marL="1600200" indent="-228600" algn="l" defTabSz="457200" rtl="0" eaLnBrk="1" latinLnBrk="0" hangingPunct="1">
+              <a:spcBef>
+                <a:spcPct val="20000"/>
+              </a:spcBef>
+              <a:buFont typeface="Arial"/>
+              <a:buChar char="–"/>
+              <a:defRPr sz="2000" kern="1200">
+                <a:solidFill>
+                  <a:schemeClr val="tx1"/>
+                </a:solidFill>
+                <a:latin typeface="+mn-lt"/>
+                <a:ea typeface="+mn-ea"/>
+                <a:cs typeface="+mn-cs"/>
+              </a:defRPr>
+            </a:lvl4pPr>
+            <a:lvl5pPr marL="2057400" indent="-228600" algn="l" defTabSz="457200" rtl="0" eaLnBrk="1" latinLnBrk="0" hangingPunct="1">
+              <a:spcBef>
+                <a:spcPct val="20000"/>
+              </a:spcBef>
+              <a:buFont typeface="Arial"/>
+              <a:buChar char="»"/>
+              <a:defRPr sz="2000" kern="1200">
+                <a:solidFill>
+                  <a:schemeClr val="tx1"/>
+                </a:solidFill>
+                <a:latin typeface="+mn-lt"/>
+                <a:ea typeface="+mn-ea"/>
+                <a:cs typeface="+mn-cs"/>
+              </a:defRPr>
+            </a:lvl5pPr>
+            <a:lvl6pPr marL="2514600" indent="-228600" algn="l" defTabSz="457200" rtl="0" eaLnBrk="1" latinLnBrk="0" hangingPunct="1">
+              <a:spcBef>
+                <a:spcPct val="20000"/>
+              </a:spcBef>
+              <a:buFont typeface="Arial"/>
+              <a:buChar char="•"/>
+              <a:defRPr sz="2000" kern="1200">
+                <a:solidFill>
+                  <a:schemeClr val="tx1"/>
+                </a:solidFill>
+                <a:latin typeface="+mn-lt"/>
+                <a:ea typeface="+mn-ea"/>
+                <a:cs typeface="+mn-cs"/>
+              </a:defRPr>
+            </a:lvl6pPr>
+            <a:lvl7pPr marL="2971800" indent="-228600" algn="l" defTabSz="457200" rtl="0" eaLnBrk="1" latinLnBrk="0" hangingPunct="1">
+              <a:spcBef>
+                <a:spcPct val="20000"/>
+              </a:spcBef>
+              <a:buFont typeface="Arial"/>
+              <a:buChar char="•"/>
+              <a:defRPr sz="2000" kern="1200">
+                <a:solidFill>
+                  <a:schemeClr val="tx1"/>
+                </a:solidFill>
+                <a:latin typeface="+mn-lt"/>
+                <a:ea typeface="+mn-ea"/>
+                <a:cs typeface="+mn-cs"/>
+              </a:defRPr>
+            </a:lvl7pPr>
+            <a:lvl8pPr marL="3429000" indent="-228600" algn="l" defTabSz="457200" rtl="0" eaLnBrk="1" latinLnBrk="0" hangingPunct="1">
+              <a:spcBef>
+                <a:spcPct val="20000"/>
+              </a:spcBef>
+              <a:buFont typeface="Arial"/>
+              <a:buChar char="•"/>
+              <a:defRPr sz="2000" kern="1200">
+                <a:solidFill>
+                  <a:schemeClr val="tx1"/>
+                </a:solidFill>
+                <a:latin typeface="+mn-lt"/>
+                <a:ea typeface="+mn-ea"/>
+                <a:cs typeface="+mn-cs"/>
+              </a:defRPr>
+            </a:lvl8pPr>
+            <a:lvl9pPr marL="3886200" indent="-228600" algn="l" defTabSz="457200" rtl="0" eaLnBrk="1" latinLnBrk="0" hangingPunct="1">
+              <a:spcBef>
+                <a:spcPct val="20000"/>
+              </a:spcBef>
+              <a:buFont typeface="Arial"/>
+              <a:buChar char="•"/>
+              <a:defRPr sz="2000" kern="1200">
+                <a:solidFill>
+                  <a:schemeClr val="tx1"/>
+                </a:solidFill>
+                <a:latin typeface="+mn-lt"/>
+                <a:ea typeface="+mn-ea"/>
+                <a:cs typeface="+mn-cs"/>
+              </a:defRPr>
+            </a:lvl9pPr>
+          </a:lstStyle>
+          <a:p>
+            <a:pPr marL="0" indent="0">
+              <a:buFont typeface="Arial"/>
+              <a:buNone/>
+            </a:pPr>
+            <a:endParaRPr lang="es-CO" sz="2000" dirty="0">
+              <a:solidFill>
+                <a:schemeClr val="tx1">
+                  <a:lumMod val="75000"/>
+                  <a:lumOff val="25000"/>
+                </a:schemeClr>
+              </a:solidFill>
+            </a:endParaRPr>
+          </a:p>
+        </p:txBody>
+      </p:sp>
+      <p:sp>
+        <p:nvSpPr>
+          <p:cNvPr id="2" name="AutoShape 2" descr="blob:https://web.telegram.org/91b4e5f7-c5d4-4266-91e2-3e14d7c7ae49"/>
+          <p:cNvSpPr>
+            <a:spLocks noChangeAspect="1" noChangeArrowheads="1"/>
+          </p:cNvSpPr>
+          <p:nvPr/>
+        </p:nvSpPr>
+        <p:spPr bwMode="auto">
+          <a:xfrm>
+            <a:off x="155575" y="-144463"/>
+            <a:ext cx="304800" cy="304801"/>
+          </a:xfrm>
+          <a:prstGeom prst="rect">
+            <a:avLst/>
+          </a:prstGeom>
+          <a:noFill/>
+          <a:extLst>
+            <a:ext uri="{909E8E84-426E-40DD-AFC4-6F175D3DCCD1}">
+              <a14:hiddenFill xmlns:a14="http://schemas.microsoft.com/office/drawing/2010/main">
+                <a:solidFill>
+                  <a:srgbClr val="FFFFFF"/>
+                </a:solidFill>
+              </a14:hiddenFill>
+            </a:ext>
+          </a:extLst>
+        </p:spPr>
+        <p:txBody>
+          <a:bodyPr vert="horz" wrap="square" lIns="91440" tIns="45720" rIns="91440" bIns="45720" numCol="1" anchor="t" anchorCtr="0" compatLnSpc="1">
+            <a:prstTxWarp prst="textNoShape">
+              <a:avLst/>
+            </a:prstTxWarp>
+          </a:bodyPr>
+          <a:lstStyle/>
+          <a:p>
+            <a:endParaRPr lang="es-CO"/>
+          </a:p>
+        </p:txBody>
+      </p:sp>
+      <p:pic>
+        <p:nvPicPr>
+          <p:cNvPr id="3" name="Imagen 2">
+            <a:extLst>
+              <a:ext uri="{FF2B5EF4-FFF2-40B4-BE49-F238E27FC236}">
+                <a16:creationId xmlns:a16="http://schemas.microsoft.com/office/drawing/2014/main" id="{21124649-2055-483E-888F-C638FD9E8A5D}"/>
+              </a:ext>
+            </a:extLst>
+          </p:cNvPr>
+          <p:cNvPicPr>
+            <a:picLocks noChangeAspect="1"/>
+          </p:cNvPicPr>
+          <p:nvPr/>
+        </p:nvPicPr>
+        <p:blipFill rotWithShape="1">
+          <a:blip r:embed="rId2"/>
+          <a:srcRect t="14067" r="1511" b="7453"/>
+          <a:stretch/>
+        </p:blipFill>
+        <p:spPr>
+          <a:xfrm>
+            <a:off x="194894" y="2510736"/>
+            <a:ext cx="8754211" cy="3921944"/>
+          </a:xfrm>
+          <a:prstGeom prst="rect">
+            <a:avLst/>
+          </a:prstGeom>
+        </p:spPr>
+      </p:pic>
+    </p:spTree>
+    <p:extLst>
+      <p:ext uri="{BB962C8B-B14F-4D97-AF65-F5344CB8AC3E}">
+        <p14:creationId xmlns:p14="http://schemas.microsoft.com/office/powerpoint/2010/main" val="3861876841"/>
       </p:ext>
     </p:extLst>
   </p:cSld>
@@ -35794,10 +34804,10 @@
       </p:sp>
       <p:pic>
         <p:nvPicPr>
-          <p:cNvPr id="3" name="Imagen 2">
+          <p:cNvPr id="4" name="Imagen 3">
             <a:extLst>
               <a:ext uri="{FF2B5EF4-FFF2-40B4-BE49-F238E27FC236}">
-                <a16:creationId xmlns:a16="http://schemas.microsoft.com/office/drawing/2014/main" id="{21124649-2055-483E-888F-C638FD9E8A5D}"/>
+                <a16:creationId xmlns:a16="http://schemas.microsoft.com/office/drawing/2014/main" id="{6CDA0ED6-7946-4A91-98E8-069D7F9C86FB}"/>
               </a:ext>
             </a:extLst>
           </p:cNvPr>
@@ -35808,13 +34818,13 @@
         </p:nvPicPr>
         <p:blipFill rotWithShape="1">
           <a:blip r:embed="rId2"/>
-          <a:srcRect t="14067" r="1511" b="7453"/>
+          <a:srcRect t="12930" b="4595"/>
           <a:stretch/>
         </p:blipFill>
         <p:spPr>
           <a:xfrm>
-            <a:off x="194894" y="2510736"/>
-            <a:ext cx="8754211" cy="3921944"/>
+            <a:off x="155575" y="2191341"/>
+            <a:ext cx="8899301" cy="4126601"/>
           </a:xfrm>
           <a:prstGeom prst="rect">
             <a:avLst/>
@@ -35824,7 +34834,7 @@
     </p:spTree>
     <p:extLst>
       <p:ext uri="{BB962C8B-B14F-4D97-AF65-F5344CB8AC3E}">
-        <p14:creationId xmlns:p14="http://schemas.microsoft.com/office/powerpoint/2010/main" val="3861876841"/>
+        <p14:creationId xmlns:p14="http://schemas.microsoft.com/office/powerpoint/2010/main" val="712159746"/>
       </p:ext>
     </p:extLst>
   </p:cSld>
@@ -36417,7 +35427,7 @@
           <p:cNvPr id="4" name="Imagen 3">
             <a:extLst>
               <a:ext uri="{FF2B5EF4-FFF2-40B4-BE49-F238E27FC236}">
-                <a16:creationId xmlns:a16="http://schemas.microsoft.com/office/drawing/2014/main" id="{6CDA0ED6-7946-4A91-98E8-069D7F9C86FB}"/>
+                <a16:creationId xmlns:a16="http://schemas.microsoft.com/office/drawing/2014/main" id="{D50FC8A0-89A5-4D48-8E99-0F4FBE2C0AAE}"/>
               </a:ext>
             </a:extLst>
           </p:cNvPr>
@@ -36428,13 +35438,13 @@
         </p:nvPicPr>
         <p:blipFill rotWithShape="1">
           <a:blip r:embed="rId2"/>
-          <a:srcRect t="12930" b="4595"/>
+          <a:srcRect t="12930" r="810" b="4595"/>
           <a:stretch/>
         </p:blipFill>
         <p:spPr>
           <a:xfrm>
-            <a:off x="155575" y="2191341"/>
-            <a:ext cx="8899301" cy="4126601"/>
+            <a:off x="122349" y="2245729"/>
+            <a:ext cx="8899301" cy="4160312"/>
           </a:xfrm>
           <a:prstGeom prst="rect">
             <a:avLst/>
@@ -36444,7 +35454,7 @@
     </p:spTree>
     <p:extLst>
       <p:ext uri="{BB962C8B-B14F-4D97-AF65-F5344CB8AC3E}">
-        <p14:creationId xmlns:p14="http://schemas.microsoft.com/office/powerpoint/2010/main" val="712159746"/>
+        <p14:creationId xmlns:p14="http://schemas.microsoft.com/office/powerpoint/2010/main" val="986115337"/>
       </p:ext>
     </p:extLst>
   </p:cSld>
@@ -37034,10 +36044,10 @@
       </p:sp>
       <p:pic>
         <p:nvPicPr>
-          <p:cNvPr id="4" name="Imagen 3">
+          <p:cNvPr id="3" name="Imagen 2">
             <a:extLst>
               <a:ext uri="{FF2B5EF4-FFF2-40B4-BE49-F238E27FC236}">
-                <a16:creationId xmlns:a16="http://schemas.microsoft.com/office/drawing/2014/main" id="{D50FC8A0-89A5-4D48-8E99-0F4FBE2C0AAE}"/>
+                <a16:creationId xmlns:a16="http://schemas.microsoft.com/office/drawing/2014/main" id="{85ABF40E-A082-40CC-8FB1-AF735ECD7E33}"/>
               </a:ext>
             </a:extLst>
           </p:cNvPr>
@@ -37053,8 +36063,8 @@
         </p:blipFill>
         <p:spPr>
           <a:xfrm>
-            <a:off x="122349" y="2245729"/>
-            <a:ext cx="8899301" cy="4160312"/>
+            <a:off x="95217" y="2097774"/>
+            <a:ext cx="8953565" cy="4185680"/>
           </a:xfrm>
           <a:prstGeom prst="rect">
             <a:avLst/>
@@ -37064,7 +36074,7 @@
     </p:spTree>
     <p:extLst>
       <p:ext uri="{BB962C8B-B14F-4D97-AF65-F5344CB8AC3E}">
-        <p14:creationId xmlns:p14="http://schemas.microsoft.com/office/powerpoint/2010/main" val="986115337"/>
+        <p14:creationId xmlns:p14="http://schemas.microsoft.com/office/powerpoint/2010/main" val="2000891964"/>
       </p:ext>
     </p:extLst>
   </p:cSld>
@@ -37657,7 +36667,7 @@
           <p:cNvPr id="3" name="Imagen 2">
             <a:extLst>
               <a:ext uri="{FF2B5EF4-FFF2-40B4-BE49-F238E27FC236}">
-                <a16:creationId xmlns:a16="http://schemas.microsoft.com/office/drawing/2014/main" id="{85ABF40E-A082-40CC-8FB1-AF735ECD7E33}"/>
+                <a16:creationId xmlns:a16="http://schemas.microsoft.com/office/drawing/2014/main" id="{B52D17DD-C000-448D-A7AE-8BACF60F1C7B}"/>
               </a:ext>
             </a:extLst>
           </p:cNvPr>
@@ -37673,8 +36683,8 @@
         </p:blipFill>
         <p:spPr>
           <a:xfrm>
-            <a:off x="95217" y="2097774"/>
-            <a:ext cx="8953565" cy="4185680"/>
+            <a:off x="122349" y="2150336"/>
+            <a:ext cx="8899301" cy="4160312"/>
           </a:xfrm>
           <a:prstGeom prst="rect">
             <a:avLst/>
@@ -37684,7 +36694,7 @@
     </p:spTree>
     <p:extLst>
       <p:ext uri="{BB962C8B-B14F-4D97-AF65-F5344CB8AC3E}">
-        <p14:creationId xmlns:p14="http://schemas.microsoft.com/office/powerpoint/2010/main" val="2000891964"/>
+        <p14:creationId xmlns:p14="http://schemas.microsoft.com/office/powerpoint/2010/main" val="935293071"/>
       </p:ext>
     </p:extLst>
   </p:cSld>
@@ -38706,626 +37716,6 @@
           <p:cNvPr id="3" name="Imagen 2">
             <a:extLst>
               <a:ext uri="{FF2B5EF4-FFF2-40B4-BE49-F238E27FC236}">
-                <a16:creationId xmlns:a16="http://schemas.microsoft.com/office/drawing/2014/main" id="{B52D17DD-C000-448D-A7AE-8BACF60F1C7B}"/>
-              </a:ext>
-            </a:extLst>
-          </p:cNvPr>
-          <p:cNvPicPr>
-            <a:picLocks noChangeAspect="1"/>
-          </p:cNvPicPr>
-          <p:nvPr/>
-        </p:nvPicPr>
-        <p:blipFill rotWithShape="1">
-          <a:blip r:embed="rId2"/>
-          <a:srcRect t="12930" r="810" b="4595"/>
-          <a:stretch/>
-        </p:blipFill>
-        <p:spPr>
-          <a:xfrm>
-            <a:off x="122349" y="2150336"/>
-            <a:ext cx="8899301" cy="4160312"/>
-          </a:xfrm>
-          <a:prstGeom prst="rect">
-            <a:avLst/>
-          </a:prstGeom>
-        </p:spPr>
-      </p:pic>
-    </p:spTree>
-    <p:extLst>
-      <p:ext uri="{BB962C8B-B14F-4D97-AF65-F5344CB8AC3E}">
-        <p14:creationId xmlns:p14="http://schemas.microsoft.com/office/powerpoint/2010/main" val="935293071"/>
-      </p:ext>
-    </p:extLst>
-  </p:cSld>
-  <p:clrMapOvr>
-    <a:masterClrMapping/>
-  </p:clrMapOvr>
-</p:sld>
-</file>
-
-<file path=ppt/slides/slide41.xml><?xml version="1.0" encoding="utf-8"?>
-<p:sld xmlns:a="http://schemas.openxmlformats.org/drawingml/2006/main" xmlns:r="http://schemas.openxmlformats.org/officeDocument/2006/relationships" xmlns:p="http://schemas.openxmlformats.org/presentationml/2006/main">
-  <p:cSld>
-    <p:spTree>
-      <p:nvGrpSpPr>
-        <p:cNvPr id="1" name=""/>
-        <p:cNvGrpSpPr/>
-        <p:nvPr/>
-      </p:nvGrpSpPr>
-      <p:grpSpPr>
-        <a:xfrm>
-          <a:off x="0" y="0"/>
-          <a:ext cx="0" cy="0"/>
-          <a:chOff x="0" y="0"/>
-          <a:chExt cx="0" cy="0"/>
-        </a:xfrm>
-      </p:grpSpPr>
-      <p:sp>
-        <p:nvSpPr>
-          <p:cNvPr id="15" name="14 Rectángulo"/>
-          <p:cNvSpPr/>
-          <p:nvPr/>
-        </p:nvSpPr>
-        <p:spPr>
-          <a:xfrm rot="20796637">
-            <a:off x="-1033229" y="-310908"/>
-            <a:ext cx="10665350" cy="1608631"/>
-          </a:xfrm>
-          <a:prstGeom prst="rect">
-            <a:avLst/>
-          </a:prstGeom>
-          <a:solidFill>
-            <a:srgbClr val="92D050"/>
-          </a:solidFill>
-          <a:ln>
-            <a:noFill/>
-          </a:ln>
-          <a:effectLst/>
-        </p:spPr>
-        <p:style>
-          <a:lnRef idx="1">
-            <a:schemeClr val="accent1"/>
-          </a:lnRef>
-          <a:fillRef idx="3">
-            <a:schemeClr val="accent1"/>
-          </a:fillRef>
-          <a:effectRef idx="2">
-            <a:schemeClr val="accent1"/>
-          </a:effectRef>
-          <a:fontRef idx="minor">
-            <a:schemeClr val="lt1"/>
-          </a:fontRef>
-        </p:style>
-        <p:txBody>
-          <a:bodyPr rtlCol="0" anchor="ctr"/>
-          <a:lstStyle/>
-          <a:p>
-            <a:pPr algn="ctr"/>
-            <a:endParaRPr lang="es-CO" dirty="0"/>
-          </a:p>
-        </p:txBody>
-      </p:sp>
-      <p:sp>
-        <p:nvSpPr>
-          <p:cNvPr id="17" name="16 Rectángulo"/>
-          <p:cNvSpPr/>
-          <p:nvPr/>
-        </p:nvSpPr>
-        <p:spPr>
-          <a:xfrm rot="21241341">
-            <a:off x="-1002985" y="180847"/>
-            <a:ext cx="10631006" cy="1316776"/>
-          </a:xfrm>
-          <a:prstGeom prst="rect">
-            <a:avLst/>
-          </a:prstGeom>
-          <a:solidFill>
-            <a:srgbClr val="FFC000"/>
-          </a:solidFill>
-          <a:ln>
-            <a:noFill/>
-          </a:ln>
-          <a:effectLst/>
-        </p:spPr>
-        <p:style>
-          <a:lnRef idx="1">
-            <a:schemeClr val="accent1"/>
-          </a:lnRef>
-          <a:fillRef idx="3">
-            <a:schemeClr val="accent1"/>
-          </a:fillRef>
-          <a:effectRef idx="2">
-            <a:schemeClr val="accent1"/>
-          </a:effectRef>
-          <a:fontRef idx="minor">
-            <a:schemeClr val="lt1"/>
-          </a:fontRef>
-        </p:style>
-        <p:txBody>
-          <a:bodyPr rtlCol="0" anchor="ctr"/>
-          <a:lstStyle/>
-          <a:p>
-            <a:pPr algn="ctr"/>
-            <a:endParaRPr lang="es-CO" dirty="0"/>
-          </a:p>
-        </p:txBody>
-      </p:sp>
-      <p:sp>
-        <p:nvSpPr>
-          <p:cNvPr id="18" name="17 Rectángulo"/>
-          <p:cNvSpPr/>
-          <p:nvPr/>
-        </p:nvSpPr>
-        <p:spPr>
-          <a:xfrm>
-            <a:off x="-968311" y="198126"/>
-            <a:ext cx="10631006" cy="1425956"/>
-          </a:xfrm>
-          <a:prstGeom prst="rect">
-            <a:avLst/>
-          </a:prstGeom>
-          <a:solidFill>
-            <a:srgbClr val="0099A5"/>
-          </a:solidFill>
-          <a:ln>
-            <a:noFill/>
-          </a:ln>
-          <a:effectLst/>
-        </p:spPr>
-        <p:style>
-          <a:lnRef idx="1">
-            <a:schemeClr val="accent1"/>
-          </a:lnRef>
-          <a:fillRef idx="3">
-            <a:schemeClr val="accent1"/>
-          </a:fillRef>
-          <a:effectRef idx="2">
-            <a:schemeClr val="accent1"/>
-          </a:effectRef>
-          <a:fontRef idx="minor">
-            <a:schemeClr val="lt1"/>
-          </a:fontRef>
-        </p:style>
-        <p:txBody>
-          <a:bodyPr rtlCol="0" anchor="ctr"/>
-          <a:lstStyle/>
-          <a:p>
-            <a:pPr algn="ctr"/>
-            <a:endParaRPr lang="es-CO" dirty="0"/>
-          </a:p>
-        </p:txBody>
-      </p:sp>
-      <p:sp>
-        <p:nvSpPr>
-          <p:cNvPr id="7" name="Marcador de contenido 5"/>
-          <p:cNvSpPr txBox="1">
-            <a:spLocks/>
-          </p:cNvSpPr>
-          <p:nvPr/>
-        </p:nvSpPr>
-        <p:spPr>
-          <a:xfrm>
-            <a:off x="0" y="0"/>
-            <a:ext cx="9144000" cy="6857999"/>
-          </a:xfrm>
-          <a:prstGeom prst="rect">
-            <a:avLst/>
-          </a:prstGeom>
-        </p:spPr>
-        <p:txBody>
-          <a:bodyPr vert="horz" lIns="91440" tIns="45720" rIns="91440" bIns="45720" rtlCol="0">
-            <a:normAutofit/>
-          </a:bodyPr>
-          <a:lstStyle>
-            <a:lvl1pPr marL="342900" indent="-342900" algn="l" defTabSz="457200" rtl="0" eaLnBrk="1" latinLnBrk="0" hangingPunct="1">
-              <a:spcBef>
-                <a:spcPct val="20000"/>
-              </a:spcBef>
-              <a:buFont typeface="Arial"/>
-              <a:buChar char="•"/>
-              <a:defRPr sz="3200" kern="1200">
-                <a:solidFill>
-                  <a:schemeClr val="tx1"/>
-                </a:solidFill>
-                <a:latin typeface="+mn-lt"/>
-                <a:ea typeface="+mn-ea"/>
-                <a:cs typeface="+mn-cs"/>
-              </a:defRPr>
-            </a:lvl1pPr>
-            <a:lvl2pPr marL="742950" indent="-285750" algn="l" defTabSz="457200" rtl="0" eaLnBrk="1" latinLnBrk="0" hangingPunct="1">
-              <a:spcBef>
-                <a:spcPct val="20000"/>
-              </a:spcBef>
-              <a:buFont typeface="Arial"/>
-              <a:buChar char="–"/>
-              <a:defRPr sz="2800" kern="1200">
-                <a:solidFill>
-                  <a:schemeClr val="tx1"/>
-                </a:solidFill>
-                <a:latin typeface="+mn-lt"/>
-                <a:ea typeface="+mn-ea"/>
-                <a:cs typeface="+mn-cs"/>
-              </a:defRPr>
-            </a:lvl2pPr>
-            <a:lvl3pPr marL="1143000" indent="-228600" algn="l" defTabSz="457200" rtl="0" eaLnBrk="1" latinLnBrk="0" hangingPunct="1">
-              <a:spcBef>
-                <a:spcPct val="20000"/>
-              </a:spcBef>
-              <a:buFont typeface="Arial"/>
-              <a:buChar char="•"/>
-              <a:defRPr sz="2400" kern="1200">
-                <a:solidFill>
-                  <a:schemeClr val="tx1"/>
-                </a:solidFill>
-                <a:latin typeface="+mn-lt"/>
-                <a:ea typeface="+mn-ea"/>
-                <a:cs typeface="+mn-cs"/>
-              </a:defRPr>
-            </a:lvl3pPr>
-            <a:lvl4pPr marL="1600200" indent="-228600" algn="l" defTabSz="457200" rtl="0" eaLnBrk="1" latinLnBrk="0" hangingPunct="1">
-              <a:spcBef>
-                <a:spcPct val="20000"/>
-              </a:spcBef>
-              <a:buFont typeface="Arial"/>
-              <a:buChar char="–"/>
-              <a:defRPr sz="2000" kern="1200">
-                <a:solidFill>
-                  <a:schemeClr val="tx1"/>
-                </a:solidFill>
-                <a:latin typeface="+mn-lt"/>
-                <a:ea typeface="+mn-ea"/>
-                <a:cs typeface="+mn-cs"/>
-              </a:defRPr>
-            </a:lvl4pPr>
-            <a:lvl5pPr marL="2057400" indent="-228600" algn="l" defTabSz="457200" rtl="0" eaLnBrk="1" latinLnBrk="0" hangingPunct="1">
-              <a:spcBef>
-                <a:spcPct val="20000"/>
-              </a:spcBef>
-              <a:buFont typeface="Arial"/>
-              <a:buChar char="»"/>
-              <a:defRPr sz="2000" kern="1200">
-                <a:solidFill>
-                  <a:schemeClr val="tx1"/>
-                </a:solidFill>
-                <a:latin typeface="+mn-lt"/>
-                <a:ea typeface="+mn-ea"/>
-                <a:cs typeface="+mn-cs"/>
-              </a:defRPr>
-            </a:lvl5pPr>
-            <a:lvl6pPr marL="2514600" indent="-228600" algn="l" defTabSz="457200" rtl="0" eaLnBrk="1" latinLnBrk="0" hangingPunct="1">
-              <a:spcBef>
-                <a:spcPct val="20000"/>
-              </a:spcBef>
-              <a:buFont typeface="Arial"/>
-              <a:buChar char="•"/>
-              <a:defRPr sz="2000" kern="1200">
-                <a:solidFill>
-                  <a:schemeClr val="tx1"/>
-                </a:solidFill>
-                <a:latin typeface="+mn-lt"/>
-                <a:ea typeface="+mn-ea"/>
-                <a:cs typeface="+mn-cs"/>
-              </a:defRPr>
-            </a:lvl6pPr>
-            <a:lvl7pPr marL="2971800" indent="-228600" algn="l" defTabSz="457200" rtl="0" eaLnBrk="1" latinLnBrk="0" hangingPunct="1">
-              <a:spcBef>
-                <a:spcPct val="20000"/>
-              </a:spcBef>
-              <a:buFont typeface="Arial"/>
-              <a:buChar char="•"/>
-              <a:defRPr sz="2000" kern="1200">
-                <a:solidFill>
-                  <a:schemeClr val="tx1"/>
-                </a:solidFill>
-                <a:latin typeface="+mn-lt"/>
-                <a:ea typeface="+mn-ea"/>
-                <a:cs typeface="+mn-cs"/>
-              </a:defRPr>
-            </a:lvl7pPr>
-            <a:lvl8pPr marL="3429000" indent="-228600" algn="l" defTabSz="457200" rtl="0" eaLnBrk="1" latinLnBrk="0" hangingPunct="1">
-              <a:spcBef>
-                <a:spcPct val="20000"/>
-              </a:spcBef>
-              <a:buFont typeface="Arial"/>
-              <a:buChar char="•"/>
-              <a:defRPr sz="2000" kern="1200">
-                <a:solidFill>
-                  <a:schemeClr val="tx1"/>
-                </a:solidFill>
-                <a:latin typeface="+mn-lt"/>
-                <a:ea typeface="+mn-ea"/>
-                <a:cs typeface="+mn-cs"/>
-              </a:defRPr>
-            </a:lvl8pPr>
-            <a:lvl9pPr marL="3886200" indent="-228600" algn="l" defTabSz="457200" rtl="0" eaLnBrk="1" latinLnBrk="0" hangingPunct="1">
-              <a:spcBef>
-                <a:spcPct val="20000"/>
-              </a:spcBef>
-              <a:buFont typeface="Arial"/>
-              <a:buChar char="•"/>
-              <a:defRPr sz="2000" kern="1200">
-                <a:solidFill>
-                  <a:schemeClr val="tx1"/>
-                </a:solidFill>
-                <a:latin typeface="+mn-lt"/>
-                <a:ea typeface="+mn-ea"/>
-                <a:cs typeface="+mn-cs"/>
-              </a:defRPr>
-            </a:lvl9pPr>
-          </a:lstStyle>
-          <a:p>
-            <a:endParaRPr lang="es-ES" dirty="0"/>
-          </a:p>
-        </p:txBody>
-      </p:sp>
-      <p:sp>
-        <p:nvSpPr>
-          <p:cNvPr id="16" name="Título 1"/>
-          <p:cNvSpPr txBox="1">
-            <a:spLocks/>
-          </p:cNvSpPr>
-          <p:nvPr/>
-        </p:nvSpPr>
-        <p:spPr>
-          <a:xfrm>
-            <a:off x="364273" y="324984"/>
-            <a:ext cx="9069906" cy="887583"/>
-          </a:xfrm>
-          <a:prstGeom prst="rect">
-            <a:avLst/>
-          </a:prstGeom>
-        </p:spPr>
-        <p:txBody>
-          <a:bodyPr vert="horz" lIns="91440" tIns="45720" rIns="91440" bIns="45720" rtlCol="0" anchor="ctr">
-            <a:noAutofit/>
-          </a:bodyPr>
-          <a:lstStyle>
-            <a:lvl1pPr algn="ctr" defTabSz="457200" rtl="0" eaLnBrk="1" latinLnBrk="0" hangingPunct="1">
-              <a:spcBef>
-                <a:spcPct val="0"/>
-              </a:spcBef>
-              <a:buNone/>
-              <a:defRPr sz="4400" kern="1200">
-                <a:solidFill>
-                  <a:schemeClr val="tx1"/>
-                </a:solidFill>
-                <a:latin typeface="+mj-lt"/>
-                <a:ea typeface="+mj-ea"/>
-                <a:cs typeface="+mj-cs"/>
-              </a:defRPr>
-            </a:lvl1pPr>
-          </a:lstStyle>
-          <a:p>
-            <a:pPr algn="l"/>
-            <a:r>
-              <a:rPr lang="es-ES" sz="5400" dirty="0">
-                <a:solidFill>
-                  <a:schemeClr val="bg1"/>
-                </a:solidFill>
-              </a:rPr>
-              <a:t>MOCKUPS</a:t>
-            </a:r>
-          </a:p>
-        </p:txBody>
-      </p:sp>
-      <p:sp>
-        <p:nvSpPr>
-          <p:cNvPr id="27" name="Marcador de contenido 2"/>
-          <p:cNvSpPr txBox="1">
-            <a:spLocks/>
-          </p:cNvSpPr>
-          <p:nvPr/>
-        </p:nvSpPr>
-        <p:spPr>
-          <a:xfrm>
-            <a:off x="899151" y="2070580"/>
-            <a:ext cx="8000150" cy="4240068"/>
-          </a:xfrm>
-          <a:prstGeom prst="rect">
-            <a:avLst/>
-          </a:prstGeom>
-        </p:spPr>
-        <p:txBody>
-          <a:bodyPr>
-            <a:noAutofit/>
-          </a:bodyPr>
-          <a:lstStyle>
-            <a:lvl1pPr marL="342900" indent="-342900" algn="l" defTabSz="457200" rtl="0" eaLnBrk="1" latinLnBrk="0" hangingPunct="1">
-              <a:spcBef>
-                <a:spcPct val="20000"/>
-              </a:spcBef>
-              <a:buFont typeface="Arial"/>
-              <a:buChar char="•"/>
-              <a:defRPr sz="3200" kern="1200">
-                <a:solidFill>
-                  <a:schemeClr val="tx1"/>
-                </a:solidFill>
-                <a:latin typeface="+mn-lt"/>
-                <a:ea typeface="+mn-ea"/>
-                <a:cs typeface="+mn-cs"/>
-              </a:defRPr>
-            </a:lvl1pPr>
-            <a:lvl2pPr marL="742950" indent="-285750" algn="l" defTabSz="457200" rtl="0" eaLnBrk="1" latinLnBrk="0" hangingPunct="1">
-              <a:spcBef>
-                <a:spcPct val="20000"/>
-              </a:spcBef>
-              <a:buFont typeface="Arial"/>
-              <a:buChar char="–"/>
-              <a:defRPr sz="2800" kern="1200">
-                <a:solidFill>
-                  <a:schemeClr val="tx1"/>
-                </a:solidFill>
-                <a:latin typeface="+mn-lt"/>
-                <a:ea typeface="+mn-ea"/>
-                <a:cs typeface="+mn-cs"/>
-              </a:defRPr>
-            </a:lvl2pPr>
-            <a:lvl3pPr marL="1143000" indent="-228600" algn="l" defTabSz="457200" rtl="0" eaLnBrk="1" latinLnBrk="0" hangingPunct="1">
-              <a:spcBef>
-                <a:spcPct val="20000"/>
-              </a:spcBef>
-              <a:buFont typeface="Arial"/>
-              <a:buChar char="•"/>
-              <a:defRPr sz="2400" kern="1200">
-                <a:solidFill>
-                  <a:schemeClr val="tx1"/>
-                </a:solidFill>
-                <a:latin typeface="+mn-lt"/>
-                <a:ea typeface="+mn-ea"/>
-                <a:cs typeface="+mn-cs"/>
-              </a:defRPr>
-            </a:lvl3pPr>
-            <a:lvl4pPr marL="1600200" indent="-228600" algn="l" defTabSz="457200" rtl="0" eaLnBrk="1" latinLnBrk="0" hangingPunct="1">
-              <a:spcBef>
-                <a:spcPct val="20000"/>
-              </a:spcBef>
-              <a:buFont typeface="Arial"/>
-              <a:buChar char="–"/>
-              <a:defRPr sz="2000" kern="1200">
-                <a:solidFill>
-                  <a:schemeClr val="tx1"/>
-                </a:solidFill>
-                <a:latin typeface="+mn-lt"/>
-                <a:ea typeface="+mn-ea"/>
-                <a:cs typeface="+mn-cs"/>
-              </a:defRPr>
-            </a:lvl4pPr>
-            <a:lvl5pPr marL="2057400" indent="-228600" algn="l" defTabSz="457200" rtl="0" eaLnBrk="1" latinLnBrk="0" hangingPunct="1">
-              <a:spcBef>
-                <a:spcPct val="20000"/>
-              </a:spcBef>
-              <a:buFont typeface="Arial"/>
-              <a:buChar char="»"/>
-              <a:defRPr sz="2000" kern="1200">
-                <a:solidFill>
-                  <a:schemeClr val="tx1"/>
-                </a:solidFill>
-                <a:latin typeface="+mn-lt"/>
-                <a:ea typeface="+mn-ea"/>
-                <a:cs typeface="+mn-cs"/>
-              </a:defRPr>
-            </a:lvl5pPr>
-            <a:lvl6pPr marL="2514600" indent="-228600" algn="l" defTabSz="457200" rtl="0" eaLnBrk="1" latinLnBrk="0" hangingPunct="1">
-              <a:spcBef>
-                <a:spcPct val="20000"/>
-              </a:spcBef>
-              <a:buFont typeface="Arial"/>
-              <a:buChar char="•"/>
-              <a:defRPr sz="2000" kern="1200">
-                <a:solidFill>
-                  <a:schemeClr val="tx1"/>
-                </a:solidFill>
-                <a:latin typeface="+mn-lt"/>
-                <a:ea typeface="+mn-ea"/>
-                <a:cs typeface="+mn-cs"/>
-              </a:defRPr>
-            </a:lvl6pPr>
-            <a:lvl7pPr marL="2971800" indent="-228600" algn="l" defTabSz="457200" rtl="0" eaLnBrk="1" latinLnBrk="0" hangingPunct="1">
-              <a:spcBef>
-                <a:spcPct val="20000"/>
-              </a:spcBef>
-              <a:buFont typeface="Arial"/>
-              <a:buChar char="•"/>
-              <a:defRPr sz="2000" kern="1200">
-                <a:solidFill>
-                  <a:schemeClr val="tx1"/>
-                </a:solidFill>
-                <a:latin typeface="+mn-lt"/>
-                <a:ea typeface="+mn-ea"/>
-                <a:cs typeface="+mn-cs"/>
-              </a:defRPr>
-            </a:lvl7pPr>
-            <a:lvl8pPr marL="3429000" indent="-228600" algn="l" defTabSz="457200" rtl="0" eaLnBrk="1" latinLnBrk="0" hangingPunct="1">
-              <a:spcBef>
-                <a:spcPct val="20000"/>
-              </a:spcBef>
-              <a:buFont typeface="Arial"/>
-              <a:buChar char="•"/>
-              <a:defRPr sz="2000" kern="1200">
-                <a:solidFill>
-                  <a:schemeClr val="tx1"/>
-                </a:solidFill>
-                <a:latin typeface="+mn-lt"/>
-                <a:ea typeface="+mn-ea"/>
-                <a:cs typeface="+mn-cs"/>
-              </a:defRPr>
-            </a:lvl8pPr>
-            <a:lvl9pPr marL="3886200" indent="-228600" algn="l" defTabSz="457200" rtl="0" eaLnBrk="1" latinLnBrk="0" hangingPunct="1">
-              <a:spcBef>
-                <a:spcPct val="20000"/>
-              </a:spcBef>
-              <a:buFont typeface="Arial"/>
-              <a:buChar char="•"/>
-              <a:defRPr sz="2000" kern="1200">
-                <a:solidFill>
-                  <a:schemeClr val="tx1"/>
-                </a:solidFill>
-                <a:latin typeface="+mn-lt"/>
-                <a:ea typeface="+mn-ea"/>
-                <a:cs typeface="+mn-cs"/>
-              </a:defRPr>
-            </a:lvl9pPr>
-          </a:lstStyle>
-          <a:p>
-            <a:pPr marL="0" indent="0">
-              <a:buFont typeface="Arial"/>
-              <a:buNone/>
-            </a:pPr>
-            <a:endParaRPr lang="es-CO" sz="2000" dirty="0">
-              <a:solidFill>
-                <a:schemeClr val="tx1">
-                  <a:lumMod val="75000"/>
-                  <a:lumOff val="25000"/>
-                </a:schemeClr>
-              </a:solidFill>
-            </a:endParaRPr>
-          </a:p>
-        </p:txBody>
-      </p:sp>
-      <p:sp>
-        <p:nvSpPr>
-          <p:cNvPr id="2" name="AutoShape 2" descr="blob:https://web.telegram.org/91b4e5f7-c5d4-4266-91e2-3e14d7c7ae49"/>
-          <p:cNvSpPr>
-            <a:spLocks noChangeAspect="1" noChangeArrowheads="1"/>
-          </p:cNvSpPr>
-          <p:nvPr/>
-        </p:nvSpPr>
-        <p:spPr bwMode="auto">
-          <a:xfrm>
-            <a:off x="155575" y="-144463"/>
-            <a:ext cx="304800" cy="304801"/>
-          </a:xfrm>
-          <a:prstGeom prst="rect">
-            <a:avLst/>
-          </a:prstGeom>
-          <a:noFill/>
-          <a:extLst>
-            <a:ext uri="{909E8E84-426E-40DD-AFC4-6F175D3DCCD1}">
-              <a14:hiddenFill xmlns:a14="http://schemas.microsoft.com/office/drawing/2010/main">
-                <a:solidFill>
-                  <a:srgbClr val="FFFFFF"/>
-                </a:solidFill>
-              </a14:hiddenFill>
-            </a:ext>
-          </a:extLst>
-        </p:spPr>
-        <p:txBody>
-          <a:bodyPr vert="horz" wrap="square" lIns="91440" tIns="45720" rIns="91440" bIns="45720" numCol="1" anchor="t" anchorCtr="0" compatLnSpc="1">
-            <a:prstTxWarp prst="textNoShape">
-              <a:avLst/>
-            </a:prstTxWarp>
-          </a:bodyPr>
-          <a:lstStyle/>
-          <a:p>
-            <a:endParaRPr lang="es-CO"/>
-          </a:p>
-        </p:txBody>
-      </p:sp>
-      <p:pic>
-        <p:nvPicPr>
-          <p:cNvPr id="3" name="Imagen 2">
-            <a:extLst>
-              <a:ext uri="{FF2B5EF4-FFF2-40B4-BE49-F238E27FC236}">
                 <a16:creationId xmlns:a16="http://schemas.microsoft.com/office/drawing/2014/main" id="{E33DC6D9-0C77-4655-93EC-C837947DA7FC}"/>
               </a:ext>
             </a:extLst>
@@ -39363,7 +37753,7 @@
 </p:sld>
 </file>
 
-<file path=ppt/slides/slide42.xml><?xml version="1.0" encoding="utf-8"?>
+<file path=ppt/slides/slide41.xml><?xml version="1.0" encoding="utf-8"?>
 <p:sld xmlns:a="http://schemas.openxmlformats.org/drawingml/2006/main" xmlns:r="http://schemas.openxmlformats.org/officeDocument/2006/relationships" xmlns:p="http://schemas.openxmlformats.org/presentationml/2006/main">
   <p:cSld>
     <p:spTree>
@@ -39727,7 +38117,7 @@
 </p:sld>
 </file>
 
-<file path=ppt/slides/slide43.xml><?xml version="1.0" encoding="utf-8"?>
+<file path=ppt/slides/slide42.xml><?xml version="1.0" encoding="utf-8"?>
 <p:sld xmlns:a="http://schemas.openxmlformats.org/drawingml/2006/main" xmlns:r="http://schemas.openxmlformats.org/officeDocument/2006/relationships" xmlns:p="http://schemas.openxmlformats.org/presentationml/2006/main">
   <p:cSld>
     <p:spTree>
@@ -41087,7 +39477,55 @@
                 <a:cs typeface="Calibri"/>
                 <a:sym typeface="Calibri"/>
               </a:rPr>
-              <a:t>administración global del manejo y entrega de certificados, administración de los periodos de vacaciones y noticias, eventos referentes a la empresa.</a:t>
+              <a:t>administración global del manejo y entrega de </a:t>
+            </a:r>
+            <a:r>
+              <a:rPr lang="es-CO" sz="2800" dirty="0" smtClean="0">
+                <a:solidFill>
+                  <a:srgbClr val="8A8A8A"/>
+                </a:solidFill>
+                <a:latin typeface="Calibri"/>
+                <a:ea typeface="Calibri"/>
+                <a:cs typeface="Calibri"/>
+                <a:sym typeface="Calibri"/>
+              </a:rPr>
+              <a:t>desprendibles de pago,  </a:t>
+            </a:r>
+            <a:r>
+              <a:rPr lang="es-CO" sz="2800" dirty="0">
+                <a:solidFill>
+                  <a:srgbClr val="8A8A8A"/>
+                </a:solidFill>
+                <a:latin typeface="Calibri"/>
+                <a:ea typeface="Calibri"/>
+                <a:cs typeface="Calibri"/>
+                <a:sym typeface="Calibri"/>
+              </a:rPr>
+              <a:t>noticias</a:t>
+            </a:r>
+            <a:r>
+              <a:rPr lang="es-CO" sz="2800" dirty="0" smtClean="0">
+                <a:solidFill>
+                  <a:srgbClr val="8A8A8A"/>
+                </a:solidFill>
+                <a:latin typeface="Calibri"/>
+                <a:ea typeface="Calibri"/>
+                <a:cs typeface="Calibri"/>
+                <a:sym typeface="Calibri"/>
+              </a:rPr>
+              <a:t>, y  </a:t>
+            </a:r>
+            <a:r>
+              <a:rPr lang="es-CO" sz="2800" dirty="0">
+                <a:solidFill>
+                  <a:srgbClr val="8A8A8A"/>
+                </a:solidFill>
+                <a:latin typeface="Calibri"/>
+                <a:ea typeface="Calibri"/>
+                <a:cs typeface="Calibri"/>
+                <a:sym typeface="Calibri"/>
+              </a:rPr>
+              <a:t>eventos referentes a la empresa.</a:t>
             </a:r>
             <a:endParaRPr sz="2800" dirty="0"/>
           </a:p>
@@ -41385,7 +39823,7 @@
         <p:spPr>
           <a:xfrm>
             <a:off x="970204" y="3077995"/>
-            <a:ext cx="7858043" cy="2677656"/>
+            <a:ext cx="7858043" cy="2308324"/>
           </a:xfrm>
           <a:prstGeom prst="rect">
             <a:avLst/>
@@ -41484,7 +39922,7 @@
               <a:buAutoNum type="arabicPeriod"/>
             </a:pPr>
             <a:r>
-              <a:rPr lang="es-MX" sz="2400" dirty="0">
+              <a:rPr lang="es-MX" sz="2400" dirty="0" smtClean="0">
                 <a:solidFill>
                   <a:schemeClr val="bg1">
                     <a:lumMod val="50000"/>
@@ -41493,7 +39931,7 @@
                 <a:latin typeface="Calibri" panose="020F0502020204030204" pitchFamily="34" charset="0"/>
                 <a:cs typeface="Calibri" panose="020F0502020204030204" pitchFamily="34" charset="0"/>
               </a:rPr>
-              <a:t>G</a:t>
+              <a:t>Gestionar </a:t>
             </a:r>
             <a:r>
               <a:rPr lang="es-MX" sz="2400" dirty="0" smtClean="0">
@@ -41505,49 +39943,7 @@
                 <a:latin typeface="Calibri" panose="020F0502020204030204" pitchFamily="34" charset="0"/>
                 <a:cs typeface="Calibri" panose="020F0502020204030204" pitchFamily="34" charset="0"/>
               </a:rPr>
-              <a:t>estionar certificados </a:t>
-            </a:r>
-            <a:r>
-              <a:rPr lang="es-MX" sz="2400" dirty="0">
-                <a:solidFill>
-                  <a:schemeClr val="bg1">
-                    <a:lumMod val="50000"/>
-                  </a:schemeClr>
-                </a:solidFill>
-                <a:latin typeface="Calibri" panose="020F0502020204030204" pitchFamily="34" charset="0"/>
-                <a:cs typeface="Calibri" panose="020F0502020204030204" pitchFamily="34" charset="0"/>
-              </a:rPr>
-              <a:t>laborales </a:t>
-            </a:r>
-            <a:r>
-              <a:rPr lang="es-MX" sz="2400" dirty="0" smtClean="0">
-                <a:solidFill>
-                  <a:schemeClr val="bg1">
-                    <a:lumMod val="50000"/>
-                  </a:schemeClr>
-                </a:solidFill>
-                <a:latin typeface="Calibri" panose="020F0502020204030204" pitchFamily="34" charset="0"/>
-                <a:cs typeface="Calibri" panose="020F0502020204030204" pitchFamily="34" charset="0"/>
-              </a:rPr>
-              <a:t>de empleados.</a:t>
-            </a:r>
-          </a:p>
-          <a:p>
-            <a:pPr marL="457200" indent="-457200">
-              <a:buFont typeface="+mj-lt"/>
-              <a:buAutoNum type="arabicPeriod"/>
-            </a:pPr>
-            <a:r>
-              <a:rPr lang="es-MX" sz="2400" dirty="0" smtClean="0">
-                <a:solidFill>
-                  <a:schemeClr val="bg1">
-                    <a:lumMod val="50000"/>
-                  </a:schemeClr>
-                </a:solidFill>
-                <a:latin typeface="Calibri" panose="020F0502020204030204" pitchFamily="34" charset="0"/>
-                <a:cs typeface="Calibri" panose="020F0502020204030204" pitchFamily="34" charset="0"/>
-              </a:rPr>
-              <a:t>Gestionar nominas de empleados. </a:t>
+              <a:t>nominas de empleados. </a:t>
             </a:r>
             <a:endParaRPr lang="es-MX" sz="2400" dirty="0">
               <a:solidFill>

--- a/Documentation/AseoMatic.pptx
+++ b/Documentation/AseoMatic.pptx
@@ -312,7 +312,7 @@
       </p15:notesGuideLst>
     </p:ext>
     <p:ext uri="http://customooxmlschemas.google.com/">
-      <go:slidesCustomData xmlns:go="http://customooxmlschemas.google.com/" xmlns:p15="http://schemas.microsoft.com/office/powerpoint/2012/main" xmlns:p14="http://schemas.microsoft.com/office/powerpoint/2010/main" xmlns:com="http://schemas.openxmlformats.org/drawingml/2006/compatibility" xmlns:pvml="urn:schemas-microsoft-com:office:powerpoint" xmlns:v="urn:schemas-microsoft-com:vml" xmlns:o="urn:schemas-microsoft-com:office:office" xmlns:dgm="http://schemas.openxmlformats.org/drawingml/2006/diagram" xmlns:c="http://schemas.openxmlformats.org/drawingml/2006/chart" xmlns:mv="urn:schemas-microsoft-com:mac:vml" xmlns:mc="http://schemas.openxmlformats.org/markup-compatibility/2006" xmlns="" r:id="rId46" roundtripDataSignature="AMtx7mhjJmz1Vlyn02yKCHItcX+SGp0+8Q=="/>
+      <go:slidesCustomData xmlns="" xmlns:mc="http://schemas.openxmlformats.org/markup-compatibility/2006" xmlns:mv="urn:schemas-microsoft-com:mac:vml" xmlns:c="http://schemas.openxmlformats.org/drawingml/2006/chart" xmlns:dgm="http://schemas.openxmlformats.org/drawingml/2006/diagram" xmlns:o="urn:schemas-microsoft-com:office:office" xmlns:v="urn:schemas-microsoft-com:vml" xmlns:pvml="urn:schemas-microsoft-com:office:powerpoint" xmlns:com="http://schemas.openxmlformats.org/drawingml/2006/compatibility" xmlns:p14="http://schemas.microsoft.com/office/powerpoint/2010/main" xmlns:p15="http://schemas.microsoft.com/office/powerpoint/2012/main" xmlns:go="http://customooxmlschemas.google.com/" r:id="rId46" roundtripDataSignature="AMtx7mhjJmz1Vlyn02yKCHItcX+SGp0+8Q=="/>
     </p:ext>
   </p:extLst>
 </p:presentation>
@@ -9721,19 +9721,7 @@
                 <a:cs typeface="Calibri"/>
                 <a:sym typeface="Calibri"/>
               </a:rPr>
-              <a:t>Este proyecto se centra en la implementación de un sistema de información que busca reducir los tiempos del proceso actual de la empresa Equidad S.A.S  donde se establece la entrega de </a:t>
-            </a:r>
-            <a:r>
-              <a:rPr lang="es-MX" sz="2800" dirty="0">
-                <a:solidFill>
-                  <a:srgbClr val="8A8A8A"/>
-                </a:solidFill>
-                <a:latin typeface="Calibri"/>
-                <a:ea typeface="Calibri"/>
-                <a:cs typeface="Calibri"/>
-                <a:sym typeface="Calibri"/>
-              </a:rPr>
-              <a:t>4</a:t>
+              <a:t>Este proyecto se centra en la implementación de un sistema de información que busca reducir los tiempos del proceso actual de la empresa Equidad S.A.S  donde se establece la entrega de 4</a:t>
             </a:r>
             <a:r>
               <a:rPr lang="es-MX" sz="2800" dirty="0" smtClean="0">
@@ -14486,36 +14474,6 @@
           <a:chExt cx="0" cy="0"/>
         </a:xfrm>
       </p:grpSpPr>
-      <p:pic>
-        <p:nvPicPr>
-          <p:cNvPr id="2" name="Imagen 1"/>
-          <p:cNvPicPr>
-            <a:picLocks noChangeAspect="1"/>
-          </p:cNvPicPr>
-          <p:nvPr/>
-        </p:nvPicPr>
-        <p:blipFill>
-          <a:blip r:embed="rId2">
-            <a:extLst>
-              <a:ext uri="{28A0092B-C50C-407E-A947-70E740481C1C}">
-                <a14:useLocalDpi xmlns:a14="http://schemas.microsoft.com/office/drawing/2010/main" val="0"/>
-              </a:ext>
-            </a:extLst>
-          </a:blip>
-          <a:stretch>
-            <a:fillRect/>
-          </a:stretch>
-        </p:blipFill>
-        <p:spPr>
-          <a:xfrm>
-            <a:off x="126776" y="1909376"/>
-            <a:ext cx="8772525" cy="4562475"/>
-          </a:xfrm>
-          <a:prstGeom prst="rect">
-            <a:avLst/>
-          </a:prstGeom>
-        </p:spPr>
-      </p:pic>
       <p:sp>
         <p:nvSpPr>
           <p:cNvPr id="15" name="14 Rectángulo"/>
@@ -15030,6 +14988,30 @@
           </a:p>
         </p:txBody>
       </p:sp>
+      <p:pic>
+        <p:nvPicPr>
+          <p:cNvPr id="3" name="Imagen 2"/>
+          <p:cNvPicPr>
+            <a:picLocks noChangeAspect="1"/>
+          </p:cNvPicPr>
+          <p:nvPr/>
+        </p:nvPicPr>
+        <p:blipFill>
+          <a:blip r:embed="rId2"/>
+          <a:stretch>
+            <a:fillRect/>
+          </a:stretch>
+        </p:blipFill>
+        <p:spPr>
+          <a:xfrm>
+            <a:off x="2037996" y="2174461"/>
+            <a:ext cx="5068007" cy="3667637"/>
+          </a:xfrm>
+          <a:prstGeom prst="rect">
+            <a:avLst/>
+          </a:prstGeom>
+        </p:spPr>
+      </p:pic>
     </p:spTree>
     <p:extLst>
       <p:ext uri="{BB962C8B-B14F-4D97-AF65-F5344CB8AC3E}">
@@ -39931,19 +39913,7 @@
                 <a:latin typeface="Calibri" panose="020F0502020204030204" pitchFamily="34" charset="0"/>
                 <a:cs typeface="Calibri" panose="020F0502020204030204" pitchFamily="34" charset="0"/>
               </a:rPr>
-              <a:t>Gestionar </a:t>
-            </a:r>
-            <a:r>
-              <a:rPr lang="es-MX" sz="2400" dirty="0" smtClean="0">
-                <a:solidFill>
-                  <a:schemeClr val="bg1">
-                    <a:lumMod val="50000"/>
-                  </a:schemeClr>
-                </a:solidFill>
-                <a:latin typeface="Calibri" panose="020F0502020204030204" pitchFamily="34" charset="0"/>
-                <a:cs typeface="Calibri" panose="020F0502020204030204" pitchFamily="34" charset="0"/>
-              </a:rPr>
-              <a:t>nominas de empleados. </a:t>
+              <a:t>Gestionar nominas de empleados. </a:t>
             </a:r>
             <a:endParaRPr lang="es-MX" sz="2400" dirty="0">
               <a:solidFill>

--- a/Documentation/AseoMatic.pptx
+++ b/Documentation/AseoMatic.pptx
@@ -314,7 +314,7 @@
       </p15:notesGuideLst>
     </p:ext>
     <p:ext uri="http://customooxmlschemas.google.com/">
-      <go:slidesCustomData xmlns="" xmlns:mc="http://schemas.openxmlformats.org/markup-compatibility/2006" xmlns:mv="urn:schemas-microsoft-com:mac:vml" xmlns:c="http://schemas.openxmlformats.org/drawingml/2006/chart" xmlns:dgm="http://schemas.openxmlformats.org/drawingml/2006/diagram" xmlns:o="urn:schemas-microsoft-com:office:office" xmlns:v="urn:schemas-microsoft-com:vml" xmlns:pvml="urn:schemas-microsoft-com:office:powerpoint" xmlns:com="http://schemas.openxmlformats.org/drawingml/2006/compatibility" xmlns:p14="http://schemas.microsoft.com/office/powerpoint/2010/main" xmlns:p15="http://schemas.microsoft.com/office/powerpoint/2012/main" xmlns:go="http://customooxmlschemas.google.com/" r:id="rId47" roundtripDataSignature="AMtx7mhjJmz1Vlyn02yKCHItcX+SGp0+8Q=="/>
+      <go:slidesCustomData xmlns:go="http://customooxmlschemas.google.com/" xmlns:p15="http://schemas.microsoft.com/office/powerpoint/2012/main" xmlns:p14="http://schemas.microsoft.com/office/powerpoint/2010/main" xmlns:com="http://schemas.openxmlformats.org/drawingml/2006/compatibility" xmlns:pvml="urn:schemas-microsoft-com:office:powerpoint" xmlns:v="urn:schemas-microsoft-com:vml" xmlns:o="urn:schemas-microsoft-com:office:office" xmlns:dgm="http://schemas.openxmlformats.org/drawingml/2006/diagram" xmlns:c="http://schemas.openxmlformats.org/drawingml/2006/chart" xmlns:mv="urn:schemas-microsoft-com:mac:vml" xmlns:mc="http://schemas.openxmlformats.org/markup-compatibility/2006" xmlns="" r:id="rId47" roundtripDataSignature="AMtx7mhjJmz1Vlyn02yKCHItcX+SGp0+8Q=="/>
     </p:ext>
   </p:extLst>
 </p:presentation>
@@ -14757,36 +14757,6 @@
           <a:chExt cx="0" cy="0"/>
         </a:xfrm>
       </p:grpSpPr>
-      <p:pic>
-        <p:nvPicPr>
-          <p:cNvPr id="2" name="Imagen 1"/>
-          <p:cNvPicPr>
-            <a:picLocks noChangeAspect="1"/>
-          </p:cNvPicPr>
-          <p:nvPr/>
-        </p:nvPicPr>
-        <p:blipFill>
-          <a:blip r:embed="rId2">
-            <a:extLst>
-              <a:ext uri="{28A0092B-C50C-407E-A947-70E740481C1C}">
-                <a14:useLocalDpi xmlns:a14="http://schemas.microsoft.com/office/drawing/2010/main" val="0"/>
-              </a:ext>
-            </a:extLst>
-          </a:blip>
-          <a:stretch>
-            <a:fillRect/>
-          </a:stretch>
-        </p:blipFill>
-        <p:spPr>
-          <a:xfrm>
-            <a:off x="126776" y="1909376"/>
-            <a:ext cx="8772525" cy="4562475"/>
-          </a:xfrm>
-          <a:prstGeom prst="rect">
-            <a:avLst/>
-          </a:prstGeom>
-        </p:spPr>
-      </p:pic>
       <p:sp>
         <p:nvSpPr>
           <p:cNvPr id="15" name="14 Rectángulo"/>
@@ -15301,6 +15271,30 @@
           </a:p>
         </p:txBody>
       </p:sp>
+      <p:pic>
+        <p:nvPicPr>
+          <p:cNvPr id="9" name="Imagen 8"/>
+          <p:cNvPicPr>
+            <a:picLocks noChangeAspect="1"/>
+          </p:cNvPicPr>
+          <p:nvPr/>
+        </p:nvPicPr>
+        <p:blipFill>
+          <a:blip r:embed="rId2"/>
+          <a:stretch>
+            <a:fillRect/>
+          </a:stretch>
+        </p:blipFill>
+        <p:spPr>
+          <a:xfrm>
+            <a:off x="1604182" y="1961950"/>
+            <a:ext cx="5528138" cy="4000627"/>
+          </a:xfrm>
+          <a:prstGeom prst="rect">
+            <a:avLst/>
+          </a:prstGeom>
+        </p:spPr>
+      </p:pic>
     </p:spTree>
     <p:extLst>
       <p:ext uri="{BB962C8B-B14F-4D97-AF65-F5344CB8AC3E}">
@@ -36139,19 +36133,7 @@
                 <a:cs typeface="Calibri"/>
                 <a:sym typeface="Calibri"/>
               </a:rPr>
-              <a:t>desprendibles de pago </a:t>
-            </a:r>
-            <a:r>
-              <a:rPr lang="es-MX" sz="2600" dirty="0" smtClean="0">
-                <a:solidFill>
-                  <a:srgbClr val="8A8A8A"/>
-                </a:solidFill>
-                <a:latin typeface="Calibri"/>
-                <a:ea typeface="Calibri"/>
-                <a:cs typeface="Calibri"/>
-                <a:sym typeface="Calibri"/>
-              </a:rPr>
-              <a:t>de </a:t>
+              <a:t>desprendibles de pago de </a:t>
             </a:r>
             <a:r>
               <a:rPr lang="es-MX" sz="2600" dirty="0">

--- a/Documentation/AseoMatic.pptx
+++ b/Documentation/AseoMatic.pptx
@@ -5,7 +5,7 @@
     <p:sldMasterId id="2147483648" r:id="rId1"/>
   </p:sldMasterIdLst>
   <p:notesMasterIdLst>
-    <p:notesMasterId r:id="rId46"/>
+    <p:notesMasterId r:id="rId45"/>
   </p:notesMasterIdLst>
   <p:sldIdLst>
     <p:sldId id="256" r:id="rId2"/>
@@ -26,32 +26,31 @@
     <p:sldId id="348" r:id="rId17"/>
     <p:sldId id="349" r:id="rId18"/>
     <p:sldId id="344" r:id="rId19"/>
-    <p:sldId id="345" r:id="rId20"/>
-    <p:sldId id="346" r:id="rId21"/>
-    <p:sldId id="347" r:id="rId22"/>
-    <p:sldId id="322" r:id="rId23"/>
-    <p:sldId id="323" r:id="rId24"/>
-    <p:sldId id="325" r:id="rId25"/>
-    <p:sldId id="326" r:id="rId26"/>
-    <p:sldId id="327" r:id="rId27"/>
-    <p:sldId id="328" r:id="rId28"/>
-    <p:sldId id="329" r:id="rId29"/>
-    <p:sldId id="330" r:id="rId30"/>
-    <p:sldId id="331" r:id="rId31"/>
-    <p:sldId id="332" r:id="rId32"/>
-    <p:sldId id="333" r:id="rId33"/>
-    <p:sldId id="334" r:id="rId34"/>
-    <p:sldId id="335" r:id="rId35"/>
-    <p:sldId id="336" r:id="rId36"/>
-    <p:sldId id="337" r:id="rId37"/>
-    <p:sldId id="338" r:id="rId38"/>
-    <p:sldId id="339" r:id="rId39"/>
-    <p:sldId id="340" r:id="rId40"/>
-    <p:sldId id="341" r:id="rId41"/>
-    <p:sldId id="342" r:id="rId42"/>
-    <p:sldId id="343" r:id="rId43"/>
-    <p:sldId id="353" r:id="rId44"/>
-    <p:sldId id="288" r:id="rId45"/>
+    <p:sldId id="346" r:id="rId20"/>
+    <p:sldId id="347" r:id="rId21"/>
+    <p:sldId id="322" r:id="rId22"/>
+    <p:sldId id="323" r:id="rId23"/>
+    <p:sldId id="325" r:id="rId24"/>
+    <p:sldId id="326" r:id="rId25"/>
+    <p:sldId id="327" r:id="rId26"/>
+    <p:sldId id="328" r:id="rId27"/>
+    <p:sldId id="329" r:id="rId28"/>
+    <p:sldId id="330" r:id="rId29"/>
+    <p:sldId id="331" r:id="rId30"/>
+    <p:sldId id="332" r:id="rId31"/>
+    <p:sldId id="333" r:id="rId32"/>
+    <p:sldId id="334" r:id="rId33"/>
+    <p:sldId id="335" r:id="rId34"/>
+    <p:sldId id="336" r:id="rId35"/>
+    <p:sldId id="337" r:id="rId36"/>
+    <p:sldId id="338" r:id="rId37"/>
+    <p:sldId id="339" r:id="rId38"/>
+    <p:sldId id="340" r:id="rId39"/>
+    <p:sldId id="341" r:id="rId40"/>
+    <p:sldId id="342" r:id="rId41"/>
+    <p:sldId id="343" r:id="rId42"/>
+    <p:sldId id="353" r:id="rId43"/>
+    <p:sldId id="288" r:id="rId44"/>
   </p:sldIdLst>
   <p:sldSz cx="9144000" cy="6858000" type="screen4x3"/>
   <p:notesSz cx="6858000" cy="9144000"/>
@@ -314,7 +313,7 @@
       </p15:notesGuideLst>
     </p:ext>
     <p:ext uri="http://customooxmlschemas.google.com/">
-      <go:slidesCustomData xmlns="" xmlns:mc="http://schemas.openxmlformats.org/markup-compatibility/2006" xmlns:mv="urn:schemas-microsoft-com:mac:vml" xmlns:c="http://schemas.openxmlformats.org/drawingml/2006/chart" xmlns:dgm="http://schemas.openxmlformats.org/drawingml/2006/diagram" xmlns:o="urn:schemas-microsoft-com:office:office" xmlns:v="urn:schemas-microsoft-com:vml" xmlns:pvml="urn:schemas-microsoft-com:office:powerpoint" xmlns:com="http://schemas.openxmlformats.org/drawingml/2006/compatibility" xmlns:p14="http://schemas.microsoft.com/office/powerpoint/2010/main" xmlns:p15="http://schemas.microsoft.com/office/powerpoint/2012/main" xmlns:go="http://customooxmlschemas.google.com/" r:id="rId47" roundtripDataSignature="AMtx7mhjJmz1Vlyn02yKCHItcX+SGp0+8Q=="/>
+      <go:slidesCustomData xmlns:go="http://customooxmlschemas.google.com/" xmlns:p15="http://schemas.microsoft.com/office/powerpoint/2012/main" xmlns:p14="http://schemas.microsoft.com/office/powerpoint/2010/main" xmlns:com="http://schemas.openxmlformats.org/drawingml/2006/compatibility" xmlns:pvml="urn:schemas-microsoft-com:office:powerpoint" xmlns:v="urn:schemas-microsoft-com:vml" xmlns:o="urn:schemas-microsoft-com:office:office" xmlns:dgm="http://schemas.openxmlformats.org/drawingml/2006/diagram" xmlns:c="http://schemas.openxmlformats.org/drawingml/2006/chart" xmlns:mv="urn:schemas-microsoft-com:mac:vml" xmlns:mc="http://schemas.openxmlformats.org/markup-compatibility/2006" xmlns="" r:id="rId47" roundtripDataSignature="AMtx7mhjJmz1Vlyn02yKCHItcX+SGp0+8Q=="/>
     </p:ext>
   </p:extLst>
 </p:presentation>
@@ -11671,7 +11670,7 @@
         </p:blipFill>
         <p:spPr>
           <a:xfrm>
-            <a:off x="0" y="2326866"/>
+            <a:off x="0" y="2324589"/>
             <a:ext cx="9144000" cy="3594265"/>
           </a:xfrm>
           <a:prstGeom prst="rect">
@@ -12032,7 +12031,7 @@
     </p:spTree>
     <p:extLst>
       <p:ext uri="{BB962C8B-B14F-4D97-AF65-F5344CB8AC3E}">
-        <p14:creationId xmlns:p14="http://schemas.microsoft.com/office/powerpoint/2010/main" val="3116045519"/>
+        <p14:creationId xmlns:p14="http://schemas.microsoft.com/office/powerpoint/2010/main" val="981988848"/>
       </p:ext>
     </p:extLst>
   </p:cSld>
@@ -12343,36 +12342,6 @@
           <a:chExt cx="0" cy="0"/>
         </a:xfrm>
       </p:grpSpPr>
-      <p:pic>
-        <p:nvPicPr>
-          <p:cNvPr id="2" name="Imagen 1"/>
-          <p:cNvPicPr>
-            <a:picLocks noChangeAspect="1"/>
-          </p:cNvPicPr>
-          <p:nvPr/>
-        </p:nvPicPr>
-        <p:blipFill>
-          <a:blip r:embed="rId2">
-            <a:extLst>
-              <a:ext uri="{28A0092B-C50C-407E-A947-70E740481C1C}">
-                <a14:useLocalDpi xmlns:a14="http://schemas.microsoft.com/office/drawing/2010/main" val="0"/>
-              </a:ext>
-            </a:extLst>
-          </a:blip>
-          <a:stretch>
-            <a:fillRect/>
-          </a:stretch>
-        </p:blipFill>
-        <p:spPr>
-          <a:xfrm>
-            <a:off x="0" y="2324589"/>
-            <a:ext cx="9144000" cy="3594265"/>
-          </a:xfrm>
-          <a:prstGeom prst="rect">
-            <a:avLst/>
-          </a:prstGeom>
-        </p:spPr>
-      </p:pic>
       <p:sp>
         <p:nvSpPr>
           <p:cNvPr id="15" name="14 Rectángulo"/>
@@ -12723,410 +12692,30 @@
           </a:p>
         </p:txBody>
       </p:sp>
-    </p:spTree>
-    <p:extLst>
-      <p:ext uri="{BB962C8B-B14F-4D97-AF65-F5344CB8AC3E}">
-        <p14:creationId xmlns:p14="http://schemas.microsoft.com/office/powerpoint/2010/main" val="981988848"/>
-      </p:ext>
-    </p:extLst>
-  </p:cSld>
-  <p:clrMapOvr>
-    <a:masterClrMapping/>
-  </p:clrMapOvr>
-</p:sld>
-</file>
-
-<file path=ppt/slides/slide21.xml><?xml version="1.0" encoding="utf-8"?>
-<p:sld xmlns:a="http://schemas.openxmlformats.org/drawingml/2006/main" xmlns:r="http://schemas.openxmlformats.org/officeDocument/2006/relationships" xmlns:p="http://schemas.openxmlformats.org/presentationml/2006/main">
-  <p:cSld>
-    <p:spTree>
-      <p:nvGrpSpPr>
-        <p:cNvPr id="1" name=""/>
-        <p:cNvGrpSpPr/>
-        <p:nvPr/>
-      </p:nvGrpSpPr>
-      <p:grpSpPr>
-        <a:xfrm>
-          <a:off x="0" y="0"/>
-          <a:ext cx="0" cy="0"/>
-          <a:chOff x="0" y="0"/>
-          <a:chExt cx="0" cy="0"/>
-        </a:xfrm>
-      </p:grpSpPr>
-      <p:sp>
-        <p:nvSpPr>
-          <p:cNvPr id="15" name="14 Rectángulo"/>
-          <p:cNvSpPr/>
-          <p:nvPr/>
-        </p:nvSpPr>
-        <p:spPr>
-          <a:xfrm rot="20796637">
-            <a:off x="-1033229" y="-310908"/>
-            <a:ext cx="10665350" cy="1608631"/>
-          </a:xfrm>
-          <a:prstGeom prst="rect">
-            <a:avLst/>
-          </a:prstGeom>
-          <a:solidFill>
-            <a:srgbClr val="92D050"/>
-          </a:solidFill>
-          <a:ln>
-            <a:noFill/>
-          </a:ln>
-          <a:effectLst/>
-        </p:spPr>
-        <p:style>
-          <a:lnRef idx="1">
-            <a:schemeClr val="accent1"/>
-          </a:lnRef>
-          <a:fillRef idx="3">
-            <a:schemeClr val="accent1"/>
-          </a:fillRef>
-          <a:effectRef idx="2">
-            <a:schemeClr val="accent1"/>
-          </a:effectRef>
-          <a:fontRef idx="minor">
-            <a:schemeClr val="lt1"/>
-          </a:fontRef>
-        </p:style>
-        <p:txBody>
-          <a:bodyPr rtlCol="0" anchor="ctr"/>
-          <a:lstStyle/>
-          <a:p>
-            <a:pPr algn="ctr"/>
-            <a:endParaRPr lang="es-CO" dirty="0"/>
-          </a:p>
-        </p:txBody>
-      </p:sp>
-      <p:sp>
-        <p:nvSpPr>
-          <p:cNvPr id="17" name="16 Rectángulo"/>
-          <p:cNvSpPr/>
-          <p:nvPr/>
-        </p:nvSpPr>
-        <p:spPr>
-          <a:xfrm rot="21241341">
-            <a:off x="-1002985" y="180847"/>
-            <a:ext cx="10631006" cy="1316776"/>
-          </a:xfrm>
-          <a:prstGeom prst="rect">
-            <a:avLst/>
-          </a:prstGeom>
-          <a:solidFill>
-            <a:srgbClr val="FFC000"/>
-          </a:solidFill>
-          <a:ln>
-            <a:noFill/>
-          </a:ln>
-          <a:effectLst/>
-        </p:spPr>
-        <p:style>
-          <a:lnRef idx="1">
-            <a:schemeClr val="accent1"/>
-          </a:lnRef>
-          <a:fillRef idx="3">
-            <a:schemeClr val="accent1"/>
-          </a:fillRef>
-          <a:effectRef idx="2">
-            <a:schemeClr val="accent1"/>
-          </a:effectRef>
-          <a:fontRef idx="minor">
-            <a:schemeClr val="lt1"/>
-          </a:fontRef>
-        </p:style>
-        <p:txBody>
-          <a:bodyPr rtlCol="0" anchor="ctr"/>
-          <a:lstStyle/>
-          <a:p>
-            <a:pPr algn="ctr"/>
-            <a:endParaRPr lang="es-CO" dirty="0"/>
-          </a:p>
-        </p:txBody>
-      </p:sp>
-      <p:sp>
-        <p:nvSpPr>
-          <p:cNvPr id="18" name="17 Rectángulo"/>
-          <p:cNvSpPr/>
-          <p:nvPr/>
-        </p:nvSpPr>
-        <p:spPr>
-          <a:xfrm>
-            <a:off x="-968311" y="198126"/>
-            <a:ext cx="10631006" cy="1425956"/>
-          </a:xfrm>
-          <a:prstGeom prst="rect">
-            <a:avLst/>
-          </a:prstGeom>
-          <a:solidFill>
-            <a:srgbClr val="0099A5"/>
-          </a:solidFill>
-          <a:ln>
-            <a:noFill/>
-          </a:ln>
-          <a:effectLst/>
-        </p:spPr>
-        <p:style>
-          <a:lnRef idx="1">
-            <a:schemeClr val="accent1"/>
-          </a:lnRef>
-          <a:fillRef idx="3">
-            <a:schemeClr val="accent1"/>
-          </a:fillRef>
-          <a:effectRef idx="2">
-            <a:schemeClr val="accent1"/>
-          </a:effectRef>
-          <a:fontRef idx="minor">
-            <a:schemeClr val="lt1"/>
-          </a:fontRef>
-        </p:style>
-        <p:txBody>
-          <a:bodyPr rtlCol="0" anchor="ctr"/>
-          <a:lstStyle/>
-          <a:p>
-            <a:pPr algn="ctr"/>
-            <a:endParaRPr lang="es-CO" dirty="0"/>
-          </a:p>
-        </p:txBody>
-      </p:sp>
-      <p:sp>
-        <p:nvSpPr>
-          <p:cNvPr id="7" name="Marcador de contenido 5"/>
-          <p:cNvSpPr txBox="1">
-            <a:spLocks/>
-          </p:cNvSpPr>
-          <p:nvPr/>
-        </p:nvSpPr>
-        <p:spPr>
-          <a:xfrm>
-            <a:off x="0" y="0"/>
-            <a:ext cx="9144000" cy="6857999"/>
-          </a:xfrm>
-          <a:prstGeom prst="rect">
-            <a:avLst/>
-          </a:prstGeom>
-        </p:spPr>
-        <p:txBody>
-          <a:bodyPr vert="horz" lIns="91440" tIns="45720" rIns="91440" bIns="45720" rtlCol="0">
-            <a:normAutofit/>
-          </a:bodyPr>
-          <a:lstStyle>
-            <a:lvl1pPr marL="342900" indent="-342900" algn="l" defTabSz="457200" rtl="0" eaLnBrk="1" latinLnBrk="0" hangingPunct="1">
-              <a:spcBef>
-                <a:spcPct val="20000"/>
-              </a:spcBef>
-              <a:buFont typeface="Arial"/>
-              <a:buChar char="•"/>
-              <a:defRPr sz="3200" kern="1200">
-                <a:solidFill>
-                  <a:schemeClr val="tx1"/>
-                </a:solidFill>
-                <a:latin typeface="+mn-lt"/>
-                <a:ea typeface="+mn-ea"/>
-                <a:cs typeface="+mn-cs"/>
-              </a:defRPr>
-            </a:lvl1pPr>
-            <a:lvl2pPr marL="742950" indent="-285750" algn="l" defTabSz="457200" rtl="0" eaLnBrk="1" latinLnBrk="0" hangingPunct="1">
-              <a:spcBef>
-                <a:spcPct val="20000"/>
-              </a:spcBef>
-              <a:buFont typeface="Arial"/>
-              <a:buChar char="–"/>
-              <a:defRPr sz="2800" kern="1200">
-                <a:solidFill>
-                  <a:schemeClr val="tx1"/>
-                </a:solidFill>
-                <a:latin typeface="+mn-lt"/>
-                <a:ea typeface="+mn-ea"/>
-                <a:cs typeface="+mn-cs"/>
-              </a:defRPr>
-            </a:lvl2pPr>
-            <a:lvl3pPr marL="1143000" indent="-228600" algn="l" defTabSz="457200" rtl="0" eaLnBrk="1" latinLnBrk="0" hangingPunct="1">
-              <a:spcBef>
-                <a:spcPct val="20000"/>
-              </a:spcBef>
-              <a:buFont typeface="Arial"/>
-              <a:buChar char="•"/>
-              <a:defRPr sz="2400" kern="1200">
-                <a:solidFill>
-                  <a:schemeClr val="tx1"/>
-                </a:solidFill>
-                <a:latin typeface="+mn-lt"/>
-                <a:ea typeface="+mn-ea"/>
-                <a:cs typeface="+mn-cs"/>
-              </a:defRPr>
-            </a:lvl3pPr>
-            <a:lvl4pPr marL="1600200" indent="-228600" algn="l" defTabSz="457200" rtl="0" eaLnBrk="1" latinLnBrk="0" hangingPunct="1">
-              <a:spcBef>
-                <a:spcPct val="20000"/>
-              </a:spcBef>
-              <a:buFont typeface="Arial"/>
-              <a:buChar char="–"/>
-              <a:defRPr sz="2000" kern="1200">
-                <a:solidFill>
-                  <a:schemeClr val="tx1"/>
-                </a:solidFill>
-                <a:latin typeface="+mn-lt"/>
-                <a:ea typeface="+mn-ea"/>
-                <a:cs typeface="+mn-cs"/>
-              </a:defRPr>
-            </a:lvl4pPr>
-            <a:lvl5pPr marL="2057400" indent="-228600" algn="l" defTabSz="457200" rtl="0" eaLnBrk="1" latinLnBrk="0" hangingPunct="1">
-              <a:spcBef>
-                <a:spcPct val="20000"/>
-              </a:spcBef>
-              <a:buFont typeface="Arial"/>
-              <a:buChar char="»"/>
-              <a:defRPr sz="2000" kern="1200">
-                <a:solidFill>
-                  <a:schemeClr val="tx1"/>
-                </a:solidFill>
-                <a:latin typeface="+mn-lt"/>
-                <a:ea typeface="+mn-ea"/>
-                <a:cs typeface="+mn-cs"/>
-              </a:defRPr>
-            </a:lvl5pPr>
-            <a:lvl6pPr marL="2514600" indent="-228600" algn="l" defTabSz="457200" rtl="0" eaLnBrk="1" latinLnBrk="0" hangingPunct="1">
-              <a:spcBef>
-                <a:spcPct val="20000"/>
-              </a:spcBef>
-              <a:buFont typeface="Arial"/>
-              <a:buChar char="•"/>
-              <a:defRPr sz="2000" kern="1200">
-                <a:solidFill>
-                  <a:schemeClr val="tx1"/>
-                </a:solidFill>
-                <a:latin typeface="+mn-lt"/>
-                <a:ea typeface="+mn-ea"/>
-                <a:cs typeface="+mn-cs"/>
-              </a:defRPr>
-            </a:lvl6pPr>
-            <a:lvl7pPr marL="2971800" indent="-228600" algn="l" defTabSz="457200" rtl="0" eaLnBrk="1" latinLnBrk="0" hangingPunct="1">
-              <a:spcBef>
-                <a:spcPct val="20000"/>
-              </a:spcBef>
-              <a:buFont typeface="Arial"/>
-              <a:buChar char="•"/>
-              <a:defRPr sz="2000" kern="1200">
-                <a:solidFill>
-                  <a:schemeClr val="tx1"/>
-                </a:solidFill>
-                <a:latin typeface="+mn-lt"/>
-                <a:ea typeface="+mn-ea"/>
-                <a:cs typeface="+mn-cs"/>
-              </a:defRPr>
-            </a:lvl7pPr>
-            <a:lvl8pPr marL="3429000" indent="-228600" algn="l" defTabSz="457200" rtl="0" eaLnBrk="1" latinLnBrk="0" hangingPunct="1">
-              <a:spcBef>
-                <a:spcPct val="20000"/>
-              </a:spcBef>
-              <a:buFont typeface="Arial"/>
-              <a:buChar char="•"/>
-              <a:defRPr sz="2000" kern="1200">
-                <a:solidFill>
-                  <a:schemeClr val="tx1"/>
-                </a:solidFill>
-                <a:latin typeface="+mn-lt"/>
-                <a:ea typeface="+mn-ea"/>
-                <a:cs typeface="+mn-cs"/>
-              </a:defRPr>
-            </a:lvl8pPr>
-            <a:lvl9pPr marL="3886200" indent="-228600" algn="l" defTabSz="457200" rtl="0" eaLnBrk="1" latinLnBrk="0" hangingPunct="1">
-              <a:spcBef>
-                <a:spcPct val="20000"/>
-              </a:spcBef>
-              <a:buFont typeface="Arial"/>
-              <a:buChar char="•"/>
-              <a:defRPr sz="2000" kern="1200">
-                <a:solidFill>
-                  <a:schemeClr val="tx1"/>
-                </a:solidFill>
-                <a:latin typeface="+mn-lt"/>
-                <a:ea typeface="+mn-ea"/>
-                <a:cs typeface="+mn-cs"/>
-              </a:defRPr>
-            </a:lvl9pPr>
-          </a:lstStyle>
-          <a:p>
-            <a:endParaRPr lang="es-ES" dirty="0"/>
-          </a:p>
-        </p:txBody>
-      </p:sp>
-      <p:sp>
-        <p:nvSpPr>
-          <p:cNvPr id="16" name="Título 1"/>
-          <p:cNvSpPr txBox="1">
-            <a:spLocks/>
-          </p:cNvSpPr>
-          <p:nvPr/>
-        </p:nvSpPr>
-        <p:spPr>
-          <a:xfrm>
-            <a:off x="364273" y="324984"/>
-            <a:ext cx="9069906" cy="1198245"/>
-          </a:xfrm>
-          <a:prstGeom prst="rect">
-            <a:avLst/>
-          </a:prstGeom>
-        </p:spPr>
-        <p:txBody>
-          <a:bodyPr vert="horz" lIns="91440" tIns="45720" rIns="91440" bIns="45720" rtlCol="0" anchor="ctr">
-            <a:noAutofit/>
-          </a:bodyPr>
-          <a:lstStyle>
-            <a:lvl1pPr algn="ctr" defTabSz="457200" rtl="0" eaLnBrk="1" latinLnBrk="0" hangingPunct="1">
-              <a:spcBef>
-                <a:spcPct val="0"/>
-              </a:spcBef>
-              <a:buNone/>
-              <a:defRPr sz="4400" kern="1200">
-                <a:solidFill>
-                  <a:schemeClr val="tx1"/>
-                </a:solidFill>
-                <a:latin typeface="+mj-lt"/>
-                <a:ea typeface="+mj-ea"/>
-                <a:cs typeface="+mj-cs"/>
-              </a:defRPr>
-            </a:lvl1pPr>
-          </a:lstStyle>
-          <a:p>
-            <a:pPr algn="l"/>
-            <a:r>
-              <a:rPr lang="es-ES" sz="5400" dirty="0">
-                <a:solidFill>
-                  <a:schemeClr val="bg1"/>
-                </a:solidFill>
-                <a:latin typeface="Calibri" panose="020F0502020204030204" pitchFamily="34" charset="0"/>
-                <a:cs typeface="Calibri" panose="020F0502020204030204" pitchFamily="34" charset="0"/>
-              </a:rPr>
-              <a:t>DIAGRAMAS DE PROCESOS</a:t>
-            </a:r>
-          </a:p>
-        </p:txBody>
-      </p:sp>
       <p:pic>
         <p:nvPicPr>
-          <p:cNvPr id="2" name="Imagen 1"/>
+          <p:cNvPr id="4" name="Imagen 3" descr="Diagrama&#10;&#10;Descripción generada automáticamente">
+            <a:extLst>
+              <a:ext uri="{FF2B5EF4-FFF2-40B4-BE49-F238E27FC236}">
+                <a16:creationId xmlns:a16="http://schemas.microsoft.com/office/drawing/2014/main" id="{586BC2D2-D727-4E39-8A57-EFBA2D427C99}"/>
+              </a:ext>
+            </a:extLst>
+          </p:cNvPr>
           <p:cNvPicPr>
             <a:picLocks noChangeAspect="1"/>
           </p:cNvPicPr>
           <p:nvPr/>
         </p:nvPicPr>
         <p:blipFill>
-          <a:blip r:embed="rId2">
-            <a:extLst>
-              <a:ext uri="{28A0092B-C50C-407E-A947-70E740481C1C}">
-                <a14:useLocalDpi xmlns:a14="http://schemas.microsoft.com/office/drawing/2010/main" val="0"/>
-              </a:ext>
-            </a:extLst>
-          </a:blip>
+          <a:blip r:embed="rId2"/>
           <a:stretch>
             <a:fillRect/>
           </a:stretch>
         </p:blipFill>
         <p:spPr>
           <a:xfrm>
-            <a:off x="-5742" y="1993215"/>
-            <a:ext cx="9144000" cy="4746932"/>
+            <a:off x="0" y="2056681"/>
+            <a:ext cx="9144000" cy="3518704"/>
           </a:xfrm>
           <a:prstGeom prst="rect">
             <a:avLst/>
@@ -13146,7 +12735,7 @@
 </p:sld>
 </file>
 
-<file path=ppt/slides/slide22.xml><?xml version="1.0" encoding="utf-8"?>
+<file path=ppt/slides/slide21.xml><?xml version="1.0" encoding="utf-8"?>
 <p:sld xmlns:a="http://schemas.openxmlformats.org/drawingml/2006/main" xmlns:r="http://schemas.openxmlformats.org/officeDocument/2006/relationships" xmlns:p="http://schemas.openxmlformats.org/presentationml/2006/main">
   <p:cSld>
     <p:spTree>
@@ -13326,7 +12915,7 @@
 </p:sld>
 </file>
 
-<file path=ppt/slides/slide23.xml><?xml version="1.0" encoding="utf-8"?>
+<file path=ppt/slides/slide22.xml><?xml version="1.0" encoding="utf-8"?>
 <p:sld xmlns:a="http://schemas.openxmlformats.org/drawingml/2006/main" xmlns:r="http://schemas.openxmlformats.org/officeDocument/2006/relationships" xmlns:p="http://schemas.openxmlformats.org/presentationml/2006/main">
   <p:cSld>
     <p:spTree>
@@ -13952,7 +13541,7 @@
 </p:sld>
 </file>
 
-<file path=ppt/slides/slide24.xml><?xml version="1.0" encoding="utf-8"?>
+<file path=ppt/slides/slide23.xml><?xml version="1.0" encoding="utf-8"?>
 <p:sld xmlns:a="http://schemas.openxmlformats.org/drawingml/2006/main" xmlns:r="http://schemas.openxmlformats.org/officeDocument/2006/relationships" xmlns:p="http://schemas.openxmlformats.org/presentationml/2006/main">
   <p:cSld>
     <p:spTree>
@@ -14526,7 +14115,7 @@
 </p:sld>
 </file>
 
-<file path=ppt/slides/slide25.xml><?xml version="1.0" encoding="utf-8"?>
+<file path=ppt/slides/slide24.xml><?xml version="1.0" encoding="utf-8"?>
 <p:sld xmlns:a="http://schemas.openxmlformats.org/drawingml/2006/main" xmlns:r="http://schemas.openxmlformats.org/officeDocument/2006/relationships" xmlns:p="http://schemas.openxmlformats.org/presentationml/2006/main">
   <p:cSld>
     <p:spTree>
@@ -15094,7 +14683,7 @@
 </p:sld>
 </file>
 
-<file path=ppt/slides/slide26.xml><?xml version="1.0" encoding="utf-8"?>
+<file path=ppt/slides/slide25.xml><?xml version="1.0" encoding="utf-8"?>
 <p:sld xmlns:a="http://schemas.openxmlformats.org/drawingml/2006/main" xmlns:r="http://schemas.openxmlformats.org/officeDocument/2006/relationships" xmlns:p="http://schemas.openxmlformats.org/presentationml/2006/main">
   <p:cSld>
     <p:spTree>
@@ -15274,7 +14863,7 @@
 </p:sld>
 </file>
 
-<file path=ppt/slides/slide27.xml><?xml version="1.0" encoding="utf-8"?>
+<file path=ppt/slides/slide26.xml><?xml version="1.0" encoding="utf-8"?>
 <p:sld xmlns:a="http://schemas.openxmlformats.org/drawingml/2006/main" xmlns:r="http://schemas.openxmlformats.org/officeDocument/2006/relationships" xmlns:p="http://schemas.openxmlformats.org/presentationml/2006/main">
   <p:cSld>
     <p:spTree>
@@ -15676,6 +15265,417 @@
     <p:extLst>
       <p:ext uri="{BB962C8B-B14F-4D97-AF65-F5344CB8AC3E}">
         <p14:creationId xmlns:p14="http://schemas.microsoft.com/office/powerpoint/2010/main" val="2390264123"/>
+      </p:ext>
+    </p:extLst>
+  </p:cSld>
+  <p:clrMapOvr>
+    <a:masterClrMapping/>
+  </p:clrMapOvr>
+</p:sld>
+</file>
+
+<file path=ppt/slides/slide27.xml><?xml version="1.0" encoding="utf-8"?>
+<p:sld xmlns:a="http://schemas.openxmlformats.org/drawingml/2006/main" xmlns:r="http://schemas.openxmlformats.org/officeDocument/2006/relationships" xmlns:p="http://schemas.openxmlformats.org/presentationml/2006/main">
+  <p:cSld>
+    <p:spTree>
+      <p:nvGrpSpPr>
+        <p:cNvPr id="1" name=""/>
+        <p:cNvGrpSpPr/>
+        <p:nvPr/>
+      </p:nvGrpSpPr>
+      <p:grpSpPr>
+        <a:xfrm>
+          <a:off x="0" y="0"/>
+          <a:ext cx="0" cy="0"/>
+          <a:chOff x="0" y="0"/>
+          <a:chExt cx="0" cy="0"/>
+        </a:xfrm>
+      </p:grpSpPr>
+      <p:sp>
+        <p:nvSpPr>
+          <p:cNvPr id="15" name="14 Rectángulo"/>
+          <p:cNvSpPr/>
+          <p:nvPr/>
+        </p:nvSpPr>
+        <p:spPr>
+          <a:xfrm rot="20796637">
+            <a:off x="-1033229" y="-310908"/>
+            <a:ext cx="10665350" cy="1608631"/>
+          </a:xfrm>
+          <a:prstGeom prst="rect">
+            <a:avLst/>
+          </a:prstGeom>
+          <a:solidFill>
+            <a:srgbClr val="92D050"/>
+          </a:solidFill>
+          <a:ln>
+            <a:noFill/>
+          </a:ln>
+          <a:effectLst/>
+        </p:spPr>
+        <p:style>
+          <a:lnRef idx="1">
+            <a:schemeClr val="accent1"/>
+          </a:lnRef>
+          <a:fillRef idx="3">
+            <a:schemeClr val="accent1"/>
+          </a:fillRef>
+          <a:effectRef idx="2">
+            <a:schemeClr val="accent1"/>
+          </a:effectRef>
+          <a:fontRef idx="minor">
+            <a:schemeClr val="lt1"/>
+          </a:fontRef>
+        </p:style>
+        <p:txBody>
+          <a:bodyPr rtlCol="0" anchor="ctr"/>
+          <a:lstStyle/>
+          <a:p>
+            <a:pPr algn="ctr"/>
+            <a:endParaRPr lang="es-CO" dirty="0"/>
+          </a:p>
+        </p:txBody>
+      </p:sp>
+      <p:sp>
+        <p:nvSpPr>
+          <p:cNvPr id="17" name="16 Rectángulo"/>
+          <p:cNvSpPr/>
+          <p:nvPr/>
+        </p:nvSpPr>
+        <p:spPr>
+          <a:xfrm rot="21241341">
+            <a:off x="-1002985" y="180847"/>
+            <a:ext cx="10631006" cy="1316776"/>
+          </a:xfrm>
+          <a:prstGeom prst="rect">
+            <a:avLst/>
+          </a:prstGeom>
+          <a:solidFill>
+            <a:srgbClr val="FFC000"/>
+          </a:solidFill>
+          <a:ln>
+            <a:noFill/>
+          </a:ln>
+          <a:effectLst/>
+        </p:spPr>
+        <p:style>
+          <a:lnRef idx="1">
+            <a:schemeClr val="accent1"/>
+          </a:lnRef>
+          <a:fillRef idx="3">
+            <a:schemeClr val="accent1"/>
+          </a:fillRef>
+          <a:effectRef idx="2">
+            <a:schemeClr val="accent1"/>
+          </a:effectRef>
+          <a:fontRef idx="minor">
+            <a:schemeClr val="lt1"/>
+          </a:fontRef>
+        </p:style>
+        <p:txBody>
+          <a:bodyPr rtlCol="0" anchor="ctr"/>
+          <a:lstStyle/>
+          <a:p>
+            <a:pPr algn="ctr"/>
+            <a:endParaRPr lang="es-CO" dirty="0"/>
+          </a:p>
+        </p:txBody>
+      </p:sp>
+      <p:sp>
+        <p:nvSpPr>
+          <p:cNvPr id="18" name="17 Rectángulo"/>
+          <p:cNvSpPr/>
+          <p:nvPr/>
+        </p:nvSpPr>
+        <p:spPr>
+          <a:xfrm>
+            <a:off x="-968311" y="198126"/>
+            <a:ext cx="10631006" cy="1425956"/>
+          </a:xfrm>
+          <a:prstGeom prst="rect">
+            <a:avLst/>
+          </a:prstGeom>
+          <a:solidFill>
+            <a:srgbClr val="0099A5"/>
+          </a:solidFill>
+          <a:ln>
+            <a:noFill/>
+          </a:ln>
+          <a:effectLst/>
+        </p:spPr>
+        <p:style>
+          <a:lnRef idx="1">
+            <a:schemeClr val="accent1"/>
+          </a:lnRef>
+          <a:fillRef idx="3">
+            <a:schemeClr val="accent1"/>
+          </a:fillRef>
+          <a:effectRef idx="2">
+            <a:schemeClr val="accent1"/>
+          </a:effectRef>
+          <a:fontRef idx="minor">
+            <a:schemeClr val="lt1"/>
+          </a:fontRef>
+        </p:style>
+        <p:txBody>
+          <a:bodyPr rtlCol="0" anchor="ctr"/>
+          <a:lstStyle/>
+          <a:p>
+            <a:pPr algn="ctr"/>
+            <a:endParaRPr lang="es-CO" dirty="0"/>
+          </a:p>
+        </p:txBody>
+      </p:sp>
+      <p:sp>
+        <p:nvSpPr>
+          <p:cNvPr id="7" name="Marcador de contenido 5"/>
+          <p:cNvSpPr txBox="1">
+            <a:spLocks/>
+          </p:cNvSpPr>
+          <p:nvPr/>
+        </p:nvSpPr>
+        <p:spPr>
+          <a:xfrm>
+            <a:off x="0" y="0"/>
+            <a:ext cx="9144000" cy="6857999"/>
+          </a:xfrm>
+          <a:prstGeom prst="rect">
+            <a:avLst/>
+          </a:prstGeom>
+        </p:spPr>
+        <p:txBody>
+          <a:bodyPr vert="horz" lIns="91440" tIns="45720" rIns="91440" bIns="45720" rtlCol="0">
+            <a:normAutofit/>
+          </a:bodyPr>
+          <a:lstStyle>
+            <a:lvl1pPr marL="342900" indent="-342900" algn="l" defTabSz="457200" rtl="0" eaLnBrk="1" latinLnBrk="0" hangingPunct="1">
+              <a:spcBef>
+                <a:spcPct val="20000"/>
+              </a:spcBef>
+              <a:buFont typeface="Arial"/>
+              <a:buChar char="•"/>
+              <a:defRPr sz="3200" kern="1200">
+                <a:solidFill>
+                  <a:schemeClr val="tx1"/>
+                </a:solidFill>
+                <a:latin typeface="+mn-lt"/>
+                <a:ea typeface="+mn-ea"/>
+                <a:cs typeface="+mn-cs"/>
+              </a:defRPr>
+            </a:lvl1pPr>
+            <a:lvl2pPr marL="742950" indent="-285750" algn="l" defTabSz="457200" rtl="0" eaLnBrk="1" latinLnBrk="0" hangingPunct="1">
+              <a:spcBef>
+                <a:spcPct val="20000"/>
+              </a:spcBef>
+              <a:buFont typeface="Arial"/>
+              <a:buChar char="–"/>
+              <a:defRPr sz="2800" kern="1200">
+                <a:solidFill>
+                  <a:schemeClr val="tx1"/>
+                </a:solidFill>
+                <a:latin typeface="+mn-lt"/>
+                <a:ea typeface="+mn-ea"/>
+                <a:cs typeface="+mn-cs"/>
+              </a:defRPr>
+            </a:lvl2pPr>
+            <a:lvl3pPr marL="1143000" indent="-228600" algn="l" defTabSz="457200" rtl="0" eaLnBrk="1" latinLnBrk="0" hangingPunct="1">
+              <a:spcBef>
+                <a:spcPct val="20000"/>
+              </a:spcBef>
+              <a:buFont typeface="Arial"/>
+              <a:buChar char="•"/>
+              <a:defRPr sz="2400" kern="1200">
+                <a:solidFill>
+                  <a:schemeClr val="tx1"/>
+                </a:solidFill>
+                <a:latin typeface="+mn-lt"/>
+                <a:ea typeface="+mn-ea"/>
+                <a:cs typeface="+mn-cs"/>
+              </a:defRPr>
+            </a:lvl3pPr>
+            <a:lvl4pPr marL="1600200" indent="-228600" algn="l" defTabSz="457200" rtl="0" eaLnBrk="1" latinLnBrk="0" hangingPunct="1">
+              <a:spcBef>
+                <a:spcPct val="20000"/>
+              </a:spcBef>
+              <a:buFont typeface="Arial"/>
+              <a:buChar char="–"/>
+              <a:defRPr sz="2000" kern="1200">
+                <a:solidFill>
+                  <a:schemeClr val="tx1"/>
+                </a:solidFill>
+                <a:latin typeface="+mn-lt"/>
+                <a:ea typeface="+mn-ea"/>
+                <a:cs typeface="+mn-cs"/>
+              </a:defRPr>
+            </a:lvl4pPr>
+            <a:lvl5pPr marL="2057400" indent="-228600" algn="l" defTabSz="457200" rtl="0" eaLnBrk="1" latinLnBrk="0" hangingPunct="1">
+              <a:spcBef>
+                <a:spcPct val="20000"/>
+              </a:spcBef>
+              <a:buFont typeface="Arial"/>
+              <a:buChar char="»"/>
+              <a:defRPr sz="2000" kern="1200">
+                <a:solidFill>
+                  <a:schemeClr val="tx1"/>
+                </a:solidFill>
+                <a:latin typeface="+mn-lt"/>
+                <a:ea typeface="+mn-ea"/>
+                <a:cs typeface="+mn-cs"/>
+              </a:defRPr>
+            </a:lvl5pPr>
+            <a:lvl6pPr marL="2514600" indent="-228600" algn="l" defTabSz="457200" rtl="0" eaLnBrk="1" latinLnBrk="0" hangingPunct="1">
+              <a:spcBef>
+                <a:spcPct val="20000"/>
+              </a:spcBef>
+              <a:buFont typeface="Arial"/>
+              <a:buChar char="•"/>
+              <a:defRPr sz="2000" kern="1200">
+                <a:solidFill>
+                  <a:schemeClr val="tx1"/>
+                </a:solidFill>
+                <a:latin typeface="+mn-lt"/>
+                <a:ea typeface="+mn-ea"/>
+                <a:cs typeface="+mn-cs"/>
+              </a:defRPr>
+            </a:lvl6pPr>
+            <a:lvl7pPr marL="2971800" indent="-228600" algn="l" defTabSz="457200" rtl="0" eaLnBrk="1" latinLnBrk="0" hangingPunct="1">
+              <a:spcBef>
+                <a:spcPct val="20000"/>
+              </a:spcBef>
+              <a:buFont typeface="Arial"/>
+              <a:buChar char="•"/>
+              <a:defRPr sz="2000" kern="1200">
+                <a:solidFill>
+                  <a:schemeClr val="tx1"/>
+                </a:solidFill>
+                <a:latin typeface="+mn-lt"/>
+                <a:ea typeface="+mn-ea"/>
+                <a:cs typeface="+mn-cs"/>
+              </a:defRPr>
+            </a:lvl7pPr>
+            <a:lvl8pPr marL="3429000" indent="-228600" algn="l" defTabSz="457200" rtl="0" eaLnBrk="1" latinLnBrk="0" hangingPunct="1">
+              <a:spcBef>
+                <a:spcPct val="20000"/>
+              </a:spcBef>
+              <a:buFont typeface="Arial"/>
+              <a:buChar char="•"/>
+              <a:defRPr sz="2000" kern="1200">
+                <a:solidFill>
+                  <a:schemeClr val="tx1"/>
+                </a:solidFill>
+                <a:latin typeface="+mn-lt"/>
+                <a:ea typeface="+mn-ea"/>
+                <a:cs typeface="+mn-cs"/>
+              </a:defRPr>
+            </a:lvl8pPr>
+            <a:lvl9pPr marL="3886200" indent="-228600" algn="l" defTabSz="457200" rtl="0" eaLnBrk="1" latinLnBrk="0" hangingPunct="1">
+              <a:spcBef>
+                <a:spcPct val="20000"/>
+              </a:spcBef>
+              <a:buFont typeface="Arial"/>
+              <a:buChar char="•"/>
+              <a:defRPr sz="2000" kern="1200">
+                <a:solidFill>
+                  <a:schemeClr val="tx1"/>
+                </a:solidFill>
+                <a:latin typeface="+mn-lt"/>
+                <a:ea typeface="+mn-ea"/>
+                <a:cs typeface="+mn-cs"/>
+              </a:defRPr>
+            </a:lvl9pPr>
+          </a:lstStyle>
+          <a:p>
+            <a:endParaRPr lang="es-ES" dirty="0"/>
+          </a:p>
+          <a:p>
+            <a:endParaRPr lang="es-ES" dirty="0"/>
+          </a:p>
+        </p:txBody>
+      </p:sp>
+      <p:sp>
+        <p:nvSpPr>
+          <p:cNvPr id="16" name="Título 1"/>
+          <p:cNvSpPr txBox="1">
+            <a:spLocks/>
+          </p:cNvSpPr>
+          <p:nvPr/>
+        </p:nvSpPr>
+        <p:spPr>
+          <a:xfrm>
+            <a:off x="364273" y="324984"/>
+            <a:ext cx="9069906" cy="1198245"/>
+          </a:xfrm>
+          <a:prstGeom prst="rect">
+            <a:avLst/>
+          </a:prstGeom>
+        </p:spPr>
+        <p:txBody>
+          <a:bodyPr vert="horz" lIns="91440" tIns="45720" rIns="91440" bIns="45720" rtlCol="0" anchor="ctr">
+            <a:noAutofit/>
+          </a:bodyPr>
+          <a:lstStyle>
+            <a:lvl1pPr algn="ctr" defTabSz="457200" rtl="0" eaLnBrk="1" latinLnBrk="0" hangingPunct="1">
+              <a:spcBef>
+                <a:spcPct val="0"/>
+              </a:spcBef>
+              <a:buNone/>
+              <a:defRPr sz="4400" kern="1200">
+                <a:solidFill>
+                  <a:schemeClr val="tx1"/>
+                </a:solidFill>
+                <a:latin typeface="+mj-lt"/>
+                <a:ea typeface="+mj-ea"/>
+                <a:cs typeface="+mj-cs"/>
+              </a:defRPr>
+            </a:lvl1pPr>
+          </a:lstStyle>
+          <a:p>
+            <a:pPr algn="l"/>
+            <a:r>
+              <a:rPr lang="es-ES" sz="5400" dirty="0">
+                <a:solidFill>
+                  <a:schemeClr val="bg1"/>
+                </a:solidFill>
+              </a:rPr>
+              <a:t>ESPECIFICACIÓN DE CASOS DE USO</a:t>
+            </a:r>
+          </a:p>
+        </p:txBody>
+      </p:sp>
+      <p:pic>
+        <p:nvPicPr>
+          <p:cNvPr id="4" name="Imagen 3">
+            <a:extLst>
+              <a:ext uri="{FF2B5EF4-FFF2-40B4-BE49-F238E27FC236}">
+                <a16:creationId xmlns:a16="http://schemas.microsoft.com/office/drawing/2014/main" id="{61B4B7BC-270E-425C-950E-4CB076590EA2}"/>
+              </a:ext>
+            </a:extLst>
+          </p:cNvPr>
+          <p:cNvPicPr>
+            <a:picLocks noChangeAspect="1"/>
+          </p:cNvPicPr>
+          <p:nvPr/>
+        </p:nvPicPr>
+        <p:blipFill>
+          <a:blip r:embed="rId2"/>
+          <a:stretch>
+            <a:fillRect/>
+          </a:stretch>
+        </p:blipFill>
+        <p:spPr>
+          <a:xfrm>
+            <a:off x="2395233" y="1791920"/>
+            <a:ext cx="4353533" cy="4867954"/>
+          </a:xfrm>
+          <a:prstGeom prst="rect">
+            <a:avLst/>
+          </a:prstGeom>
+        </p:spPr>
+      </p:pic>
+    </p:spTree>
+    <p:extLst>
+      <p:ext uri="{BB962C8B-B14F-4D97-AF65-F5344CB8AC3E}">
+        <p14:creationId xmlns:p14="http://schemas.microsoft.com/office/powerpoint/2010/main" val="2020689305"/>
       </p:ext>
     </p:extLst>
   </p:cSld>
@@ -16058,417 +16058,6 @@
           <p:cNvPr id="4" name="Imagen 3">
             <a:extLst>
               <a:ext uri="{FF2B5EF4-FFF2-40B4-BE49-F238E27FC236}">
-                <a16:creationId xmlns:a16="http://schemas.microsoft.com/office/drawing/2014/main" id="{61B4B7BC-270E-425C-950E-4CB076590EA2}"/>
-              </a:ext>
-            </a:extLst>
-          </p:cNvPr>
-          <p:cNvPicPr>
-            <a:picLocks noChangeAspect="1"/>
-          </p:cNvPicPr>
-          <p:nvPr/>
-        </p:nvPicPr>
-        <p:blipFill>
-          <a:blip r:embed="rId2"/>
-          <a:stretch>
-            <a:fillRect/>
-          </a:stretch>
-        </p:blipFill>
-        <p:spPr>
-          <a:xfrm>
-            <a:off x="2395233" y="1791920"/>
-            <a:ext cx="4353533" cy="4867954"/>
-          </a:xfrm>
-          <a:prstGeom prst="rect">
-            <a:avLst/>
-          </a:prstGeom>
-        </p:spPr>
-      </p:pic>
-    </p:spTree>
-    <p:extLst>
-      <p:ext uri="{BB962C8B-B14F-4D97-AF65-F5344CB8AC3E}">
-        <p14:creationId xmlns:p14="http://schemas.microsoft.com/office/powerpoint/2010/main" val="2020689305"/>
-      </p:ext>
-    </p:extLst>
-  </p:cSld>
-  <p:clrMapOvr>
-    <a:masterClrMapping/>
-  </p:clrMapOvr>
-</p:sld>
-</file>
-
-<file path=ppt/slides/slide29.xml><?xml version="1.0" encoding="utf-8"?>
-<p:sld xmlns:a="http://schemas.openxmlformats.org/drawingml/2006/main" xmlns:r="http://schemas.openxmlformats.org/officeDocument/2006/relationships" xmlns:p="http://schemas.openxmlformats.org/presentationml/2006/main">
-  <p:cSld>
-    <p:spTree>
-      <p:nvGrpSpPr>
-        <p:cNvPr id="1" name=""/>
-        <p:cNvGrpSpPr/>
-        <p:nvPr/>
-      </p:nvGrpSpPr>
-      <p:grpSpPr>
-        <a:xfrm>
-          <a:off x="0" y="0"/>
-          <a:ext cx="0" cy="0"/>
-          <a:chOff x="0" y="0"/>
-          <a:chExt cx="0" cy="0"/>
-        </a:xfrm>
-      </p:grpSpPr>
-      <p:sp>
-        <p:nvSpPr>
-          <p:cNvPr id="15" name="14 Rectángulo"/>
-          <p:cNvSpPr/>
-          <p:nvPr/>
-        </p:nvSpPr>
-        <p:spPr>
-          <a:xfrm rot="20796637">
-            <a:off x="-1033229" y="-310908"/>
-            <a:ext cx="10665350" cy="1608631"/>
-          </a:xfrm>
-          <a:prstGeom prst="rect">
-            <a:avLst/>
-          </a:prstGeom>
-          <a:solidFill>
-            <a:srgbClr val="92D050"/>
-          </a:solidFill>
-          <a:ln>
-            <a:noFill/>
-          </a:ln>
-          <a:effectLst/>
-        </p:spPr>
-        <p:style>
-          <a:lnRef idx="1">
-            <a:schemeClr val="accent1"/>
-          </a:lnRef>
-          <a:fillRef idx="3">
-            <a:schemeClr val="accent1"/>
-          </a:fillRef>
-          <a:effectRef idx="2">
-            <a:schemeClr val="accent1"/>
-          </a:effectRef>
-          <a:fontRef idx="minor">
-            <a:schemeClr val="lt1"/>
-          </a:fontRef>
-        </p:style>
-        <p:txBody>
-          <a:bodyPr rtlCol="0" anchor="ctr"/>
-          <a:lstStyle/>
-          <a:p>
-            <a:pPr algn="ctr"/>
-            <a:endParaRPr lang="es-CO" dirty="0"/>
-          </a:p>
-        </p:txBody>
-      </p:sp>
-      <p:sp>
-        <p:nvSpPr>
-          <p:cNvPr id="17" name="16 Rectángulo"/>
-          <p:cNvSpPr/>
-          <p:nvPr/>
-        </p:nvSpPr>
-        <p:spPr>
-          <a:xfrm rot="21241341">
-            <a:off x="-1002985" y="180847"/>
-            <a:ext cx="10631006" cy="1316776"/>
-          </a:xfrm>
-          <a:prstGeom prst="rect">
-            <a:avLst/>
-          </a:prstGeom>
-          <a:solidFill>
-            <a:srgbClr val="FFC000"/>
-          </a:solidFill>
-          <a:ln>
-            <a:noFill/>
-          </a:ln>
-          <a:effectLst/>
-        </p:spPr>
-        <p:style>
-          <a:lnRef idx="1">
-            <a:schemeClr val="accent1"/>
-          </a:lnRef>
-          <a:fillRef idx="3">
-            <a:schemeClr val="accent1"/>
-          </a:fillRef>
-          <a:effectRef idx="2">
-            <a:schemeClr val="accent1"/>
-          </a:effectRef>
-          <a:fontRef idx="minor">
-            <a:schemeClr val="lt1"/>
-          </a:fontRef>
-        </p:style>
-        <p:txBody>
-          <a:bodyPr rtlCol="0" anchor="ctr"/>
-          <a:lstStyle/>
-          <a:p>
-            <a:pPr algn="ctr"/>
-            <a:endParaRPr lang="es-CO" dirty="0"/>
-          </a:p>
-        </p:txBody>
-      </p:sp>
-      <p:sp>
-        <p:nvSpPr>
-          <p:cNvPr id="18" name="17 Rectángulo"/>
-          <p:cNvSpPr/>
-          <p:nvPr/>
-        </p:nvSpPr>
-        <p:spPr>
-          <a:xfrm>
-            <a:off x="-968311" y="198126"/>
-            <a:ext cx="10631006" cy="1425956"/>
-          </a:xfrm>
-          <a:prstGeom prst="rect">
-            <a:avLst/>
-          </a:prstGeom>
-          <a:solidFill>
-            <a:srgbClr val="0099A5"/>
-          </a:solidFill>
-          <a:ln>
-            <a:noFill/>
-          </a:ln>
-          <a:effectLst/>
-        </p:spPr>
-        <p:style>
-          <a:lnRef idx="1">
-            <a:schemeClr val="accent1"/>
-          </a:lnRef>
-          <a:fillRef idx="3">
-            <a:schemeClr val="accent1"/>
-          </a:fillRef>
-          <a:effectRef idx="2">
-            <a:schemeClr val="accent1"/>
-          </a:effectRef>
-          <a:fontRef idx="minor">
-            <a:schemeClr val="lt1"/>
-          </a:fontRef>
-        </p:style>
-        <p:txBody>
-          <a:bodyPr rtlCol="0" anchor="ctr"/>
-          <a:lstStyle/>
-          <a:p>
-            <a:pPr algn="ctr"/>
-            <a:endParaRPr lang="es-CO" dirty="0"/>
-          </a:p>
-        </p:txBody>
-      </p:sp>
-      <p:sp>
-        <p:nvSpPr>
-          <p:cNvPr id="7" name="Marcador de contenido 5"/>
-          <p:cNvSpPr txBox="1">
-            <a:spLocks/>
-          </p:cNvSpPr>
-          <p:nvPr/>
-        </p:nvSpPr>
-        <p:spPr>
-          <a:xfrm>
-            <a:off x="0" y="0"/>
-            <a:ext cx="9144000" cy="6857999"/>
-          </a:xfrm>
-          <a:prstGeom prst="rect">
-            <a:avLst/>
-          </a:prstGeom>
-        </p:spPr>
-        <p:txBody>
-          <a:bodyPr vert="horz" lIns="91440" tIns="45720" rIns="91440" bIns="45720" rtlCol="0">
-            <a:normAutofit/>
-          </a:bodyPr>
-          <a:lstStyle>
-            <a:lvl1pPr marL="342900" indent="-342900" algn="l" defTabSz="457200" rtl="0" eaLnBrk="1" latinLnBrk="0" hangingPunct="1">
-              <a:spcBef>
-                <a:spcPct val="20000"/>
-              </a:spcBef>
-              <a:buFont typeface="Arial"/>
-              <a:buChar char="•"/>
-              <a:defRPr sz="3200" kern="1200">
-                <a:solidFill>
-                  <a:schemeClr val="tx1"/>
-                </a:solidFill>
-                <a:latin typeface="+mn-lt"/>
-                <a:ea typeface="+mn-ea"/>
-                <a:cs typeface="+mn-cs"/>
-              </a:defRPr>
-            </a:lvl1pPr>
-            <a:lvl2pPr marL="742950" indent="-285750" algn="l" defTabSz="457200" rtl="0" eaLnBrk="1" latinLnBrk="0" hangingPunct="1">
-              <a:spcBef>
-                <a:spcPct val="20000"/>
-              </a:spcBef>
-              <a:buFont typeface="Arial"/>
-              <a:buChar char="–"/>
-              <a:defRPr sz="2800" kern="1200">
-                <a:solidFill>
-                  <a:schemeClr val="tx1"/>
-                </a:solidFill>
-                <a:latin typeface="+mn-lt"/>
-                <a:ea typeface="+mn-ea"/>
-                <a:cs typeface="+mn-cs"/>
-              </a:defRPr>
-            </a:lvl2pPr>
-            <a:lvl3pPr marL="1143000" indent="-228600" algn="l" defTabSz="457200" rtl="0" eaLnBrk="1" latinLnBrk="0" hangingPunct="1">
-              <a:spcBef>
-                <a:spcPct val="20000"/>
-              </a:spcBef>
-              <a:buFont typeface="Arial"/>
-              <a:buChar char="•"/>
-              <a:defRPr sz="2400" kern="1200">
-                <a:solidFill>
-                  <a:schemeClr val="tx1"/>
-                </a:solidFill>
-                <a:latin typeface="+mn-lt"/>
-                <a:ea typeface="+mn-ea"/>
-                <a:cs typeface="+mn-cs"/>
-              </a:defRPr>
-            </a:lvl3pPr>
-            <a:lvl4pPr marL="1600200" indent="-228600" algn="l" defTabSz="457200" rtl="0" eaLnBrk="1" latinLnBrk="0" hangingPunct="1">
-              <a:spcBef>
-                <a:spcPct val="20000"/>
-              </a:spcBef>
-              <a:buFont typeface="Arial"/>
-              <a:buChar char="–"/>
-              <a:defRPr sz="2000" kern="1200">
-                <a:solidFill>
-                  <a:schemeClr val="tx1"/>
-                </a:solidFill>
-                <a:latin typeface="+mn-lt"/>
-                <a:ea typeface="+mn-ea"/>
-                <a:cs typeface="+mn-cs"/>
-              </a:defRPr>
-            </a:lvl4pPr>
-            <a:lvl5pPr marL="2057400" indent="-228600" algn="l" defTabSz="457200" rtl="0" eaLnBrk="1" latinLnBrk="0" hangingPunct="1">
-              <a:spcBef>
-                <a:spcPct val="20000"/>
-              </a:spcBef>
-              <a:buFont typeface="Arial"/>
-              <a:buChar char="»"/>
-              <a:defRPr sz="2000" kern="1200">
-                <a:solidFill>
-                  <a:schemeClr val="tx1"/>
-                </a:solidFill>
-                <a:latin typeface="+mn-lt"/>
-                <a:ea typeface="+mn-ea"/>
-                <a:cs typeface="+mn-cs"/>
-              </a:defRPr>
-            </a:lvl5pPr>
-            <a:lvl6pPr marL="2514600" indent="-228600" algn="l" defTabSz="457200" rtl="0" eaLnBrk="1" latinLnBrk="0" hangingPunct="1">
-              <a:spcBef>
-                <a:spcPct val="20000"/>
-              </a:spcBef>
-              <a:buFont typeface="Arial"/>
-              <a:buChar char="•"/>
-              <a:defRPr sz="2000" kern="1200">
-                <a:solidFill>
-                  <a:schemeClr val="tx1"/>
-                </a:solidFill>
-                <a:latin typeface="+mn-lt"/>
-                <a:ea typeface="+mn-ea"/>
-                <a:cs typeface="+mn-cs"/>
-              </a:defRPr>
-            </a:lvl6pPr>
-            <a:lvl7pPr marL="2971800" indent="-228600" algn="l" defTabSz="457200" rtl="0" eaLnBrk="1" latinLnBrk="0" hangingPunct="1">
-              <a:spcBef>
-                <a:spcPct val="20000"/>
-              </a:spcBef>
-              <a:buFont typeface="Arial"/>
-              <a:buChar char="•"/>
-              <a:defRPr sz="2000" kern="1200">
-                <a:solidFill>
-                  <a:schemeClr val="tx1"/>
-                </a:solidFill>
-                <a:latin typeface="+mn-lt"/>
-                <a:ea typeface="+mn-ea"/>
-                <a:cs typeface="+mn-cs"/>
-              </a:defRPr>
-            </a:lvl7pPr>
-            <a:lvl8pPr marL="3429000" indent="-228600" algn="l" defTabSz="457200" rtl="0" eaLnBrk="1" latinLnBrk="0" hangingPunct="1">
-              <a:spcBef>
-                <a:spcPct val="20000"/>
-              </a:spcBef>
-              <a:buFont typeface="Arial"/>
-              <a:buChar char="•"/>
-              <a:defRPr sz="2000" kern="1200">
-                <a:solidFill>
-                  <a:schemeClr val="tx1"/>
-                </a:solidFill>
-                <a:latin typeface="+mn-lt"/>
-                <a:ea typeface="+mn-ea"/>
-                <a:cs typeface="+mn-cs"/>
-              </a:defRPr>
-            </a:lvl8pPr>
-            <a:lvl9pPr marL="3886200" indent="-228600" algn="l" defTabSz="457200" rtl="0" eaLnBrk="1" latinLnBrk="0" hangingPunct="1">
-              <a:spcBef>
-                <a:spcPct val="20000"/>
-              </a:spcBef>
-              <a:buFont typeface="Arial"/>
-              <a:buChar char="•"/>
-              <a:defRPr sz="2000" kern="1200">
-                <a:solidFill>
-                  <a:schemeClr val="tx1"/>
-                </a:solidFill>
-                <a:latin typeface="+mn-lt"/>
-                <a:ea typeface="+mn-ea"/>
-                <a:cs typeface="+mn-cs"/>
-              </a:defRPr>
-            </a:lvl9pPr>
-          </a:lstStyle>
-          <a:p>
-            <a:endParaRPr lang="es-ES" dirty="0"/>
-          </a:p>
-          <a:p>
-            <a:endParaRPr lang="es-ES" dirty="0"/>
-          </a:p>
-        </p:txBody>
-      </p:sp>
-      <p:sp>
-        <p:nvSpPr>
-          <p:cNvPr id="16" name="Título 1"/>
-          <p:cNvSpPr txBox="1">
-            <a:spLocks/>
-          </p:cNvSpPr>
-          <p:nvPr/>
-        </p:nvSpPr>
-        <p:spPr>
-          <a:xfrm>
-            <a:off x="364273" y="324984"/>
-            <a:ext cx="9069906" cy="1198245"/>
-          </a:xfrm>
-          <a:prstGeom prst="rect">
-            <a:avLst/>
-          </a:prstGeom>
-        </p:spPr>
-        <p:txBody>
-          <a:bodyPr vert="horz" lIns="91440" tIns="45720" rIns="91440" bIns="45720" rtlCol="0" anchor="ctr">
-            <a:noAutofit/>
-          </a:bodyPr>
-          <a:lstStyle>
-            <a:lvl1pPr algn="ctr" defTabSz="457200" rtl="0" eaLnBrk="1" latinLnBrk="0" hangingPunct="1">
-              <a:spcBef>
-                <a:spcPct val="0"/>
-              </a:spcBef>
-              <a:buNone/>
-              <a:defRPr sz="4400" kern="1200">
-                <a:solidFill>
-                  <a:schemeClr val="tx1"/>
-                </a:solidFill>
-                <a:latin typeface="+mj-lt"/>
-                <a:ea typeface="+mj-ea"/>
-                <a:cs typeface="+mj-cs"/>
-              </a:defRPr>
-            </a:lvl1pPr>
-          </a:lstStyle>
-          <a:p>
-            <a:pPr algn="l"/>
-            <a:r>
-              <a:rPr lang="es-ES" sz="5400" dirty="0">
-                <a:solidFill>
-                  <a:schemeClr val="bg1"/>
-                </a:solidFill>
-              </a:rPr>
-              <a:t>ESPECIFICACIÓN DE CASOS DE USO</a:t>
-            </a:r>
-          </a:p>
-        </p:txBody>
-      </p:sp>
-      <p:pic>
-        <p:nvPicPr>
-          <p:cNvPr id="4" name="Imagen 3">
-            <a:extLst>
-              <a:ext uri="{FF2B5EF4-FFF2-40B4-BE49-F238E27FC236}">
                 <a16:creationId xmlns:a16="http://schemas.microsoft.com/office/drawing/2014/main" id="{190EE6B0-6C3C-4DAD-A705-19C962418262}"/>
               </a:ext>
             </a:extLst>
@@ -16498,6 +16087,186 @@
     <p:extLst>
       <p:ext uri="{BB962C8B-B14F-4D97-AF65-F5344CB8AC3E}">
         <p14:creationId xmlns:p14="http://schemas.microsoft.com/office/powerpoint/2010/main" val="190061572"/>
+      </p:ext>
+    </p:extLst>
+  </p:cSld>
+  <p:clrMapOvr>
+    <a:masterClrMapping/>
+  </p:clrMapOvr>
+</p:sld>
+</file>
+
+<file path=ppt/slides/slide29.xml><?xml version="1.0" encoding="utf-8"?>
+<p:sld xmlns:a="http://schemas.openxmlformats.org/drawingml/2006/main" xmlns:r="http://schemas.openxmlformats.org/officeDocument/2006/relationships" xmlns:p="http://schemas.openxmlformats.org/presentationml/2006/main">
+  <p:cSld>
+    <p:spTree>
+      <p:nvGrpSpPr>
+        <p:cNvPr id="1" name="Shape 207"/>
+        <p:cNvGrpSpPr/>
+        <p:nvPr/>
+      </p:nvGrpSpPr>
+      <p:grpSpPr>
+        <a:xfrm>
+          <a:off x="0" y="0"/>
+          <a:ext cx="0" cy="0"/>
+          <a:chOff x="0" y="0"/>
+          <a:chExt cx="0" cy="0"/>
+        </a:xfrm>
+      </p:grpSpPr>
+      <p:sp>
+        <p:nvSpPr>
+          <p:cNvPr id="208" name="Google Shape;208;p12"/>
+          <p:cNvSpPr txBox="1"/>
+          <p:nvPr/>
+        </p:nvSpPr>
+        <p:spPr>
+          <a:xfrm>
+            <a:off x="0" y="0"/>
+            <a:ext cx="9144000" cy="6857999"/>
+          </a:xfrm>
+          <a:prstGeom prst="rect">
+            <a:avLst/>
+          </a:prstGeom>
+          <a:noFill/>
+          <a:ln>
+            <a:noFill/>
+          </a:ln>
+        </p:spPr>
+        <p:txBody>
+          <a:bodyPr spcFirstLastPara="1" wrap="square" lIns="91425" tIns="45700" rIns="91425" bIns="45700" anchor="t" anchorCtr="0">
+            <a:normAutofit/>
+          </a:bodyPr>
+          <a:lstStyle/>
+          <a:p>
+            <a:pPr marL="342900" marR="0" lvl="0" indent="-139700" algn="l" rtl="0">
+              <a:spcBef>
+                <a:spcPts val="0"/>
+              </a:spcBef>
+              <a:spcAft>
+                <a:spcPts val="0"/>
+              </a:spcAft>
+              <a:buClr>
+                <a:schemeClr val="dk1"/>
+              </a:buClr>
+              <a:buSzPts val="3200"/>
+              <a:buFont typeface="Arial"/>
+              <a:buNone/>
+            </a:pPr>
+            <a:endParaRPr sz="3200" b="0" i="0" u="none" strike="noStrike" cap="none" dirty="0">
+              <a:solidFill>
+                <a:schemeClr val="dk1"/>
+              </a:solidFill>
+              <a:latin typeface="Calibri"/>
+              <a:ea typeface="Calibri"/>
+              <a:cs typeface="Calibri"/>
+              <a:sym typeface="Calibri"/>
+            </a:endParaRPr>
+          </a:p>
+        </p:txBody>
+      </p:sp>
+      <p:sp>
+        <p:nvSpPr>
+          <p:cNvPr id="209" name="Google Shape;209;p12"/>
+          <p:cNvSpPr txBox="1">
+            <a:spLocks noGrp="1"/>
+          </p:cNvSpPr>
+          <p:nvPr>
+            <p:ph type="title" idx="4294967295"/>
+          </p:nvPr>
+        </p:nvSpPr>
+        <p:spPr>
+          <a:xfrm>
+            <a:off x="2720975" y="4808538"/>
+            <a:ext cx="6423025" cy="1592262"/>
+          </a:xfrm>
+          <a:prstGeom prst="rect">
+            <a:avLst/>
+          </a:prstGeom>
+          <a:solidFill>
+            <a:srgbClr val="8A8A8A"/>
+          </a:solidFill>
+          <a:ln>
+            <a:noFill/>
+          </a:ln>
+        </p:spPr>
+        <p:txBody>
+          <a:bodyPr spcFirstLastPara="1" wrap="square" lIns="91425" tIns="45700" rIns="91425" bIns="45700" anchor="ctr" anchorCtr="0">
+            <a:noAutofit/>
+          </a:bodyPr>
+          <a:lstStyle/>
+          <a:p>
+            <a:pPr marL="0" marR="0" lvl="0" indent="0" algn="l" rtl="0">
+              <a:lnSpc>
+                <a:spcPct val="80000"/>
+              </a:lnSpc>
+              <a:spcBef>
+                <a:spcPts val="0"/>
+              </a:spcBef>
+              <a:spcAft>
+                <a:spcPts val="0"/>
+              </a:spcAft>
+              <a:buClr>
+                <a:schemeClr val="lt1"/>
+              </a:buClr>
+              <a:buSzPts val="4400"/>
+              <a:buFont typeface="Calibri"/>
+              <a:buNone/>
+            </a:pPr>
+            <a:r>
+              <a:rPr lang="es-CO" sz="4400" b="1" dirty="0">
+                <a:solidFill>
+                  <a:schemeClr val="lt1"/>
+                </a:solidFill>
+                <a:latin typeface="Calibri"/>
+                <a:ea typeface="Calibri"/>
+                <a:cs typeface="Calibri"/>
+                <a:sym typeface="Calibri"/>
+              </a:rPr>
+              <a:t>REQUISITOS FUNCIONALES</a:t>
+            </a:r>
+            <a:endParaRPr sz="4400" b="0" i="0" u="none" strike="noStrike" cap="none" dirty="0">
+              <a:solidFill>
+                <a:schemeClr val="lt1"/>
+              </a:solidFill>
+              <a:latin typeface="Calibri"/>
+              <a:ea typeface="Calibri"/>
+              <a:cs typeface="Calibri"/>
+              <a:sym typeface="Calibri"/>
+            </a:endParaRPr>
+          </a:p>
+        </p:txBody>
+      </p:sp>
+      <p:pic>
+        <p:nvPicPr>
+          <p:cNvPr id="210" name="Google Shape;210;p12"/>
+          <p:cNvPicPr preferRelativeResize="0"/>
+          <p:nvPr/>
+        </p:nvPicPr>
+        <p:blipFill rotWithShape="1">
+          <a:blip r:embed="rId3">
+            <a:alphaModFix/>
+          </a:blip>
+          <a:srcRect/>
+          <a:stretch/>
+        </p:blipFill>
+        <p:spPr>
+          <a:xfrm>
+            <a:off x="3006179" y="607767"/>
+            <a:ext cx="3593005" cy="3593005"/>
+          </a:xfrm>
+          <a:prstGeom prst="rect">
+            <a:avLst/>
+          </a:prstGeom>
+          <a:noFill/>
+          <a:ln>
+            <a:noFill/>
+          </a:ln>
+        </p:spPr>
+      </p:pic>
+    </p:spTree>
+    <p:extLst>
+      <p:ext uri="{BB962C8B-B14F-4D97-AF65-F5344CB8AC3E}">
+        <p14:creationId xmlns:p14="http://schemas.microsoft.com/office/powerpoint/2010/main" val="4153271005"/>
       </p:ext>
     </p:extLst>
   </p:cSld>
@@ -16687,186 +16456,6 @@
   <p:cSld>
     <p:spTree>
       <p:nvGrpSpPr>
-        <p:cNvPr id="1" name="Shape 207"/>
-        <p:cNvGrpSpPr/>
-        <p:nvPr/>
-      </p:nvGrpSpPr>
-      <p:grpSpPr>
-        <a:xfrm>
-          <a:off x="0" y="0"/>
-          <a:ext cx="0" cy="0"/>
-          <a:chOff x="0" y="0"/>
-          <a:chExt cx="0" cy="0"/>
-        </a:xfrm>
-      </p:grpSpPr>
-      <p:sp>
-        <p:nvSpPr>
-          <p:cNvPr id="208" name="Google Shape;208;p12"/>
-          <p:cNvSpPr txBox="1"/>
-          <p:nvPr/>
-        </p:nvSpPr>
-        <p:spPr>
-          <a:xfrm>
-            <a:off x="0" y="0"/>
-            <a:ext cx="9144000" cy="6857999"/>
-          </a:xfrm>
-          <a:prstGeom prst="rect">
-            <a:avLst/>
-          </a:prstGeom>
-          <a:noFill/>
-          <a:ln>
-            <a:noFill/>
-          </a:ln>
-        </p:spPr>
-        <p:txBody>
-          <a:bodyPr spcFirstLastPara="1" wrap="square" lIns="91425" tIns="45700" rIns="91425" bIns="45700" anchor="t" anchorCtr="0">
-            <a:normAutofit/>
-          </a:bodyPr>
-          <a:lstStyle/>
-          <a:p>
-            <a:pPr marL="342900" marR="0" lvl="0" indent="-139700" algn="l" rtl="0">
-              <a:spcBef>
-                <a:spcPts val="0"/>
-              </a:spcBef>
-              <a:spcAft>
-                <a:spcPts val="0"/>
-              </a:spcAft>
-              <a:buClr>
-                <a:schemeClr val="dk1"/>
-              </a:buClr>
-              <a:buSzPts val="3200"/>
-              <a:buFont typeface="Arial"/>
-              <a:buNone/>
-            </a:pPr>
-            <a:endParaRPr sz="3200" b="0" i="0" u="none" strike="noStrike" cap="none" dirty="0">
-              <a:solidFill>
-                <a:schemeClr val="dk1"/>
-              </a:solidFill>
-              <a:latin typeface="Calibri"/>
-              <a:ea typeface="Calibri"/>
-              <a:cs typeface="Calibri"/>
-              <a:sym typeface="Calibri"/>
-            </a:endParaRPr>
-          </a:p>
-        </p:txBody>
-      </p:sp>
-      <p:sp>
-        <p:nvSpPr>
-          <p:cNvPr id="209" name="Google Shape;209;p12"/>
-          <p:cNvSpPr txBox="1">
-            <a:spLocks noGrp="1"/>
-          </p:cNvSpPr>
-          <p:nvPr>
-            <p:ph type="title" idx="4294967295"/>
-          </p:nvPr>
-        </p:nvSpPr>
-        <p:spPr>
-          <a:xfrm>
-            <a:off x="2720975" y="4808538"/>
-            <a:ext cx="6423025" cy="1592262"/>
-          </a:xfrm>
-          <a:prstGeom prst="rect">
-            <a:avLst/>
-          </a:prstGeom>
-          <a:solidFill>
-            <a:srgbClr val="8A8A8A"/>
-          </a:solidFill>
-          <a:ln>
-            <a:noFill/>
-          </a:ln>
-        </p:spPr>
-        <p:txBody>
-          <a:bodyPr spcFirstLastPara="1" wrap="square" lIns="91425" tIns="45700" rIns="91425" bIns="45700" anchor="ctr" anchorCtr="0">
-            <a:noAutofit/>
-          </a:bodyPr>
-          <a:lstStyle/>
-          <a:p>
-            <a:pPr marL="0" marR="0" lvl="0" indent="0" algn="l" rtl="0">
-              <a:lnSpc>
-                <a:spcPct val="80000"/>
-              </a:lnSpc>
-              <a:spcBef>
-                <a:spcPts val="0"/>
-              </a:spcBef>
-              <a:spcAft>
-                <a:spcPts val="0"/>
-              </a:spcAft>
-              <a:buClr>
-                <a:schemeClr val="lt1"/>
-              </a:buClr>
-              <a:buSzPts val="4400"/>
-              <a:buFont typeface="Calibri"/>
-              <a:buNone/>
-            </a:pPr>
-            <a:r>
-              <a:rPr lang="es-CO" sz="4400" b="1" dirty="0">
-                <a:solidFill>
-                  <a:schemeClr val="lt1"/>
-                </a:solidFill>
-                <a:latin typeface="Calibri"/>
-                <a:ea typeface="Calibri"/>
-                <a:cs typeface="Calibri"/>
-                <a:sym typeface="Calibri"/>
-              </a:rPr>
-              <a:t>REQUISITOS FUNCIONALES</a:t>
-            </a:r>
-            <a:endParaRPr sz="4400" b="0" i="0" u="none" strike="noStrike" cap="none" dirty="0">
-              <a:solidFill>
-                <a:schemeClr val="lt1"/>
-              </a:solidFill>
-              <a:latin typeface="Calibri"/>
-              <a:ea typeface="Calibri"/>
-              <a:cs typeface="Calibri"/>
-              <a:sym typeface="Calibri"/>
-            </a:endParaRPr>
-          </a:p>
-        </p:txBody>
-      </p:sp>
-      <p:pic>
-        <p:nvPicPr>
-          <p:cNvPr id="210" name="Google Shape;210;p12"/>
-          <p:cNvPicPr preferRelativeResize="0"/>
-          <p:nvPr/>
-        </p:nvPicPr>
-        <p:blipFill rotWithShape="1">
-          <a:blip r:embed="rId3">
-            <a:alphaModFix/>
-          </a:blip>
-          <a:srcRect/>
-          <a:stretch/>
-        </p:blipFill>
-        <p:spPr>
-          <a:xfrm>
-            <a:off x="3006179" y="607767"/>
-            <a:ext cx="3593005" cy="3593005"/>
-          </a:xfrm>
-          <a:prstGeom prst="rect">
-            <a:avLst/>
-          </a:prstGeom>
-          <a:noFill/>
-          <a:ln>
-            <a:noFill/>
-          </a:ln>
-        </p:spPr>
-      </p:pic>
-    </p:spTree>
-    <p:extLst>
-      <p:ext uri="{BB962C8B-B14F-4D97-AF65-F5344CB8AC3E}">
-        <p14:creationId xmlns:p14="http://schemas.microsoft.com/office/powerpoint/2010/main" val="4153271005"/>
-      </p:ext>
-    </p:extLst>
-  </p:cSld>
-  <p:clrMapOvr>
-    <a:masterClrMapping/>
-  </p:clrMapOvr>
-</p:sld>
-</file>
-
-<file path=ppt/slides/slide31.xml><?xml version="1.0" encoding="utf-8"?>
-<p:sld xmlns:a="http://schemas.openxmlformats.org/drawingml/2006/main" xmlns:r="http://schemas.openxmlformats.org/officeDocument/2006/relationships" xmlns:p="http://schemas.openxmlformats.org/presentationml/2006/main">
-  <p:cSld>
-    <p:spTree>
-      <p:nvGrpSpPr>
         <p:cNvPr id="1" name=""/>
         <p:cNvGrpSpPr/>
         <p:nvPr/>
@@ -17329,7 +16918,7 @@
 </p:sld>
 </file>
 
-<file path=ppt/slides/slide32.xml><?xml version="1.0" encoding="utf-8"?>
+<file path=ppt/slides/slide31.xml><?xml version="1.0" encoding="utf-8"?>
 <p:sld xmlns:a="http://schemas.openxmlformats.org/drawingml/2006/main" xmlns:r="http://schemas.openxmlformats.org/officeDocument/2006/relationships" xmlns:p="http://schemas.openxmlformats.org/presentationml/2006/main">
   <p:cSld>
     <p:spTree>
@@ -17509,7 +17098,7 @@
 </p:sld>
 </file>
 
-<file path=ppt/slides/slide33.xml><?xml version="1.0" encoding="utf-8"?>
+<file path=ppt/slides/slide32.xml><?xml version="1.0" encoding="utf-8"?>
 <p:sld xmlns:a="http://schemas.openxmlformats.org/drawingml/2006/main" xmlns:r="http://schemas.openxmlformats.org/officeDocument/2006/relationships" xmlns:p="http://schemas.openxmlformats.org/presentationml/2006/main">
   <p:cSld>
     <p:spTree>
@@ -17917,7 +17506,7 @@
 </p:sld>
 </file>
 
-<file path=ppt/slides/slide34.xml><?xml version="1.0" encoding="utf-8"?>
+<file path=ppt/slides/slide33.xml><?xml version="1.0" encoding="utf-8"?>
 <p:sld xmlns:a="http://schemas.openxmlformats.org/drawingml/2006/main" xmlns:r="http://schemas.openxmlformats.org/officeDocument/2006/relationships" xmlns:p="http://schemas.openxmlformats.org/presentationml/2006/main">
   <p:cSld>
     <p:spTree>
@@ -18097,7 +17686,7 @@
 </p:sld>
 </file>
 
-<file path=ppt/slides/slide35.xml><?xml version="1.0" encoding="utf-8"?>
+<file path=ppt/slides/slide34.xml><?xml version="1.0" encoding="utf-8"?>
 <p:sld xmlns:a="http://schemas.openxmlformats.org/drawingml/2006/main" xmlns:r="http://schemas.openxmlformats.org/officeDocument/2006/relationships" xmlns:p="http://schemas.openxmlformats.org/presentationml/2006/main">
   <p:cSld>
     <p:spTree>
@@ -22220,7 +21809,7 @@
 </p:sld>
 </file>
 
-<file path=ppt/slides/slide36.xml><?xml version="1.0" encoding="utf-8"?>
+<file path=ppt/slides/slide35.xml><?xml version="1.0" encoding="utf-8"?>
 <p:sld xmlns:a="http://schemas.openxmlformats.org/drawingml/2006/main" xmlns:r="http://schemas.openxmlformats.org/officeDocument/2006/relationships" xmlns:p="http://schemas.openxmlformats.org/presentationml/2006/main">
   <p:cSld>
     <p:spTree>
@@ -22392,7 +21981,7 @@
 </p:sld>
 </file>
 
-<file path=ppt/slides/slide37.xml><?xml version="1.0" encoding="utf-8"?>
+<file path=ppt/slides/slide36.xml><?xml version="1.0" encoding="utf-8"?>
 <p:sld xmlns:a="http://schemas.openxmlformats.org/drawingml/2006/main" xmlns:r="http://schemas.openxmlformats.org/officeDocument/2006/relationships" xmlns:p="http://schemas.openxmlformats.org/presentationml/2006/main">
   <p:cSld>
     <p:spTree>
@@ -23012,7 +22601,7 @@
 </p:sld>
 </file>
 
-<file path=ppt/slides/slide38.xml><?xml version="1.0" encoding="utf-8"?>
+<file path=ppt/slides/slide37.xml><?xml version="1.0" encoding="utf-8"?>
 <p:sld xmlns:a="http://schemas.openxmlformats.org/drawingml/2006/main" xmlns:r="http://schemas.openxmlformats.org/officeDocument/2006/relationships" xmlns:p="http://schemas.openxmlformats.org/presentationml/2006/main">
   <p:cSld>
     <p:spTree>
@@ -23631,7 +23220,7 @@
 </p:sld>
 </file>
 
-<file path=ppt/slides/slide39.xml><?xml version="1.0" encoding="utf-8"?>
+<file path=ppt/slides/slide38.xml><?xml version="1.0" encoding="utf-8"?>
 <p:sld xmlns:a="http://schemas.openxmlformats.org/drawingml/2006/main" xmlns:r="http://schemas.openxmlformats.org/officeDocument/2006/relationships" xmlns:p="http://schemas.openxmlformats.org/presentationml/2006/main">
   <p:cSld>
     <p:spTree>
@@ -24241,6 +23830,625 @@
     <p:extLst>
       <p:ext uri="{BB962C8B-B14F-4D97-AF65-F5344CB8AC3E}">
         <p14:creationId xmlns:p14="http://schemas.microsoft.com/office/powerpoint/2010/main" val="986115337"/>
+      </p:ext>
+    </p:extLst>
+  </p:cSld>
+  <p:clrMapOvr>
+    <a:masterClrMapping/>
+  </p:clrMapOvr>
+</p:sld>
+</file>
+
+<file path=ppt/slides/slide39.xml><?xml version="1.0" encoding="utf-8"?>
+<p:sld xmlns:a="http://schemas.openxmlformats.org/drawingml/2006/main" xmlns:r="http://schemas.openxmlformats.org/officeDocument/2006/relationships" xmlns:p="http://schemas.openxmlformats.org/presentationml/2006/main">
+  <p:cSld>
+    <p:spTree>
+      <p:nvGrpSpPr>
+        <p:cNvPr id="1" name=""/>
+        <p:cNvGrpSpPr/>
+        <p:nvPr/>
+      </p:nvGrpSpPr>
+      <p:grpSpPr>
+        <a:xfrm>
+          <a:off x="0" y="0"/>
+          <a:ext cx="0" cy="0"/>
+          <a:chOff x="0" y="0"/>
+          <a:chExt cx="0" cy="0"/>
+        </a:xfrm>
+      </p:grpSpPr>
+      <p:sp>
+        <p:nvSpPr>
+          <p:cNvPr id="15" name="14 Rectángulo"/>
+          <p:cNvSpPr/>
+          <p:nvPr/>
+        </p:nvSpPr>
+        <p:spPr>
+          <a:xfrm rot="20796637">
+            <a:off x="-1033229" y="-310908"/>
+            <a:ext cx="10665350" cy="1608631"/>
+          </a:xfrm>
+          <a:prstGeom prst="rect">
+            <a:avLst/>
+          </a:prstGeom>
+          <a:solidFill>
+            <a:srgbClr val="92D050"/>
+          </a:solidFill>
+          <a:ln>
+            <a:noFill/>
+          </a:ln>
+          <a:effectLst/>
+        </p:spPr>
+        <p:style>
+          <a:lnRef idx="1">
+            <a:schemeClr val="accent1"/>
+          </a:lnRef>
+          <a:fillRef idx="3">
+            <a:schemeClr val="accent1"/>
+          </a:fillRef>
+          <a:effectRef idx="2">
+            <a:schemeClr val="accent1"/>
+          </a:effectRef>
+          <a:fontRef idx="minor">
+            <a:schemeClr val="lt1"/>
+          </a:fontRef>
+        </p:style>
+        <p:txBody>
+          <a:bodyPr rtlCol="0" anchor="ctr"/>
+          <a:lstStyle/>
+          <a:p>
+            <a:pPr algn="ctr"/>
+            <a:endParaRPr lang="es-CO" dirty="0"/>
+          </a:p>
+        </p:txBody>
+      </p:sp>
+      <p:sp>
+        <p:nvSpPr>
+          <p:cNvPr id="17" name="16 Rectángulo"/>
+          <p:cNvSpPr/>
+          <p:nvPr/>
+        </p:nvSpPr>
+        <p:spPr>
+          <a:xfrm rot="21241341">
+            <a:off x="-1002985" y="180847"/>
+            <a:ext cx="10631006" cy="1316776"/>
+          </a:xfrm>
+          <a:prstGeom prst="rect">
+            <a:avLst/>
+          </a:prstGeom>
+          <a:solidFill>
+            <a:srgbClr val="FFC000"/>
+          </a:solidFill>
+          <a:ln>
+            <a:noFill/>
+          </a:ln>
+          <a:effectLst/>
+        </p:spPr>
+        <p:style>
+          <a:lnRef idx="1">
+            <a:schemeClr val="accent1"/>
+          </a:lnRef>
+          <a:fillRef idx="3">
+            <a:schemeClr val="accent1"/>
+          </a:fillRef>
+          <a:effectRef idx="2">
+            <a:schemeClr val="accent1"/>
+          </a:effectRef>
+          <a:fontRef idx="minor">
+            <a:schemeClr val="lt1"/>
+          </a:fontRef>
+        </p:style>
+        <p:txBody>
+          <a:bodyPr rtlCol="0" anchor="ctr"/>
+          <a:lstStyle/>
+          <a:p>
+            <a:pPr algn="ctr"/>
+            <a:endParaRPr lang="es-CO" dirty="0"/>
+          </a:p>
+        </p:txBody>
+      </p:sp>
+      <p:sp>
+        <p:nvSpPr>
+          <p:cNvPr id="18" name="17 Rectángulo"/>
+          <p:cNvSpPr/>
+          <p:nvPr/>
+        </p:nvSpPr>
+        <p:spPr>
+          <a:xfrm>
+            <a:off x="-968311" y="198126"/>
+            <a:ext cx="10631006" cy="1425956"/>
+          </a:xfrm>
+          <a:prstGeom prst="rect">
+            <a:avLst/>
+          </a:prstGeom>
+          <a:solidFill>
+            <a:srgbClr val="0099A5"/>
+          </a:solidFill>
+          <a:ln>
+            <a:noFill/>
+          </a:ln>
+          <a:effectLst/>
+        </p:spPr>
+        <p:style>
+          <a:lnRef idx="1">
+            <a:schemeClr val="accent1"/>
+          </a:lnRef>
+          <a:fillRef idx="3">
+            <a:schemeClr val="accent1"/>
+          </a:fillRef>
+          <a:effectRef idx="2">
+            <a:schemeClr val="accent1"/>
+          </a:effectRef>
+          <a:fontRef idx="minor">
+            <a:schemeClr val="lt1"/>
+          </a:fontRef>
+        </p:style>
+        <p:txBody>
+          <a:bodyPr rtlCol="0" anchor="ctr"/>
+          <a:lstStyle/>
+          <a:p>
+            <a:pPr algn="ctr"/>
+            <a:endParaRPr lang="es-CO" dirty="0"/>
+          </a:p>
+        </p:txBody>
+      </p:sp>
+      <p:sp>
+        <p:nvSpPr>
+          <p:cNvPr id="7" name="Marcador de contenido 5"/>
+          <p:cNvSpPr txBox="1">
+            <a:spLocks/>
+          </p:cNvSpPr>
+          <p:nvPr/>
+        </p:nvSpPr>
+        <p:spPr>
+          <a:xfrm>
+            <a:off x="0" y="0"/>
+            <a:ext cx="9144000" cy="6857999"/>
+          </a:xfrm>
+          <a:prstGeom prst="rect">
+            <a:avLst/>
+          </a:prstGeom>
+        </p:spPr>
+        <p:txBody>
+          <a:bodyPr vert="horz" lIns="91440" tIns="45720" rIns="91440" bIns="45720" rtlCol="0">
+            <a:normAutofit/>
+          </a:bodyPr>
+          <a:lstStyle>
+            <a:lvl1pPr marL="342900" indent="-342900" algn="l" defTabSz="457200" rtl="0" eaLnBrk="1" latinLnBrk="0" hangingPunct="1">
+              <a:spcBef>
+                <a:spcPct val="20000"/>
+              </a:spcBef>
+              <a:buFont typeface="Arial"/>
+              <a:buChar char="•"/>
+              <a:defRPr sz="3200" kern="1200">
+                <a:solidFill>
+                  <a:schemeClr val="tx1"/>
+                </a:solidFill>
+                <a:latin typeface="+mn-lt"/>
+                <a:ea typeface="+mn-ea"/>
+                <a:cs typeface="+mn-cs"/>
+              </a:defRPr>
+            </a:lvl1pPr>
+            <a:lvl2pPr marL="742950" indent="-285750" algn="l" defTabSz="457200" rtl="0" eaLnBrk="1" latinLnBrk="0" hangingPunct="1">
+              <a:spcBef>
+                <a:spcPct val="20000"/>
+              </a:spcBef>
+              <a:buFont typeface="Arial"/>
+              <a:buChar char="–"/>
+              <a:defRPr sz="2800" kern="1200">
+                <a:solidFill>
+                  <a:schemeClr val="tx1"/>
+                </a:solidFill>
+                <a:latin typeface="+mn-lt"/>
+                <a:ea typeface="+mn-ea"/>
+                <a:cs typeface="+mn-cs"/>
+              </a:defRPr>
+            </a:lvl2pPr>
+            <a:lvl3pPr marL="1143000" indent="-228600" algn="l" defTabSz="457200" rtl="0" eaLnBrk="1" latinLnBrk="0" hangingPunct="1">
+              <a:spcBef>
+                <a:spcPct val="20000"/>
+              </a:spcBef>
+              <a:buFont typeface="Arial"/>
+              <a:buChar char="•"/>
+              <a:defRPr sz="2400" kern="1200">
+                <a:solidFill>
+                  <a:schemeClr val="tx1"/>
+                </a:solidFill>
+                <a:latin typeface="+mn-lt"/>
+                <a:ea typeface="+mn-ea"/>
+                <a:cs typeface="+mn-cs"/>
+              </a:defRPr>
+            </a:lvl3pPr>
+            <a:lvl4pPr marL="1600200" indent="-228600" algn="l" defTabSz="457200" rtl="0" eaLnBrk="1" latinLnBrk="0" hangingPunct="1">
+              <a:spcBef>
+                <a:spcPct val="20000"/>
+              </a:spcBef>
+              <a:buFont typeface="Arial"/>
+              <a:buChar char="–"/>
+              <a:defRPr sz="2000" kern="1200">
+                <a:solidFill>
+                  <a:schemeClr val="tx1"/>
+                </a:solidFill>
+                <a:latin typeface="+mn-lt"/>
+                <a:ea typeface="+mn-ea"/>
+                <a:cs typeface="+mn-cs"/>
+              </a:defRPr>
+            </a:lvl4pPr>
+            <a:lvl5pPr marL="2057400" indent="-228600" algn="l" defTabSz="457200" rtl="0" eaLnBrk="1" latinLnBrk="0" hangingPunct="1">
+              <a:spcBef>
+                <a:spcPct val="20000"/>
+              </a:spcBef>
+              <a:buFont typeface="Arial"/>
+              <a:buChar char="»"/>
+              <a:defRPr sz="2000" kern="1200">
+                <a:solidFill>
+                  <a:schemeClr val="tx1"/>
+                </a:solidFill>
+                <a:latin typeface="+mn-lt"/>
+                <a:ea typeface="+mn-ea"/>
+                <a:cs typeface="+mn-cs"/>
+              </a:defRPr>
+            </a:lvl5pPr>
+            <a:lvl6pPr marL="2514600" indent="-228600" algn="l" defTabSz="457200" rtl="0" eaLnBrk="1" latinLnBrk="0" hangingPunct="1">
+              <a:spcBef>
+                <a:spcPct val="20000"/>
+              </a:spcBef>
+              <a:buFont typeface="Arial"/>
+              <a:buChar char="•"/>
+              <a:defRPr sz="2000" kern="1200">
+                <a:solidFill>
+                  <a:schemeClr val="tx1"/>
+                </a:solidFill>
+                <a:latin typeface="+mn-lt"/>
+                <a:ea typeface="+mn-ea"/>
+                <a:cs typeface="+mn-cs"/>
+              </a:defRPr>
+            </a:lvl6pPr>
+            <a:lvl7pPr marL="2971800" indent="-228600" algn="l" defTabSz="457200" rtl="0" eaLnBrk="1" latinLnBrk="0" hangingPunct="1">
+              <a:spcBef>
+                <a:spcPct val="20000"/>
+              </a:spcBef>
+              <a:buFont typeface="Arial"/>
+              <a:buChar char="•"/>
+              <a:defRPr sz="2000" kern="1200">
+                <a:solidFill>
+                  <a:schemeClr val="tx1"/>
+                </a:solidFill>
+                <a:latin typeface="+mn-lt"/>
+                <a:ea typeface="+mn-ea"/>
+                <a:cs typeface="+mn-cs"/>
+              </a:defRPr>
+            </a:lvl7pPr>
+            <a:lvl8pPr marL="3429000" indent="-228600" algn="l" defTabSz="457200" rtl="0" eaLnBrk="1" latinLnBrk="0" hangingPunct="1">
+              <a:spcBef>
+                <a:spcPct val="20000"/>
+              </a:spcBef>
+              <a:buFont typeface="Arial"/>
+              <a:buChar char="•"/>
+              <a:defRPr sz="2000" kern="1200">
+                <a:solidFill>
+                  <a:schemeClr val="tx1"/>
+                </a:solidFill>
+                <a:latin typeface="+mn-lt"/>
+                <a:ea typeface="+mn-ea"/>
+                <a:cs typeface="+mn-cs"/>
+              </a:defRPr>
+            </a:lvl8pPr>
+            <a:lvl9pPr marL="3886200" indent="-228600" algn="l" defTabSz="457200" rtl="0" eaLnBrk="1" latinLnBrk="0" hangingPunct="1">
+              <a:spcBef>
+                <a:spcPct val="20000"/>
+              </a:spcBef>
+              <a:buFont typeface="Arial"/>
+              <a:buChar char="•"/>
+              <a:defRPr sz="2000" kern="1200">
+                <a:solidFill>
+                  <a:schemeClr val="tx1"/>
+                </a:solidFill>
+                <a:latin typeface="+mn-lt"/>
+                <a:ea typeface="+mn-ea"/>
+                <a:cs typeface="+mn-cs"/>
+              </a:defRPr>
+            </a:lvl9pPr>
+          </a:lstStyle>
+          <a:p>
+            <a:endParaRPr lang="es-ES" dirty="0"/>
+          </a:p>
+        </p:txBody>
+      </p:sp>
+      <p:sp>
+        <p:nvSpPr>
+          <p:cNvPr id="16" name="Título 1"/>
+          <p:cNvSpPr txBox="1">
+            <a:spLocks/>
+          </p:cNvSpPr>
+          <p:nvPr/>
+        </p:nvSpPr>
+        <p:spPr>
+          <a:xfrm>
+            <a:off x="364273" y="324984"/>
+            <a:ext cx="9069906" cy="887583"/>
+          </a:xfrm>
+          <a:prstGeom prst="rect">
+            <a:avLst/>
+          </a:prstGeom>
+        </p:spPr>
+        <p:txBody>
+          <a:bodyPr vert="horz" lIns="91440" tIns="45720" rIns="91440" bIns="45720" rtlCol="0" anchor="ctr">
+            <a:noAutofit/>
+          </a:bodyPr>
+          <a:lstStyle>
+            <a:lvl1pPr algn="ctr" defTabSz="457200" rtl="0" eaLnBrk="1" latinLnBrk="0" hangingPunct="1">
+              <a:spcBef>
+                <a:spcPct val="0"/>
+              </a:spcBef>
+              <a:buNone/>
+              <a:defRPr sz="4400" kern="1200">
+                <a:solidFill>
+                  <a:schemeClr val="tx1"/>
+                </a:solidFill>
+                <a:latin typeface="+mj-lt"/>
+                <a:ea typeface="+mj-ea"/>
+                <a:cs typeface="+mj-cs"/>
+              </a:defRPr>
+            </a:lvl1pPr>
+          </a:lstStyle>
+          <a:p>
+            <a:pPr algn="l"/>
+            <a:r>
+              <a:rPr lang="es-ES" sz="5400" dirty="0">
+                <a:solidFill>
+                  <a:schemeClr val="bg1"/>
+                </a:solidFill>
+              </a:rPr>
+              <a:t>MOCKUPS</a:t>
+            </a:r>
+          </a:p>
+        </p:txBody>
+      </p:sp>
+      <p:sp>
+        <p:nvSpPr>
+          <p:cNvPr id="27" name="Marcador de contenido 2"/>
+          <p:cNvSpPr txBox="1">
+            <a:spLocks/>
+          </p:cNvSpPr>
+          <p:nvPr/>
+        </p:nvSpPr>
+        <p:spPr>
+          <a:xfrm>
+            <a:off x="899151" y="2070580"/>
+            <a:ext cx="8000150" cy="4240068"/>
+          </a:xfrm>
+          <a:prstGeom prst="rect">
+            <a:avLst/>
+          </a:prstGeom>
+        </p:spPr>
+        <p:txBody>
+          <a:bodyPr>
+            <a:noAutofit/>
+          </a:bodyPr>
+          <a:lstStyle>
+            <a:lvl1pPr marL="342900" indent="-342900" algn="l" defTabSz="457200" rtl="0" eaLnBrk="1" latinLnBrk="0" hangingPunct="1">
+              <a:spcBef>
+                <a:spcPct val="20000"/>
+              </a:spcBef>
+              <a:buFont typeface="Arial"/>
+              <a:buChar char="•"/>
+              <a:defRPr sz="3200" kern="1200">
+                <a:solidFill>
+                  <a:schemeClr val="tx1"/>
+                </a:solidFill>
+                <a:latin typeface="+mn-lt"/>
+                <a:ea typeface="+mn-ea"/>
+                <a:cs typeface="+mn-cs"/>
+              </a:defRPr>
+            </a:lvl1pPr>
+            <a:lvl2pPr marL="742950" indent="-285750" algn="l" defTabSz="457200" rtl="0" eaLnBrk="1" latinLnBrk="0" hangingPunct="1">
+              <a:spcBef>
+                <a:spcPct val="20000"/>
+              </a:spcBef>
+              <a:buFont typeface="Arial"/>
+              <a:buChar char="–"/>
+              <a:defRPr sz="2800" kern="1200">
+                <a:solidFill>
+                  <a:schemeClr val="tx1"/>
+                </a:solidFill>
+                <a:latin typeface="+mn-lt"/>
+                <a:ea typeface="+mn-ea"/>
+                <a:cs typeface="+mn-cs"/>
+              </a:defRPr>
+            </a:lvl2pPr>
+            <a:lvl3pPr marL="1143000" indent="-228600" algn="l" defTabSz="457200" rtl="0" eaLnBrk="1" latinLnBrk="0" hangingPunct="1">
+              <a:spcBef>
+                <a:spcPct val="20000"/>
+              </a:spcBef>
+              <a:buFont typeface="Arial"/>
+              <a:buChar char="•"/>
+              <a:defRPr sz="2400" kern="1200">
+                <a:solidFill>
+                  <a:schemeClr val="tx1"/>
+                </a:solidFill>
+                <a:latin typeface="+mn-lt"/>
+                <a:ea typeface="+mn-ea"/>
+                <a:cs typeface="+mn-cs"/>
+              </a:defRPr>
+            </a:lvl3pPr>
+            <a:lvl4pPr marL="1600200" indent="-228600" algn="l" defTabSz="457200" rtl="0" eaLnBrk="1" latinLnBrk="0" hangingPunct="1">
+              <a:spcBef>
+                <a:spcPct val="20000"/>
+              </a:spcBef>
+              <a:buFont typeface="Arial"/>
+              <a:buChar char="–"/>
+              <a:defRPr sz="2000" kern="1200">
+                <a:solidFill>
+                  <a:schemeClr val="tx1"/>
+                </a:solidFill>
+                <a:latin typeface="+mn-lt"/>
+                <a:ea typeface="+mn-ea"/>
+                <a:cs typeface="+mn-cs"/>
+              </a:defRPr>
+            </a:lvl4pPr>
+            <a:lvl5pPr marL="2057400" indent="-228600" algn="l" defTabSz="457200" rtl="0" eaLnBrk="1" latinLnBrk="0" hangingPunct="1">
+              <a:spcBef>
+                <a:spcPct val="20000"/>
+              </a:spcBef>
+              <a:buFont typeface="Arial"/>
+              <a:buChar char="»"/>
+              <a:defRPr sz="2000" kern="1200">
+                <a:solidFill>
+                  <a:schemeClr val="tx1"/>
+                </a:solidFill>
+                <a:latin typeface="+mn-lt"/>
+                <a:ea typeface="+mn-ea"/>
+                <a:cs typeface="+mn-cs"/>
+              </a:defRPr>
+            </a:lvl5pPr>
+            <a:lvl6pPr marL="2514600" indent="-228600" algn="l" defTabSz="457200" rtl="0" eaLnBrk="1" latinLnBrk="0" hangingPunct="1">
+              <a:spcBef>
+                <a:spcPct val="20000"/>
+              </a:spcBef>
+              <a:buFont typeface="Arial"/>
+              <a:buChar char="•"/>
+              <a:defRPr sz="2000" kern="1200">
+                <a:solidFill>
+                  <a:schemeClr val="tx1"/>
+                </a:solidFill>
+                <a:latin typeface="+mn-lt"/>
+                <a:ea typeface="+mn-ea"/>
+                <a:cs typeface="+mn-cs"/>
+              </a:defRPr>
+            </a:lvl6pPr>
+            <a:lvl7pPr marL="2971800" indent="-228600" algn="l" defTabSz="457200" rtl="0" eaLnBrk="1" latinLnBrk="0" hangingPunct="1">
+              <a:spcBef>
+                <a:spcPct val="20000"/>
+              </a:spcBef>
+              <a:buFont typeface="Arial"/>
+              <a:buChar char="•"/>
+              <a:defRPr sz="2000" kern="1200">
+                <a:solidFill>
+                  <a:schemeClr val="tx1"/>
+                </a:solidFill>
+                <a:latin typeface="+mn-lt"/>
+                <a:ea typeface="+mn-ea"/>
+                <a:cs typeface="+mn-cs"/>
+              </a:defRPr>
+            </a:lvl7pPr>
+            <a:lvl8pPr marL="3429000" indent="-228600" algn="l" defTabSz="457200" rtl="0" eaLnBrk="1" latinLnBrk="0" hangingPunct="1">
+              <a:spcBef>
+                <a:spcPct val="20000"/>
+              </a:spcBef>
+              <a:buFont typeface="Arial"/>
+              <a:buChar char="•"/>
+              <a:defRPr sz="2000" kern="1200">
+                <a:solidFill>
+                  <a:schemeClr val="tx1"/>
+                </a:solidFill>
+                <a:latin typeface="+mn-lt"/>
+                <a:ea typeface="+mn-ea"/>
+                <a:cs typeface="+mn-cs"/>
+              </a:defRPr>
+            </a:lvl8pPr>
+            <a:lvl9pPr marL="3886200" indent="-228600" algn="l" defTabSz="457200" rtl="0" eaLnBrk="1" latinLnBrk="0" hangingPunct="1">
+              <a:spcBef>
+                <a:spcPct val="20000"/>
+              </a:spcBef>
+              <a:buFont typeface="Arial"/>
+              <a:buChar char="•"/>
+              <a:defRPr sz="2000" kern="1200">
+                <a:solidFill>
+                  <a:schemeClr val="tx1"/>
+                </a:solidFill>
+                <a:latin typeface="+mn-lt"/>
+                <a:ea typeface="+mn-ea"/>
+                <a:cs typeface="+mn-cs"/>
+              </a:defRPr>
+            </a:lvl9pPr>
+          </a:lstStyle>
+          <a:p>
+            <a:pPr marL="0" indent="0">
+              <a:buFont typeface="Arial"/>
+              <a:buNone/>
+            </a:pPr>
+            <a:endParaRPr lang="es-CO" sz="2000" dirty="0">
+              <a:solidFill>
+                <a:schemeClr val="tx1">
+                  <a:lumMod val="75000"/>
+                  <a:lumOff val="25000"/>
+                </a:schemeClr>
+              </a:solidFill>
+            </a:endParaRPr>
+          </a:p>
+        </p:txBody>
+      </p:sp>
+      <p:sp>
+        <p:nvSpPr>
+          <p:cNvPr id="2" name="AutoShape 2" descr="blob:https://web.telegram.org/91b4e5f7-c5d4-4266-91e2-3e14d7c7ae49"/>
+          <p:cNvSpPr>
+            <a:spLocks noChangeAspect="1" noChangeArrowheads="1"/>
+          </p:cNvSpPr>
+          <p:nvPr/>
+        </p:nvSpPr>
+        <p:spPr bwMode="auto">
+          <a:xfrm>
+            <a:off x="155575" y="-144463"/>
+            <a:ext cx="304800" cy="304801"/>
+          </a:xfrm>
+          <a:prstGeom prst="rect">
+            <a:avLst/>
+          </a:prstGeom>
+          <a:noFill/>
+          <a:extLst>
+            <a:ext uri="{909E8E84-426E-40DD-AFC4-6F175D3DCCD1}">
+              <a14:hiddenFill xmlns:a14="http://schemas.microsoft.com/office/drawing/2010/main">
+                <a:solidFill>
+                  <a:srgbClr val="FFFFFF"/>
+                </a:solidFill>
+              </a14:hiddenFill>
+            </a:ext>
+          </a:extLst>
+        </p:spPr>
+        <p:txBody>
+          <a:bodyPr vert="horz" wrap="square" lIns="91440" tIns="45720" rIns="91440" bIns="45720" numCol="1" anchor="t" anchorCtr="0" compatLnSpc="1">
+            <a:prstTxWarp prst="textNoShape">
+              <a:avLst/>
+            </a:prstTxWarp>
+          </a:bodyPr>
+          <a:lstStyle/>
+          <a:p>
+            <a:endParaRPr lang="es-CO"/>
+          </a:p>
+        </p:txBody>
+      </p:sp>
+      <p:pic>
+        <p:nvPicPr>
+          <p:cNvPr id="10" name="Imagen 9" descr="Interfaz de usuario gráfica&#10;&#10;Descripción generada automáticamente">
+            <a:extLst>
+              <a:ext uri="{FF2B5EF4-FFF2-40B4-BE49-F238E27FC236}">
+                <a16:creationId xmlns:a16="http://schemas.microsoft.com/office/drawing/2014/main" id="{E3FC3CB8-BEB7-442B-A329-0E3B63417374}"/>
+              </a:ext>
+            </a:extLst>
+          </p:cNvPr>
+          <p:cNvPicPr/>
+          <p:nvPr/>
+        </p:nvPicPr>
+        <p:blipFill>
+          <a:blip r:embed="rId2"/>
+          <a:stretch>
+            <a:fillRect/>
+          </a:stretch>
+        </p:blipFill>
+        <p:spPr>
+          <a:xfrm>
+            <a:off x="1360639" y="2416736"/>
+            <a:ext cx="6422721" cy="3383563"/>
+          </a:xfrm>
+          <a:prstGeom prst="rect">
+            <a:avLst/>
+          </a:prstGeom>
+        </p:spPr>
+      </p:pic>
+    </p:spTree>
+    <p:extLst>
+      <p:ext uri="{BB962C8B-B14F-4D97-AF65-F5344CB8AC3E}">
+        <p14:creationId xmlns:p14="http://schemas.microsoft.com/office/powerpoint/2010/main" val="2000891964"/>
       </p:ext>
     </p:extLst>
   </p:cSld>
@@ -25259,10 +25467,10 @@
       </p:sp>
       <p:pic>
         <p:nvPicPr>
-          <p:cNvPr id="10" name="Imagen 9" descr="Interfaz de usuario gráfica&#10;&#10;Descripción generada automáticamente">
+          <p:cNvPr id="10" name="Imagen 9" descr="Captura de pantalla de un celular&#10;&#10;Descripción generada automáticamente">
             <a:extLst>
               <a:ext uri="{FF2B5EF4-FFF2-40B4-BE49-F238E27FC236}">
-                <a16:creationId xmlns:a16="http://schemas.microsoft.com/office/drawing/2014/main" id="{E3FC3CB8-BEB7-442B-A329-0E3B63417374}"/>
+                <a16:creationId xmlns:a16="http://schemas.microsoft.com/office/drawing/2014/main" id="{31F5ADDF-67D6-4EC0-B0FE-CE5687BAC0C9}"/>
               </a:ext>
             </a:extLst>
           </p:cNvPr>
@@ -25277,8 +25485,8 @@
         </p:blipFill>
         <p:spPr>
           <a:xfrm>
-            <a:off x="1360639" y="2416736"/>
-            <a:ext cx="6422721" cy="3383563"/>
+            <a:off x="1053564" y="2191341"/>
+            <a:ext cx="6791211" cy="3555285"/>
           </a:xfrm>
           <a:prstGeom prst="rect">
             <a:avLst/>
@@ -25288,7 +25496,7 @@
     </p:spTree>
     <p:extLst>
       <p:ext uri="{BB962C8B-B14F-4D97-AF65-F5344CB8AC3E}">
-        <p14:creationId xmlns:p14="http://schemas.microsoft.com/office/powerpoint/2010/main" val="2000891964"/>
+        <p14:creationId xmlns:p14="http://schemas.microsoft.com/office/powerpoint/2010/main" val="935293071"/>
       </p:ext>
     </p:extLst>
   </p:cSld>
@@ -25878,10 +26086,10 @@
       </p:sp>
       <p:pic>
         <p:nvPicPr>
-          <p:cNvPr id="10" name="Imagen 9" descr="Captura de pantalla de un celular&#10;&#10;Descripción generada automáticamente">
+          <p:cNvPr id="10" name="Imagen 9" descr="Interfaz de usuario gráfica, Aplicación, Teams&#10;&#10;Descripción generada automáticamente">
             <a:extLst>
               <a:ext uri="{FF2B5EF4-FFF2-40B4-BE49-F238E27FC236}">
-                <a16:creationId xmlns:a16="http://schemas.microsoft.com/office/drawing/2014/main" id="{31F5ADDF-67D6-4EC0-B0FE-CE5687BAC0C9}"/>
+                <a16:creationId xmlns:a16="http://schemas.microsoft.com/office/drawing/2014/main" id="{12415C4E-3F70-4226-A4E1-7A0AA2D3CC8F}"/>
               </a:ext>
             </a:extLst>
           </p:cNvPr>
@@ -25896,8 +26104,8 @@
         </p:blipFill>
         <p:spPr>
           <a:xfrm>
-            <a:off x="1053564" y="2191341"/>
-            <a:ext cx="6791211" cy="3555285"/>
+            <a:off x="1342854" y="2416736"/>
+            <a:ext cx="6660152" cy="3083655"/>
           </a:xfrm>
           <a:prstGeom prst="rect">
             <a:avLst/>
@@ -25907,7 +26115,7 @@
     </p:spTree>
     <p:extLst>
       <p:ext uri="{BB962C8B-B14F-4D97-AF65-F5344CB8AC3E}">
-        <p14:creationId xmlns:p14="http://schemas.microsoft.com/office/powerpoint/2010/main" val="935293071"/>
+        <p14:creationId xmlns:p14="http://schemas.microsoft.com/office/powerpoint/2010/main" val="1012203549"/>
       </p:ext>
     </p:extLst>
   </p:cSld>
@@ -26497,625 +26705,6 @@
       </p:sp>
       <p:pic>
         <p:nvPicPr>
-          <p:cNvPr id="10" name="Imagen 9" descr="Interfaz de usuario gráfica, Aplicación, Teams&#10;&#10;Descripción generada automáticamente">
-            <a:extLst>
-              <a:ext uri="{FF2B5EF4-FFF2-40B4-BE49-F238E27FC236}">
-                <a16:creationId xmlns:a16="http://schemas.microsoft.com/office/drawing/2014/main" id="{12415C4E-3F70-4226-A4E1-7A0AA2D3CC8F}"/>
-              </a:ext>
-            </a:extLst>
-          </p:cNvPr>
-          <p:cNvPicPr/>
-          <p:nvPr/>
-        </p:nvPicPr>
-        <p:blipFill>
-          <a:blip r:embed="rId2"/>
-          <a:stretch>
-            <a:fillRect/>
-          </a:stretch>
-        </p:blipFill>
-        <p:spPr>
-          <a:xfrm>
-            <a:off x="1342854" y="2416736"/>
-            <a:ext cx="6660152" cy="3083655"/>
-          </a:xfrm>
-          <a:prstGeom prst="rect">
-            <a:avLst/>
-          </a:prstGeom>
-        </p:spPr>
-      </p:pic>
-    </p:spTree>
-    <p:extLst>
-      <p:ext uri="{BB962C8B-B14F-4D97-AF65-F5344CB8AC3E}">
-        <p14:creationId xmlns:p14="http://schemas.microsoft.com/office/powerpoint/2010/main" val="1012203549"/>
-      </p:ext>
-    </p:extLst>
-  </p:cSld>
-  <p:clrMapOvr>
-    <a:masterClrMapping/>
-  </p:clrMapOvr>
-</p:sld>
-</file>
-
-<file path=ppt/slides/slide43.xml><?xml version="1.0" encoding="utf-8"?>
-<p:sld xmlns:a="http://schemas.openxmlformats.org/drawingml/2006/main" xmlns:r="http://schemas.openxmlformats.org/officeDocument/2006/relationships" xmlns:p="http://schemas.openxmlformats.org/presentationml/2006/main">
-  <p:cSld>
-    <p:spTree>
-      <p:nvGrpSpPr>
-        <p:cNvPr id="1" name=""/>
-        <p:cNvGrpSpPr/>
-        <p:nvPr/>
-      </p:nvGrpSpPr>
-      <p:grpSpPr>
-        <a:xfrm>
-          <a:off x="0" y="0"/>
-          <a:ext cx="0" cy="0"/>
-          <a:chOff x="0" y="0"/>
-          <a:chExt cx="0" cy="0"/>
-        </a:xfrm>
-      </p:grpSpPr>
-      <p:sp>
-        <p:nvSpPr>
-          <p:cNvPr id="15" name="14 Rectángulo"/>
-          <p:cNvSpPr/>
-          <p:nvPr/>
-        </p:nvSpPr>
-        <p:spPr>
-          <a:xfrm rot="20796637">
-            <a:off x="-1033229" y="-310908"/>
-            <a:ext cx="10665350" cy="1608631"/>
-          </a:xfrm>
-          <a:prstGeom prst="rect">
-            <a:avLst/>
-          </a:prstGeom>
-          <a:solidFill>
-            <a:srgbClr val="92D050"/>
-          </a:solidFill>
-          <a:ln>
-            <a:noFill/>
-          </a:ln>
-          <a:effectLst/>
-        </p:spPr>
-        <p:style>
-          <a:lnRef idx="1">
-            <a:schemeClr val="accent1"/>
-          </a:lnRef>
-          <a:fillRef idx="3">
-            <a:schemeClr val="accent1"/>
-          </a:fillRef>
-          <a:effectRef idx="2">
-            <a:schemeClr val="accent1"/>
-          </a:effectRef>
-          <a:fontRef idx="minor">
-            <a:schemeClr val="lt1"/>
-          </a:fontRef>
-        </p:style>
-        <p:txBody>
-          <a:bodyPr rtlCol="0" anchor="ctr"/>
-          <a:lstStyle/>
-          <a:p>
-            <a:pPr algn="ctr"/>
-            <a:endParaRPr lang="es-CO" dirty="0"/>
-          </a:p>
-        </p:txBody>
-      </p:sp>
-      <p:sp>
-        <p:nvSpPr>
-          <p:cNvPr id="17" name="16 Rectángulo"/>
-          <p:cNvSpPr/>
-          <p:nvPr/>
-        </p:nvSpPr>
-        <p:spPr>
-          <a:xfrm rot="21241341">
-            <a:off x="-1002985" y="180847"/>
-            <a:ext cx="10631006" cy="1316776"/>
-          </a:xfrm>
-          <a:prstGeom prst="rect">
-            <a:avLst/>
-          </a:prstGeom>
-          <a:solidFill>
-            <a:srgbClr val="FFC000"/>
-          </a:solidFill>
-          <a:ln>
-            <a:noFill/>
-          </a:ln>
-          <a:effectLst/>
-        </p:spPr>
-        <p:style>
-          <a:lnRef idx="1">
-            <a:schemeClr val="accent1"/>
-          </a:lnRef>
-          <a:fillRef idx="3">
-            <a:schemeClr val="accent1"/>
-          </a:fillRef>
-          <a:effectRef idx="2">
-            <a:schemeClr val="accent1"/>
-          </a:effectRef>
-          <a:fontRef idx="minor">
-            <a:schemeClr val="lt1"/>
-          </a:fontRef>
-        </p:style>
-        <p:txBody>
-          <a:bodyPr rtlCol="0" anchor="ctr"/>
-          <a:lstStyle/>
-          <a:p>
-            <a:pPr algn="ctr"/>
-            <a:endParaRPr lang="es-CO" dirty="0"/>
-          </a:p>
-        </p:txBody>
-      </p:sp>
-      <p:sp>
-        <p:nvSpPr>
-          <p:cNvPr id="18" name="17 Rectángulo"/>
-          <p:cNvSpPr/>
-          <p:nvPr/>
-        </p:nvSpPr>
-        <p:spPr>
-          <a:xfrm>
-            <a:off x="-968311" y="198126"/>
-            <a:ext cx="10631006" cy="1425956"/>
-          </a:xfrm>
-          <a:prstGeom prst="rect">
-            <a:avLst/>
-          </a:prstGeom>
-          <a:solidFill>
-            <a:srgbClr val="0099A5"/>
-          </a:solidFill>
-          <a:ln>
-            <a:noFill/>
-          </a:ln>
-          <a:effectLst/>
-        </p:spPr>
-        <p:style>
-          <a:lnRef idx="1">
-            <a:schemeClr val="accent1"/>
-          </a:lnRef>
-          <a:fillRef idx="3">
-            <a:schemeClr val="accent1"/>
-          </a:fillRef>
-          <a:effectRef idx="2">
-            <a:schemeClr val="accent1"/>
-          </a:effectRef>
-          <a:fontRef idx="minor">
-            <a:schemeClr val="lt1"/>
-          </a:fontRef>
-        </p:style>
-        <p:txBody>
-          <a:bodyPr rtlCol="0" anchor="ctr"/>
-          <a:lstStyle/>
-          <a:p>
-            <a:pPr algn="ctr"/>
-            <a:endParaRPr lang="es-CO" dirty="0"/>
-          </a:p>
-        </p:txBody>
-      </p:sp>
-      <p:sp>
-        <p:nvSpPr>
-          <p:cNvPr id="7" name="Marcador de contenido 5"/>
-          <p:cNvSpPr txBox="1">
-            <a:spLocks/>
-          </p:cNvSpPr>
-          <p:nvPr/>
-        </p:nvSpPr>
-        <p:spPr>
-          <a:xfrm>
-            <a:off x="0" y="0"/>
-            <a:ext cx="9144000" cy="6857999"/>
-          </a:xfrm>
-          <a:prstGeom prst="rect">
-            <a:avLst/>
-          </a:prstGeom>
-        </p:spPr>
-        <p:txBody>
-          <a:bodyPr vert="horz" lIns="91440" tIns="45720" rIns="91440" bIns="45720" rtlCol="0">
-            <a:normAutofit/>
-          </a:bodyPr>
-          <a:lstStyle>
-            <a:lvl1pPr marL="342900" indent="-342900" algn="l" defTabSz="457200" rtl="0" eaLnBrk="1" latinLnBrk="0" hangingPunct="1">
-              <a:spcBef>
-                <a:spcPct val="20000"/>
-              </a:spcBef>
-              <a:buFont typeface="Arial"/>
-              <a:buChar char="•"/>
-              <a:defRPr sz="3200" kern="1200">
-                <a:solidFill>
-                  <a:schemeClr val="tx1"/>
-                </a:solidFill>
-                <a:latin typeface="+mn-lt"/>
-                <a:ea typeface="+mn-ea"/>
-                <a:cs typeface="+mn-cs"/>
-              </a:defRPr>
-            </a:lvl1pPr>
-            <a:lvl2pPr marL="742950" indent="-285750" algn="l" defTabSz="457200" rtl="0" eaLnBrk="1" latinLnBrk="0" hangingPunct="1">
-              <a:spcBef>
-                <a:spcPct val="20000"/>
-              </a:spcBef>
-              <a:buFont typeface="Arial"/>
-              <a:buChar char="–"/>
-              <a:defRPr sz="2800" kern="1200">
-                <a:solidFill>
-                  <a:schemeClr val="tx1"/>
-                </a:solidFill>
-                <a:latin typeface="+mn-lt"/>
-                <a:ea typeface="+mn-ea"/>
-                <a:cs typeface="+mn-cs"/>
-              </a:defRPr>
-            </a:lvl2pPr>
-            <a:lvl3pPr marL="1143000" indent="-228600" algn="l" defTabSz="457200" rtl="0" eaLnBrk="1" latinLnBrk="0" hangingPunct="1">
-              <a:spcBef>
-                <a:spcPct val="20000"/>
-              </a:spcBef>
-              <a:buFont typeface="Arial"/>
-              <a:buChar char="•"/>
-              <a:defRPr sz="2400" kern="1200">
-                <a:solidFill>
-                  <a:schemeClr val="tx1"/>
-                </a:solidFill>
-                <a:latin typeface="+mn-lt"/>
-                <a:ea typeface="+mn-ea"/>
-                <a:cs typeface="+mn-cs"/>
-              </a:defRPr>
-            </a:lvl3pPr>
-            <a:lvl4pPr marL="1600200" indent="-228600" algn="l" defTabSz="457200" rtl="0" eaLnBrk="1" latinLnBrk="0" hangingPunct="1">
-              <a:spcBef>
-                <a:spcPct val="20000"/>
-              </a:spcBef>
-              <a:buFont typeface="Arial"/>
-              <a:buChar char="–"/>
-              <a:defRPr sz="2000" kern="1200">
-                <a:solidFill>
-                  <a:schemeClr val="tx1"/>
-                </a:solidFill>
-                <a:latin typeface="+mn-lt"/>
-                <a:ea typeface="+mn-ea"/>
-                <a:cs typeface="+mn-cs"/>
-              </a:defRPr>
-            </a:lvl4pPr>
-            <a:lvl5pPr marL="2057400" indent="-228600" algn="l" defTabSz="457200" rtl="0" eaLnBrk="1" latinLnBrk="0" hangingPunct="1">
-              <a:spcBef>
-                <a:spcPct val="20000"/>
-              </a:spcBef>
-              <a:buFont typeface="Arial"/>
-              <a:buChar char="»"/>
-              <a:defRPr sz="2000" kern="1200">
-                <a:solidFill>
-                  <a:schemeClr val="tx1"/>
-                </a:solidFill>
-                <a:latin typeface="+mn-lt"/>
-                <a:ea typeface="+mn-ea"/>
-                <a:cs typeface="+mn-cs"/>
-              </a:defRPr>
-            </a:lvl5pPr>
-            <a:lvl6pPr marL="2514600" indent="-228600" algn="l" defTabSz="457200" rtl="0" eaLnBrk="1" latinLnBrk="0" hangingPunct="1">
-              <a:spcBef>
-                <a:spcPct val="20000"/>
-              </a:spcBef>
-              <a:buFont typeface="Arial"/>
-              <a:buChar char="•"/>
-              <a:defRPr sz="2000" kern="1200">
-                <a:solidFill>
-                  <a:schemeClr val="tx1"/>
-                </a:solidFill>
-                <a:latin typeface="+mn-lt"/>
-                <a:ea typeface="+mn-ea"/>
-                <a:cs typeface="+mn-cs"/>
-              </a:defRPr>
-            </a:lvl6pPr>
-            <a:lvl7pPr marL="2971800" indent="-228600" algn="l" defTabSz="457200" rtl="0" eaLnBrk="1" latinLnBrk="0" hangingPunct="1">
-              <a:spcBef>
-                <a:spcPct val="20000"/>
-              </a:spcBef>
-              <a:buFont typeface="Arial"/>
-              <a:buChar char="•"/>
-              <a:defRPr sz="2000" kern="1200">
-                <a:solidFill>
-                  <a:schemeClr val="tx1"/>
-                </a:solidFill>
-                <a:latin typeface="+mn-lt"/>
-                <a:ea typeface="+mn-ea"/>
-                <a:cs typeface="+mn-cs"/>
-              </a:defRPr>
-            </a:lvl7pPr>
-            <a:lvl8pPr marL="3429000" indent="-228600" algn="l" defTabSz="457200" rtl="0" eaLnBrk="1" latinLnBrk="0" hangingPunct="1">
-              <a:spcBef>
-                <a:spcPct val="20000"/>
-              </a:spcBef>
-              <a:buFont typeface="Arial"/>
-              <a:buChar char="•"/>
-              <a:defRPr sz="2000" kern="1200">
-                <a:solidFill>
-                  <a:schemeClr val="tx1"/>
-                </a:solidFill>
-                <a:latin typeface="+mn-lt"/>
-                <a:ea typeface="+mn-ea"/>
-                <a:cs typeface="+mn-cs"/>
-              </a:defRPr>
-            </a:lvl8pPr>
-            <a:lvl9pPr marL="3886200" indent="-228600" algn="l" defTabSz="457200" rtl="0" eaLnBrk="1" latinLnBrk="0" hangingPunct="1">
-              <a:spcBef>
-                <a:spcPct val="20000"/>
-              </a:spcBef>
-              <a:buFont typeface="Arial"/>
-              <a:buChar char="•"/>
-              <a:defRPr sz="2000" kern="1200">
-                <a:solidFill>
-                  <a:schemeClr val="tx1"/>
-                </a:solidFill>
-                <a:latin typeface="+mn-lt"/>
-                <a:ea typeface="+mn-ea"/>
-                <a:cs typeface="+mn-cs"/>
-              </a:defRPr>
-            </a:lvl9pPr>
-          </a:lstStyle>
-          <a:p>
-            <a:endParaRPr lang="es-ES" dirty="0"/>
-          </a:p>
-        </p:txBody>
-      </p:sp>
-      <p:sp>
-        <p:nvSpPr>
-          <p:cNvPr id="16" name="Título 1"/>
-          <p:cNvSpPr txBox="1">
-            <a:spLocks/>
-          </p:cNvSpPr>
-          <p:nvPr/>
-        </p:nvSpPr>
-        <p:spPr>
-          <a:xfrm>
-            <a:off x="364273" y="324984"/>
-            <a:ext cx="9069906" cy="887583"/>
-          </a:xfrm>
-          <a:prstGeom prst="rect">
-            <a:avLst/>
-          </a:prstGeom>
-        </p:spPr>
-        <p:txBody>
-          <a:bodyPr vert="horz" lIns="91440" tIns="45720" rIns="91440" bIns="45720" rtlCol="0" anchor="ctr">
-            <a:noAutofit/>
-          </a:bodyPr>
-          <a:lstStyle>
-            <a:lvl1pPr algn="ctr" defTabSz="457200" rtl="0" eaLnBrk="1" latinLnBrk="0" hangingPunct="1">
-              <a:spcBef>
-                <a:spcPct val="0"/>
-              </a:spcBef>
-              <a:buNone/>
-              <a:defRPr sz="4400" kern="1200">
-                <a:solidFill>
-                  <a:schemeClr val="tx1"/>
-                </a:solidFill>
-                <a:latin typeface="+mj-lt"/>
-                <a:ea typeface="+mj-ea"/>
-                <a:cs typeface="+mj-cs"/>
-              </a:defRPr>
-            </a:lvl1pPr>
-          </a:lstStyle>
-          <a:p>
-            <a:pPr algn="l"/>
-            <a:r>
-              <a:rPr lang="es-ES" sz="5400" dirty="0">
-                <a:solidFill>
-                  <a:schemeClr val="bg1"/>
-                </a:solidFill>
-              </a:rPr>
-              <a:t>MOCKUPS</a:t>
-            </a:r>
-          </a:p>
-        </p:txBody>
-      </p:sp>
-      <p:sp>
-        <p:nvSpPr>
-          <p:cNvPr id="27" name="Marcador de contenido 2"/>
-          <p:cNvSpPr txBox="1">
-            <a:spLocks/>
-          </p:cNvSpPr>
-          <p:nvPr/>
-        </p:nvSpPr>
-        <p:spPr>
-          <a:xfrm>
-            <a:off x="899151" y="2070580"/>
-            <a:ext cx="8000150" cy="4240068"/>
-          </a:xfrm>
-          <a:prstGeom prst="rect">
-            <a:avLst/>
-          </a:prstGeom>
-        </p:spPr>
-        <p:txBody>
-          <a:bodyPr>
-            <a:noAutofit/>
-          </a:bodyPr>
-          <a:lstStyle>
-            <a:lvl1pPr marL="342900" indent="-342900" algn="l" defTabSz="457200" rtl="0" eaLnBrk="1" latinLnBrk="0" hangingPunct="1">
-              <a:spcBef>
-                <a:spcPct val="20000"/>
-              </a:spcBef>
-              <a:buFont typeface="Arial"/>
-              <a:buChar char="•"/>
-              <a:defRPr sz="3200" kern="1200">
-                <a:solidFill>
-                  <a:schemeClr val="tx1"/>
-                </a:solidFill>
-                <a:latin typeface="+mn-lt"/>
-                <a:ea typeface="+mn-ea"/>
-                <a:cs typeface="+mn-cs"/>
-              </a:defRPr>
-            </a:lvl1pPr>
-            <a:lvl2pPr marL="742950" indent="-285750" algn="l" defTabSz="457200" rtl="0" eaLnBrk="1" latinLnBrk="0" hangingPunct="1">
-              <a:spcBef>
-                <a:spcPct val="20000"/>
-              </a:spcBef>
-              <a:buFont typeface="Arial"/>
-              <a:buChar char="–"/>
-              <a:defRPr sz="2800" kern="1200">
-                <a:solidFill>
-                  <a:schemeClr val="tx1"/>
-                </a:solidFill>
-                <a:latin typeface="+mn-lt"/>
-                <a:ea typeface="+mn-ea"/>
-                <a:cs typeface="+mn-cs"/>
-              </a:defRPr>
-            </a:lvl2pPr>
-            <a:lvl3pPr marL="1143000" indent="-228600" algn="l" defTabSz="457200" rtl="0" eaLnBrk="1" latinLnBrk="0" hangingPunct="1">
-              <a:spcBef>
-                <a:spcPct val="20000"/>
-              </a:spcBef>
-              <a:buFont typeface="Arial"/>
-              <a:buChar char="•"/>
-              <a:defRPr sz="2400" kern="1200">
-                <a:solidFill>
-                  <a:schemeClr val="tx1"/>
-                </a:solidFill>
-                <a:latin typeface="+mn-lt"/>
-                <a:ea typeface="+mn-ea"/>
-                <a:cs typeface="+mn-cs"/>
-              </a:defRPr>
-            </a:lvl3pPr>
-            <a:lvl4pPr marL="1600200" indent="-228600" algn="l" defTabSz="457200" rtl="0" eaLnBrk="1" latinLnBrk="0" hangingPunct="1">
-              <a:spcBef>
-                <a:spcPct val="20000"/>
-              </a:spcBef>
-              <a:buFont typeface="Arial"/>
-              <a:buChar char="–"/>
-              <a:defRPr sz="2000" kern="1200">
-                <a:solidFill>
-                  <a:schemeClr val="tx1"/>
-                </a:solidFill>
-                <a:latin typeface="+mn-lt"/>
-                <a:ea typeface="+mn-ea"/>
-                <a:cs typeface="+mn-cs"/>
-              </a:defRPr>
-            </a:lvl4pPr>
-            <a:lvl5pPr marL="2057400" indent="-228600" algn="l" defTabSz="457200" rtl="0" eaLnBrk="1" latinLnBrk="0" hangingPunct="1">
-              <a:spcBef>
-                <a:spcPct val="20000"/>
-              </a:spcBef>
-              <a:buFont typeface="Arial"/>
-              <a:buChar char="»"/>
-              <a:defRPr sz="2000" kern="1200">
-                <a:solidFill>
-                  <a:schemeClr val="tx1"/>
-                </a:solidFill>
-                <a:latin typeface="+mn-lt"/>
-                <a:ea typeface="+mn-ea"/>
-                <a:cs typeface="+mn-cs"/>
-              </a:defRPr>
-            </a:lvl5pPr>
-            <a:lvl6pPr marL="2514600" indent="-228600" algn="l" defTabSz="457200" rtl="0" eaLnBrk="1" latinLnBrk="0" hangingPunct="1">
-              <a:spcBef>
-                <a:spcPct val="20000"/>
-              </a:spcBef>
-              <a:buFont typeface="Arial"/>
-              <a:buChar char="•"/>
-              <a:defRPr sz="2000" kern="1200">
-                <a:solidFill>
-                  <a:schemeClr val="tx1"/>
-                </a:solidFill>
-                <a:latin typeface="+mn-lt"/>
-                <a:ea typeface="+mn-ea"/>
-                <a:cs typeface="+mn-cs"/>
-              </a:defRPr>
-            </a:lvl6pPr>
-            <a:lvl7pPr marL="2971800" indent="-228600" algn="l" defTabSz="457200" rtl="0" eaLnBrk="1" latinLnBrk="0" hangingPunct="1">
-              <a:spcBef>
-                <a:spcPct val="20000"/>
-              </a:spcBef>
-              <a:buFont typeface="Arial"/>
-              <a:buChar char="•"/>
-              <a:defRPr sz="2000" kern="1200">
-                <a:solidFill>
-                  <a:schemeClr val="tx1"/>
-                </a:solidFill>
-                <a:latin typeface="+mn-lt"/>
-                <a:ea typeface="+mn-ea"/>
-                <a:cs typeface="+mn-cs"/>
-              </a:defRPr>
-            </a:lvl7pPr>
-            <a:lvl8pPr marL="3429000" indent="-228600" algn="l" defTabSz="457200" rtl="0" eaLnBrk="1" latinLnBrk="0" hangingPunct="1">
-              <a:spcBef>
-                <a:spcPct val="20000"/>
-              </a:spcBef>
-              <a:buFont typeface="Arial"/>
-              <a:buChar char="•"/>
-              <a:defRPr sz="2000" kern="1200">
-                <a:solidFill>
-                  <a:schemeClr val="tx1"/>
-                </a:solidFill>
-                <a:latin typeface="+mn-lt"/>
-                <a:ea typeface="+mn-ea"/>
-                <a:cs typeface="+mn-cs"/>
-              </a:defRPr>
-            </a:lvl8pPr>
-            <a:lvl9pPr marL="3886200" indent="-228600" algn="l" defTabSz="457200" rtl="0" eaLnBrk="1" latinLnBrk="0" hangingPunct="1">
-              <a:spcBef>
-                <a:spcPct val="20000"/>
-              </a:spcBef>
-              <a:buFont typeface="Arial"/>
-              <a:buChar char="•"/>
-              <a:defRPr sz="2000" kern="1200">
-                <a:solidFill>
-                  <a:schemeClr val="tx1"/>
-                </a:solidFill>
-                <a:latin typeface="+mn-lt"/>
-                <a:ea typeface="+mn-ea"/>
-                <a:cs typeface="+mn-cs"/>
-              </a:defRPr>
-            </a:lvl9pPr>
-          </a:lstStyle>
-          <a:p>
-            <a:pPr marL="0" indent="0">
-              <a:buFont typeface="Arial"/>
-              <a:buNone/>
-            </a:pPr>
-            <a:endParaRPr lang="es-CO" sz="2000" dirty="0">
-              <a:solidFill>
-                <a:schemeClr val="tx1">
-                  <a:lumMod val="75000"/>
-                  <a:lumOff val="25000"/>
-                </a:schemeClr>
-              </a:solidFill>
-            </a:endParaRPr>
-          </a:p>
-        </p:txBody>
-      </p:sp>
-      <p:sp>
-        <p:nvSpPr>
-          <p:cNvPr id="2" name="AutoShape 2" descr="blob:https://web.telegram.org/91b4e5f7-c5d4-4266-91e2-3e14d7c7ae49"/>
-          <p:cNvSpPr>
-            <a:spLocks noChangeAspect="1" noChangeArrowheads="1"/>
-          </p:cNvSpPr>
-          <p:nvPr/>
-        </p:nvSpPr>
-        <p:spPr bwMode="auto">
-          <a:xfrm>
-            <a:off x="155575" y="-144463"/>
-            <a:ext cx="304800" cy="304801"/>
-          </a:xfrm>
-          <a:prstGeom prst="rect">
-            <a:avLst/>
-          </a:prstGeom>
-          <a:noFill/>
-          <a:extLst>
-            <a:ext uri="{909E8E84-426E-40DD-AFC4-6F175D3DCCD1}">
-              <a14:hiddenFill xmlns:a14="http://schemas.microsoft.com/office/drawing/2010/main">
-                <a:solidFill>
-                  <a:srgbClr val="FFFFFF"/>
-                </a:solidFill>
-              </a14:hiddenFill>
-            </a:ext>
-          </a:extLst>
-        </p:spPr>
-        <p:txBody>
-          <a:bodyPr vert="horz" wrap="square" lIns="91440" tIns="45720" rIns="91440" bIns="45720" numCol="1" anchor="t" anchorCtr="0" compatLnSpc="1">
-            <a:prstTxWarp prst="textNoShape">
-              <a:avLst/>
-            </a:prstTxWarp>
-          </a:bodyPr>
-          <a:lstStyle/>
-          <a:p>
-            <a:endParaRPr lang="es-CO"/>
-          </a:p>
-        </p:txBody>
-      </p:sp>
-      <p:pic>
-        <p:nvPicPr>
           <p:cNvPr id="11" name="Imagen 10" descr="Captura de pantalla de computadora&#10;&#10;Descripción generada automáticamente con confianza media">
             <a:extLst>
               <a:ext uri="{FF2B5EF4-FFF2-40B4-BE49-F238E27FC236}">
@@ -27155,7 +26744,7 @@
 </p:sld>
 </file>
 
-<file path=ppt/slides/slide44.xml><?xml version="1.0" encoding="utf-8"?>
+<file path=ppt/slides/slide43.xml><?xml version="1.0" encoding="utf-8"?>
 <p:sld xmlns:a="http://schemas.openxmlformats.org/drawingml/2006/main" xmlns:r="http://schemas.openxmlformats.org/officeDocument/2006/relationships" xmlns:p="http://schemas.openxmlformats.org/presentationml/2006/main">
   <p:cSld>
     <p:spTree>

--- a/Documentation/AseoMatic.pptx
+++ b/Documentation/AseoMatic.pptx
@@ -313,7 +313,7 @@
       </p15:notesGuideLst>
     </p:ext>
     <p:ext uri="http://customooxmlschemas.google.com/">
-      <go:slidesCustomData xmlns="" xmlns:mc="http://schemas.openxmlformats.org/markup-compatibility/2006" xmlns:mv="urn:schemas-microsoft-com:mac:vml" xmlns:c="http://schemas.openxmlformats.org/drawingml/2006/chart" xmlns:dgm="http://schemas.openxmlformats.org/drawingml/2006/diagram" xmlns:o="urn:schemas-microsoft-com:office:office" xmlns:v="urn:schemas-microsoft-com:vml" xmlns:pvml="urn:schemas-microsoft-com:office:powerpoint" xmlns:com="http://schemas.openxmlformats.org/drawingml/2006/compatibility" xmlns:p14="http://schemas.microsoft.com/office/powerpoint/2010/main" xmlns:p15="http://schemas.microsoft.com/office/powerpoint/2012/main" xmlns:go="http://customooxmlschemas.google.com/" r:id="rId47" roundtripDataSignature="AMtx7mhjJmz1Vlyn02yKCHItcX+SGp0+8Q=="/>
+      <go:slidesCustomData xmlns:go="http://customooxmlschemas.google.com/" xmlns:p15="http://schemas.microsoft.com/office/powerpoint/2012/main" xmlns:p14="http://schemas.microsoft.com/office/powerpoint/2010/main" xmlns:com="http://schemas.openxmlformats.org/drawingml/2006/compatibility" xmlns:pvml="urn:schemas-microsoft-com:office:powerpoint" xmlns:v="urn:schemas-microsoft-com:vml" xmlns:o="urn:schemas-microsoft-com:office:office" xmlns:dgm="http://schemas.openxmlformats.org/drawingml/2006/diagram" xmlns:c="http://schemas.openxmlformats.org/drawingml/2006/chart" xmlns:mv="urn:schemas-microsoft-com:mac:vml" xmlns:mc="http://schemas.openxmlformats.org/markup-compatibility/2006" xmlns="" r:id="rId47" roundtripDataSignature="AMtx7mhjJmz1Vlyn02yKCHItcX+SGp0+8Q=="/>
     </p:ext>
   </p:extLst>
 </p:presentation>
@@ -11082,7 +11082,7 @@
         </p:blipFill>
         <p:spPr>
           <a:xfrm>
-            <a:off x="969981" y="1608638"/>
+            <a:off x="922684" y="1624082"/>
             <a:ext cx="6754422" cy="5249361"/>
           </a:xfrm>
           <a:prstGeom prst="rect">
@@ -11433,7 +11433,7 @@
                   <a:schemeClr val="bg1"/>
                 </a:solidFill>
               </a:rPr>
-              <a:t>DIAGRAMA DE DESPLIEGUE </a:t>
+              <a:t>DIAGRAMA DE CLASES </a:t>
             </a:r>
           </a:p>
         </p:txBody>
@@ -12268,7 +12268,7 @@
               <a:buChar char="•"/>
             </a:pPr>
             <a:r>
-              <a:rPr lang="es-419" sz="2800" b="0" i="0" u="none" strike="noStrike" cap="none" dirty="0" smtClean="0">
+              <a:rPr lang="es-419" sz="2800" b="0" i="0" u="none" strike="noStrike" cap="none" dirty="0">
                 <a:solidFill>
                   <a:srgbClr val="080808"/>
                 </a:solidFill>
@@ -24764,7 +24764,7 @@
               <a:buSzPts val="2800"/>
             </a:pPr>
             <a:r>
-              <a:rPr lang="es-CO" sz="2600" dirty="0" smtClean="0">
+              <a:rPr lang="es-CO" sz="2600" dirty="0">
                 <a:solidFill>
                   <a:srgbClr val="8A8A8A"/>
                 </a:solidFill>
@@ -24776,7 +24776,7 @@
               <a:t>La empresa de aseo</a:t>
             </a:r>
             <a:r>
-              <a:rPr lang="es-CO" sz="2600" b="0" i="0" u="none" strike="noStrike" cap="none" dirty="0" smtClean="0">
+              <a:rPr lang="es-CO" sz="2600" b="0" i="0" u="none" strike="noStrike" cap="none" dirty="0">
                 <a:solidFill>
                   <a:srgbClr val="8A8A8A"/>
                 </a:solidFill>
@@ -24788,7 +24788,7 @@
               <a:t> Servicios y Suministros La Equidad S.A.S, dedicado actualmente a la limpieza general e </a:t>
             </a:r>
             <a:r>
-              <a:rPr lang="es-CO" sz="2600" dirty="0" smtClean="0">
+              <a:rPr lang="es-CO" sz="2600" dirty="0">
                 <a:solidFill>
                   <a:srgbClr val="8A8A8A"/>
                 </a:solidFill>
@@ -24808,7 +24808,7 @@
               <a:buSzPts val="2800"/>
             </a:pPr>
             <a:r>
-              <a:rPr lang="es-CO" sz="2600" dirty="0" smtClean="0">
+              <a:rPr lang="es-CO" sz="2600" dirty="0">
                 <a:solidFill>
                   <a:srgbClr val="8A8A8A"/>
                 </a:solidFill>
@@ -24820,7 +24820,7 @@
               <a:t>A través de las encuestas se evidencio </a:t>
             </a:r>
             <a:r>
-              <a:rPr lang="es-MX" sz="2600" dirty="0" smtClean="0">
+              <a:rPr lang="es-MX" sz="2600" dirty="0">
                 <a:solidFill>
                   <a:srgbClr val="8A8A8A"/>
                 </a:solidFill>
@@ -24840,7 +24840,7 @@
               <a:buSzPts val="2800"/>
             </a:pPr>
             <a:r>
-              <a:rPr lang="es-MX" sz="2600" dirty="0" smtClean="0">
+              <a:rPr lang="es-MX" sz="2600" dirty="0">
                 <a:solidFill>
                   <a:srgbClr val="8A8A8A"/>
                 </a:solidFill>
@@ -26918,14 +26918,11 @@
           <a:p>
             <a:pPr algn="ctr"/>
             <a:r>
-              <a:rPr lang="es-ES" sz="2800" b="1" dirty="0" smtClean="0">
+              <a:rPr lang="es-ES" sz="2800" b="1" dirty="0">
                 <a:latin typeface="Bahnschrift" panose="020B0502040204020203" pitchFamily="34" charset="0"/>
               </a:rPr>
               <a:t>LOS</a:t>
             </a:r>
-            <a:endParaRPr lang="es-ES" sz="2800" b="1" dirty="0">
-              <a:latin typeface="Bahnschrift" panose="020B0502040204020203" pitchFamily="34" charset="0"/>
-            </a:endParaRPr>
           </a:p>
         </p:txBody>
       </p:sp>
@@ -27509,43 +27506,7 @@
                 <a:cs typeface="Calibri"/>
                 <a:sym typeface="Calibri"/>
               </a:rPr>
-              <a:t>AseoMatic busca solucionar este inconveniente desarrollando un sistema web con </a:t>
-            </a:r>
-            <a:r>
-              <a:rPr lang="es-MX" sz="1800" dirty="0" smtClean="0">
-                <a:solidFill>
-                  <a:srgbClr val="8A8A8A"/>
-                </a:solidFill>
-                <a:latin typeface="Calibri"/>
-                <a:ea typeface="Calibri"/>
-                <a:cs typeface="Calibri"/>
-                <a:sym typeface="Calibri"/>
-              </a:rPr>
-              <a:t>el</a:t>
-            </a:r>
-            <a:r>
-              <a:rPr lang="es-MX" sz="1800" dirty="0" smtClean="0">
-                <a:solidFill>
-                  <a:srgbClr val="8A8A8A"/>
-                </a:solidFill>
-                <a:latin typeface="Calibri"/>
-                <a:ea typeface="Calibri"/>
-                <a:cs typeface="Calibri"/>
-                <a:sym typeface="Calibri"/>
-              </a:rPr>
-              <a:t> Modulo </a:t>
-            </a:r>
-            <a:r>
-              <a:rPr lang="es-MX" sz="1800" dirty="0">
-                <a:solidFill>
-                  <a:srgbClr val="8A8A8A"/>
-                </a:solidFill>
-                <a:latin typeface="Calibri"/>
-                <a:ea typeface="Calibri"/>
-                <a:cs typeface="Calibri"/>
-                <a:sym typeface="Calibri"/>
-              </a:rPr>
-              <a:t>Gestión de usuarios , es importante ya que es el proceso por el cual los usuarios ingresan al sistema y también permite la creación, consulta, modificación y eliminación de los usuarios que entran a manipular el sistema además de que permite crear roles para llevar un control de lo que puede o no hacer determinado usuario y modulo Gestión de  nominas</a:t>
+              <a:t>AseoMatic busca solucionar este inconveniente desarrollando un sistema web con el Modulo Gestión de usuarios , es importante ya que es el proceso por el cual los usuarios ingresan al sistema y también permite la creación, consulta, modificación y eliminación de los usuarios que entran a manipular el sistema además de que permite crear roles para llevar un control de lo que puede o no hacer determinado usuario y modulo Gestión de  nominas</a:t>
             </a:r>
             <a:r>
               <a:rPr lang="es-MX" sz="2000" b="1" dirty="0">
